--- a/communication/策划与程序沟通技巧.pptx
+++ b/communication/策划与程序沟通技巧.pptx
@@ -6,7 +6,7 @@
     <p:sldMasterId id="2147483672" r:id="rId2"/>
   </p:sldMasterIdLst>
   <p:notesMasterIdLst>
-    <p:notesMasterId r:id="rId13"/>
+    <p:notesMasterId r:id="rId22"/>
   </p:notesMasterIdLst>
   <p:sldIdLst>
     <p:sldId id="256" r:id="rId3"/>
@@ -15,10 +15,19 @@
     <p:sldId id="259" r:id="rId6"/>
     <p:sldId id="260" r:id="rId7"/>
     <p:sldId id="261" r:id="rId8"/>
-    <p:sldId id="262" r:id="rId9"/>
-    <p:sldId id="263" r:id="rId10"/>
-    <p:sldId id="264" r:id="rId11"/>
-    <p:sldId id="265" r:id="rId12"/>
+    <p:sldId id="266" r:id="rId9"/>
+    <p:sldId id="267" r:id="rId10"/>
+    <p:sldId id="268" r:id="rId11"/>
+    <p:sldId id="262" r:id="rId12"/>
+    <p:sldId id="269" r:id="rId13"/>
+    <p:sldId id="270" r:id="rId14"/>
+    <p:sldId id="271" r:id="rId15"/>
+    <p:sldId id="272" r:id="rId16"/>
+    <p:sldId id="273" r:id="rId17"/>
+    <p:sldId id="274" r:id="rId18"/>
+    <p:sldId id="263" r:id="rId19"/>
+    <p:sldId id="264" r:id="rId20"/>
+    <p:sldId id="265" r:id="rId21"/>
   </p:sldIdLst>
   <p:sldSz cx="12192000" cy="6858000"/>
   <p:notesSz cx="6858000" cy="9144000"/>
@@ -202,7 +211,7 @@
           <a:p>
             <a:fld id="{98F61A85-A7BA-405E-98DD-B5BF1ADBF100}" type="datetimeFigureOut">
               <a:rPr lang="zh-CN" altLang="en-US" smtClean="0"/>
-              <a:t>2018/3/4</a:t>
+              <a:t>2018/3/5</a:t>
             </a:fld>
             <a:endParaRPr lang="zh-CN" altLang="en-US"/>
           </a:p>
@@ -534,7 +543,7 @@
           <a:p>
             <a:fld id="{D7AFCA8C-653A-44A5-9E16-D6C2FB0350C5}" type="slidenum">
               <a:rPr lang="zh-CN" altLang="en-US" smtClean="0"/>
-              <a:t>7</a:t>
+              <a:t>10</a:t>
             </a:fld>
             <a:endParaRPr lang="zh-CN" altLang="en-US"/>
           </a:p>
@@ -544,6 +553,262 @@
     <p:extLst>
       <p:ext uri="{BB962C8B-B14F-4D97-AF65-F5344CB8AC3E}">
         <p14:creationId xmlns:p14="http://schemas.microsoft.com/office/powerpoint/2010/main" val="1956680942"/>
+      </p:ext>
+    </p:extLst>
+  </p:cSld>
+  <p:clrMapOvr>
+    <a:masterClrMapping/>
+  </p:clrMapOvr>
+</p:notes>
+</file>
+
+<file path=ppt/notesSlides/notesSlide2.xml><?xml version="1.0" encoding="utf-8"?>
+<p:notes xmlns:a="http://schemas.openxmlformats.org/drawingml/2006/main" xmlns:r="http://schemas.openxmlformats.org/officeDocument/2006/relationships" xmlns:p="http://schemas.openxmlformats.org/presentationml/2006/main">
+  <p:cSld>
+    <p:spTree>
+      <p:nvGrpSpPr>
+        <p:cNvPr id="1" name=""/>
+        <p:cNvGrpSpPr/>
+        <p:nvPr/>
+      </p:nvGrpSpPr>
+      <p:grpSpPr>
+        <a:xfrm>
+          <a:off x="0" y="0"/>
+          <a:ext cx="0" cy="0"/>
+          <a:chOff x="0" y="0"/>
+          <a:chExt cx="0" cy="0"/>
+        </a:xfrm>
+      </p:grpSpPr>
+      <p:sp>
+        <p:nvSpPr>
+          <p:cNvPr id="2" name="幻灯片图像占位符 1"/>
+          <p:cNvSpPr>
+            <a:spLocks noGrp="1" noRot="1" noChangeAspect="1"/>
+          </p:cNvSpPr>
+          <p:nvPr>
+            <p:ph type="sldImg"/>
+          </p:nvPr>
+        </p:nvSpPr>
+        <p:spPr/>
+      </p:sp>
+      <p:sp>
+        <p:nvSpPr>
+          <p:cNvPr id="3" name="备注占位符 2"/>
+          <p:cNvSpPr>
+            <a:spLocks noGrp="1"/>
+          </p:cNvSpPr>
+          <p:nvPr>
+            <p:ph type="body" idx="1"/>
+          </p:nvPr>
+        </p:nvSpPr>
+        <p:spPr/>
+        <p:txBody>
+          <a:bodyPr/>
+          <a:lstStyle/>
+          <a:p>
+            <a:r>
+              <a:rPr lang="zh-CN" altLang="en-US" dirty="0" smtClean="0"/>
+              <a:t>策划经常来找我改需求，后来我在桌上放了一把菜刀，他就很少来了。</a:t>
+            </a:r>
+            <a:endParaRPr lang="zh-CN" altLang="en-US" dirty="0"/>
+          </a:p>
+        </p:txBody>
+      </p:sp>
+      <p:sp>
+        <p:nvSpPr>
+          <p:cNvPr id="4" name="灯片编号占位符 3"/>
+          <p:cNvSpPr>
+            <a:spLocks noGrp="1"/>
+          </p:cNvSpPr>
+          <p:nvPr>
+            <p:ph type="sldNum" sz="quarter" idx="10"/>
+          </p:nvPr>
+        </p:nvSpPr>
+        <p:spPr/>
+        <p:txBody>
+          <a:bodyPr/>
+          <a:lstStyle/>
+          <a:p>
+            <a:fld id="{D7AFCA8C-653A-44A5-9E16-D6C2FB0350C5}" type="slidenum">
+              <a:rPr lang="zh-CN" altLang="en-US" smtClean="0"/>
+              <a:t>12</a:t>
+            </a:fld>
+            <a:endParaRPr lang="zh-CN" altLang="en-US"/>
+          </a:p>
+        </p:txBody>
+      </p:sp>
+    </p:spTree>
+    <p:extLst>
+      <p:ext uri="{BB962C8B-B14F-4D97-AF65-F5344CB8AC3E}">
+        <p14:creationId xmlns:p14="http://schemas.microsoft.com/office/powerpoint/2010/main" val="4068564447"/>
+      </p:ext>
+    </p:extLst>
+  </p:cSld>
+  <p:clrMapOvr>
+    <a:masterClrMapping/>
+  </p:clrMapOvr>
+</p:notes>
+</file>
+
+<file path=ppt/notesSlides/notesSlide3.xml><?xml version="1.0" encoding="utf-8"?>
+<p:notes xmlns:a="http://schemas.openxmlformats.org/drawingml/2006/main" xmlns:r="http://schemas.openxmlformats.org/officeDocument/2006/relationships" xmlns:p="http://schemas.openxmlformats.org/presentationml/2006/main">
+  <p:cSld>
+    <p:spTree>
+      <p:nvGrpSpPr>
+        <p:cNvPr id="1" name=""/>
+        <p:cNvGrpSpPr/>
+        <p:nvPr/>
+      </p:nvGrpSpPr>
+      <p:grpSpPr>
+        <a:xfrm>
+          <a:off x="0" y="0"/>
+          <a:ext cx="0" cy="0"/>
+          <a:chOff x="0" y="0"/>
+          <a:chExt cx="0" cy="0"/>
+        </a:xfrm>
+      </p:grpSpPr>
+      <p:sp>
+        <p:nvSpPr>
+          <p:cNvPr id="2" name="幻灯片图像占位符 1"/>
+          <p:cNvSpPr>
+            <a:spLocks noGrp="1" noRot="1" noChangeAspect="1"/>
+          </p:cNvSpPr>
+          <p:nvPr>
+            <p:ph type="sldImg"/>
+          </p:nvPr>
+        </p:nvSpPr>
+        <p:spPr/>
+      </p:sp>
+      <p:sp>
+        <p:nvSpPr>
+          <p:cNvPr id="3" name="备注占位符 2"/>
+          <p:cNvSpPr>
+            <a:spLocks noGrp="1"/>
+          </p:cNvSpPr>
+          <p:nvPr>
+            <p:ph type="body" idx="1"/>
+          </p:nvPr>
+        </p:nvSpPr>
+        <p:spPr/>
+        <p:txBody>
+          <a:bodyPr/>
+          <a:lstStyle/>
+          <a:p>
+            <a:endParaRPr lang="zh-CN" altLang="en-US" dirty="0"/>
+          </a:p>
+        </p:txBody>
+      </p:sp>
+      <p:sp>
+        <p:nvSpPr>
+          <p:cNvPr id="4" name="灯片编号占位符 3"/>
+          <p:cNvSpPr>
+            <a:spLocks noGrp="1"/>
+          </p:cNvSpPr>
+          <p:nvPr>
+            <p:ph type="sldNum" sz="quarter" idx="10"/>
+          </p:nvPr>
+        </p:nvSpPr>
+        <p:spPr/>
+        <p:txBody>
+          <a:bodyPr/>
+          <a:lstStyle/>
+          <a:p>
+            <a:fld id="{D7AFCA8C-653A-44A5-9E16-D6C2FB0350C5}" type="slidenum">
+              <a:rPr lang="zh-CN" altLang="en-US" smtClean="0"/>
+              <a:t>13</a:t>
+            </a:fld>
+            <a:endParaRPr lang="zh-CN" altLang="en-US"/>
+          </a:p>
+        </p:txBody>
+      </p:sp>
+    </p:spTree>
+    <p:extLst>
+      <p:ext uri="{BB962C8B-B14F-4D97-AF65-F5344CB8AC3E}">
+        <p14:creationId xmlns:p14="http://schemas.microsoft.com/office/powerpoint/2010/main" val="12006944"/>
+      </p:ext>
+    </p:extLst>
+  </p:cSld>
+  <p:clrMapOvr>
+    <a:masterClrMapping/>
+  </p:clrMapOvr>
+</p:notes>
+</file>
+
+<file path=ppt/notesSlides/notesSlide4.xml><?xml version="1.0" encoding="utf-8"?>
+<p:notes xmlns:a="http://schemas.openxmlformats.org/drawingml/2006/main" xmlns:r="http://schemas.openxmlformats.org/officeDocument/2006/relationships" xmlns:p="http://schemas.openxmlformats.org/presentationml/2006/main">
+  <p:cSld>
+    <p:spTree>
+      <p:nvGrpSpPr>
+        <p:cNvPr id="1" name=""/>
+        <p:cNvGrpSpPr/>
+        <p:nvPr/>
+      </p:nvGrpSpPr>
+      <p:grpSpPr>
+        <a:xfrm>
+          <a:off x="0" y="0"/>
+          <a:ext cx="0" cy="0"/>
+          <a:chOff x="0" y="0"/>
+          <a:chExt cx="0" cy="0"/>
+        </a:xfrm>
+      </p:grpSpPr>
+      <p:sp>
+        <p:nvSpPr>
+          <p:cNvPr id="2" name="幻灯片图像占位符 1"/>
+          <p:cNvSpPr>
+            <a:spLocks noGrp="1" noRot="1" noChangeAspect="1"/>
+          </p:cNvSpPr>
+          <p:nvPr>
+            <p:ph type="sldImg"/>
+          </p:nvPr>
+        </p:nvSpPr>
+        <p:spPr/>
+      </p:sp>
+      <p:sp>
+        <p:nvSpPr>
+          <p:cNvPr id="3" name="备注占位符 2"/>
+          <p:cNvSpPr>
+            <a:spLocks noGrp="1"/>
+          </p:cNvSpPr>
+          <p:nvPr>
+            <p:ph type="body" idx="1"/>
+          </p:nvPr>
+        </p:nvSpPr>
+        <p:spPr/>
+        <p:txBody>
+          <a:bodyPr/>
+          <a:lstStyle/>
+          <a:p>
+            <a:endParaRPr lang="zh-CN" altLang="en-US" dirty="0"/>
+          </a:p>
+        </p:txBody>
+      </p:sp>
+      <p:sp>
+        <p:nvSpPr>
+          <p:cNvPr id="4" name="灯片编号占位符 3"/>
+          <p:cNvSpPr>
+            <a:spLocks noGrp="1"/>
+          </p:cNvSpPr>
+          <p:nvPr>
+            <p:ph type="sldNum" sz="quarter" idx="10"/>
+          </p:nvPr>
+        </p:nvSpPr>
+        <p:spPr/>
+        <p:txBody>
+          <a:bodyPr/>
+          <a:lstStyle/>
+          <a:p>
+            <a:fld id="{D7AFCA8C-653A-44A5-9E16-D6C2FB0350C5}" type="slidenum">
+              <a:rPr lang="zh-CN" altLang="en-US" smtClean="0"/>
+              <a:t>16</a:t>
+            </a:fld>
+            <a:endParaRPr lang="zh-CN" altLang="en-US"/>
+          </a:p>
+        </p:txBody>
+      </p:sp>
+    </p:spTree>
+    <p:extLst>
+      <p:ext uri="{BB962C8B-B14F-4D97-AF65-F5344CB8AC3E}">
+        <p14:creationId xmlns:p14="http://schemas.microsoft.com/office/powerpoint/2010/main" val="938249377"/>
       </p:ext>
     </p:extLst>
   </p:cSld>
@@ -695,7 +960,7 @@
           <a:p>
             <a:fld id="{60BDFD96-2392-4D47-9522-C1D6768F6D40}" type="datetimeFigureOut">
               <a:rPr lang="zh-CN" altLang="en-US" smtClean="0"/>
-              <a:t>2018/3/4</a:t>
+              <a:t>2018/3/5</a:t>
             </a:fld>
             <a:endParaRPr lang="zh-CN" altLang="en-US"/>
           </a:p>
@@ -865,7 +1130,7 @@
           <a:p>
             <a:fld id="{60BDFD96-2392-4D47-9522-C1D6768F6D40}" type="datetimeFigureOut">
               <a:rPr lang="zh-CN" altLang="en-US" smtClean="0"/>
-              <a:t>2018/3/4</a:t>
+              <a:t>2018/3/5</a:t>
             </a:fld>
             <a:endParaRPr lang="zh-CN" altLang="en-US"/>
           </a:p>
@@ -1045,7 +1310,7 @@
           <a:p>
             <a:fld id="{60BDFD96-2392-4D47-9522-C1D6768F6D40}" type="datetimeFigureOut">
               <a:rPr lang="zh-CN" altLang="en-US" smtClean="0"/>
-              <a:t>2018/3/4</a:t>
+              <a:t>2018/3/5</a:t>
             </a:fld>
             <a:endParaRPr lang="zh-CN" altLang="en-US"/>
           </a:p>
@@ -1291,7 +1556,7 @@
           <a:p>
             <a:fld id="{60BDFD96-2392-4D47-9522-C1D6768F6D40}" type="datetimeFigureOut">
               <a:rPr lang="zh-CN" altLang="en-US" smtClean="0"/>
-              <a:t>2018/3/4</a:t>
+              <a:t>2018/3/5</a:t>
             </a:fld>
             <a:endParaRPr lang="zh-CN" altLang="en-US"/>
           </a:p>
@@ -1461,7 +1726,7 @@
           <a:p>
             <a:fld id="{60BDFD96-2392-4D47-9522-C1D6768F6D40}" type="datetimeFigureOut">
               <a:rPr lang="zh-CN" altLang="en-US" smtClean="0"/>
-              <a:t>2018/3/4</a:t>
+              <a:t>2018/3/5</a:t>
             </a:fld>
             <a:endParaRPr lang="zh-CN" altLang="en-US"/>
           </a:p>
@@ -1705,7 +1970,7 @@
           <a:p>
             <a:fld id="{60BDFD96-2392-4D47-9522-C1D6768F6D40}" type="datetimeFigureOut">
               <a:rPr lang="zh-CN" altLang="en-US" smtClean="0"/>
-              <a:t>2018/3/4</a:t>
+              <a:t>2018/3/5</a:t>
             </a:fld>
             <a:endParaRPr lang="zh-CN" altLang="en-US"/>
           </a:p>
@@ -1941,7 +2206,7 @@
           <a:p>
             <a:fld id="{60BDFD96-2392-4D47-9522-C1D6768F6D40}" type="datetimeFigureOut">
               <a:rPr lang="zh-CN" altLang="en-US" smtClean="0"/>
-              <a:t>2018/3/4</a:t>
+              <a:t>2018/3/5</a:t>
             </a:fld>
             <a:endParaRPr lang="zh-CN" altLang="en-US"/>
           </a:p>
@@ -2407,7 +2672,7 @@
           <a:p>
             <a:fld id="{60BDFD96-2392-4D47-9522-C1D6768F6D40}" type="datetimeFigureOut">
               <a:rPr lang="zh-CN" altLang="en-US" smtClean="0"/>
-              <a:t>2018/3/4</a:t>
+              <a:t>2018/3/5</a:t>
             </a:fld>
             <a:endParaRPr lang="zh-CN" altLang="en-US"/>
           </a:p>
@@ -2525,7 +2790,7 @@
           <a:p>
             <a:fld id="{60BDFD96-2392-4D47-9522-C1D6768F6D40}" type="datetimeFigureOut">
               <a:rPr lang="zh-CN" altLang="en-US" smtClean="0"/>
-              <a:t>2018/3/4</a:t>
+              <a:t>2018/3/5</a:t>
             </a:fld>
             <a:endParaRPr lang="zh-CN" altLang="en-US"/>
           </a:p>
@@ -2620,7 +2885,7 @@
           <a:p>
             <a:fld id="{60BDFD96-2392-4D47-9522-C1D6768F6D40}" type="datetimeFigureOut">
               <a:rPr lang="zh-CN" altLang="en-US" smtClean="0"/>
-              <a:t>2018/3/4</a:t>
+              <a:t>2018/3/5</a:t>
             </a:fld>
             <a:endParaRPr lang="zh-CN" altLang="en-US"/>
           </a:p>
@@ -2875,7 +3140,7 @@
           <a:p>
             <a:fld id="{60BDFD96-2392-4D47-9522-C1D6768F6D40}" type="datetimeFigureOut">
               <a:rPr lang="zh-CN" altLang="en-US" smtClean="0"/>
-              <a:t>2018/3/4</a:t>
+              <a:t>2018/3/5</a:t>
             </a:fld>
             <a:endParaRPr lang="zh-CN" altLang="en-US"/>
           </a:p>
@@ -3045,7 +3310,7 @@
           <a:p>
             <a:fld id="{60BDFD96-2392-4D47-9522-C1D6768F6D40}" type="datetimeFigureOut">
               <a:rPr lang="zh-CN" altLang="en-US" smtClean="0"/>
-              <a:t>2018/3/4</a:t>
+              <a:t>2018/3/5</a:t>
             </a:fld>
             <a:endParaRPr lang="zh-CN" altLang="en-US"/>
           </a:p>
@@ -3345,7 +3610,7 @@
           <a:p>
             <a:fld id="{60BDFD96-2392-4D47-9522-C1D6768F6D40}" type="datetimeFigureOut">
               <a:rPr lang="zh-CN" altLang="en-US" smtClean="0"/>
-              <a:t>2018/3/4</a:t>
+              <a:t>2018/3/5</a:t>
             </a:fld>
             <a:endParaRPr lang="zh-CN" altLang="en-US"/>
           </a:p>
@@ -3643,7 +3908,7 @@
           <a:p>
             <a:fld id="{60BDFD96-2392-4D47-9522-C1D6768F6D40}" type="datetimeFigureOut">
               <a:rPr lang="zh-CN" altLang="en-US" smtClean="0"/>
-              <a:t>2018/3/4</a:t>
+              <a:t>2018/3/5</a:t>
             </a:fld>
             <a:endParaRPr lang="zh-CN" altLang="en-US"/>
           </a:p>
@@ -3835,7 +4100,7 @@
           <a:p>
             <a:fld id="{60BDFD96-2392-4D47-9522-C1D6768F6D40}" type="datetimeFigureOut">
               <a:rPr lang="zh-CN" altLang="en-US" smtClean="0"/>
-              <a:t>2018/3/4</a:t>
+              <a:t>2018/3/5</a:t>
             </a:fld>
             <a:endParaRPr lang="zh-CN" altLang="en-US"/>
           </a:p>
@@ -4096,7 +4361,7 @@
           <a:p>
             <a:fld id="{60BDFD96-2392-4D47-9522-C1D6768F6D40}" type="datetimeFigureOut">
               <a:rPr lang="zh-CN" altLang="en-US" smtClean="0"/>
-              <a:t>2018/3/4</a:t>
+              <a:t>2018/3/5</a:t>
             </a:fld>
             <a:endParaRPr lang="zh-CN" altLang="en-US"/>
           </a:p>
@@ -4520,7 +4785,7 @@
           <a:p>
             <a:fld id="{60BDFD96-2392-4D47-9522-C1D6768F6D40}" type="datetimeFigureOut">
               <a:rPr lang="zh-CN" altLang="en-US" smtClean="0"/>
-              <a:t>2018/3/4</a:t>
+              <a:t>2018/3/5</a:t>
             </a:fld>
             <a:endParaRPr lang="zh-CN" altLang="en-US"/>
           </a:p>
@@ -5057,7 +5322,7 @@
           <a:p>
             <a:fld id="{60BDFD96-2392-4D47-9522-C1D6768F6D40}" type="datetimeFigureOut">
               <a:rPr lang="zh-CN" altLang="en-US" smtClean="0"/>
-              <a:t>2018/3/4</a:t>
+              <a:t>2018/3/5</a:t>
             </a:fld>
             <a:endParaRPr lang="zh-CN" altLang="en-US"/>
           </a:p>
@@ -5921,7 +6186,7 @@
           <a:p>
             <a:fld id="{60BDFD96-2392-4D47-9522-C1D6768F6D40}" type="datetimeFigureOut">
               <a:rPr lang="zh-CN" altLang="en-US" smtClean="0"/>
-              <a:t>2018/3/4</a:t>
+              <a:t>2018/3/5</a:t>
             </a:fld>
             <a:endParaRPr lang="zh-CN" altLang="en-US"/>
           </a:p>
@@ -6091,7 +6356,7 @@
           <a:p>
             <a:fld id="{60BDFD96-2392-4D47-9522-C1D6768F6D40}" type="datetimeFigureOut">
               <a:rPr lang="zh-CN" altLang="en-US" smtClean="0"/>
-              <a:t>2018/3/4</a:t>
+              <a:t>2018/3/5</a:t>
             </a:fld>
             <a:endParaRPr lang="zh-CN" altLang="en-US"/>
           </a:p>
@@ -6275,7 +6540,7 @@
           <a:p>
             <a:fld id="{60BDFD96-2392-4D47-9522-C1D6768F6D40}" type="datetimeFigureOut">
               <a:rPr lang="zh-CN" altLang="en-US" smtClean="0"/>
-              <a:t>2018/3/4</a:t>
+              <a:t>2018/3/5</a:t>
             </a:fld>
             <a:endParaRPr lang="zh-CN" altLang="en-US"/>
           </a:p>
@@ -6526,7 +6791,7 @@
           <a:p>
             <a:fld id="{60BDFD96-2392-4D47-9522-C1D6768F6D40}" type="datetimeFigureOut">
               <a:rPr lang="zh-CN" altLang="en-US" smtClean="0"/>
-              <a:t>2018/3/4</a:t>
+              <a:t>2018/3/5</a:t>
             </a:fld>
             <a:endParaRPr lang="zh-CN" altLang="en-US"/>
           </a:p>
@@ -6758,7 +7023,7 @@
           <a:p>
             <a:fld id="{60BDFD96-2392-4D47-9522-C1D6768F6D40}" type="datetimeFigureOut">
               <a:rPr lang="zh-CN" altLang="en-US" smtClean="0"/>
-              <a:t>2018/3/4</a:t>
+              <a:t>2018/3/5</a:t>
             </a:fld>
             <a:endParaRPr lang="zh-CN" altLang="en-US"/>
           </a:p>
@@ -7105,7 +7370,7 @@
           <a:p>
             <a:fld id="{60BDFD96-2392-4D47-9522-C1D6768F6D40}" type="datetimeFigureOut">
               <a:rPr lang="zh-CN" altLang="en-US" smtClean="0"/>
-              <a:t>2018/3/4</a:t>
+              <a:t>2018/3/5</a:t>
             </a:fld>
             <a:endParaRPr lang="zh-CN" altLang="en-US"/>
           </a:p>
@@ -7223,7 +7488,7 @@
           <a:p>
             <a:fld id="{60BDFD96-2392-4D47-9522-C1D6768F6D40}" type="datetimeFigureOut">
               <a:rPr lang="zh-CN" altLang="en-US" smtClean="0"/>
-              <a:t>2018/3/4</a:t>
+              <a:t>2018/3/5</a:t>
             </a:fld>
             <a:endParaRPr lang="zh-CN" altLang="en-US"/>
           </a:p>
@@ -7341,7 +7606,7 @@
           <a:p>
             <a:fld id="{60BDFD96-2392-4D47-9522-C1D6768F6D40}" type="datetimeFigureOut">
               <a:rPr lang="zh-CN" altLang="en-US" smtClean="0"/>
-              <a:t>2018/3/4</a:t>
+              <a:t>2018/3/5</a:t>
             </a:fld>
             <a:endParaRPr lang="zh-CN" altLang="en-US"/>
           </a:p>
@@ -7625,7 +7890,7 @@
           <a:p>
             <a:fld id="{60BDFD96-2392-4D47-9522-C1D6768F6D40}" type="datetimeFigureOut">
               <a:rPr lang="zh-CN" altLang="en-US" smtClean="0"/>
-              <a:t>2018/3/4</a:t>
+              <a:t>2018/3/5</a:t>
             </a:fld>
             <a:endParaRPr lang="zh-CN" altLang="en-US"/>
           </a:p>
@@ -7889,7 +8154,7 @@
           <a:p>
             <a:fld id="{60BDFD96-2392-4D47-9522-C1D6768F6D40}" type="datetimeFigureOut">
               <a:rPr lang="zh-CN" altLang="en-US" smtClean="0"/>
-              <a:t>2018/3/4</a:t>
+              <a:t>2018/3/5</a:t>
             </a:fld>
             <a:endParaRPr lang="zh-CN" altLang="en-US"/>
           </a:p>
@@ -8103,7 +8368,7 @@
           <a:p>
             <a:fld id="{60BDFD96-2392-4D47-9522-C1D6768F6D40}" type="datetimeFigureOut">
               <a:rPr lang="zh-CN" altLang="en-US" smtClean="0"/>
-              <a:t>2018/3/4</a:t>
+              <a:t>2018/3/5</a:t>
             </a:fld>
             <a:endParaRPr lang="zh-CN" altLang="en-US"/>
           </a:p>
@@ -8653,7 +8918,7 @@
           <a:p>
             <a:fld id="{60BDFD96-2392-4D47-9522-C1D6768F6D40}" type="datetimeFigureOut">
               <a:rPr lang="zh-CN" altLang="en-US" smtClean="0"/>
-              <a:t>2018/3/4</a:t>
+              <a:t>2018/3/5</a:t>
             </a:fld>
             <a:endParaRPr lang="zh-CN" altLang="en-US"/>
           </a:p>
@@ -9332,7 +9597,7 @@
           <p:cNvPr id="2" name="标题 1">
             <a:extLst>
               <a:ext uri="{FF2B5EF4-FFF2-40B4-BE49-F238E27FC236}">
-                <a16:creationId xmlns:a16="http://schemas.microsoft.com/office/drawing/2014/main" id="{DE192593-632E-47C1-A166-DCCB2A62409D}"/>
+                <a16:creationId xmlns:a16="http://schemas.microsoft.com/office/drawing/2014/main" xmlns="" id="{DE192593-632E-47C1-A166-DCCB2A62409D}"/>
               </a:ext>
             </a:extLst>
           </p:cNvPr>
@@ -9360,7 +9625,7 @@
           <p:cNvPr id="3" name="副标题 2">
             <a:extLst>
               <a:ext uri="{FF2B5EF4-FFF2-40B4-BE49-F238E27FC236}">
-                <a16:creationId xmlns:a16="http://schemas.microsoft.com/office/drawing/2014/main" id="{56945AB3-8932-435C-BE58-45169ED00641}"/>
+                <a16:creationId xmlns:a16="http://schemas.microsoft.com/office/drawing/2014/main" xmlns="" id="{56945AB3-8932-435C-BE58-45169ED00641}"/>
               </a:ext>
             </a:extLst>
           </p:cNvPr>
@@ -9397,6 +9662,901 @@
 </file>
 
 <file path=ppt/slides/slide10.xml><?xml version="1.0" encoding="utf-8"?>
+<p:sld xmlns:a="http://schemas.openxmlformats.org/drawingml/2006/main" xmlns:r="http://schemas.openxmlformats.org/officeDocument/2006/relationships" xmlns:p="http://schemas.openxmlformats.org/presentationml/2006/main">
+  <p:cSld>
+    <p:spTree>
+      <p:nvGrpSpPr>
+        <p:cNvPr id="1" name=""/>
+        <p:cNvGrpSpPr/>
+        <p:nvPr/>
+      </p:nvGrpSpPr>
+      <p:grpSpPr>
+        <a:xfrm>
+          <a:off x="0" y="0"/>
+          <a:ext cx="0" cy="0"/>
+          <a:chOff x="0" y="0"/>
+          <a:chExt cx="0" cy="0"/>
+        </a:xfrm>
+      </p:grpSpPr>
+      <p:sp>
+        <p:nvSpPr>
+          <p:cNvPr id="5" name="文本框 4">
+            <a:extLst>
+              <a:ext uri="{FF2B5EF4-FFF2-40B4-BE49-F238E27FC236}">
+                <a16:creationId xmlns:a16="http://schemas.microsoft.com/office/drawing/2014/main" xmlns="" id="{3C0B4D1D-86DD-4391-89AE-BF62427E46BB}"/>
+              </a:ext>
+            </a:extLst>
+          </p:cNvPr>
+          <p:cNvSpPr txBox="1"/>
+          <p:nvPr/>
+        </p:nvSpPr>
+        <p:spPr>
+          <a:xfrm>
+            <a:off x="2682325" y="2801869"/>
+            <a:ext cx="7418118" cy="1323439"/>
+          </a:xfrm>
+          <a:prstGeom prst="rect">
+            <a:avLst/>
+          </a:prstGeom>
+          <a:noFill/>
+        </p:spPr>
+        <p:txBody>
+          <a:bodyPr wrap="square" rtlCol="0">
+            <a:spAutoFit/>
+          </a:bodyPr>
+          <a:lstStyle/>
+          <a:p>
+            <a:r>
+              <a:rPr lang="zh-CN" altLang="en-US" sz="8000" dirty="0" smtClean="0"/>
+              <a:t>策划如何提需求</a:t>
+            </a:r>
+            <a:endParaRPr lang="zh-CN" altLang="en-US" sz="8000" dirty="0"/>
+          </a:p>
+        </p:txBody>
+      </p:sp>
+    </p:spTree>
+    <p:extLst>
+      <p:ext uri="{BB962C8B-B14F-4D97-AF65-F5344CB8AC3E}">
+        <p14:creationId xmlns:p14="http://schemas.microsoft.com/office/powerpoint/2010/main" val="946759606"/>
+      </p:ext>
+    </p:extLst>
+  </p:cSld>
+  <p:clrMapOvr>
+    <a:masterClrMapping/>
+  </p:clrMapOvr>
+</p:sld>
+</file>
+
+<file path=ppt/slides/slide11.xml><?xml version="1.0" encoding="utf-8"?>
+<p:sld xmlns:a="http://schemas.openxmlformats.org/drawingml/2006/main" xmlns:r="http://schemas.openxmlformats.org/officeDocument/2006/relationships" xmlns:p="http://schemas.openxmlformats.org/presentationml/2006/main">
+  <p:cSld>
+    <p:spTree>
+      <p:nvGrpSpPr>
+        <p:cNvPr id="1" name=""/>
+        <p:cNvGrpSpPr/>
+        <p:nvPr/>
+      </p:nvGrpSpPr>
+      <p:grpSpPr>
+        <a:xfrm>
+          <a:off x="0" y="0"/>
+          <a:ext cx="0" cy="0"/>
+          <a:chOff x="0" y="0"/>
+          <a:chExt cx="0" cy="0"/>
+        </a:xfrm>
+      </p:grpSpPr>
+      <p:sp>
+        <p:nvSpPr>
+          <p:cNvPr id="2" name="标题 1"/>
+          <p:cNvSpPr>
+            <a:spLocks noGrp="1"/>
+          </p:cNvSpPr>
+          <p:nvPr>
+            <p:ph type="title"/>
+          </p:nvPr>
+        </p:nvSpPr>
+        <p:spPr/>
+        <p:txBody>
+          <a:bodyPr/>
+          <a:lstStyle/>
+          <a:p>
+            <a:r>
+              <a:rPr lang="zh-CN" altLang="en-US" dirty="0" smtClean="0"/>
+              <a:t>什么是需求</a:t>
+            </a:r>
+            <a:endParaRPr lang="zh-CN" altLang="en-US" dirty="0"/>
+          </a:p>
+        </p:txBody>
+      </p:sp>
+      <p:sp>
+        <p:nvSpPr>
+          <p:cNvPr id="3" name="内容占位符 2"/>
+          <p:cNvSpPr>
+            <a:spLocks noGrp="1"/>
+          </p:cNvSpPr>
+          <p:nvPr>
+            <p:ph idx="1"/>
+          </p:nvPr>
+        </p:nvSpPr>
+        <p:spPr/>
+        <p:txBody>
+          <a:bodyPr/>
+          <a:lstStyle/>
+          <a:p>
+            <a:r>
+              <a:rPr lang="zh-CN" altLang="en-US" dirty="0" smtClean="0"/>
+              <a:t>目标用户是哪些人</a:t>
+            </a:r>
+            <a:r>
+              <a:rPr lang="en-US" altLang="zh-CN" dirty="0" smtClean="0"/>
+              <a:t>?</a:t>
+            </a:r>
+          </a:p>
+          <a:p>
+            <a:r>
+              <a:rPr lang="zh-CN" altLang="en-US" dirty="0" smtClean="0"/>
+              <a:t>我需要这个它做什么？</a:t>
+            </a:r>
+            <a:endParaRPr lang="en-US" altLang="zh-CN" dirty="0" smtClean="0"/>
+          </a:p>
+          <a:p>
+            <a:r>
+              <a:rPr lang="zh-CN" altLang="en-US" dirty="0"/>
+              <a:t>我</a:t>
+            </a:r>
+            <a:r>
+              <a:rPr lang="zh-CN" altLang="en-US" dirty="0" smtClean="0"/>
+              <a:t>需要怎么使用它</a:t>
+            </a:r>
+            <a:endParaRPr lang="en-US" altLang="zh-CN" dirty="0" smtClean="0"/>
+          </a:p>
+          <a:p>
+            <a:r>
+              <a:rPr lang="zh-CN" altLang="en-US" dirty="0" smtClean="0"/>
+              <a:t>我需要它给我怎样的反馈</a:t>
+            </a:r>
+            <a:endParaRPr lang="en-US" altLang="zh-CN" dirty="0" smtClean="0"/>
+          </a:p>
+        </p:txBody>
+      </p:sp>
+    </p:spTree>
+    <p:extLst>
+      <p:ext uri="{BB962C8B-B14F-4D97-AF65-F5344CB8AC3E}">
+        <p14:creationId xmlns:p14="http://schemas.microsoft.com/office/powerpoint/2010/main" val="3313542888"/>
+      </p:ext>
+    </p:extLst>
+  </p:cSld>
+  <p:clrMapOvr>
+    <a:masterClrMapping/>
+  </p:clrMapOvr>
+</p:sld>
+</file>
+
+<file path=ppt/slides/slide12.xml><?xml version="1.0" encoding="utf-8"?>
+<p:sld xmlns:a="http://schemas.openxmlformats.org/drawingml/2006/main" xmlns:r="http://schemas.openxmlformats.org/officeDocument/2006/relationships" xmlns:p="http://schemas.openxmlformats.org/presentationml/2006/main">
+  <p:cSld>
+    <p:spTree>
+      <p:nvGrpSpPr>
+        <p:cNvPr id="1" name=""/>
+        <p:cNvGrpSpPr/>
+        <p:nvPr/>
+      </p:nvGrpSpPr>
+      <p:grpSpPr>
+        <a:xfrm>
+          <a:off x="0" y="0"/>
+          <a:ext cx="0" cy="0"/>
+          <a:chOff x="0" y="0"/>
+          <a:chExt cx="0" cy="0"/>
+        </a:xfrm>
+      </p:grpSpPr>
+      <p:sp>
+        <p:nvSpPr>
+          <p:cNvPr id="2" name="标题 1"/>
+          <p:cNvSpPr>
+            <a:spLocks noGrp="1"/>
+          </p:cNvSpPr>
+          <p:nvPr>
+            <p:ph type="title"/>
+          </p:nvPr>
+        </p:nvSpPr>
+        <p:spPr/>
+        <p:txBody>
+          <a:bodyPr/>
+          <a:lstStyle/>
+          <a:p>
+            <a:r>
+              <a:rPr lang="zh-CN" altLang="en-US" dirty="0" smtClean="0"/>
+              <a:t>如何提需求</a:t>
+            </a:r>
+            <a:endParaRPr lang="zh-CN" altLang="en-US" dirty="0"/>
+          </a:p>
+        </p:txBody>
+      </p:sp>
+      <p:sp>
+        <p:nvSpPr>
+          <p:cNvPr id="3" name="内容占位符 2"/>
+          <p:cNvSpPr>
+            <a:spLocks noGrp="1"/>
+          </p:cNvSpPr>
+          <p:nvPr>
+            <p:ph sz="half" idx="1"/>
+          </p:nvPr>
+        </p:nvSpPr>
+        <p:spPr/>
+        <p:txBody>
+          <a:bodyPr/>
+          <a:lstStyle/>
+          <a:p>
+            <a:endParaRPr lang="zh-CN" altLang="en-US" dirty="0"/>
+          </a:p>
+          <a:p>
+            <a:r>
+              <a:rPr lang="zh-CN" altLang="en-US" dirty="0"/>
+              <a:t>描述动机 </a:t>
+            </a:r>
+            <a:endParaRPr lang="en-US" altLang="zh-CN" dirty="0" smtClean="0"/>
+          </a:p>
+          <a:p>
+            <a:pPr lvl="1"/>
+            <a:r>
+              <a:rPr lang="zh-CN" altLang="en-US" dirty="0" smtClean="0"/>
+              <a:t>让</a:t>
+            </a:r>
+            <a:r>
+              <a:rPr lang="zh-CN" altLang="en-US" dirty="0"/>
+              <a:t>技术有参与感 </a:t>
+            </a:r>
+          </a:p>
+          <a:p>
+            <a:pPr lvl="1"/>
+            <a:r>
+              <a:rPr lang="zh-CN" altLang="en-US" dirty="0" smtClean="0"/>
+              <a:t>更</a:t>
+            </a:r>
+            <a:r>
+              <a:rPr lang="zh-CN" altLang="en-US" dirty="0"/>
+              <a:t>深刻的理解需求的目的 </a:t>
+            </a:r>
+          </a:p>
+          <a:p>
+            <a:pPr lvl="1"/>
+            <a:r>
+              <a:rPr lang="zh-CN" altLang="en-US" dirty="0" smtClean="0"/>
+              <a:t>找出</a:t>
+            </a:r>
+            <a:r>
+              <a:rPr lang="zh-CN" altLang="en-US" dirty="0"/>
+              <a:t>需求中未挖掘到的内容 </a:t>
+            </a:r>
+          </a:p>
+          <a:p>
+            <a:pPr lvl="1"/>
+            <a:r>
+              <a:rPr lang="zh-CN" altLang="en-US" dirty="0" smtClean="0"/>
+              <a:t>找出</a:t>
+            </a:r>
+            <a:r>
+              <a:rPr lang="zh-CN" altLang="en-US" dirty="0"/>
+              <a:t>更容易的实现方法 </a:t>
+            </a:r>
+          </a:p>
+          <a:p>
+            <a:pPr lvl="1"/>
+            <a:r>
+              <a:rPr lang="zh-CN" altLang="en-US" dirty="0" smtClean="0"/>
+              <a:t>为</a:t>
+            </a:r>
+            <a:r>
+              <a:rPr lang="zh-CN" altLang="en-US" dirty="0"/>
+              <a:t>之后的沟通做好铺垫 </a:t>
+            </a:r>
+          </a:p>
+          <a:p>
+            <a:endParaRPr lang="zh-CN" altLang="en-US" dirty="0"/>
+          </a:p>
+        </p:txBody>
+      </p:sp>
+      <p:sp>
+        <p:nvSpPr>
+          <p:cNvPr id="4" name="内容占位符 3"/>
+          <p:cNvSpPr>
+            <a:spLocks noGrp="1"/>
+          </p:cNvSpPr>
+          <p:nvPr>
+            <p:ph sz="half" idx="2"/>
+          </p:nvPr>
+        </p:nvSpPr>
+        <p:spPr/>
+        <p:txBody>
+          <a:bodyPr/>
+          <a:lstStyle/>
+          <a:p>
+            <a:endParaRPr lang="zh-CN" altLang="en-US" dirty="0"/>
+          </a:p>
+          <a:p>
+            <a:r>
+              <a:rPr lang="zh-CN" altLang="en-US" dirty="0"/>
+              <a:t>整理</a:t>
+            </a:r>
+            <a:r>
+              <a:rPr lang="zh-CN" altLang="en-US" dirty="0" smtClean="0"/>
+              <a:t>思路 </a:t>
+            </a:r>
+            <a:endParaRPr lang="en-US" altLang="zh-CN" dirty="0" smtClean="0"/>
+          </a:p>
+          <a:p>
+            <a:pPr lvl="1"/>
+            <a:r>
+              <a:rPr lang="zh-CN" altLang="en-US" dirty="0" smtClean="0"/>
+              <a:t>记录</a:t>
+            </a:r>
+            <a:r>
+              <a:rPr lang="zh-CN" altLang="en-US" dirty="0"/>
+              <a:t>下混乱的思绪 </a:t>
+            </a:r>
+          </a:p>
+          <a:p>
+            <a:pPr lvl="1"/>
+            <a:r>
+              <a:rPr lang="zh-CN" altLang="en-US" dirty="0" smtClean="0"/>
+              <a:t>整理</a:t>
+            </a:r>
+            <a:r>
+              <a:rPr lang="zh-CN" altLang="en-US" dirty="0"/>
+              <a:t>和归纳 </a:t>
+            </a:r>
+          </a:p>
+          <a:p>
+            <a:pPr lvl="1"/>
+            <a:r>
+              <a:rPr lang="zh-CN" altLang="en-US" dirty="0" smtClean="0"/>
+              <a:t>查</a:t>
+            </a:r>
+            <a:r>
+              <a:rPr lang="zh-CN" altLang="en-US" dirty="0"/>
+              <a:t>漏补缺 </a:t>
+            </a:r>
+          </a:p>
+          <a:p>
+            <a:pPr lvl="1"/>
+            <a:r>
+              <a:rPr lang="zh-CN" altLang="en-US" dirty="0" smtClean="0"/>
+              <a:t>跟</a:t>
+            </a:r>
+            <a:r>
+              <a:rPr lang="zh-CN" altLang="en-US" dirty="0"/>
+              <a:t>原始的动机做比较 </a:t>
+            </a:r>
+          </a:p>
+          <a:p>
+            <a:endParaRPr lang="zh-CN" altLang="en-US" dirty="0"/>
+          </a:p>
+        </p:txBody>
+      </p:sp>
+    </p:spTree>
+    <p:extLst>
+      <p:ext uri="{BB962C8B-B14F-4D97-AF65-F5344CB8AC3E}">
+        <p14:creationId xmlns:p14="http://schemas.microsoft.com/office/powerpoint/2010/main" val="3633838759"/>
+      </p:ext>
+    </p:extLst>
+  </p:cSld>
+  <p:clrMapOvr>
+    <a:masterClrMapping/>
+  </p:clrMapOvr>
+</p:sld>
+</file>
+
+<file path=ppt/slides/slide13.xml><?xml version="1.0" encoding="utf-8"?>
+<p:sld xmlns:a="http://schemas.openxmlformats.org/drawingml/2006/main" xmlns:r="http://schemas.openxmlformats.org/officeDocument/2006/relationships" xmlns:p="http://schemas.openxmlformats.org/presentationml/2006/main">
+  <p:cSld>
+    <p:spTree>
+      <p:nvGrpSpPr>
+        <p:cNvPr id="1" name=""/>
+        <p:cNvGrpSpPr/>
+        <p:nvPr/>
+      </p:nvGrpSpPr>
+      <p:grpSpPr>
+        <a:xfrm>
+          <a:off x="0" y="0"/>
+          <a:ext cx="0" cy="0"/>
+          <a:chOff x="0" y="0"/>
+          <a:chExt cx="0" cy="0"/>
+        </a:xfrm>
+      </p:grpSpPr>
+      <p:sp>
+        <p:nvSpPr>
+          <p:cNvPr id="2" name="标题 1"/>
+          <p:cNvSpPr>
+            <a:spLocks noGrp="1"/>
+          </p:cNvSpPr>
+          <p:nvPr>
+            <p:ph type="title"/>
+          </p:nvPr>
+        </p:nvSpPr>
+        <p:spPr/>
+        <p:txBody>
+          <a:bodyPr/>
+          <a:lstStyle/>
+          <a:p>
+            <a:r>
+              <a:rPr lang="zh-CN" altLang="en-US" dirty="0" smtClean="0"/>
+              <a:t>制作需求文档</a:t>
+            </a:r>
+            <a:endParaRPr lang="zh-CN" altLang="en-US" dirty="0"/>
+          </a:p>
+        </p:txBody>
+      </p:sp>
+      <p:sp>
+        <p:nvSpPr>
+          <p:cNvPr id="3" name="内容占位符 2"/>
+          <p:cNvSpPr>
+            <a:spLocks noGrp="1"/>
+          </p:cNvSpPr>
+          <p:nvPr>
+            <p:ph sz="half" idx="1"/>
+          </p:nvPr>
+        </p:nvSpPr>
+        <p:spPr/>
+        <p:txBody>
+          <a:bodyPr>
+            <a:normAutofit/>
+          </a:bodyPr>
+          <a:lstStyle/>
+          <a:p>
+            <a:r>
+              <a:rPr lang="zh-CN" altLang="en-US" dirty="0" smtClean="0"/>
+              <a:t>文案 </a:t>
+            </a:r>
+            <a:endParaRPr lang="en-US" altLang="zh-CN" dirty="0" smtClean="0"/>
+          </a:p>
+          <a:p>
+            <a:pPr lvl="1"/>
+            <a:r>
+              <a:rPr lang="zh-CN" altLang="en-US" dirty="0" smtClean="0"/>
+              <a:t>词汇列表</a:t>
+            </a:r>
+            <a:endParaRPr lang="en-US" altLang="zh-CN" dirty="0" smtClean="0"/>
+          </a:p>
+          <a:p>
+            <a:pPr lvl="1"/>
+            <a:r>
+              <a:rPr lang="zh-CN" altLang="en-US" dirty="0"/>
+              <a:t>功能</a:t>
+            </a:r>
+            <a:r>
+              <a:rPr lang="zh-CN" altLang="en-US" dirty="0" smtClean="0"/>
+              <a:t>描述</a:t>
+            </a:r>
+            <a:endParaRPr lang="en-US" altLang="zh-CN" dirty="0" smtClean="0"/>
+          </a:p>
+          <a:p>
+            <a:pPr lvl="1"/>
+            <a:r>
+              <a:rPr lang="zh-CN" altLang="en-US" dirty="0" smtClean="0"/>
+              <a:t>操作手册</a:t>
+            </a:r>
+            <a:endParaRPr lang="en-US" altLang="zh-CN" dirty="0" smtClean="0"/>
+          </a:p>
+          <a:p>
+            <a:r>
+              <a:rPr lang="zh-CN" altLang="en-US" dirty="0"/>
+              <a:t>数据</a:t>
+            </a:r>
+          </a:p>
+          <a:p>
+            <a:pPr lvl="1"/>
+            <a:r>
+              <a:rPr lang="en-US" altLang="zh-CN" dirty="0"/>
+              <a:t>CSV</a:t>
+            </a:r>
+          </a:p>
+          <a:p>
+            <a:pPr lvl="1"/>
+            <a:r>
+              <a:rPr lang="en-US" altLang="zh-CN" dirty="0"/>
+              <a:t>XML</a:t>
+            </a:r>
+          </a:p>
+          <a:p>
+            <a:r>
+              <a:rPr lang="zh-CN" altLang="en-US" dirty="0"/>
+              <a:t>日志</a:t>
+            </a:r>
+            <a:endParaRPr lang="en-US" altLang="zh-CN" dirty="0"/>
+          </a:p>
+          <a:p>
+            <a:r>
+              <a:rPr lang="zh-CN" altLang="en-US" dirty="0"/>
+              <a:t>验收</a:t>
+            </a:r>
+            <a:r>
+              <a:rPr lang="zh-CN" altLang="en-US" dirty="0" smtClean="0"/>
+              <a:t>标准</a:t>
+            </a:r>
+            <a:endParaRPr lang="zh-CN" altLang="en-US" dirty="0"/>
+          </a:p>
+        </p:txBody>
+      </p:sp>
+      <p:sp>
+        <p:nvSpPr>
+          <p:cNvPr id="4" name="内容占位符 3"/>
+          <p:cNvSpPr>
+            <a:spLocks noGrp="1"/>
+          </p:cNvSpPr>
+          <p:nvPr>
+            <p:ph sz="half" idx="2"/>
+          </p:nvPr>
+        </p:nvSpPr>
+        <p:spPr/>
+        <p:txBody>
+          <a:bodyPr>
+            <a:normAutofit/>
+          </a:bodyPr>
+          <a:lstStyle/>
+          <a:p>
+            <a:r>
+              <a:rPr lang="zh-CN" altLang="en-US" dirty="0"/>
+              <a:t>美术 </a:t>
+            </a:r>
+          </a:p>
+          <a:p>
+            <a:pPr lvl="1"/>
+            <a:r>
+              <a:rPr lang="zh-CN" altLang="en-US" dirty="0"/>
+              <a:t>图素 </a:t>
+            </a:r>
+            <a:endParaRPr lang="en-US" altLang="zh-CN" dirty="0"/>
+          </a:p>
+          <a:p>
+            <a:pPr lvl="1"/>
+            <a:r>
+              <a:rPr lang="zh-CN" altLang="en-US" dirty="0"/>
+              <a:t>图标</a:t>
+            </a:r>
+          </a:p>
+          <a:p>
+            <a:pPr lvl="1"/>
+            <a:r>
+              <a:rPr lang="zh-CN" altLang="en-US" dirty="0"/>
+              <a:t>特效 </a:t>
+            </a:r>
+            <a:endParaRPr lang="en-US" altLang="zh-CN" dirty="0"/>
+          </a:p>
+          <a:p>
+            <a:pPr lvl="1"/>
+            <a:r>
+              <a:rPr lang="zh-CN" altLang="en-US" dirty="0"/>
+              <a:t>动画</a:t>
+            </a:r>
+          </a:p>
+          <a:p>
+            <a:pPr lvl="1"/>
+            <a:r>
+              <a:rPr lang="zh-CN" altLang="en-US" dirty="0"/>
+              <a:t>场景 </a:t>
+            </a:r>
+          </a:p>
+          <a:p>
+            <a:pPr lvl="2"/>
+            <a:r>
+              <a:rPr lang="zh-CN" altLang="en-US" dirty="0"/>
+              <a:t>地图 </a:t>
+            </a:r>
+          </a:p>
+          <a:p>
+            <a:pPr lvl="2"/>
+            <a:r>
+              <a:rPr lang="zh-CN" altLang="en-US" dirty="0"/>
+              <a:t>模型 </a:t>
+            </a:r>
+          </a:p>
+          <a:p>
+            <a:pPr lvl="2"/>
+            <a:r>
+              <a:rPr lang="zh-CN" altLang="en-US" dirty="0"/>
+              <a:t>场景动画 </a:t>
+            </a:r>
+          </a:p>
+        </p:txBody>
+      </p:sp>
+    </p:spTree>
+    <p:extLst>
+      <p:ext uri="{BB962C8B-B14F-4D97-AF65-F5344CB8AC3E}">
+        <p14:creationId xmlns:p14="http://schemas.microsoft.com/office/powerpoint/2010/main" val="3773346283"/>
+      </p:ext>
+    </p:extLst>
+  </p:cSld>
+  <p:clrMapOvr>
+    <a:masterClrMapping/>
+  </p:clrMapOvr>
+</p:sld>
+</file>
+
+<file path=ppt/slides/slide14.xml><?xml version="1.0" encoding="utf-8"?>
+<p:sld xmlns:a="http://schemas.openxmlformats.org/drawingml/2006/main" xmlns:r="http://schemas.openxmlformats.org/officeDocument/2006/relationships" xmlns:p="http://schemas.openxmlformats.org/presentationml/2006/main">
+  <p:cSld>
+    <p:spTree>
+      <p:nvGrpSpPr>
+        <p:cNvPr id="1" name=""/>
+        <p:cNvGrpSpPr/>
+        <p:nvPr/>
+      </p:nvGrpSpPr>
+      <p:grpSpPr>
+        <a:xfrm>
+          <a:off x="0" y="0"/>
+          <a:ext cx="0" cy="0"/>
+          <a:chOff x="0" y="0"/>
+          <a:chExt cx="0" cy="0"/>
+        </a:xfrm>
+      </p:grpSpPr>
+      <p:sp>
+        <p:nvSpPr>
+          <p:cNvPr id="2" name="标题 1"/>
+          <p:cNvSpPr>
+            <a:spLocks noGrp="1"/>
+          </p:cNvSpPr>
+          <p:nvPr>
+            <p:ph type="title"/>
+          </p:nvPr>
+        </p:nvSpPr>
+        <p:spPr/>
+        <p:txBody>
+          <a:bodyPr/>
+          <a:lstStyle/>
+          <a:p>
+            <a:r>
+              <a:rPr lang="zh-CN" altLang="en-US" dirty="0" smtClean="0"/>
+              <a:t>与程序讨论</a:t>
+            </a:r>
+            <a:endParaRPr lang="zh-CN" altLang="en-US" dirty="0"/>
+          </a:p>
+        </p:txBody>
+      </p:sp>
+      <p:sp>
+        <p:nvSpPr>
+          <p:cNvPr id="5" name="内容占位符 4"/>
+          <p:cNvSpPr>
+            <a:spLocks noGrp="1"/>
+          </p:cNvSpPr>
+          <p:nvPr>
+            <p:ph idx="1"/>
+          </p:nvPr>
+        </p:nvSpPr>
+        <p:spPr/>
+        <p:txBody>
+          <a:bodyPr/>
+          <a:lstStyle/>
+          <a:p>
+            <a:r>
+              <a:rPr lang="zh-CN" altLang="en-US" dirty="0" smtClean="0"/>
+              <a:t>实现方法</a:t>
+            </a:r>
+            <a:endParaRPr lang="en-US" altLang="zh-CN" dirty="0" smtClean="0"/>
+          </a:p>
+          <a:p>
+            <a:r>
+              <a:rPr lang="zh-CN" altLang="en-US" dirty="0" smtClean="0"/>
+              <a:t>性能代价</a:t>
+            </a:r>
+            <a:endParaRPr lang="en-US" altLang="zh-CN" dirty="0" smtClean="0"/>
+          </a:p>
+          <a:p>
+            <a:r>
+              <a:rPr lang="zh-CN" altLang="en-US" dirty="0" smtClean="0"/>
+              <a:t>完成标准</a:t>
+            </a:r>
+            <a:endParaRPr lang="zh-CN" altLang="en-US" dirty="0"/>
+          </a:p>
+        </p:txBody>
+      </p:sp>
+    </p:spTree>
+    <p:extLst>
+      <p:ext uri="{BB962C8B-B14F-4D97-AF65-F5344CB8AC3E}">
+        <p14:creationId xmlns:p14="http://schemas.microsoft.com/office/powerpoint/2010/main" val="889851483"/>
+      </p:ext>
+    </p:extLst>
+  </p:cSld>
+  <p:clrMapOvr>
+    <a:masterClrMapping/>
+  </p:clrMapOvr>
+</p:sld>
+</file>
+
+<file path=ppt/slides/slide15.xml><?xml version="1.0" encoding="utf-8"?>
+<p:sld xmlns:a="http://schemas.openxmlformats.org/drawingml/2006/main" xmlns:r="http://schemas.openxmlformats.org/officeDocument/2006/relationships" xmlns:p="http://schemas.openxmlformats.org/presentationml/2006/main">
+  <p:cSld>
+    <p:spTree>
+      <p:nvGrpSpPr>
+        <p:cNvPr id="1" name=""/>
+        <p:cNvGrpSpPr/>
+        <p:nvPr/>
+      </p:nvGrpSpPr>
+      <p:grpSpPr>
+        <a:xfrm>
+          <a:off x="0" y="0"/>
+          <a:ext cx="0" cy="0"/>
+          <a:chOff x="0" y="0"/>
+          <a:chExt cx="0" cy="0"/>
+        </a:xfrm>
+      </p:grpSpPr>
+      <p:sp>
+        <p:nvSpPr>
+          <p:cNvPr id="5" name="文本框 1">
+            <a:extLst>
+              <a:ext uri="{FF2B5EF4-FFF2-40B4-BE49-F238E27FC236}">
+                <a16:creationId xmlns:a16="http://schemas.microsoft.com/office/drawing/2014/main" xmlns="" id="{5261A141-7230-40E8-A699-D2D33BA51583}"/>
+              </a:ext>
+            </a:extLst>
+          </p:cNvPr>
+          <p:cNvSpPr txBox="1"/>
+          <p:nvPr/>
+        </p:nvSpPr>
+        <p:spPr>
+          <a:xfrm>
+            <a:off x="3956030" y="2767280"/>
+            <a:ext cx="4399694" cy="1323439"/>
+          </a:xfrm>
+          <a:prstGeom prst="rect">
+            <a:avLst/>
+          </a:prstGeom>
+          <a:noFill/>
+        </p:spPr>
+        <p:txBody>
+          <a:bodyPr wrap="square" rtlCol="0">
+            <a:spAutoFit/>
+          </a:bodyPr>
+          <a:lstStyle/>
+          <a:p>
+            <a:r>
+              <a:rPr lang="zh-CN" altLang="en-US" sz="8000" dirty="0"/>
+              <a:t>了解</a:t>
+            </a:r>
+            <a:r>
+              <a:rPr lang="zh-CN" altLang="en-US" sz="8000" dirty="0" smtClean="0"/>
+              <a:t>程序</a:t>
+            </a:r>
+            <a:endParaRPr lang="zh-CN" altLang="en-US" sz="8000" dirty="0"/>
+          </a:p>
+        </p:txBody>
+      </p:sp>
+    </p:spTree>
+    <p:extLst>
+      <p:ext uri="{BB962C8B-B14F-4D97-AF65-F5344CB8AC3E}">
+        <p14:creationId xmlns:p14="http://schemas.microsoft.com/office/powerpoint/2010/main" val="43517008"/>
+      </p:ext>
+    </p:extLst>
+  </p:cSld>
+  <p:clrMapOvr>
+    <a:masterClrMapping/>
+  </p:clrMapOvr>
+</p:sld>
+</file>
+
+<file path=ppt/slides/slide16.xml><?xml version="1.0" encoding="utf-8"?>
+<p:sld xmlns:a="http://schemas.openxmlformats.org/drawingml/2006/main" xmlns:r="http://schemas.openxmlformats.org/officeDocument/2006/relationships" xmlns:p="http://schemas.openxmlformats.org/presentationml/2006/main">
+  <p:cSld>
+    <p:spTree>
+      <p:nvGrpSpPr>
+        <p:cNvPr id="1" name=""/>
+        <p:cNvGrpSpPr/>
+        <p:nvPr/>
+      </p:nvGrpSpPr>
+      <p:grpSpPr>
+        <a:xfrm>
+          <a:off x="0" y="0"/>
+          <a:ext cx="0" cy="0"/>
+          <a:chOff x="0" y="0"/>
+          <a:chExt cx="0" cy="0"/>
+        </a:xfrm>
+      </p:grpSpPr>
+    </p:spTree>
+    <p:extLst>
+      <p:ext uri="{BB962C8B-B14F-4D97-AF65-F5344CB8AC3E}">
+        <p14:creationId xmlns:p14="http://schemas.microsoft.com/office/powerpoint/2010/main" val="1550250504"/>
+      </p:ext>
+    </p:extLst>
+  </p:cSld>
+  <p:clrMapOvr>
+    <a:masterClrMapping/>
+  </p:clrMapOvr>
+</p:sld>
+</file>
+
+<file path=ppt/slides/slide17.xml><?xml version="1.0" encoding="utf-8"?>
+<p:sld xmlns:a="http://schemas.openxmlformats.org/drawingml/2006/main" xmlns:r="http://schemas.openxmlformats.org/officeDocument/2006/relationships" xmlns:p="http://schemas.openxmlformats.org/presentationml/2006/main">
+  <p:cSld>
+    <p:spTree>
+      <p:nvGrpSpPr>
+        <p:cNvPr id="1" name=""/>
+        <p:cNvGrpSpPr/>
+        <p:nvPr/>
+      </p:nvGrpSpPr>
+      <p:grpSpPr>
+        <a:xfrm>
+          <a:off x="0" y="0"/>
+          <a:ext cx="0" cy="0"/>
+          <a:chOff x="0" y="0"/>
+          <a:chExt cx="0" cy="0"/>
+        </a:xfrm>
+      </p:grpSpPr>
+      <p:sp>
+        <p:nvSpPr>
+          <p:cNvPr id="2" name="文本框 1">
+            <a:extLst>
+              <a:ext uri="{FF2B5EF4-FFF2-40B4-BE49-F238E27FC236}">
+                <a16:creationId xmlns:a16="http://schemas.microsoft.com/office/drawing/2014/main" xmlns="" id="{5261A141-7230-40E8-A699-D2D33BA51583}"/>
+              </a:ext>
+            </a:extLst>
+          </p:cNvPr>
+          <p:cNvSpPr txBox="1"/>
+          <p:nvPr/>
+        </p:nvSpPr>
+        <p:spPr>
+          <a:xfrm>
+            <a:off x="1874982" y="2767280"/>
+            <a:ext cx="8442035" cy="1323439"/>
+          </a:xfrm>
+          <a:prstGeom prst="rect">
+            <a:avLst/>
+          </a:prstGeom>
+          <a:noFill/>
+        </p:spPr>
+        <p:txBody>
+          <a:bodyPr wrap="square" rtlCol="0">
+            <a:spAutoFit/>
+          </a:bodyPr>
+          <a:lstStyle/>
+          <a:p>
+            <a:r>
+              <a:rPr lang="zh-CN" altLang="en-US" sz="8000" dirty="0"/>
+              <a:t>程序眼里的好策划</a:t>
+            </a:r>
+          </a:p>
+        </p:txBody>
+      </p:sp>
+    </p:spTree>
+    <p:extLst>
+      <p:ext uri="{BB962C8B-B14F-4D97-AF65-F5344CB8AC3E}">
+        <p14:creationId xmlns:p14="http://schemas.microsoft.com/office/powerpoint/2010/main" val="4265288084"/>
+      </p:ext>
+    </p:extLst>
+  </p:cSld>
+  <p:clrMapOvr>
+    <a:masterClrMapping/>
+  </p:clrMapOvr>
+</p:sld>
+</file>
+
+<file path=ppt/slides/slide18.xml><?xml version="1.0" encoding="utf-8"?>
+<p:sld xmlns:a="http://schemas.openxmlformats.org/drawingml/2006/main" xmlns:r="http://schemas.openxmlformats.org/officeDocument/2006/relationships" xmlns:p="http://schemas.openxmlformats.org/presentationml/2006/main">
+  <p:cSld>
+    <p:spTree>
+      <p:nvGrpSpPr>
+        <p:cNvPr id="1" name=""/>
+        <p:cNvGrpSpPr/>
+        <p:nvPr/>
+      </p:nvGrpSpPr>
+      <p:grpSpPr>
+        <a:xfrm>
+          <a:off x="0" y="0"/>
+          <a:ext cx="0" cy="0"/>
+          <a:chOff x="0" y="0"/>
+          <a:chExt cx="0" cy="0"/>
+        </a:xfrm>
+      </p:grpSpPr>
+    </p:spTree>
+    <p:extLst>
+      <p:ext uri="{BB962C8B-B14F-4D97-AF65-F5344CB8AC3E}">
+        <p14:creationId xmlns:p14="http://schemas.microsoft.com/office/powerpoint/2010/main" val="2160063178"/>
+      </p:ext>
+    </p:extLst>
+  </p:cSld>
+  <p:clrMapOvr>
+    <a:masterClrMapping/>
+  </p:clrMapOvr>
+</p:sld>
+</file>
+
+<file path=ppt/slides/slide19.xml><?xml version="1.0" encoding="utf-8"?>
 <p:sld xmlns:a="http://schemas.openxmlformats.org/drawingml/2006/main" xmlns:r="http://schemas.openxmlformats.org/officeDocument/2006/relationships" xmlns:p="http://schemas.openxmlformats.org/presentationml/2006/main">
   <p:cSld>
     <p:spTree>
@@ -9448,7 +10608,7 @@
           <p:cNvPr id="4" name="文本框 3">
             <a:extLst>
               <a:ext uri="{FF2B5EF4-FFF2-40B4-BE49-F238E27FC236}">
-                <a16:creationId xmlns:a16="http://schemas.microsoft.com/office/drawing/2014/main" id="{16D9F628-37B2-432F-810A-05BFFD0C84B8}"/>
+                <a16:creationId xmlns:a16="http://schemas.microsoft.com/office/drawing/2014/main" xmlns="" id="{16D9F628-37B2-432F-810A-05BFFD0C84B8}"/>
               </a:ext>
             </a:extLst>
           </p:cNvPr>
@@ -9513,7 +10673,7 @@
           <p:cNvPr id="4" name="标题 3">
             <a:extLst>
               <a:ext uri="{FF2B5EF4-FFF2-40B4-BE49-F238E27FC236}">
-                <a16:creationId xmlns:a16="http://schemas.microsoft.com/office/drawing/2014/main" id="{A48363A1-1181-4F39-AC63-0BB242B048CA}"/>
+                <a16:creationId xmlns:a16="http://schemas.microsoft.com/office/drawing/2014/main" xmlns="" id="{A48363A1-1181-4F39-AC63-0BB242B048CA}"/>
               </a:ext>
             </a:extLst>
           </p:cNvPr>
@@ -9571,7 +10731,7 @@
           <p:cNvPr id="4" name="标题 3">
             <a:extLst>
               <a:ext uri="{FF2B5EF4-FFF2-40B4-BE49-F238E27FC236}">
-                <a16:creationId xmlns:a16="http://schemas.microsoft.com/office/drawing/2014/main" id="{39A90F77-C65A-4BCA-BBCB-01128AB93FC9}"/>
+                <a16:creationId xmlns:a16="http://schemas.microsoft.com/office/drawing/2014/main" xmlns="" id="{39A90F77-C65A-4BCA-BBCB-01128AB93FC9}"/>
               </a:ext>
             </a:extLst>
           </p:cNvPr>
@@ -9604,7 +10764,7 @@
           <p:cNvPr id="5" name="文本占位符 4">
             <a:extLst>
               <a:ext uri="{FF2B5EF4-FFF2-40B4-BE49-F238E27FC236}">
-                <a16:creationId xmlns:a16="http://schemas.microsoft.com/office/drawing/2014/main" id="{DC866DC3-DD40-4057-BF88-5EED8435A112}"/>
+                <a16:creationId xmlns:a16="http://schemas.microsoft.com/office/drawing/2014/main" xmlns="" id="{DC866DC3-DD40-4057-BF88-5EED8435A112}"/>
               </a:ext>
             </a:extLst>
           </p:cNvPr>
@@ -9688,7 +10848,7 @@
           <p:cNvPr id="2" name="标题 1">
             <a:extLst>
               <a:ext uri="{FF2B5EF4-FFF2-40B4-BE49-F238E27FC236}">
-                <a16:creationId xmlns:a16="http://schemas.microsoft.com/office/drawing/2014/main" id="{315C1B9A-FDFD-47D0-8AAE-3127531E205B}"/>
+                <a16:creationId xmlns:a16="http://schemas.microsoft.com/office/drawing/2014/main" xmlns="" id="{315C1B9A-FDFD-47D0-8AAE-3127531E205B}"/>
               </a:ext>
             </a:extLst>
           </p:cNvPr>
@@ -9721,7 +10881,7 @@
           <p:cNvPr id="3" name="文本占位符 2">
             <a:extLst>
               <a:ext uri="{FF2B5EF4-FFF2-40B4-BE49-F238E27FC236}">
-                <a16:creationId xmlns:a16="http://schemas.microsoft.com/office/drawing/2014/main" id="{0C21F3BF-64A7-4322-B435-FD630389F9AE}"/>
+                <a16:creationId xmlns:a16="http://schemas.microsoft.com/office/drawing/2014/main" xmlns="" id="{0C21F3BF-64A7-4322-B435-FD630389F9AE}"/>
               </a:ext>
             </a:extLst>
           </p:cNvPr>
@@ -9821,7 +10981,7 @@
           <p:cNvPr id="4" name="标题 3">
             <a:extLst>
               <a:ext uri="{FF2B5EF4-FFF2-40B4-BE49-F238E27FC236}">
-                <a16:creationId xmlns:a16="http://schemas.microsoft.com/office/drawing/2014/main" id="{902E18F5-1916-4E11-BC81-985FCC1CE581}"/>
+                <a16:creationId xmlns:a16="http://schemas.microsoft.com/office/drawing/2014/main" xmlns="" id="{902E18F5-1916-4E11-BC81-985FCC1CE581}"/>
               </a:ext>
             </a:extLst>
           </p:cNvPr>
@@ -9849,7 +11009,7 @@
           <p:cNvPr id="6" name="文本占位符 5">
             <a:extLst>
               <a:ext uri="{FF2B5EF4-FFF2-40B4-BE49-F238E27FC236}">
-                <a16:creationId xmlns:a16="http://schemas.microsoft.com/office/drawing/2014/main" id="{9BA656FB-BF99-46CD-8CC5-3406529170D6}"/>
+                <a16:creationId xmlns:a16="http://schemas.microsoft.com/office/drawing/2014/main" xmlns="" id="{9BA656FB-BF99-46CD-8CC5-3406529170D6}"/>
               </a:ext>
             </a:extLst>
           </p:cNvPr>
@@ -9907,7 +11067,7 @@
           <p:cNvPr id="28" name="组合 27">
             <a:extLst>
               <a:ext uri="{FF2B5EF4-FFF2-40B4-BE49-F238E27FC236}">
-                <a16:creationId xmlns:a16="http://schemas.microsoft.com/office/drawing/2014/main" id="{EBE9CD1D-9362-4FD9-9212-5B69C9667FF8}"/>
+                <a16:creationId xmlns:a16="http://schemas.microsoft.com/office/drawing/2014/main" xmlns="" id="{EBE9CD1D-9362-4FD9-9212-5B69C9667FF8}"/>
               </a:ext>
             </a:extLst>
           </p:cNvPr>
@@ -9927,7 +11087,7 @@
             <p:cNvPr id="7" name="矩形: 圆角 6">
               <a:extLst>
                 <a:ext uri="{FF2B5EF4-FFF2-40B4-BE49-F238E27FC236}">
-                  <a16:creationId xmlns:a16="http://schemas.microsoft.com/office/drawing/2014/main" id="{FDE1D686-83C8-4A17-9316-94F74941124D}"/>
+                  <a16:creationId xmlns:a16="http://schemas.microsoft.com/office/drawing/2014/main" xmlns="" id="{FDE1D686-83C8-4A17-9316-94F74941124D}"/>
                 </a:ext>
               </a:extLst>
             </p:cNvPr>
@@ -9979,7 +11139,7 @@
             <p:cNvPr id="9" name="矩形: 圆角 8">
               <a:extLst>
                 <a:ext uri="{FF2B5EF4-FFF2-40B4-BE49-F238E27FC236}">
-                  <a16:creationId xmlns:a16="http://schemas.microsoft.com/office/drawing/2014/main" id="{A1EE7E5A-5627-47BB-B6E6-712FDCFF7B10}"/>
+                  <a16:creationId xmlns:a16="http://schemas.microsoft.com/office/drawing/2014/main" xmlns="" id="{A1EE7E5A-5627-47BB-B6E6-712FDCFF7B10}"/>
                 </a:ext>
               </a:extLst>
             </p:cNvPr>
@@ -10031,7 +11191,7 @@
             <p:cNvPr id="10" name="矩形: 圆角 9">
               <a:extLst>
                 <a:ext uri="{FF2B5EF4-FFF2-40B4-BE49-F238E27FC236}">
-                  <a16:creationId xmlns:a16="http://schemas.microsoft.com/office/drawing/2014/main" id="{33E5B558-870B-45DD-849A-B710F59C13B6}"/>
+                  <a16:creationId xmlns:a16="http://schemas.microsoft.com/office/drawing/2014/main" xmlns="" id="{33E5B558-870B-45DD-849A-B710F59C13B6}"/>
                 </a:ext>
               </a:extLst>
             </p:cNvPr>
@@ -10083,7 +11243,7 @@
             <p:cNvPr id="11" name="矩形: 圆角 10">
               <a:extLst>
                 <a:ext uri="{FF2B5EF4-FFF2-40B4-BE49-F238E27FC236}">
-                  <a16:creationId xmlns:a16="http://schemas.microsoft.com/office/drawing/2014/main" id="{22641E9A-13EE-461A-BE33-B5010E9B23B5}"/>
+                  <a16:creationId xmlns:a16="http://schemas.microsoft.com/office/drawing/2014/main" xmlns="" id="{22641E9A-13EE-461A-BE33-B5010E9B23B5}"/>
                 </a:ext>
               </a:extLst>
             </p:cNvPr>
@@ -10135,7 +11295,7 @@
             <p:cNvPr id="12" name="箭头: 下 11">
               <a:extLst>
                 <a:ext uri="{FF2B5EF4-FFF2-40B4-BE49-F238E27FC236}">
-                  <a16:creationId xmlns:a16="http://schemas.microsoft.com/office/drawing/2014/main" id="{58E04EB8-FE8B-4740-A7E8-973A4B8E0A24}"/>
+                  <a16:creationId xmlns:a16="http://schemas.microsoft.com/office/drawing/2014/main" xmlns="" id="{58E04EB8-FE8B-4740-A7E8-973A4B8E0A24}"/>
                 </a:ext>
               </a:extLst>
             </p:cNvPr>
@@ -10181,7 +11341,7 @@
             <p:cNvPr id="13" name="箭头: 下 12">
               <a:extLst>
                 <a:ext uri="{FF2B5EF4-FFF2-40B4-BE49-F238E27FC236}">
-                  <a16:creationId xmlns:a16="http://schemas.microsoft.com/office/drawing/2014/main" id="{B7F87402-0142-4792-886F-9B55ECCE6D3E}"/>
+                  <a16:creationId xmlns:a16="http://schemas.microsoft.com/office/drawing/2014/main" xmlns="" id="{B7F87402-0142-4792-886F-9B55ECCE6D3E}"/>
                 </a:ext>
               </a:extLst>
             </p:cNvPr>
@@ -10227,7 +11387,7 @@
             <p:cNvPr id="14" name="矩形: 圆角 13">
               <a:extLst>
                 <a:ext uri="{FF2B5EF4-FFF2-40B4-BE49-F238E27FC236}">
-                  <a16:creationId xmlns:a16="http://schemas.microsoft.com/office/drawing/2014/main" id="{57652741-C625-4E51-A4FB-209F87B4A689}"/>
+                  <a16:creationId xmlns:a16="http://schemas.microsoft.com/office/drawing/2014/main" xmlns="" id="{57652741-C625-4E51-A4FB-209F87B4A689}"/>
                 </a:ext>
               </a:extLst>
             </p:cNvPr>
@@ -10284,7 +11444,7 @@
             <p:cNvPr id="16" name="矩形: 圆角 15">
               <a:extLst>
                 <a:ext uri="{FF2B5EF4-FFF2-40B4-BE49-F238E27FC236}">
-                  <a16:creationId xmlns:a16="http://schemas.microsoft.com/office/drawing/2014/main" id="{9E898A56-6988-4598-B53A-B212ED507647}"/>
+                  <a16:creationId xmlns:a16="http://schemas.microsoft.com/office/drawing/2014/main" xmlns="" id="{9E898A56-6988-4598-B53A-B212ED507647}"/>
                 </a:ext>
               </a:extLst>
             </p:cNvPr>
@@ -10341,7 +11501,7 @@
             <p:cNvPr id="17" name="矩形: 圆角 16">
               <a:extLst>
                 <a:ext uri="{FF2B5EF4-FFF2-40B4-BE49-F238E27FC236}">
-                  <a16:creationId xmlns:a16="http://schemas.microsoft.com/office/drawing/2014/main" id="{E58A64E9-EBBE-4A1B-869E-5309D2A989B3}"/>
+                  <a16:creationId xmlns:a16="http://schemas.microsoft.com/office/drawing/2014/main" xmlns="" id="{E58A64E9-EBBE-4A1B-869E-5309D2A989B3}"/>
                 </a:ext>
               </a:extLst>
             </p:cNvPr>
@@ -10398,7 +11558,7 @@
             <p:cNvPr id="18" name="箭头: 右 17">
               <a:extLst>
                 <a:ext uri="{FF2B5EF4-FFF2-40B4-BE49-F238E27FC236}">
-                  <a16:creationId xmlns:a16="http://schemas.microsoft.com/office/drawing/2014/main" id="{4968FCB2-5BC1-497D-90A6-367C406151C6}"/>
+                  <a16:creationId xmlns:a16="http://schemas.microsoft.com/office/drawing/2014/main" xmlns="" id="{4968FCB2-5BC1-497D-90A6-367C406151C6}"/>
                 </a:ext>
               </a:extLst>
             </p:cNvPr>
@@ -10444,7 +11604,7 @@
             <p:cNvPr id="21" name="箭头: 右 20">
               <a:extLst>
                 <a:ext uri="{FF2B5EF4-FFF2-40B4-BE49-F238E27FC236}">
-                  <a16:creationId xmlns:a16="http://schemas.microsoft.com/office/drawing/2014/main" id="{CF62F88A-4000-440C-A726-D8091B7CF509}"/>
+                  <a16:creationId xmlns:a16="http://schemas.microsoft.com/office/drawing/2014/main" xmlns="" id="{CF62F88A-4000-440C-A726-D8091B7CF509}"/>
                 </a:ext>
               </a:extLst>
             </p:cNvPr>
@@ -10490,7 +11650,7 @@
             <p:cNvPr id="20" name="矩形: 圆角 19">
               <a:extLst>
                 <a:ext uri="{FF2B5EF4-FFF2-40B4-BE49-F238E27FC236}">
-                  <a16:creationId xmlns:a16="http://schemas.microsoft.com/office/drawing/2014/main" id="{927F1DBF-3CC8-4B61-80F2-4A46EEB29F8C}"/>
+                  <a16:creationId xmlns:a16="http://schemas.microsoft.com/office/drawing/2014/main" xmlns="" id="{927F1DBF-3CC8-4B61-80F2-4A46EEB29F8C}"/>
                 </a:ext>
               </a:extLst>
             </p:cNvPr>
@@ -10547,7 +11707,7 @@
             <p:cNvPr id="15" name="矩形: 圆角 14">
               <a:extLst>
                 <a:ext uri="{FF2B5EF4-FFF2-40B4-BE49-F238E27FC236}">
-                  <a16:creationId xmlns:a16="http://schemas.microsoft.com/office/drawing/2014/main" id="{1D2B58D0-933D-4E88-BD51-876B6AD100D9}"/>
+                  <a16:creationId xmlns:a16="http://schemas.microsoft.com/office/drawing/2014/main" xmlns="" id="{1D2B58D0-933D-4E88-BD51-876B6AD100D9}"/>
                 </a:ext>
               </a:extLst>
             </p:cNvPr>
@@ -10604,7 +11764,7 @@
             <p:cNvPr id="22" name="矩形: 圆角 21">
               <a:extLst>
                 <a:ext uri="{FF2B5EF4-FFF2-40B4-BE49-F238E27FC236}">
-                  <a16:creationId xmlns:a16="http://schemas.microsoft.com/office/drawing/2014/main" id="{6DAE76C4-FE17-456F-AC04-28E2AEA03A4B}"/>
+                  <a16:creationId xmlns:a16="http://schemas.microsoft.com/office/drawing/2014/main" xmlns="" id="{6DAE76C4-FE17-456F-AC04-28E2AEA03A4B}"/>
                 </a:ext>
               </a:extLst>
             </p:cNvPr>
@@ -10661,7 +11821,7 @@
             <p:cNvPr id="23" name="矩形: 圆角 22">
               <a:extLst>
                 <a:ext uri="{FF2B5EF4-FFF2-40B4-BE49-F238E27FC236}">
-                  <a16:creationId xmlns:a16="http://schemas.microsoft.com/office/drawing/2014/main" id="{912F02CD-FF2E-4A02-BF91-119F2B4A0032}"/>
+                  <a16:creationId xmlns:a16="http://schemas.microsoft.com/office/drawing/2014/main" xmlns="" id="{912F02CD-FF2E-4A02-BF91-119F2B4A0032}"/>
                 </a:ext>
               </a:extLst>
             </p:cNvPr>
@@ -10718,7 +11878,7 @@
             <p:cNvPr id="25" name="连接符: 肘形 24">
               <a:extLst>
                 <a:ext uri="{FF2B5EF4-FFF2-40B4-BE49-F238E27FC236}">
-                  <a16:creationId xmlns:a16="http://schemas.microsoft.com/office/drawing/2014/main" id="{D9669872-4007-4BAA-8720-A6E51D31D2C4}"/>
+                  <a16:creationId xmlns:a16="http://schemas.microsoft.com/office/drawing/2014/main" xmlns="" id="{D9669872-4007-4BAA-8720-A6E51D31D2C4}"/>
                 </a:ext>
               </a:extLst>
             </p:cNvPr>
@@ -10760,7 +11920,7 @@
             <p:cNvPr id="27" name="连接符: 肘形 26">
               <a:extLst>
                 <a:ext uri="{FF2B5EF4-FFF2-40B4-BE49-F238E27FC236}">
-                  <a16:creationId xmlns:a16="http://schemas.microsoft.com/office/drawing/2014/main" id="{FDC2B0FA-C41B-4B92-B3A8-1C54E3131D0A}"/>
+                  <a16:creationId xmlns:a16="http://schemas.microsoft.com/office/drawing/2014/main" xmlns="" id="{FDC2B0FA-C41B-4B92-B3A8-1C54E3131D0A}"/>
                 </a:ext>
               </a:extLst>
             </p:cNvPr>
@@ -10830,43 +11990,146 @@
       </p:grpSpPr>
       <p:sp>
         <p:nvSpPr>
-          <p:cNvPr id="5" name="文本框 4">
-            <a:extLst>
-              <a:ext uri="{FF2B5EF4-FFF2-40B4-BE49-F238E27FC236}">
-                <a16:creationId xmlns:a16="http://schemas.microsoft.com/office/drawing/2014/main" id="{3C0B4D1D-86DD-4391-89AE-BF62427E46BB}"/>
-              </a:ext>
-            </a:extLst>
-          </p:cNvPr>
-          <p:cNvSpPr txBox="1"/>
-          <p:nvPr/>
+          <p:cNvPr id="5" name="标题 4"/>
+          <p:cNvSpPr>
+            <a:spLocks noGrp="1"/>
+          </p:cNvSpPr>
+          <p:nvPr>
+            <p:ph type="title"/>
+          </p:nvPr>
+        </p:nvSpPr>
+        <p:spPr/>
+        <p:txBody>
+          <a:bodyPr/>
+          <a:lstStyle/>
+          <a:p>
+            <a:r>
+              <a:rPr lang="zh-CN" altLang="en-US" dirty="0" smtClean="0"/>
+              <a:t>沟通的意义</a:t>
+            </a:r>
+            <a:endParaRPr lang="zh-CN" altLang="en-US" dirty="0"/>
+          </a:p>
+        </p:txBody>
+      </p:sp>
+      <p:sp>
+        <p:nvSpPr>
+          <p:cNvPr id="6" name="竖排文字占位符 5"/>
+          <p:cNvSpPr>
+            <a:spLocks noGrp="1"/>
+          </p:cNvSpPr>
+          <p:nvPr>
+            <p:ph type="body" orient="vert" idx="1"/>
+          </p:nvPr>
         </p:nvSpPr>
         <p:spPr>
           <a:xfrm>
-            <a:off x="3397028" y="2767280"/>
-            <a:ext cx="5397944" cy="1323439"/>
+            <a:off x="2102069" y="1732449"/>
+            <a:ext cx="7588469" cy="4058751"/>
           </a:xfrm>
-          <a:prstGeom prst="rect">
-            <a:avLst/>
-          </a:prstGeom>
-          <a:noFill/>
         </p:spPr>
         <p:txBody>
-          <a:bodyPr wrap="square" rtlCol="0">
-            <a:spAutoFit/>
-          </a:bodyPr>
-          <a:lstStyle/>
-          <a:p>
-            <a:r>
-              <a:rPr lang="zh-CN" altLang="en-US" sz="8000" dirty="0"/>
-              <a:t>了解程序员</a:t>
-            </a:r>
+          <a:bodyPr vert="horz"/>
+          <a:lstStyle/>
+          <a:p>
+            <a:endParaRPr lang="zh-CN" altLang="en-US" dirty="0"/>
+          </a:p>
+          <a:p>
+            <a:endParaRPr lang="zh-CN" altLang="en-US" dirty="0"/>
+          </a:p>
+          <a:p>
+            <a:pPr marL="36900" indent="0">
+              <a:buNone/>
+            </a:pPr>
+            <a:r>
+              <a:rPr lang="en-US" altLang="zh-CN" dirty="0" smtClean="0"/>
+              <a:t>•</a:t>
+            </a:r>
+            <a:r>
+              <a:rPr lang="zh-CN" altLang="en-US" dirty="0" smtClean="0"/>
+              <a:t>满足</a:t>
+            </a:r>
+            <a:r>
+              <a:rPr lang="zh-CN" altLang="en-US" dirty="0"/>
+              <a:t>人们彼此交流的需要； </a:t>
+            </a:r>
+          </a:p>
+          <a:p>
+            <a:pPr marL="36900" indent="0">
+              <a:buNone/>
+            </a:pPr>
+            <a:r>
+              <a:rPr lang="en-US" altLang="zh-CN" dirty="0" smtClean="0"/>
+              <a:t>•</a:t>
+            </a:r>
+            <a:r>
+              <a:rPr lang="zh-CN" altLang="en-US" dirty="0" smtClean="0"/>
+              <a:t>使</a:t>
+            </a:r>
+            <a:r>
+              <a:rPr lang="zh-CN" altLang="en-US" dirty="0"/>
+              <a:t>人们达成共识、更多的合作； </a:t>
+            </a:r>
+          </a:p>
+          <a:p>
+            <a:pPr marL="36900" indent="0">
+              <a:buNone/>
+            </a:pPr>
+            <a:r>
+              <a:rPr lang="en-US" altLang="zh-CN" dirty="0" smtClean="0"/>
+              <a:t>•</a:t>
+            </a:r>
+            <a:r>
+              <a:rPr lang="zh-CN" altLang="en-US" dirty="0" smtClean="0"/>
+              <a:t>降低</a:t>
+            </a:r>
+            <a:r>
+              <a:rPr lang="zh-CN" altLang="en-US" dirty="0"/>
+              <a:t>工作的代理成本，提高办事效率； </a:t>
+            </a:r>
+          </a:p>
+          <a:p>
+            <a:pPr marL="36900" indent="0">
+              <a:buNone/>
+            </a:pPr>
+            <a:r>
+              <a:rPr lang="en-US" altLang="zh-CN" dirty="0" smtClean="0"/>
+              <a:t>•</a:t>
+            </a:r>
+            <a:r>
+              <a:rPr lang="zh-CN" altLang="en-US" dirty="0" smtClean="0"/>
+              <a:t>能</a:t>
+            </a:r>
+            <a:r>
+              <a:rPr lang="zh-CN" altLang="en-US" dirty="0"/>
+              <a:t>获得有价值的信息，并使个人办事更加井井有条； </a:t>
+            </a:r>
+          </a:p>
+          <a:p>
+            <a:pPr marL="36900" indent="0">
+              <a:buNone/>
+            </a:pPr>
+            <a:r>
+              <a:rPr lang="en-US" altLang="zh-CN" dirty="0" smtClean="0"/>
+              <a:t>•</a:t>
+            </a:r>
+            <a:r>
+              <a:rPr lang="zh-CN" altLang="en-US" dirty="0" smtClean="0"/>
+              <a:t>使</a:t>
+            </a:r>
+            <a:r>
+              <a:rPr lang="zh-CN" altLang="en-US" dirty="0"/>
+              <a:t>人进行清晰的思考，有效把握所做的事。 </a:t>
+            </a:r>
+          </a:p>
+          <a:p>
+            <a:endParaRPr lang="zh-CN" altLang="en-US" dirty="0"/>
           </a:p>
         </p:txBody>
       </p:sp>
     </p:spTree>
     <p:extLst>
       <p:ext uri="{BB962C8B-B14F-4D97-AF65-F5344CB8AC3E}">
-        <p14:creationId xmlns:p14="http://schemas.microsoft.com/office/powerpoint/2010/main" val="946759606"/>
+        <p14:creationId xmlns:p14="http://schemas.microsoft.com/office/powerpoint/2010/main" val="2503109915"/>
       </p:ext>
     </p:extLst>
   </p:cSld>
@@ -10895,43 +12158,142 @@
       </p:grpSpPr>
       <p:sp>
         <p:nvSpPr>
-          <p:cNvPr id="2" name="文本框 1">
-            <a:extLst>
-              <a:ext uri="{FF2B5EF4-FFF2-40B4-BE49-F238E27FC236}">
-                <a16:creationId xmlns:a16="http://schemas.microsoft.com/office/drawing/2014/main" id="{5261A141-7230-40E8-A699-D2D33BA51583}"/>
-              </a:ext>
-            </a:extLst>
-          </p:cNvPr>
-          <p:cNvSpPr txBox="1"/>
-          <p:nvPr/>
-        </p:nvSpPr>
-        <p:spPr>
-          <a:xfrm>
-            <a:off x="1874982" y="2767280"/>
-            <a:ext cx="8442035" cy="1323439"/>
-          </a:xfrm>
-          <a:prstGeom prst="rect">
-            <a:avLst/>
-          </a:prstGeom>
-          <a:noFill/>
-        </p:spPr>
-        <p:txBody>
-          <a:bodyPr wrap="square" rtlCol="0">
-            <a:spAutoFit/>
-          </a:bodyPr>
-          <a:lstStyle/>
-          <a:p>
-            <a:r>
-              <a:rPr lang="zh-CN" altLang="en-US" sz="8000" dirty="0"/>
-              <a:t>程序眼里的好策划</a:t>
-            </a:r>
+          <p:cNvPr id="2" name="标题 1"/>
+          <p:cNvSpPr>
+            <a:spLocks noGrp="1"/>
+          </p:cNvSpPr>
+          <p:nvPr>
+            <p:ph type="title"/>
+          </p:nvPr>
+        </p:nvSpPr>
+        <p:spPr/>
+        <p:txBody>
+          <a:bodyPr/>
+          <a:lstStyle/>
+          <a:p>
+            <a:r>
+              <a:rPr lang="zh-CN" altLang="en-US" dirty="0" smtClean="0"/>
+              <a:t>沟通中的</a:t>
+            </a:r>
+            <a:r>
+              <a:rPr lang="en-US" altLang="zh-CN" dirty="0" smtClean="0"/>
+              <a:t>“</a:t>
+            </a:r>
+            <a:r>
+              <a:rPr lang="zh-CN" altLang="en-US" dirty="0" smtClean="0"/>
+              <a:t>囧</a:t>
+            </a:r>
+            <a:r>
+              <a:rPr lang="en-US" altLang="zh-CN" dirty="0" smtClean="0"/>
+              <a:t>”</a:t>
+            </a:r>
+            <a:r>
+              <a:rPr lang="zh-CN" altLang="en-US" dirty="0" smtClean="0"/>
+              <a:t>事</a:t>
+            </a:r>
+            <a:endParaRPr lang="zh-CN" altLang="en-US" dirty="0"/>
+          </a:p>
+        </p:txBody>
+      </p:sp>
+      <p:sp>
+        <p:nvSpPr>
+          <p:cNvPr id="4" name="内容占位符 3"/>
+          <p:cNvSpPr>
+            <a:spLocks noGrp="1"/>
+          </p:cNvSpPr>
+          <p:nvPr>
+            <p:ph sz="half" idx="1"/>
+          </p:nvPr>
+        </p:nvSpPr>
+        <p:spPr/>
+        <p:txBody>
+          <a:bodyPr/>
+          <a:lstStyle/>
+          <a:p>
+            <a:r>
+              <a:rPr lang="en-US" altLang="zh-CN" dirty="0" smtClean="0"/>
+              <a:t>ACT</a:t>
+            </a:r>
+          </a:p>
+          <a:p>
+            <a:r>
+              <a:rPr lang="en-US" altLang="zh-CN" dirty="0" smtClean="0"/>
+              <a:t>BMG</a:t>
+            </a:r>
+          </a:p>
+          <a:p>
+            <a:r>
+              <a:rPr lang="en-US" altLang="zh-CN" dirty="0" smtClean="0"/>
+              <a:t>DLC</a:t>
+            </a:r>
+          </a:p>
+          <a:p>
+            <a:endParaRPr lang="zh-CN" altLang="en-US" dirty="0"/>
+          </a:p>
+        </p:txBody>
+      </p:sp>
+      <p:sp>
+        <p:nvSpPr>
+          <p:cNvPr id="5" name="内容占位符 4"/>
+          <p:cNvSpPr>
+            <a:spLocks noGrp="1"/>
+          </p:cNvSpPr>
+          <p:nvPr>
+            <p:ph sz="half" idx="2"/>
+          </p:nvPr>
+        </p:nvSpPr>
+        <p:spPr/>
+        <p:txBody>
+          <a:bodyPr/>
+          <a:lstStyle/>
+          <a:p>
+            <a:r>
+              <a:rPr lang="zh-CN" altLang="en-US" dirty="0" smtClean="0"/>
+              <a:t>看板娘</a:t>
+            </a:r>
+            <a:endParaRPr lang="en-US" altLang="zh-CN" dirty="0" smtClean="0"/>
+          </a:p>
+          <a:p>
+            <a:r>
+              <a:rPr lang="zh-CN" altLang="en-US" dirty="0"/>
+              <a:t>鬼</a:t>
+            </a:r>
+            <a:r>
+              <a:rPr lang="zh-CN" altLang="en-US" dirty="0" smtClean="0"/>
+              <a:t>畜</a:t>
+            </a:r>
+            <a:endParaRPr lang="en-US" altLang="zh-CN" dirty="0" smtClean="0"/>
+          </a:p>
+          <a:p>
+            <a:r>
+              <a:rPr lang="zh-CN" altLang="en-US" dirty="0"/>
+              <a:t>吃</a:t>
+            </a:r>
+            <a:r>
+              <a:rPr lang="zh-CN" altLang="en-US" dirty="0" smtClean="0"/>
+              <a:t>茶</a:t>
+            </a:r>
+            <a:endParaRPr lang="en-US" altLang="zh-CN" dirty="0" smtClean="0"/>
+          </a:p>
+          <a:p>
+            <a:r>
+              <a:rPr lang="zh-CN" altLang="en-US" dirty="0" smtClean="0"/>
+              <a:t>郭嘉</a:t>
+            </a:r>
+            <a:endParaRPr lang="en-US" altLang="zh-CN" dirty="0" smtClean="0"/>
+          </a:p>
+          <a:p>
+            <a:endParaRPr lang="en-US" altLang="zh-CN" dirty="0" smtClean="0"/>
+          </a:p>
+          <a:p>
+            <a:endParaRPr lang="zh-CN" altLang="en-US" dirty="0"/>
           </a:p>
         </p:txBody>
       </p:sp>
     </p:spTree>
     <p:extLst>
       <p:ext uri="{BB962C8B-B14F-4D97-AF65-F5344CB8AC3E}">
-        <p14:creationId xmlns:p14="http://schemas.microsoft.com/office/powerpoint/2010/main" val="4265288084"/>
+        <p14:creationId xmlns:p14="http://schemas.microsoft.com/office/powerpoint/2010/main" val="296614178"/>
       </p:ext>
     </p:extLst>
   </p:cSld>
@@ -10958,10 +12320,111 @@
           <a:chExt cx="0" cy="0"/>
         </a:xfrm>
       </p:grpSpPr>
+      <p:sp>
+        <p:nvSpPr>
+          <p:cNvPr id="2" name="标题 1"/>
+          <p:cNvSpPr>
+            <a:spLocks noGrp="1"/>
+          </p:cNvSpPr>
+          <p:nvPr>
+            <p:ph type="title"/>
+          </p:nvPr>
+        </p:nvSpPr>
+        <p:spPr/>
+        <p:txBody>
+          <a:bodyPr/>
+          <a:lstStyle/>
+          <a:p>
+            <a:r>
+              <a:rPr lang="zh-CN" altLang="en-US" dirty="0" smtClean="0"/>
+              <a:t>如何达成共识</a:t>
+            </a:r>
+            <a:endParaRPr lang="zh-CN" altLang="en-US" dirty="0"/>
+          </a:p>
+        </p:txBody>
+      </p:sp>
+      <p:sp>
+        <p:nvSpPr>
+          <p:cNvPr id="5" name="内容占位符 4"/>
+          <p:cNvSpPr>
+            <a:spLocks noGrp="1"/>
+          </p:cNvSpPr>
+          <p:nvPr>
+            <p:ph idx="1"/>
+          </p:nvPr>
+        </p:nvSpPr>
+        <p:spPr/>
+        <p:txBody>
+          <a:bodyPr/>
+          <a:lstStyle/>
+          <a:p>
+            <a:endParaRPr lang="zh-CN" altLang="en-US" dirty="0"/>
+          </a:p>
+          <a:p>
+            <a:endParaRPr lang="zh-CN" altLang="en-US" dirty="0"/>
+          </a:p>
+          <a:p>
+            <a:r>
+              <a:rPr lang="zh-CN" altLang="en-US" dirty="0" smtClean="0"/>
+              <a:t>不要</a:t>
+            </a:r>
+            <a:r>
+              <a:rPr lang="zh-CN" altLang="en-US" dirty="0"/>
+              <a:t>忽略你没有理解的词 </a:t>
+            </a:r>
+          </a:p>
+          <a:p>
+            <a:r>
+              <a:rPr lang="zh-CN" altLang="en-US" dirty="0" smtClean="0"/>
+              <a:t>学会</a:t>
+            </a:r>
+            <a:r>
+              <a:rPr lang="zh-CN" altLang="en-US" dirty="0"/>
+              <a:t>说我没听懂 </a:t>
+            </a:r>
+          </a:p>
+          <a:p>
+            <a:r>
+              <a:rPr lang="zh-CN" altLang="en-US" dirty="0" smtClean="0"/>
+              <a:t>努力</a:t>
+            </a:r>
+            <a:r>
+              <a:rPr lang="zh-CN" altLang="en-US" dirty="0"/>
+              <a:t>学习新的语言环境 </a:t>
+            </a:r>
+          </a:p>
+          <a:p>
+            <a:r>
+              <a:rPr lang="zh-CN" altLang="en-US" dirty="0" smtClean="0"/>
+              <a:t>掌握</a:t>
+            </a:r>
+            <a:r>
+              <a:rPr lang="zh-CN" altLang="en-US" dirty="0"/>
+              <a:t>沟通目标领域中的词汇并灵活运用 </a:t>
+            </a:r>
+          </a:p>
+          <a:p>
+            <a:r>
+              <a:rPr lang="zh-CN" altLang="en-US" dirty="0" smtClean="0"/>
+              <a:t>耐心</a:t>
+            </a:r>
+            <a:r>
+              <a:rPr lang="zh-CN" altLang="en-US" dirty="0"/>
+              <a:t>解释 </a:t>
+            </a:r>
+          </a:p>
+          <a:p>
+            <a:pPr marL="36900" indent="0">
+              <a:buNone/>
+            </a:pPr>
+            <a:endParaRPr lang="zh-CN" altLang="en-US" dirty="0"/>
+          </a:p>
+        </p:txBody>
+      </p:sp>
     </p:spTree>
     <p:extLst>
       <p:ext uri="{BB962C8B-B14F-4D97-AF65-F5344CB8AC3E}">
-        <p14:creationId xmlns:p14="http://schemas.microsoft.com/office/powerpoint/2010/main" val="2160063178"/>
+        <p14:creationId xmlns:p14="http://schemas.microsoft.com/office/powerpoint/2010/main" val="1225599542"/>
       </p:ext>
     </p:extLst>
   </p:cSld>
@@ -11460,7 +12923,7 @@
   <a:extraClrSchemeLst/>
   <a:extLst>
     <a:ext uri="{05A4C25C-085E-4340-85A3-A5531E510DB2}">
-      <thm15:themeFamily xmlns:thm15="http://schemas.microsoft.com/office/thememl/2012/main" name="Slate" id="{C3F70B94-7CE9-428E-ADC1-3269CC2C3385}" vid="{3F2DE9A5-64E6-437C-A389-CC4477E817E8}"/>
+      <thm15:themeFamily xmlns:thm15="http://schemas.microsoft.com/office/thememl/2012/main" xmlns="" name="Slate" id="{C3F70B94-7CE9-428E-ADC1-3269CC2C3385}" vid="{3F2DE9A5-64E6-437C-A389-CC4477E817E8}"/>
     </a:ext>
   </a:extLst>
 </a:theme>
@@ -11755,7 +13218,7 @@
   <a:extraClrSchemeLst/>
   <a:extLst>
     <a:ext uri="{05A4C25C-085E-4340-85A3-A5531E510DB2}">
-      <thm15:themeFamily xmlns:thm15="http://schemas.microsoft.com/office/thememl/2012/main" name="Office Theme" id="{62F939B6-93AF-4DB8-9C6B-D6C7DFDC589F}" vid="{4A3C46E8-61CC-4603-A589-7422A47A8E4A}"/>
+      <thm15:themeFamily xmlns:thm15="http://schemas.microsoft.com/office/thememl/2012/main" xmlns="" name="Office Theme" id="{62F939B6-93AF-4DB8-9C6B-D6C7DFDC589F}" vid="{4A3C46E8-61CC-4603-A589-7422A47A8E4A}"/>
     </a:ext>
   </a:extLst>
 </a:theme>

--- a/communication/策划与程序沟通技巧.pptx
+++ b/communication/策划与程序沟通技巧.pptx
@@ -6,7 +6,7 @@
     <p:sldMasterId id="2147483672" r:id="rId2"/>
   </p:sldMasterIdLst>
   <p:notesMasterIdLst>
-    <p:notesMasterId r:id="rId22"/>
+    <p:notesMasterId r:id="rId25"/>
   </p:notesMasterIdLst>
   <p:sldIdLst>
     <p:sldId id="256" r:id="rId3"/>
@@ -25,9 +25,12 @@
     <p:sldId id="272" r:id="rId16"/>
     <p:sldId id="273" r:id="rId17"/>
     <p:sldId id="274" r:id="rId18"/>
-    <p:sldId id="263" r:id="rId19"/>
-    <p:sldId id="264" r:id="rId20"/>
-    <p:sldId id="265" r:id="rId21"/>
+    <p:sldId id="275" r:id="rId19"/>
+    <p:sldId id="263" r:id="rId20"/>
+    <p:sldId id="264" r:id="rId21"/>
+    <p:sldId id="265" r:id="rId22"/>
+    <p:sldId id="276" r:id="rId23"/>
+    <p:sldId id="277" r:id="rId24"/>
   </p:sldIdLst>
   <p:sldSz cx="12192000" cy="6858000"/>
   <p:notesSz cx="6858000" cy="9144000"/>
@@ -126,6 +129,22 @@
       </a:defRPr>
     </a:lvl9pPr>
   </p:defaultTextStyle>
+  <p:extLst>
+    <p:ext uri="{EFAFB233-063F-42B5-8137-9DF3F51BA10A}">
+      <p15:sldGuideLst xmlns:p15="http://schemas.microsoft.com/office/powerpoint/2012/main">
+        <p15:guide id="1" orient="horz" pos="2160">
+          <p15:clr>
+            <a:srgbClr val="A4A3A4"/>
+          </p15:clr>
+        </p15:guide>
+        <p15:guide id="2" pos="3840">
+          <p15:clr>
+            <a:srgbClr val="A4A3A4"/>
+          </p15:clr>
+        </p15:guide>
+      </p15:sldGuideLst>
+    </p:ext>
+  </p:extLst>
 </p:presentation>
 </file>
 
@@ -211,7 +230,7 @@
           <a:p>
             <a:fld id="{98F61A85-A7BA-405E-98DD-B5BF1ADBF100}" type="datetimeFigureOut">
               <a:rPr lang="zh-CN" altLang="en-US" smtClean="0"/>
-              <a:t>2018/3/5</a:t>
+              <a:t>2018/3/6</a:t>
             </a:fld>
             <a:endParaRPr lang="zh-CN" altLang="en-US"/>
           </a:p>
@@ -607,10 +626,9 @@
           <a:lstStyle/>
           <a:p>
             <a:r>
-              <a:rPr lang="zh-CN" altLang="en-US" dirty="0" smtClean="0"/>
+              <a:rPr lang="zh-CN" altLang="en-US" dirty="0"/>
               <a:t>策划经常来找我改需求，后来我在桌上放了一把菜刀，他就很少来了。</a:t>
             </a:r>
-            <a:endParaRPr lang="zh-CN" altLang="en-US" dirty="0"/>
           </a:p>
         </p:txBody>
       </p:sp>
@@ -778,6 +796,13 @@
           <a:bodyPr/>
           <a:lstStyle/>
           <a:p>
+            <a:r>
+              <a:rPr lang="zh-CN" altLang="en-US" dirty="0"/>
+              <a:t>职业决定了思维模式，但并非不能改变</a:t>
+            </a:r>
+            <a:endParaRPr lang="en-US" altLang="zh-CN" dirty="0"/>
+          </a:p>
+          <a:p>
             <a:endParaRPr lang="zh-CN" altLang="en-US" dirty="0"/>
           </a:p>
         </p:txBody>
@@ -809,6 +834,159 @@
     <p:extLst>
       <p:ext uri="{BB962C8B-B14F-4D97-AF65-F5344CB8AC3E}">
         <p14:creationId xmlns:p14="http://schemas.microsoft.com/office/powerpoint/2010/main" val="938249377"/>
+      </p:ext>
+    </p:extLst>
+  </p:cSld>
+  <p:clrMapOvr>
+    <a:masterClrMapping/>
+  </p:clrMapOvr>
+</p:notes>
+</file>
+
+<file path=ppt/notesSlides/notesSlide5.xml><?xml version="1.0" encoding="utf-8"?>
+<p:notes xmlns:a="http://schemas.openxmlformats.org/drawingml/2006/main" xmlns:r="http://schemas.openxmlformats.org/officeDocument/2006/relationships" xmlns:p="http://schemas.openxmlformats.org/presentationml/2006/main">
+  <p:cSld>
+    <p:spTree>
+      <p:nvGrpSpPr>
+        <p:cNvPr id="1" name=""/>
+        <p:cNvGrpSpPr/>
+        <p:nvPr/>
+      </p:nvGrpSpPr>
+      <p:grpSpPr>
+        <a:xfrm>
+          <a:off x="0" y="0"/>
+          <a:ext cx="0" cy="0"/>
+          <a:chOff x="0" y="0"/>
+          <a:chExt cx="0" cy="0"/>
+        </a:xfrm>
+      </p:grpSpPr>
+      <p:sp>
+        <p:nvSpPr>
+          <p:cNvPr id="2" name="幻灯片图像占位符 1"/>
+          <p:cNvSpPr>
+            <a:spLocks noGrp="1" noRot="1" noChangeAspect="1"/>
+          </p:cNvSpPr>
+          <p:nvPr>
+            <p:ph type="sldImg"/>
+          </p:nvPr>
+        </p:nvSpPr>
+        <p:spPr/>
+      </p:sp>
+      <p:sp>
+        <p:nvSpPr>
+          <p:cNvPr id="3" name="备注占位符 2"/>
+          <p:cNvSpPr>
+            <a:spLocks noGrp="1"/>
+          </p:cNvSpPr>
+          <p:nvPr>
+            <p:ph type="body" idx="1"/>
+          </p:nvPr>
+        </p:nvSpPr>
+        <p:spPr/>
+        <p:txBody>
+          <a:bodyPr/>
+          <a:lstStyle/>
+          <a:p>
+            <a:r>
+              <a:rPr lang="zh-CN" altLang="en-US" dirty="0"/>
+              <a:t>阅读策划案会生成一个大体的印象，这个案子具体是干什么的，用户都有哪些操作，需要有哪些反馈。好的技术人员还会从案子的动机出发，找出案子中不合理或疏漏的地方。</a:t>
+            </a:r>
+            <a:endParaRPr lang="en-US" altLang="zh-CN" dirty="0"/>
+          </a:p>
+          <a:p>
+            <a:endParaRPr lang="en-US" altLang="zh-CN" dirty="0"/>
+          </a:p>
+          <a:p>
+            <a:r>
+              <a:rPr lang="zh-CN" altLang="en-US" dirty="0"/>
+              <a:t>有了大概印象后技术人员会（在心里）列出案子中包含的功能点，大到一个系统，小到一个提示。</a:t>
+            </a:r>
+            <a:endParaRPr lang="en-US" altLang="zh-CN" dirty="0"/>
+          </a:p>
+          <a:p>
+            <a:endParaRPr lang="en-US" altLang="zh-CN" dirty="0"/>
+          </a:p>
+          <a:p>
+            <a:r>
+              <a:rPr lang="zh-CN" altLang="en-US" dirty="0"/>
+              <a:t>一般的案子要跑得起来，离不开配置数据。技术人员会审视配置数据，考虑如何在内存中组织数据用于以后在逻辑中使用。</a:t>
+            </a:r>
+            <a:endParaRPr lang="en-US" altLang="zh-CN" dirty="0"/>
+          </a:p>
+          <a:p>
+            <a:endParaRPr lang="en-US" altLang="zh-CN" dirty="0"/>
+          </a:p>
+          <a:p>
+            <a:r>
+              <a:rPr lang="zh-CN" altLang="en-US" dirty="0"/>
+              <a:t>开始考虑实施的方案</a:t>
+            </a:r>
+            <a:endParaRPr lang="en-US" altLang="zh-CN" dirty="0"/>
+          </a:p>
+          <a:p>
+            <a:r>
+              <a:rPr lang="en-US" altLang="zh-CN" dirty="0"/>
+              <a:t>	</a:t>
+            </a:r>
+            <a:r>
+              <a:rPr lang="zh-CN" altLang="en-US" dirty="0"/>
+              <a:t>现有系统已经支持的，则看看需要增加哪些接口用于支持新的案子</a:t>
+            </a:r>
+            <a:endParaRPr lang="en-US" altLang="zh-CN" dirty="0"/>
+          </a:p>
+          <a:p>
+            <a:r>
+              <a:rPr lang="en-US" altLang="zh-CN" dirty="0"/>
+              <a:t>	</a:t>
+            </a:r>
+            <a:r>
+              <a:rPr lang="zh-CN" altLang="en-US" dirty="0"/>
+              <a:t>需要新做的，则重新规划，找到现有系统的切入点。</a:t>
+            </a:r>
+            <a:endParaRPr lang="en-US" altLang="zh-CN" dirty="0"/>
+          </a:p>
+          <a:p>
+            <a:endParaRPr lang="en-US" altLang="zh-CN" dirty="0"/>
+          </a:p>
+          <a:p>
+            <a:r>
+              <a:rPr lang="zh-CN" altLang="en-US" dirty="0"/>
+              <a:t>用户的输入总是不可预知的，甚至还有外挂的存在</a:t>
+            </a:r>
+            <a:endParaRPr lang="en-US" altLang="zh-CN" dirty="0"/>
+          </a:p>
+          <a:p>
+            <a:endParaRPr lang="zh-CN" altLang="en-US" dirty="0"/>
+          </a:p>
+        </p:txBody>
+      </p:sp>
+      <p:sp>
+        <p:nvSpPr>
+          <p:cNvPr id="4" name="灯片编号占位符 3"/>
+          <p:cNvSpPr>
+            <a:spLocks noGrp="1"/>
+          </p:cNvSpPr>
+          <p:nvPr>
+            <p:ph type="sldNum" sz="quarter" idx="10"/>
+          </p:nvPr>
+        </p:nvSpPr>
+        <p:spPr/>
+        <p:txBody>
+          <a:bodyPr/>
+          <a:lstStyle/>
+          <a:p>
+            <a:fld id="{D7AFCA8C-653A-44A5-9E16-D6C2FB0350C5}" type="slidenum">
+              <a:rPr lang="zh-CN" altLang="en-US" smtClean="0"/>
+              <a:t>17</a:t>
+            </a:fld>
+            <a:endParaRPr lang="zh-CN" altLang="en-US"/>
+          </a:p>
+        </p:txBody>
+      </p:sp>
+    </p:spTree>
+    <p:extLst>
+      <p:ext uri="{BB962C8B-B14F-4D97-AF65-F5344CB8AC3E}">
+        <p14:creationId xmlns:p14="http://schemas.microsoft.com/office/powerpoint/2010/main" val="658109529"/>
       </p:ext>
     </p:extLst>
   </p:cSld>
@@ -960,7 +1138,7 @@
           <a:p>
             <a:fld id="{60BDFD96-2392-4D47-9522-C1D6768F6D40}" type="datetimeFigureOut">
               <a:rPr lang="zh-CN" altLang="en-US" smtClean="0"/>
-              <a:t>2018/3/5</a:t>
+              <a:t>2018/3/6</a:t>
             </a:fld>
             <a:endParaRPr lang="zh-CN" altLang="en-US"/>
           </a:p>
@@ -1130,7 +1308,7 @@
           <a:p>
             <a:fld id="{60BDFD96-2392-4D47-9522-C1D6768F6D40}" type="datetimeFigureOut">
               <a:rPr lang="zh-CN" altLang="en-US" smtClean="0"/>
-              <a:t>2018/3/5</a:t>
+              <a:t>2018/3/6</a:t>
             </a:fld>
             <a:endParaRPr lang="zh-CN" altLang="en-US"/>
           </a:p>
@@ -1310,7 +1488,7 @@
           <a:p>
             <a:fld id="{60BDFD96-2392-4D47-9522-C1D6768F6D40}" type="datetimeFigureOut">
               <a:rPr lang="zh-CN" altLang="en-US" smtClean="0"/>
-              <a:t>2018/3/5</a:t>
+              <a:t>2018/3/6</a:t>
             </a:fld>
             <a:endParaRPr lang="zh-CN" altLang="en-US"/>
           </a:p>
@@ -1556,7 +1734,7 @@
           <a:p>
             <a:fld id="{60BDFD96-2392-4D47-9522-C1D6768F6D40}" type="datetimeFigureOut">
               <a:rPr lang="zh-CN" altLang="en-US" smtClean="0"/>
-              <a:t>2018/3/5</a:t>
+              <a:t>2018/3/6</a:t>
             </a:fld>
             <a:endParaRPr lang="zh-CN" altLang="en-US"/>
           </a:p>
@@ -1726,7 +1904,7 @@
           <a:p>
             <a:fld id="{60BDFD96-2392-4D47-9522-C1D6768F6D40}" type="datetimeFigureOut">
               <a:rPr lang="zh-CN" altLang="en-US" smtClean="0"/>
-              <a:t>2018/3/5</a:t>
+              <a:t>2018/3/6</a:t>
             </a:fld>
             <a:endParaRPr lang="zh-CN" altLang="en-US"/>
           </a:p>
@@ -1970,7 +2148,7 @@
           <a:p>
             <a:fld id="{60BDFD96-2392-4D47-9522-C1D6768F6D40}" type="datetimeFigureOut">
               <a:rPr lang="zh-CN" altLang="en-US" smtClean="0"/>
-              <a:t>2018/3/5</a:t>
+              <a:t>2018/3/6</a:t>
             </a:fld>
             <a:endParaRPr lang="zh-CN" altLang="en-US"/>
           </a:p>
@@ -2206,7 +2384,7 @@
           <a:p>
             <a:fld id="{60BDFD96-2392-4D47-9522-C1D6768F6D40}" type="datetimeFigureOut">
               <a:rPr lang="zh-CN" altLang="en-US" smtClean="0"/>
-              <a:t>2018/3/5</a:t>
+              <a:t>2018/3/6</a:t>
             </a:fld>
             <a:endParaRPr lang="zh-CN" altLang="en-US"/>
           </a:p>
@@ -2672,7 +2850,7 @@
           <a:p>
             <a:fld id="{60BDFD96-2392-4D47-9522-C1D6768F6D40}" type="datetimeFigureOut">
               <a:rPr lang="zh-CN" altLang="en-US" smtClean="0"/>
-              <a:t>2018/3/5</a:t>
+              <a:t>2018/3/6</a:t>
             </a:fld>
             <a:endParaRPr lang="zh-CN" altLang="en-US"/>
           </a:p>
@@ -2790,7 +2968,7 @@
           <a:p>
             <a:fld id="{60BDFD96-2392-4D47-9522-C1D6768F6D40}" type="datetimeFigureOut">
               <a:rPr lang="zh-CN" altLang="en-US" smtClean="0"/>
-              <a:t>2018/3/5</a:t>
+              <a:t>2018/3/6</a:t>
             </a:fld>
             <a:endParaRPr lang="zh-CN" altLang="en-US"/>
           </a:p>
@@ -2885,7 +3063,7 @@
           <a:p>
             <a:fld id="{60BDFD96-2392-4D47-9522-C1D6768F6D40}" type="datetimeFigureOut">
               <a:rPr lang="zh-CN" altLang="en-US" smtClean="0"/>
-              <a:t>2018/3/5</a:t>
+              <a:t>2018/3/6</a:t>
             </a:fld>
             <a:endParaRPr lang="zh-CN" altLang="en-US"/>
           </a:p>
@@ -3140,7 +3318,7 @@
           <a:p>
             <a:fld id="{60BDFD96-2392-4D47-9522-C1D6768F6D40}" type="datetimeFigureOut">
               <a:rPr lang="zh-CN" altLang="en-US" smtClean="0"/>
-              <a:t>2018/3/5</a:t>
+              <a:t>2018/3/6</a:t>
             </a:fld>
             <a:endParaRPr lang="zh-CN" altLang="en-US"/>
           </a:p>
@@ -3310,7 +3488,7 @@
           <a:p>
             <a:fld id="{60BDFD96-2392-4D47-9522-C1D6768F6D40}" type="datetimeFigureOut">
               <a:rPr lang="zh-CN" altLang="en-US" smtClean="0"/>
-              <a:t>2018/3/5</a:t>
+              <a:t>2018/3/6</a:t>
             </a:fld>
             <a:endParaRPr lang="zh-CN" altLang="en-US"/>
           </a:p>
@@ -3610,7 +3788,7 @@
           <a:p>
             <a:fld id="{60BDFD96-2392-4D47-9522-C1D6768F6D40}" type="datetimeFigureOut">
               <a:rPr lang="zh-CN" altLang="en-US" smtClean="0"/>
-              <a:t>2018/3/5</a:t>
+              <a:t>2018/3/6</a:t>
             </a:fld>
             <a:endParaRPr lang="zh-CN" altLang="en-US"/>
           </a:p>
@@ -3908,7 +4086,7 @@
           <a:p>
             <a:fld id="{60BDFD96-2392-4D47-9522-C1D6768F6D40}" type="datetimeFigureOut">
               <a:rPr lang="zh-CN" altLang="en-US" smtClean="0"/>
-              <a:t>2018/3/5</a:t>
+              <a:t>2018/3/6</a:t>
             </a:fld>
             <a:endParaRPr lang="zh-CN" altLang="en-US"/>
           </a:p>
@@ -4100,7 +4278,7 @@
           <a:p>
             <a:fld id="{60BDFD96-2392-4D47-9522-C1D6768F6D40}" type="datetimeFigureOut">
               <a:rPr lang="zh-CN" altLang="en-US" smtClean="0"/>
-              <a:t>2018/3/5</a:t>
+              <a:t>2018/3/6</a:t>
             </a:fld>
             <a:endParaRPr lang="zh-CN" altLang="en-US"/>
           </a:p>
@@ -4361,7 +4539,7 @@
           <a:p>
             <a:fld id="{60BDFD96-2392-4D47-9522-C1D6768F6D40}" type="datetimeFigureOut">
               <a:rPr lang="zh-CN" altLang="en-US" smtClean="0"/>
-              <a:t>2018/3/5</a:t>
+              <a:t>2018/3/6</a:t>
             </a:fld>
             <a:endParaRPr lang="zh-CN" altLang="en-US"/>
           </a:p>
@@ -4785,7 +4963,7 @@
           <a:p>
             <a:fld id="{60BDFD96-2392-4D47-9522-C1D6768F6D40}" type="datetimeFigureOut">
               <a:rPr lang="zh-CN" altLang="en-US" smtClean="0"/>
-              <a:t>2018/3/5</a:t>
+              <a:t>2018/3/6</a:t>
             </a:fld>
             <a:endParaRPr lang="zh-CN" altLang="en-US"/>
           </a:p>
@@ -5322,7 +5500,7 @@
           <a:p>
             <a:fld id="{60BDFD96-2392-4D47-9522-C1D6768F6D40}" type="datetimeFigureOut">
               <a:rPr lang="zh-CN" altLang="en-US" smtClean="0"/>
-              <a:t>2018/3/5</a:t>
+              <a:t>2018/3/6</a:t>
             </a:fld>
             <a:endParaRPr lang="zh-CN" altLang="en-US"/>
           </a:p>
@@ -6186,7 +6364,7 @@
           <a:p>
             <a:fld id="{60BDFD96-2392-4D47-9522-C1D6768F6D40}" type="datetimeFigureOut">
               <a:rPr lang="zh-CN" altLang="en-US" smtClean="0"/>
-              <a:t>2018/3/5</a:t>
+              <a:t>2018/3/6</a:t>
             </a:fld>
             <a:endParaRPr lang="zh-CN" altLang="en-US"/>
           </a:p>
@@ -6356,7 +6534,7 @@
           <a:p>
             <a:fld id="{60BDFD96-2392-4D47-9522-C1D6768F6D40}" type="datetimeFigureOut">
               <a:rPr lang="zh-CN" altLang="en-US" smtClean="0"/>
-              <a:t>2018/3/5</a:t>
+              <a:t>2018/3/6</a:t>
             </a:fld>
             <a:endParaRPr lang="zh-CN" altLang="en-US"/>
           </a:p>
@@ -6540,7 +6718,7 @@
           <a:p>
             <a:fld id="{60BDFD96-2392-4D47-9522-C1D6768F6D40}" type="datetimeFigureOut">
               <a:rPr lang="zh-CN" altLang="en-US" smtClean="0"/>
-              <a:t>2018/3/5</a:t>
+              <a:t>2018/3/6</a:t>
             </a:fld>
             <a:endParaRPr lang="zh-CN" altLang="en-US"/>
           </a:p>
@@ -6791,7 +6969,7 @@
           <a:p>
             <a:fld id="{60BDFD96-2392-4D47-9522-C1D6768F6D40}" type="datetimeFigureOut">
               <a:rPr lang="zh-CN" altLang="en-US" smtClean="0"/>
-              <a:t>2018/3/5</a:t>
+              <a:t>2018/3/6</a:t>
             </a:fld>
             <a:endParaRPr lang="zh-CN" altLang="en-US"/>
           </a:p>
@@ -7023,7 +7201,7 @@
           <a:p>
             <a:fld id="{60BDFD96-2392-4D47-9522-C1D6768F6D40}" type="datetimeFigureOut">
               <a:rPr lang="zh-CN" altLang="en-US" smtClean="0"/>
-              <a:t>2018/3/5</a:t>
+              <a:t>2018/3/6</a:t>
             </a:fld>
             <a:endParaRPr lang="zh-CN" altLang="en-US"/>
           </a:p>
@@ -7370,7 +7548,7 @@
           <a:p>
             <a:fld id="{60BDFD96-2392-4D47-9522-C1D6768F6D40}" type="datetimeFigureOut">
               <a:rPr lang="zh-CN" altLang="en-US" smtClean="0"/>
-              <a:t>2018/3/5</a:t>
+              <a:t>2018/3/6</a:t>
             </a:fld>
             <a:endParaRPr lang="zh-CN" altLang="en-US"/>
           </a:p>
@@ -7488,7 +7666,7 @@
           <a:p>
             <a:fld id="{60BDFD96-2392-4D47-9522-C1D6768F6D40}" type="datetimeFigureOut">
               <a:rPr lang="zh-CN" altLang="en-US" smtClean="0"/>
-              <a:t>2018/3/5</a:t>
+              <a:t>2018/3/6</a:t>
             </a:fld>
             <a:endParaRPr lang="zh-CN" altLang="en-US"/>
           </a:p>
@@ -7606,7 +7784,7 @@
           <a:p>
             <a:fld id="{60BDFD96-2392-4D47-9522-C1D6768F6D40}" type="datetimeFigureOut">
               <a:rPr lang="zh-CN" altLang="en-US" smtClean="0"/>
-              <a:t>2018/3/5</a:t>
+              <a:t>2018/3/6</a:t>
             </a:fld>
             <a:endParaRPr lang="zh-CN" altLang="en-US"/>
           </a:p>
@@ -7890,7 +8068,7 @@
           <a:p>
             <a:fld id="{60BDFD96-2392-4D47-9522-C1D6768F6D40}" type="datetimeFigureOut">
               <a:rPr lang="zh-CN" altLang="en-US" smtClean="0"/>
-              <a:t>2018/3/5</a:t>
+              <a:t>2018/3/6</a:t>
             </a:fld>
             <a:endParaRPr lang="zh-CN" altLang="en-US"/>
           </a:p>
@@ -8154,7 +8332,7 @@
           <a:p>
             <a:fld id="{60BDFD96-2392-4D47-9522-C1D6768F6D40}" type="datetimeFigureOut">
               <a:rPr lang="zh-CN" altLang="en-US" smtClean="0"/>
-              <a:t>2018/3/5</a:t>
+              <a:t>2018/3/6</a:t>
             </a:fld>
             <a:endParaRPr lang="zh-CN" altLang="en-US"/>
           </a:p>
@@ -8368,7 +8546,7 @@
           <a:p>
             <a:fld id="{60BDFD96-2392-4D47-9522-C1D6768F6D40}" type="datetimeFigureOut">
               <a:rPr lang="zh-CN" altLang="en-US" smtClean="0"/>
-              <a:t>2018/3/5</a:t>
+              <a:t>2018/3/6</a:t>
             </a:fld>
             <a:endParaRPr lang="zh-CN" altLang="en-US"/>
           </a:p>
@@ -8918,7 +9096,7 @@
           <a:p>
             <a:fld id="{60BDFD96-2392-4D47-9522-C1D6768F6D40}" type="datetimeFigureOut">
               <a:rPr lang="zh-CN" altLang="en-US" smtClean="0"/>
-              <a:t>2018/3/5</a:t>
+              <a:t>2018/3/6</a:t>
             </a:fld>
             <a:endParaRPr lang="zh-CN" altLang="en-US"/>
           </a:p>
@@ -9597,7 +9775,7 @@
           <p:cNvPr id="2" name="标题 1">
             <a:extLst>
               <a:ext uri="{FF2B5EF4-FFF2-40B4-BE49-F238E27FC236}">
-                <a16:creationId xmlns:a16="http://schemas.microsoft.com/office/drawing/2014/main" xmlns="" id="{DE192593-632E-47C1-A166-DCCB2A62409D}"/>
+                <a16:creationId xmlns:a16="http://schemas.microsoft.com/office/drawing/2014/main" id="{DE192593-632E-47C1-A166-DCCB2A62409D}"/>
               </a:ext>
             </a:extLst>
           </p:cNvPr>
@@ -9625,7 +9803,7 @@
           <p:cNvPr id="3" name="副标题 2">
             <a:extLst>
               <a:ext uri="{FF2B5EF4-FFF2-40B4-BE49-F238E27FC236}">
-                <a16:creationId xmlns:a16="http://schemas.microsoft.com/office/drawing/2014/main" xmlns="" id="{56945AB3-8932-435C-BE58-45169ED00641}"/>
+                <a16:creationId xmlns:a16="http://schemas.microsoft.com/office/drawing/2014/main" id="{56945AB3-8932-435C-BE58-45169ED00641}"/>
               </a:ext>
             </a:extLst>
           </p:cNvPr>
@@ -9683,7 +9861,7 @@
           <p:cNvPr id="5" name="文本框 4">
             <a:extLst>
               <a:ext uri="{FF2B5EF4-FFF2-40B4-BE49-F238E27FC236}">
-                <a16:creationId xmlns:a16="http://schemas.microsoft.com/office/drawing/2014/main" xmlns="" id="{3C0B4D1D-86DD-4391-89AE-BF62427E46BB}"/>
+                <a16:creationId xmlns:a16="http://schemas.microsoft.com/office/drawing/2014/main" id="{3C0B4D1D-86DD-4391-89AE-BF62427E46BB}"/>
               </a:ext>
             </a:extLst>
           </p:cNvPr>
@@ -9707,10 +9885,9 @@
           <a:lstStyle/>
           <a:p>
             <a:r>
-              <a:rPr lang="zh-CN" altLang="en-US" sz="8000" dirty="0" smtClean="0"/>
+              <a:rPr lang="zh-CN" altLang="en-US" sz="8000" dirty="0"/>
               <a:t>策划如何提需求</a:t>
             </a:r>
-            <a:endParaRPr lang="zh-CN" altLang="en-US" sz="8000" dirty="0"/>
           </a:p>
         </p:txBody>
       </p:sp>
@@ -9760,10 +9937,9 @@
           <a:lstStyle/>
           <a:p>
             <a:r>
-              <a:rPr lang="zh-CN" altLang="en-US" dirty="0" smtClean="0"/>
+              <a:rPr lang="zh-CN" altLang="en-US" dirty="0"/>
               <a:t>什么是需求</a:t>
             </a:r>
-            <a:endParaRPr lang="zh-CN" altLang="en-US" dirty="0"/>
           </a:p>
         </p:txBody>
       </p:sp>
@@ -9783,38 +9959,34 @@
           <a:lstStyle/>
           <a:p>
             <a:r>
-              <a:rPr lang="zh-CN" altLang="en-US" dirty="0" smtClean="0"/>
+              <a:rPr lang="zh-CN" altLang="en-US" dirty="0"/>
               <a:t>目标用户是哪些人</a:t>
             </a:r>
             <a:r>
-              <a:rPr lang="en-US" altLang="zh-CN" dirty="0" smtClean="0"/>
+              <a:rPr lang="en-US" altLang="zh-CN" dirty="0"/>
               <a:t>?</a:t>
             </a:r>
           </a:p>
           <a:p>
             <a:r>
-              <a:rPr lang="zh-CN" altLang="en-US" dirty="0" smtClean="0"/>
+              <a:rPr lang="zh-CN" altLang="en-US" dirty="0"/>
               <a:t>我需要这个它做什么？</a:t>
             </a:r>
-            <a:endParaRPr lang="en-US" altLang="zh-CN" dirty="0" smtClean="0"/>
+            <a:endParaRPr lang="en-US" altLang="zh-CN" dirty="0"/>
           </a:p>
           <a:p>
             <a:r>
               <a:rPr lang="zh-CN" altLang="en-US" dirty="0"/>
-              <a:t>我</a:t>
-            </a:r>
-            <a:r>
-              <a:rPr lang="zh-CN" altLang="en-US" dirty="0" smtClean="0"/>
-              <a:t>需要怎么使用它</a:t>
-            </a:r>
-            <a:endParaRPr lang="en-US" altLang="zh-CN" dirty="0" smtClean="0"/>
-          </a:p>
-          <a:p>
-            <a:r>
-              <a:rPr lang="zh-CN" altLang="en-US" dirty="0" smtClean="0"/>
+              <a:t>我需要怎么使用它</a:t>
+            </a:r>
+            <a:endParaRPr lang="en-US" altLang="zh-CN" dirty="0"/>
+          </a:p>
+          <a:p>
+            <a:r>
+              <a:rPr lang="zh-CN" altLang="en-US" dirty="0"/>
               <a:t>我需要它给我怎样的反馈</a:t>
             </a:r>
-            <a:endParaRPr lang="en-US" altLang="zh-CN" dirty="0" smtClean="0"/>
+            <a:endParaRPr lang="en-US" altLang="zh-CN" dirty="0"/>
           </a:p>
         </p:txBody>
       </p:sp>
@@ -9864,10 +10036,9 @@
           <a:lstStyle/>
           <a:p>
             <a:r>
-              <a:rPr lang="zh-CN" altLang="en-US" dirty="0" smtClean="0"/>
+              <a:rPr lang="zh-CN" altLang="en-US" dirty="0"/>
               <a:t>如何提需求</a:t>
             </a:r>
-            <a:endParaRPr lang="zh-CN" altLang="en-US" dirty="0"/>
           </a:p>
         </p:txBody>
       </p:sp>
@@ -9893,61 +10064,41 @@
               <a:rPr lang="zh-CN" altLang="en-US" dirty="0"/>
               <a:t>描述动机 </a:t>
             </a:r>
-            <a:endParaRPr lang="en-US" altLang="zh-CN" dirty="0" smtClean="0"/>
+            <a:endParaRPr lang="en-US" altLang="zh-CN" dirty="0"/>
           </a:p>
           <a:p>
             <a:pPr lvl="1"/>
             <a:r>
-              <a:rPr lang="zh-CN" altLang="en-US" dirty="0" smtClean="0"/>
-              <a:t>让</a:t>
-            </a:r>
-            <a:r>
               <a:rPr lang="zh-CN" altLang="en-US" dirty="0"/>
-              <a:t>技术有参与感 </a:t>
+              <a:t>让技术有参与感 </a:t>
             </a:r>
           </a:p>
           <a:p>
             <a:pPr lvl="1"/>
             <a:r>
-              <a:rPr lang="zh-CN" altLang="en-US" dirty="0" smtClean="0"/>
-              <a:t>更</a:t>
-            </a:r>
-            <a:r>
               <a:rPr lang="zh-CN" altLang="en-US" dirty="0"/>
-              <a:t>深刻的理解需求的目的 </a:t>
+              <a:t>更深刻的理解需求的目的 </a:t>
             </a:r>
           </a:p>
           <a:p>
             <a:pPr lvl="1"/>
             <a:r>
-              <a:rPr lang="zh-CN" altLang="en-US" dirty="0" smtClean="0"/>
-              <a:t>找出</a:t>
-            </a:r>
-            <a:r>
               <a:rPr lang="zh-CN" altLang="en-US" dirty="0"/>
-              <a:t>需求中未挖掘到的内容 </a:t>
+              <a:t>找出需求中未挖掘到的内容 </a:t>
             </a:r>
           </a:p>
           <a:p>
             <a:pPr lvl="1"/>
             <a:r>
-              <a:rPr lang="zh-CN" altLang="en-US" dirty="0" smtClean="0"/>
-              <a:t>找出</a:t>
-            </a:r>
-            <a:r>
               <a:rPr lang="zh-CN" altLang="en-US" dirty="0"/>
-              <a:t>更容易的实现方法 </a:t>
+              <a:t>找出更容易的实现方法 </a:t>
             </a:r>
           </a:p>
           <a:p>
             <a:pPr lvl="1"/>
             <a:r>
-              <a:rPr lang="zh-CN" altLang="en-US" dirty="0" smtClean="0"/>
-              <a:t>为</a:t>
-            </a:r>
-            <a:r>
               <a:rPr lang="zh-CN" altLang="en-US" dirty="0"/>
-              <a:t>之后的沟通做好铺垫 </a:t>
+              <a:t>为之后的沟通做好铺垫 </a:t>
             </a:r>
           </a:p>
           <a:p>
@@ -9975,56 +10126,36 @@
           <a:p>
             <a:r>
               <a:rPr lang="zh-CN" altLang="en-US" dirty="0"/>
-              <a:t>整理</a:t>
-            </a:r>
-            <a:r>
-              <a:rPr lang="zh-CN" altLang="en-US" dirty="0" smtClean="0"/>
-              <a:t>思路 </a:t>
-            </a:r>
-            <a:endParaRPr lang="en-US" altLang="zh-CN" dirty="0" smtClean="0"/>
+              <a:t>整理思路 </a:t>
+            </a:r>
+            <a:endParaRPr lang="en-US" altLang="zh-CN" dirty="0"/>
           </a:p>
           <a:p>
             <a:pPr lvl="1"/>
             <a:r>
-              <a:rPr lang="zh-CN" altLang="en-US" dirty="0" smtClean="0"/>
-              <a:t>记录</a:t>
-            </a:r>
-            <a:r>
               <a:rPr lang="zh-CN" altLang="en-US" dirty="0"/>
-              <a:t>下混乱的思绪 </a:t>
+              <a:t>记录下混乱的思绪 </a:t>
             </a:r>
           </a:p>
           <a:p>
             <a:pPr lvl="1"/>
             <a:r>
-              <a:rPr lang="zh-CN" altLang="en-US" dirty="0" smtClean="0"/>
-              <a:t>整理</a:t>
-            </a:r>
-            <a:r>
               <a:rPr lang="zh-CN" altLang="en-US" dirty="0"/>
-              <a:t>和归纳 </a:t>
+              <a:t>整理和归纳 </a:t>
             </a:r>
           </a:p>
           <a:p>
             <a:pPr lvl="1"/>
             <a:r>
-              <a:rPr lang="zh-CN" altLang="en-US" dirty="0" smtClean="0"/>
-              <a:t>查</a:t>
-            </a:r>
-            <a:r>
               <a:rPr lang="zh-CN" altLang="en-US" dirty="0"/>
-              <a:t>漏补缺 </a:t>
+              <a:t>查漏补缺 </a:t>
             </a:r>
           </a:p>
           <a:p>
             <a:pPr lvl="1"/>
             <a:r>
-              <a:rPr lang="zh-CN" altLang="en-US" dirty="0" smtClean="0"/>
-              <a:t>跟</a:t>
-            </a:r>
-            <a:r>
               <a:rPr lang="zh-CN" altLang="en-US" dirty="0"/>
-              <a:t>原始的动机做比较 </a:t>
+              <a:t>跟原始的动机做比较 </a:t>
             </a:r>
           </a:p>
           <a:p>
@@ -10078,10 +10209,9 @@
           <a:lstStyle/>
           <a:p>
             <a:r>
-              <a:rPr lang="zh-CN" altLang="en-US" dirty="0" smtClean="0"/>
+              <a:rPr lang="zh-CN" altLang="en-US" dirty="0"/>
               <a:t>制作需求文档</a:t>
             </a:r>
-            <a:endParaRPr lang="zh-CN" altLang="en-US" dirty="0"/>
           </a:p>
         </p:txBody>
       </p:sp>
@@ -10103,38 +10233,34 @@
           <a:lstStyle/>
           <a:p>
             <a:r>
-              <a:rPr lang="zh-CN" altLang="en-US" dirty="0" smtClean="0"/>
+              <a:rPr lang="zh-CN" altLang="en-US" dirty="0"/>
               <a:t>文案 </a:t>
             </a:r>
-            <a:endParaRPr lang="en-US" altLang="zh-CN" dirty="0" smtClean="0"/>
+            <a:endParaRPr lang="en-US" altLang="zh-CN" dirty="0"/>
           </a:p>
           <a:p>
             <a:pPr lvl="1"/>
             <a:r>
-              <a:rPr lang="zh-CN" altLang="en-US" dirty="0" smtClean="0"/>
+              <a:rPr lang="zh-CN" altLang="en-US" dirty="0"/>
               <a:t>词汇列表</a:t>
             </a:r>
-            <a:endParaRPr lang="en-US" altLang="zh-CN" dirty="0" smtClean="0"/>
+            <a:endParaRPr lang="en-US" altLang="zh-CN" dirty="0"/>
           </a:p>
           <a:p>
             <a:pPr lvl="1"/>
             <a:r>
               <a:rPr lang="zh-CN" altLang="en-US" dirty="0"/>
-              <a:t>功能</a:t>
-            </a:r>
-            <a:r>
-              <a:rPr lang="zh-CN" altLang="en-US" dirty="0" smtClean="0"/>
-              <a:t>描述</a:t>
-            </a:r>
-            <a:endParaRPr lang="en-US" altLang="zh-CN" dirty="0" smtClean="0"/>
+              <a:t>功能描述</a:t>
+            </a:r>
+            <a:endParaRPr lang="en-US" altLang="zh-CN" dirty="0"/>
           </a:p>
           <a:p>
             <a:pPr lvl="1"/>
             <a:r>
-              <a:rPr lang="zh-CN" altLang="en-US" dirty="0" smtClean="0"/>
+              <a:rPr lang="zh-CN" altLang="en-US" dirty="0"/>
               <a:t>操作手册</a:t>
             </a:r>
-            <a:endParaRPr lang="en-US" altLang="zh-CN" dirty="0" smtClean="0"/>
+            <a:endParaRPr lang="en-US" altLang="zh-CN" dirty="0"/>
           </a:p>
           <a:p>
             <a:r>
@@ -10166,13 +10292,8 @@
           <a:p>
             <a:r>
               <a:rPr lang="zh-CN" altLang="en-US" dirty="0"/>
-              <a:t>验收</a:t>
-            </a:r>
-            <a:r>
-              <a:rPr lang="zh-CN" altLang="en-US" dirty="0" smtClean="0"/>
-              <a:t>标准</a:t>
-            </a:r>
-            <a:endParaRPr lang="zh-CN" altLang="en-US" dirty="0"/>
+              <a:t>验收标准</a:t>
+            </a:r>
           </a:p>
         </p:txBody>
       </p:sp>
@@ -10304,10 +10425,9 @@
           <a:lstStyle/>
           <a:p>
             <a:r>
-              <a:rPr lang="zh-CN" altLang="en-US" dirty="0" smtClean="0"/>
+              <a:rPr lang="zh-CN" altLang="en-US" dirty="0"/>
               <a:t>与程序讨论</a:t>
             </a:r>
-            <a:endParaRPr lang="zh-CN" altLang="en-US" dirty="0"/>
           </a:p>
         </p:txBody>
       </p:sp>
@@ -10327,24 +10447,23 @@
           <a:lstStyle/>
           <a:p>
             <a:r>
-              <a:rPr lang="zh-CN" altLang="en-US" dirty="0" smtClean="0"/>
+              <a:rPr lang="zh-CN" altLang="en-US" dirty="0"/>
               <a:t>实现方法</a:t>
             </a:r>
-            <a:endParaRPr lang="en-US" altLang="zh-CN" dirty="0" smtClean="0"/>
-          </a:p>
-          <a:p>
-            <a:r>
-              <a:rPr lang="zh-CN" altLang="en-US" dirty="0" smtClean="0"/>
+            <a:endParaRPr lang="en-US" altLang="zh-CN" dirty="0"/>
+          </a:p>
+          <a:p>
+            <a:r>
+              <a:rPr lang="zh-CN" altLang="en-US" dirty="0"/>
               <a:t>性能代价</a:t>
             </a:r>
-            <a:endParaRPr lang="en-US" altLang="zh-CN" dirty="0" smtClean="0"/>
-          </a:p>
-          <a:p>
-            <a:r>
-              <a:rPr lang="zh-CN" altLang="en-US" dirty="0" smtClean="0"/>
+            <a:endParaRPr lang="en-US" altLang="zh-CN" dirty="0"/>
+          </a:p>
+          <a:p>
+            <a:r>
+              <a:rPr lang="zh-CN" altLang="en-US" dirty="0"/>
               <a:t>完成标准</a:t>
             </a:r>
-            <a:endParaRPr lang="zh-CN" altLang="en-US" dirty="0"/>
           </a:p>
         </p:txBody>
       </p:sp>
@@ -10383,7 +10502,7 @@
           <p:cNvPr id="5" name="文本框 1">
             <a:extLst>
               <a:ext uri="{FF2B5EF4-FFF2-40B4-BE49-F238E27FC236}">
-                <a16:creationId xmlns:a16="http://schemas.microsoft.com/office/drawing/2014/main" xmlns="" id="{5261A141-7230-40E8-A699-D2D33BA51583}"/>
+                <a16:creationId xmlns:a16="http://schemas.microsoft.com/office/drawing/2014/main" id="{5261A141-7230-40E8-A699-D2D33BA51583}"/>
               </a:ext>
             </a:extLst>
           </p:cNvPr>
@@ -10392,8 +10511,8 @@
         </p:nvSpPr>
         <p:spPr>
           <a:xfrm>
-            <a:off x="3956030" y="2767280"/>
-            <a:ext cx="4399694" cy="1323439"/>
+            <a:off x="2952610" y="2767280"/>
+            <a:ext cx="6286779" cy="1323439"/>
           </a:xfrm>
           <a:prstGeom prst="rect">
             <a:avLst/>
@@ -10408,13 +10527,8 @@
           <a:p>
             <a:r>
               <a:rPr lang="zh-CN" altLang="en-US" sz="8000" dirty="0"/>
-              <a:t>了解</a:t>
-            </a:r>
-            <a:r>
-              <a:rPr lang="zh-CN" altLang="en-US" sz="8000" dirty="0" smtClean="0"/>
-              <a:t>程序</a:t>
-            </a:r>
-            <a:endParaRPr lang="zh-CN" altLang="en-US" sz="8000" dirty="0"/>
+              <a:t>了解程序开发</a:t>
+            </a:r>
           </a:p>
         </p:txBody>
       </p:sp>
@@ -10448,6 +10562,162 @@
           <a:chExt cx="0" cy="0"/>
         </a:xfrm>
       </p:grpSpPr>
+      <p:sp>
+        <p:nvSpPr>
+          <p:cNvPr id="2" name="标题 1">
+            <a:extLst>
+              <a:ext uri="{FF2B5EF4-FFF2-40B4-BE49-F238E27FC236}">
+                <a16:creationId xmlns:a16="http://schemas.microsoft.com/office/drawing/2014/main" id="{846D61D0-AFD6-4250-874E-918DD76C3EAB}"/>
+              </a:ext>
+            </a:extLst>
+          </p:cNvPr>
+          <p:cNvSpPr>
+            <a:spLocks noGrp="1"/>
+          </p:cNvSpPr>
+          <p:nvPr>
+            <p:ph type="title"/>
+          </p:nvPr>
+        </p:nvSpPr>
+        <p:spPr/>
+        <p:txBody>
+          <a:bodyPr/>
+          <a:lstStyle/>
+          <a:p>
+            <a:r>
+              <a:rPr lang="zh-CN" altLang="en-US" dirty="0"/>
+              <a:t>程序与策划的思维模式比较</a:t>
+            </a:r>
+          </a:p>
+        </p:txBody>
+      </p:sp>
+      <p:sp>
+        <p:nvSpPr>
+          <p:cNvPr id="3" name="内容占位符 2">
+            <a:extLst>
+              <a:ext uri="{FF2B5EF4-FFF2-40B4-BE49-F238E27FC236}">
+                <a16:creationId xmlns:a16="http://schemas.microsoft.com/office/drawing/2014/main" id="{FE8098ED-F60E-4B9A-B169-EFBFE07012F8}"/>
+              </a:ext>
+            </a:extLst>
+          </p:cNvPr>
+          <p:cNvSpPr>
+            <a:spLocks noGrp="1"/>
+          </p:cNvSpPr>
+          <p:nvPr>
+            <p:ph sz="half" idx="1"/>
+          </p:nvPr>
+        </p:nvSpPr>
+        <p:spPr/>
+        <p:txBody>
+          <a:bodyPr/>
+          <a:lstStyle/>
+          <a:p>
+            <a:r>
+              <a:rPr lang="zh-CN" altLang="en-US" dirty="0"/>
+              <a:t>策划思维 </a:t>
+            </a:r>
+            <a:endParaRPr lang="en-US" altLang="zh-CN" dirty="0"/>
+          </a:p>
+          <a:p>
+            <a:pPr lvl="1"/>
+            <a:r>
+              <a:rPr lang="zh-CN" altLang="en-US" dirty="0"/>
+              <a:t>从使用者的角度出发</a:t>
+            </a:r>
+            <a:endParaRPr lang="en-US" altLang="zh-CN" dirty="0"/>
+          </a:p>
+          <a:p>
+            <a:pPr lvl="1"/>
+            <a:r>
+              <a:rPr lang="zh-CN" altLang="en-US" dirty="0"/>
+              <a:t>描述性的</a:t>
+            </a:r>
+            <a:endParaRPr lang="en-US" altLang="zh-CN" dirty="0"/>
+          </a:p>
+          <a:p>
+            <a:pPr lvl="1"/>
+            <a:r>
+              <a:rPr lang="zh-CN" altLang="en-US" dirty="0"/>
+              <a:t>主观的 </a:t>
+            </a:r>
+            <a:endParaRPr lang="en-US" altLang="zh-CN" dirty="0"/>
+          </a:p>
+          <a:p>
+            <a:pPr lvl="1"/>
+            <a:r>
+              <a:rPr lang="zh-CN" altLang="en-US" dirty="0"/>
+              <a:t>感性的</a:t>
+            </a:r>
+          </a:p>
+        </p:txBody>
+      </p:sp>
+      <p:sp>
+        <p:nvSpPr>
+          <p:cNvPr id="4" name="内容占位符 3">
+            <a:extLst>
+              <a:ext uri="{FF2B5EF4-FFF2-40B4-BE49-F238E27FC236}">
+                <a16:creationId xmlns:a16="http://schemas.microsoft.com/office/drawing/2014/main" id="{514426A8-828C-4F81-AAC5-E2BAB60F5E5B}"/>
+              </a:ext>
+            </a:extLst>
+          </p:cNvPr>
+          <p:cNvSpPr>
+            <a:spLocks noGrp="1"/>
+          </p:cNvSpPr>
+          <p:nvPr>
+            <p:ph sz="half" idx="2"/>
+          </p:nvPr>
+        </p:nvSpPr>
+        <p:spPr/>
+        <p:txBody>
+          <a:bodyPr/>
+          <a:lstStyle/>
+          <a:p>
+            <a:r>
+              <a:rPr lang="zh-CN" altLang="en-US" dirty="0"/>
+              <a:t>程序思维 </a:t>
+            </a:r>
+            <a:endParaRPr lang="en-US" altLang="zh-CN" dirty="0"/>
+          </a:p>
+          <a:p>
+            <a:pPr lvl="1"/>
+            <a:r>
+              <a:rPr lang="zh-CN" altLang="en-US" dirty="0"/>
+              <a:t>从可行性出发</a:t>
+            </a:r>
+            <a:endParaRPr lang="en-US" altLang="zh-CN" dirty="0"/>
+          </a:p>
+          <a:p>
+            <a:pPr lvl="1"/>
+            <a:r>
+              <a:rPr lang="zh-CN" altLang="en-US" dirty="0"/>
+              <a:t>从性能出发</a:t>
+            </a:r>
+            <a:endParaRPr lang="en-US" altLang="zh-CN" dirty="0"/>
+          </a:p>
+          <a:p>
+            <a:pPr lvl="1"/>
+            <a:r>
+              <a:rPr lang="zh-CN" altLang="en-US" dirty="0"/>
+              <a:t>系统性的</a:t>
+            </a:r>
+            <a:endParaRPr lang="en-US" altLang="zh-CN" dirty="0"/>
+          </a:p>
+          <a:p>
+            <a:pPr lvl="1"/>
+            <a:r>
+              <a:rPr lang="zh-CN" altLang="en-US" dirty="0"/>
+              <a:t>结构性的</a:t>
+            </a:r>
+            <a:endParaRPr lang="en-US" altLang="zh-CN" dirty="0"/>
+          </a:p>
+          <a:p>
+            <a:pPr lvl="1"/>
+            <a:r>
+              <a:rPr lang="zh-CN" altLang="en-US" dirty="0"/>
+              <a:t>数学性的</a:t>
+            </a:r>
+          </a:p>
+        </p:txBody>
+      </p:sp>
     </p:spTree>
     <p:extLst>
       <p:ext uri="{BB962C8B-B14F-4D97-AF65-F5344CB8AC3E}">
@@ -10480,35 +10750,172 @@
       </p:grpSpPr>
       <p:sp>
         <p:nvSpPr>
-          <p:cNvPr id="2" name="文本框 1">
+          <p:cNvPr id="5" name="标题 4">
             <a:extLst>
               <a:ext uri="{FF2B5EF4-FFF2-40B4-BE49-F238E27FC236}">
-                <a16:creationId xmlns:a16="http://schemas.microsoft.com/office/drawing/2014/main" xmlns="" id="{5261A141-7230-40E8-A699-D2D33BA51583}"/>
+                <a16:creationId xmlns:a16="http://schemas.microsoft.com/office/drawing/2014/main" id="{587FFA59-94C9-4D15-93BA-7ED0E7A88C7C}"/>
               </a:ext>
             </a:extLst>
           </p:cNvPr>
-          <p:cNvSpPr txBox="1"/>
-          <p:nvPr/>
-        </p:nvSpPr>
-        <p:spPr>
-          <a:xfrm>
-            <a:off x="1874982" y="2767280"/>
-            <a:ext cx="8442035" cy="1323439"/>
-          </a:xfrm>
-          <a:prstGeom prst="rect">
-            <a:avLst/>
-          </a:prstGeom>
-          <a:noFill/>
-        </p:spPr>
-        <p:txBody>
-          <a:bodyPr wrap="square" rtlCol="0">
-            <a:spAutoFit/>
-          </a:bodyPr>
-          <a:lstStyle/>
-          <a:p>
-            <a:r>
-              <a:rPr lang="zh-CN" altLang="en-US" sz="8000" dirty="0"/>
-              <a:t>程序眼里的好策划</a:t>
+          <p:cNvSpPr>
+            <a:spLocks noGrp="1"/>
+          </p:cNvSpPr>
+          <p:nvPr>
+            <p:ph type="title"/>
+          </p:nvPr>
+        </p:nvSpPr>
+        <p:spPr/>
+        <p:txBody>
+          <a:bodyPr/>
+          <a:lstStyle/>
+          <a:p>
+            <a:r>
+              <a:rPr lang="zh-CN" altLang="en-US" dirty="0"/>
+              <a:t>当技术拿到策划案后</a:t>
+            </a:r>
+          </a:p>
+        </p:txBody>
+      </p:sp>
+      <p:sp>
+        <p:nvSpPr>
+          <p:cNvPr id="6" name="内容占位符 5">
+            <a:extLst>
+              <a:ext uri="{FF2B5EF4-FFF2-40B4-BE49-F238E27FC236}">
+                <a16:creationId xmlns:a16="http://schemas.microsoft.com/office/drawing/2014/main" id="{1859B97A-0081-4060-BB81-EBE973B22717}"/>
+              </a:ext>
+            </a:extLst>
+          </p:cNvPr>
+          <p:cNvSpPr>
+            <a:spLocks noGrp="1"/>
+          </p:cNvSpPr>
+          <p:nvPr>
+            <p:ph sz="half" idx="1"/>
+          </p:nvPr>
+        </p:nvSpPr>
+        <p:spPr/>
+        <p:txBody>
+          <a:bodyPr/>
+          <a:lstStyle/>
+          <a:p>
+            <a:r>
+              <a:rPr lang="zh-CN" altLang="en-US" dirty="0"/>
+              <a:t>阅读策划案</a:t>
+            </a:r>
+            <a:endParaRPr lang="en-US" altLang="zh-CN" dirty="0"/>
+          </a:p>
+          <a:p>
+            <a:r>
+              <a:rPr lang="zh-CN" altLang="en-US" dirty="0"/>
+              <a:t>列出功能点</a:t>
+            </a:r>
+            <a:endParaRPr lang="en-US" altLang="zh-CN" dirty="0"/>
+          </a:p>
+          <a:p>
+            <a:r>
+              <a:rPr lang="zh-CN" altLang="en-US" dirty="0"/>
+              <a:t>查看配置数据</a:t>
+            </a:r>
+            <a:endParaRPr lang="en-US" altLang="zh-CN" dirty="0"/>
+          </a:p>
+          <a:p>
+            <a:r>
+              <a:rPr lang="zh-CN" altLang="en-US" dirty="0"/>
+              <a:t>从逻辑层面思考可行性</a:t>
+            </a:r>
+            <a:endParaRPr lang="en-US" altLang="zh-CN" dirty="0"/>
+          </a:p>
+          <a:p>
+            <a:pPr lvl="1"/>
+            <a:r>
+              <a:rPr lang="zh-CN" altLang="en-US" dirty="0"/>
+              <a:t>效率问题</a:t>
+            </a:r>
+            <a:endParaRPr lang="en-US" altLang="zh-CN" dirty="0"/>
+          </a:p>
+          <a:p>
+            <a:pPr lvl="1"/>
+            <a:r>
+              <a:rPr lang="zh-CN" altLang="en-US" dirty="0"/>
+              <a:t>实现难度</a:t>
+            </a:r>
+            <a:endParaRPr lang="en-US" altLang="zh-CN" dirty="0"/>
+          </a:p>
+          <a:p>
+            <a:pPr lvl="2"/>
+            <a:r>
+              <a:rPr lang="zh-CN" altLang="en-US" dirty="0"/>
+              <a:t>涉及哪些系统</a:t>
+            </a:r>
+            <a:endParaRPr lang="en-US" altLang="zh-CN" dirty="0"/>
+          </a:p>
+          <a:p>
+            <a:pPr lvl="2"/>
+            <a:r>
+              <a:rPr lang="zh-CN" altLang="en-US" dirty="0"/>
+              <a:t>规则在什么地方实现，如何实现</a:t>
+            </a:r>
+            <a:endParaRPr lang="en-US" altLang="zh-CN" dirty="0"/>
+          </a:p>
+          <a:p>
+            <a:r>
+              <a:rPr lang="zh-CN" altLang="en-US" dirty="0"/>
+              <a:t>考虑异常情况</a:t>
+            </a:r>
+          </a:p>
+        </p:txBody>
+      </p:sp>
+      <p:sp>
+        <p:nvSpPr>
+          <p:cNvPr id="7" name="内容占位符 6">
+            <a:extLst>
+              <a:ext uri="{FF2B5EF4-FFF2-40B4-BE49-F238E27FC236}">
+                <a16:creationId xmlns:a16="http://schemas.microsoft.com/office/drawing/2014/main" id="{E235890A-0B77-406D-A8FE-DF3634EF22EE}"/>
+              </a:ext>
+            </a:extLst>
+          </p:cNvPr>
+          <p:cNvSpPr>
+            <a:spLocks noGrp="1"/>
+          </p:cNvSpPr>
+          <p:nvPr>
+            <p:ph sz="half" idx="2"/>
+          </p:nvPr>
+        </p:nvSpPr>
+        <p:spPr/>
+        <p:txBody>
+          <a:bodyPr/>
+          <a:lstStyle/>
+          <a:p>
+            <a:r>
+              <a:rPr lang="zh-CN" altLang="en-US" dirty="0"/>
+              <a:t>抽象 </a:t>
+            </a:r>
+            <a:endParaRPr lang="en-US" altLang="zh-CN" dirty="0"/>
+          </a:p>
+          <a:p>
+            <a:r>
+              <a:rPr lang="zh-CN" altLang="en-US" dirty="0"/>
+              <a:t>建立模型（结构设计） </a:t>
+            </a:r>
+            <a:endParaRPr lang="en-US" altLang="zh-CN" dirty="0"/>
+          </a:p>
+          <a:p>
+            <a:r>
+              <a:rPr lang="zh-CN" altLang="en-US" dirty="0"/>
+              <a:t>设计算法 </a:t>
+            </a:r>
+            <a:endParaRPr lang="en-US" altLang="zh-CN" dirty="0"/>
+          </a:p>
+          <a:p>
+            <a:r>
+              <a:rPr lang="zh-CN" altLang="en-US" dirty="0"/>
+              <a:t>处理数据 </a:t>
+            </a:r>
+            <a:endParaRPr lang="en-US" altLang="zh-CN" dirty="0"/>
+          </a:p>
+          <a:p>
+            <a:r>
+              <a:rPr lang="zh-CN" altLang="en-US" dirty="0"/>
+              <a:t>实现功能和逻辑</a:t>
             </a:r>
           </a:p>
         </p:txBody>
@@ -10516,7 +10923,7 @@
     </p:spTree>
     <p:extLst>
       <p:ext uri="{BB962C8B-B14F-4D97-AF65-F5344CB8AC3E}">
-        <p14:creationId xmlns:p14="http://schemas.microsoft.com/office/powerpoint/2010/main" val="4265288084"/>
+        <p14:creationId xmlns:p14="http://schemas.microsoft.com/office/powerpoint/2010/main" val="1258415697"/>
       </p:ext>
     </p:extLst>
   </p:cSld>
@@ -10543,10 +10950,45 @@
           <a:chExt cx="0" cy="0"/>
         </a:xfrm>
       </p:grpSpPr>
+      <p:sp>
+        <p:nvSpPr>
+          <p:cNvPr id="2" name="文本框 1">
+            <a:extLst>
+              <a:ext uri="{FF2B5EF4-FFF2-40B4-BE49-F238E27FC236}">
+                <a16:creationId xmlns:a16="http://schemas.microsoft.com/office/drawing/2014/main" id="{5261A141-7230-40E8-A699-D2D33BA51583}"/>
+              </a:ext>
+            </a:extLst>
+          </p:cNvPr>
+          <p:cNvSpPr txBox="1"/>
+          <p:nvPr/>
+        </p:nvSpPr>
+        <p:spPr>
+          <a:xfrm>
+            <a:off x="2759364" y="2767280"/>
+            <a:ext cx="6673272" cy="1323439"/>
+          </a:xfrm>
+          <a:prstGeom prst="rect">
+            <a:avLst/>
+          </a:prstGeom>
+          <a:noFill/>
+        </p:spPr>
+        <p:txBody>
+          <a:bodyPr wrap="square" rtlCol="0">
+            <a:spAutoFit/>
+          </a:bodyPr>
+          <a:lstStyle/>
+          <a:p>
+            <a:r>
+              <a:rPr lang="zh-CN" altLang="en-US" sz="8000" dirty="0"/>
+              <a:t>程序与策划案</a:t>
+            </a:r>
+          </a:p>
+        </p:txBody>
+      </p:sp>
     </p:spTree>
     <p:extLst>
       <p:ext uri="{BB962C8B-B14F-4D97-AF65-F5344CB8AC3E}">
-        <p14:creationId xmlns:p14="http://schemas.microsoft.com/office/powerpoint/2010/main" val="2160063178"/>
+        <p14:creationId xmlns:p14="http://schemas.microsoft.com/office/powerpoint/2010/main" val="4265288084"/>
       </p:ext>
     </p:extLst>
   </p:cSld>
@@ -10573,10 +11015,131 @@
           <a:chExt cx="0" cy="0"/>
         </a:xfrm>
       </p:grpSpPr>
+      <p:sp>
+        <p:nvSpPr>
+          <p:cNvPr id="2" name="标题 1">
+            <a:extLst>
+              <a:ext uri="{FF2B5EF4-FFF2-40B4-BE49-F238E27FC236}">
+                <a16:creationId xmlns:a16="http://schemas.microsoft.com/office/drawing/2014/main" id="{E6E35436-3C11-480B-B4B1-8CDFFED54E14}"/>
+              </a:ext>
+            </a:extLst>
+          </p:cNvPr>
+          <p:cNvSpPr>
+            <a:spLocks noGrp="1"/>
+          </p:cNvSpPr>
+          <p:nvPr>
+            <p:ph type="title"/>
+          </p:nvPr>
+        </p:nvSpPr>
+        <p:spPr/>
+        <p:txBody>
+          <a:bodyPr/>
+          <a:lstStyle/>
+          <a:p>
+            <a:r>
+              <a:rPr lang="zh-CN" altLang="en-US" dirty="0"/>
+              <a:t>策划案中的细节</a:t>
+            </a:r>
+          </a:p>
+        </p:txBody>
+      </p:sp>
+      <p:sp>
+        <p:nvSpPr>
+          <p:cNvPr id="3" name="内容占位符 2">
+            <a:extLst>
+              <a:ext uri="{FF2B5EF4-FFF2-40B4-BE49-F238E27FC236}">
+                <a16:creationId xmlns:a16="http://schemas.microsoft.com/office/drawing/2014/main" id="{B1670B31-C035-463A-A30F-60DBAF8EE691}"/>
+              </a:ext>
+            </a:extLst>
+          </p:cNvPr>
+          <p:cNvSpPr>
+            <a:spLocks noGrp="1"/>
+          </p:cNvSpPr>
+          <p:nvPr>
+            <p:ph idx="1"/>
+          </p:nvPr>
+        </p:nvSpPr>
+        <p:spPr/>
+        <p:txBody>
+          <a:bodyPr anchor="ctr" anchorCtr="0"/>
+          <a:lstStyle/>
+          <a:p>
+            <a:r>
+              <a:rPr lang="zh-CN" altLang="en-US" dirty="0"/>
+              <a:t>只描述了正常的操作流程。</a:t>
+            </a:r>
+            <a:endParaRPr lang="en-US" altLang="zh-CN" dirty="0"/>
+          </a:p>
+          <a:p>
+            <a:r>
+              <a:rPr lang="zh-CN" altLang="en-US" dirty="0"/>
+              <a:t>判定条件不完整。</a:t>
+            </a:r>
+            <a:endParaRPr lang="en-US" altLang="zh-CN" dirty="0"/>
+          </a:p>
+          <a:p>
+            <a:r>
+              <a:rPr lang="zh-CN" altLang="en-US" dirty="0"/>
+              <a:t>缺少合理范围内的异常处理逻辑。 </a:t>
+            </a:r>
+            <a:endParaRPr lang="en-US" altLang="zh-CN" dirty="0"/>
+          </a:p>
+          <a:p>
+            <a:r>
+              <a:rPr lang="zh-CN" altLang="en-US" dirty="0"/>
+              <a:t>没有配置数据。</a:t>
+            </a:r>
+            <a:endParaRPr lang="en-US" altLang="zh-CN" dirty="0"/>
+          </a:p>
+          <a:p>
+            <a:r>
+              <a:rPr lang="zh-CN" altLang="en-US" dirty="0"/>
+              <a:t>没有验收标准。</a:t>
+            </a:r>
+            <a:endParaRPr lang="en-US" altLang="zh-CN" dirty="0"/>
+          </a:p>
+        </p:txBody>
+      </p:sp>
+      <p:sp>
+        <p:nvSpPr>
+          <p:cNvPr id="4" name="文本占位符 3">
+            <a:extLst>
+              <a:ext uri="{FF2B5EF4-FFF2-40B4-BE49-F238E27FC236}">
+                <a16:creationId xmlns:a16="http://schemas.microsoft.com/office/drawing/2014/main" id="{ABD6375E-73AB-4AC6-8290-9FA7CC5189B5}"/>
+              </a:ext>
+            </a:extLst>
+          </p:cNvPr>
+          <p:cNvSpPr>
+            <a:spLocks noGrp="1"/>
+          </p:cNvSpPr>
+          <p:nvPr>
+            <p:ph type="body" sz="half" idx="4294967295"/>
+          </p:nvPr>
+        </p:nvSpPr>
+        <p:spPr>
+          <a:xfrm>
+            <a:off x="6437746" y="1749425"/>
+            <a:ext cx="3706813" cy="3359150"/>
+          </a:xfrm>
+        </p:spPr>
+        <p:txBody>
+          <a:bodyPr anchor="ctr" anchorCtr="0"/>
+          <a:lstStyle/>
+          <a:p>
+            <a:pPr marL="36900" indent="0" algn="l">
+              <a:buNone/>
+            </a:pPr>
+            <a:r>
+              <a:rPr lang="zh-CN" altLang="en-US" dirty="0"/>
+              <a:t>        策划案写完了，为什么开发人员还要找你，问你策划案中的细节。</a:t>
+            </a:r>
+          </a:p>
+        </p:txBody>
+      </p:sp>
     </p:spTree>
     <p:extLst>
       <p:ext uri="{BB962C8B-B14F-4D97-AF65-F5344CB8AC3E}">
-        <p14:creationId xmlns:p14="http://schemas.microsoft.com/office/powerpoint/2010/main" val="4270894138"/>
+        <p14:creationId xmlns:p14="http://schemas.microsoft.com/office/powerpoint/2010/main" val="2160063178"/>
       </p:ext>
     </p:extLst>
   </p:cSld>
@@ -10608,7 +11171,7 @@
           <p:cNvPr id="4" name="文本框 3">
             <a:extLst>
               <a:ext uri="{FF2B5EF4-FFF2-40B4-BE49-F238E27FC236}">
-                <a16:creationId xmlns:a16="http://schemas.microsoft.com/office/drawing/2014/main" xmlns="" id="{16D9F628-37B2-432F-810A-05BFFD0C84B8}"/>
+                <a16:creationId xmlns:a16="http://schemas.microsoft.com/office/drawing/2014/main" id="{16D9F628-37B2-432F-810A-05BFFD0C84B8}"/>
               </a:ext>
             </a:extLst>
           </p:cNvPr>
@@ -10642,6 +11205,459 @@
     <p:extLst>
       <p:ext uri="{BB962C8B-B14F-4D97-AF65-F5344CB8AC3E}">
         <p14:creationId xmlns:p14="http://schemas.microsoft.com/office/powerpoint/2010/main" val="3363865270"/>
+      </p:ext>
+    </p:extLst>
+  </p:cSld>
+  <p:clrMapOvr>
+    <a:masterClrMapping/>
+  </p:clrMapOvr>
+</p:sld>
+</file>
+
+<file path=ppt/slides/slide20.xml><?xml version="1.0" encoding="utf-8"?>
+<p:sld xmlns:a="http://schemas.openxmlformats.org/drawingml/2006/main" xmlns:r="http://schemas.openxmlformats.org/officeDocument/2006/relationships" xmlns:p="http://schemas.openxmlformats.org/presentationml/2006/main">
+  <p:cSld>
+    <p:spTree>
+      <p:nvGrpSpPr>
+        <p:cNvPr id="1" name=""/>
+        <p:cNvGrpSpPr/>
+        <p:nvPr/>
+      </p:nvGrpSpPr>
+      <p:grpSpPr>
+        <a:xfrm>
+          <a:off x="0" y="0"/>
+          <a:ext cx="0" cy="0"/>
+          <a:chOff x="0" y="0"/>
+          <a:chExt cx="0" cy="0"/>
+        </a:xfrm>
+      </p:grpSpPr>
+      <p:sp>
+        <p:nvSpPr>
+          <p:cNvPr id="2" name="标题 1">
+            <a:extLst>
+              <a:ext uri="{FF2B5EF4-FFF2-40B4-BE49-F238E27FC236}">
+                <a16:creationId xmlns:a16="http://schemas.microsoft.com/office/drawing/2014/main" id="{14F04749-3BB8-40CC-BA06-AC81A2356B1A}"/>
+              </a:ext>
+            </a:extLst>
+          </p:cNvPr>
+          <p:cNvSpPr>
+            <a:spLocks noGrp="1"/>
+          </p:cNvSpPr>
+          <p:nvPr>
+            <p:ph type="title"/>
+          </p:nvPr>
+        </p:nvSpPr>
+        <p:spPr/>
+        <p:txBody>
+          <a:bodyPr/>
+          <a:lstStyle/>
+          <a:p>
+            <a:r>
+              <a:rPr lang="zh-CN" altLang="en-US" dirty="0"/>
+              <a:t>实现误差的产生</a:t>
+            </a:r>
+          </a:p>
+        </p:txBody>
+      </p:sp>
+      <p:sp>
+        <p:nvSpPr>
+          <p:cNvPr id="3" name="图片占位符 2">
+            <a:extLst>
+              <a:ext uri="{FF2B5EF4-FFF2-40B4-BE49-F238E27FC236}">
+                <a16:creationId xmlns:a16="http://schemas.microsoft.com/office/drawing/2014/main" id="{523E5D28-E520-40A6-B0D3-0BC8644EE865}"/>
+              </a:ext>
+            </a:extLst>
+          </p:cNvPr>
+          <p:cNvSpPr>
+            <a:spLocks noGrp="1"/>
+          </p:cNvSpPr>
+          <p:nvPr>
+            <p:ph type="pic" idx="1"/>
+          </p:nvPr>
+        </p:nvSpPr>
+        <p:spPr/>
+      </p:sp>
+      <p:sp>
+        <p:nvSpPr>
+          <p:cNvPr id="4" name="文本占位符 3">
+            <a:extLst>
+              <a:ext uri="{FF2B5EF4-FFF2-40B4-BE49-F238E27FC236}">
+                <a16:creationId xmlns:a16="http://schemas.microsoft.com/office/drawing/2014/main" id="{5D4C05CC-86D3-4D42-B71F-0AC6D6AD4A75}"/>
+              </a:ext>
+            </a:extLst>
+          </p:cNvPr>
+          <p:cNvSpPr>
+            <a:spLocks noGrp="1"/>
+          </p:cNvSpPr>
+          <p:nvPr>
+            <p:ph type="body" sz="half" idx="2"/>
+          </p:nvPr>
+        </p:nvSpPr>
+        <p:spPr/>
+        <p:txBody>
+          <a:bodyPr anchor="ctr" anchorCtr="0"/>
+          <a:lstStyle/>
+          <a:p>
+            <a:pPr marL="285750" indent="-285750">
+              <a:buFont typeface="Wingdings" panose="05000000000000000000" pitchFamily="2" charset="2"/>
+              <a:buChar char="p"/>
+            </a:pPr>
+            <a:r>
+              <a:rPr lang="zh-CN" altLang="en-US" dirty="0"/>
+              <a:t>案例一</a:t>
+            </a:r>
+            <a:endParaRPr lang="en-US" altLang="zh-CN" dirty="0"/>
+          </a:p>
+          <a:p>
+            <a:pPr marL="285750" indent="-285750">
+              <a:buFont typeface="Wingdings" panose="05000000000000000000" pitchFamily="2" charset="2"/>
+              <a:buChar char="p"/>
+            </a:pPr>
+            <a:r>
+              <a:rPr lang="zh-CN" altLang="en-US" dirty="0"/>
+              <a:t>案例二</a:t>
+            </a:r>
+            <a:endParaRPr lang="en-US" altLang="zh-CN" dirty="0"/>
+          </a:p>
+          <a:p>
+            <a:pPr marL="285750" indent="-285750">
+              <a:buFont typeface="Wingdings" panose="05000000000000000000" pitchFamily="2" charset="2"/>
+              <a:buChar char="p"/>
+            </a:pPr>
+            <a:r>
+              <a:rPr lang="zh-CN" altLang="en-US" dirty="0"/>
+              <a:t>案例三</a:t>
+            </a:r>
+          </a:p>
+        </p:txBody>
+      </p:sp>
+    </p:spTree>
+    <p:extLst>
+      <p:ext uri="{BB962C8B-B14F-4D97-AF65-F5344CB8AC3E}">
+        <p14:creationId xmlns:p14="http://schemas.microsoft.com/office/powerpoint/2010/main" val="4270894138"/>
+      </p:ext>
+    </p:extLst>
+  </p:cSld>
+  <p:clrMapOvr>
+    <a:masterClrMapping/>
+  </p:clrMapOvr>
+</p:sld>
+</file>
+
+<file path=ppt/slides/slide21.xml><?xml version="1.0" encoding="utf-8"?>
+<p:sld xmlns:a="http://schemas.openxmlformats.org/drawingml/2006/main" xmlns:r="http://schemas.openxmlformats.org/officeDocument/2006/relationships" xmlns:p="http://schemas.openxmlformats.org/presentationml/2006/main">
+  <p:cSld>
+    <p:spTree>
+      <p:nvGrpSpPr>
+        <p:cNvPr id="1" name=""/>
+        <p:cNvGrpSpPr/>
+        <p:nvPr/>
+      </p:nvGrpSpPr>
+      <p:grpSpPr>
+        <a:xfrm>
+          <a:off x="0" y="0"/>
+          <a:ext cx="0" cy="0"/>
+          <a:chOff x="0" y="0"/>
+          <a:chExt cx="0" cy="0"/>
+        </a:xfrm>
+      </p:grpSpPr>
+      <p:sp>
+        <p:nvSpPr>
+          <p:cNvPr id="2" name="标题 1">
+            <a:extLst>
+              <a:ext uri="{FF2B5EF4-FFF2-40B4-BE49-F238E27FC236}">
+                <a16:creationId xmlns:a16="http://schemas.microsoft.com/office/drawing/2014/main" id="{385B3852-EECB-4789-BEDA-C34CC6B09261}"/>
+              </a:ext>
+            </a:extLst>
+          </p:cNvPr>
+          <p:cNvSpPr>
+            <a:spLocks noGrp="1"/>
+          </p:cNvSpPr>
+          <p:nvPr>
+            <p:ph type="title"/>
+          </p:nvPr>
+        </p:nvSpPr>
+        <p:spPr/>
+        <p:txBody>
+          <a:bodyPr/>
+          <a:lstStyle/>
+          <a:p>
+            <a:r>
+              <a:rPr lang="zh-CN" altLang="en-US" dirty="0"/>
+              <a:t>为什么总是在项目即将发布时才发现品质达 不到要求？</a:t>
+            </a:r>
+          </a:p>
+        </p:txBody>
+      </p:sp>
+      <p:sp>
+        <p:nvSpPr>
+          <p:cNvPr id="3" name="图片占位符 2">
+            <a:extLst>
+              <a:ext uri="{FF2B5EF4-FFF2-40B4-BE49-F238E27FC236}">
+                <a16:creationId xmlns:a16="http://schemas.microsoft.com/office/drawing/2014/main" id="{5D6DFC47-0CDB-4C57-B7DB-380F93052D90}"/>
+              </a:ext>
+            </a:extLst>
+          </p:cNvPr>
+          <p:cNvSpPr>
+            <a:spLocks noGrp="1"/>
+          </p:cNvSpPr>
+          <p:nvPr>
+            <p:ph type="pic" idx="1"/>
+          </p:nvPr>
+        </p:nvSpPr>
+        <p:spPr/>
+      </p:sp>
+      <p:sp>
+        <p:nvSpPr>
+          <p:cNvPr id="4" name="文本占位符 3">
+            <a:extLst>
+              <a:ext uri="{FF2B5EF4-FFF2-40B4-BE49-F238E27FC236}">
+                <a16:creationId xmlns:a16="http://schemas.microsoft.com/office/drawing/2014/main" id="{0C7E6FF7-A906-4D0B-8547-BD2906E9283B}"/>
+              </a:ext>
+            </a:extLst>
+          </p:cNvPr>
+          <p:cNvSpPr>
+            <a:spLocks noGrp="1"/>
+          </p:cNvSpPr>
+          <p:nvPr>
+            <p:ph type="body" sz="half" idx="2"/>
+          </p:nvPr>
+        </p:nvSpPr>
+        <p:spPr/>
+        <p:txBody>
+          <a:bodyPr anchor="ctr" anchorCtr="0"/>
+          <a:lstStyle/>
+          <a:p>
+            <a:pPr marL="285750" indent="-285750" algn="l">
+              <a:buFont typeface="Wingdings" panose="05000000000000000000" pitchFamily="2" charset="2"/>
+              <a:buChar char="u"/>
+            </a:pPr>
+            <a:r>
+              <a:rPr lang="zh-CN" altLang="en-US" dirty="0"/>
+              <a:t>优化往往比开发要耗费更多时间 </a:t>
+            </a:r>
+            <a:endParaRPr lang="en-US" altLang="zh-CN" dirty="0"/>
+          </a:p>
+          <a:p>
+            <a:pPr marL="285750" indent="-285750" algn="l">
+              <a:buFont typeface="Wingdings" panose="05000000000000000000" pitchFamily="2" charset="2"/>
+              <a:buChar char="u"/>
+            </a:pPr>
+            <a:r>
+              <a:rPr lang="zh-CN" altLang="en-US" dirty="0"/>
+              <a:t>很少估算技术点和</a:t>
+            </a:r>
+            <a:r>
+              <a:rPr lang="en-US" altLang="zh-CN" dirty="0"/>
+              <a:t>BUG</a:t>
+            </a:r>
+            <a:r>
+              <a:rPr lang="zh-CN" altLang="en-US" dirty="0"/>
+              <a:t>引发的时间风险 </a:t>
+            </a:r>
+            <a:endParaRPr lang="en-US" altLang="zh-CN" dirty="0"/>
+          </a:p>
+          <a:p>
+            <a:pPr marL="285750" indent="-285750" algn="l">
+              <a:buFont typeface="Wingdings" panose="05000000000000000000" pitchFamily="2" charset="2"/>
+              <a:buChar char="u"/>
+            </a:pPr>
+            <a:r>
+              <a:rPr lang="zh-CN" altLang="en-US" dirty="0"/>
+              <a:t>前期堆功能，后期因为新需求不能满足产生大量重构。</a:t>
+            </a:r>
+            <a:endParaRPr lang="en-US" altLang="zh-CN" dirty="0"/>
+          </a:p>
+          <a:p>
+            <a:pPr marL="285750" indent="-285750" algn="l">
+              <a:buFont typeface="Wingdings" panose="05000000000000000000" pitchFamily="2" charset="2"/>
+              <a:buChar char="u"/>
+            </a:pPr>
+            <a:r>
+              <a:rPr lang="zh-CN" altLang="en-US" dirty="0"/>
+              <a:t>在发布前新增大量功能</a:t>
+            </a:r>
+            <a:endParaRPr lang="en-US" altLang="zh-CN" dirty="0"/>
+          </a:p>
+          <a:p>
+            <a:pPr marL="285750" indent="-285750" algn="l">
+              <a:buFont typeface="Wingdings" panose="05000000000000000000" pitchFamily="2" charset="2"/>
+              <a:buChar char="u"/>
+            </a:pPr>
+            <a:r>
+              <a:rPr lang="zh-CN" altLang="en-US" dirty="0"/>
+              <a:t>所有的验收都在版本即将发布之前的时候做。</a:t>
+            </a:r>
+            <a:endParaRPr lang="en-US" altLang="zh-CN" dirty="0"/>
+          </a:p>
+          <a:p>
+            <a:pPr marL="285750" indent="-285750" algn="l">
+              <a:buFont typeface="Wingdings" panose="05000000000000000000" pitchFamily="2" charset="2"/>
+              <a:buChar char="u"/>
+            </a:pPr>
+            <a:r>
+              <a:rPr lang="zh-CN" altLang="en-US" dirty="0"/>
+              <a:t>在发布前才发现配置问题多多，甚至一个有效的配置都配不出来。</a:t>
+            </a:r>
+          </a:p>
+        </p:txBody>
+      </p:sp>
+    </p:spTree>
+    <p:extLst>
+      <p:ext uri="{BB962C8B-B14F-4D97-AF65-F5344CB8AC3E}">
+        <p14:creationId xmlns:p14="http://schemas.microsoft.com/office/powerpoint/2010/main" val="2859585573"/>
+      </p:ext>
+    </p:extLst>
+  </p:cSld>
+  <p:clrMapOvr>
+    <a:masterClrMapping/>
+  </p:clrMapOvr>
+</p:sld>
+</file>
+
+<file path=ppt/slides/slide22.xml><?xml version="1.0" encoding="utf-8"?>
+<p:sld xmlns:a="http://schemas.openxmlformats.org/drawingml/2006/main" xmlns:r="http://schemas.openxmlformats.org/officeDocument/2006/relationships" xmlns:p="http://schemas.openxmlformats.org/presentationml/2006/main">
+  <p:cSld>
+    <p:spTree>
+      <p:nvGrpSpPr>
+        <p:cNvPr id="1" name=""/>
+        <p:cNvGrpSpPr/>
+        <p:nvPr/>
+      </p:nvGrpSpPr>
+      <p:grpSpPr>
+        <a:xfrm>
+          <a:off x="0" y="0"/>
+          <a:ext cx="0" cy="0"/>
+          <a:chOff x="0" y="0"/>
+          <a:chExt cx="0" cy="0"/>
+        </a:xfrm>
+      </p:grpSpPr>
+      <p:sp>
+        <p:nvSpPr>
+          <p:cNvPr id="2" name="标题 1">
+            <a:extLst>
+              <a:ext uri="{FF2B5EF4-FFF2-40B4-BE49-F238E27FC236}">
+                <a16:creationId xmlns:a16="http://schemas.microsoft.com/office/drawing/2014/main" id="{11F64D8F-4759-4B48-8007-A0DC0BA2A45F}"/>
+              </a:ext>
+            </a:extLst>
+          </p:cNvPr>
+          <p:cNvSpPr>
+            <a:spLocks noGrp="1"/>
+          </p:cNvSpPr>
+          <p:nvPr>
+            <p:ph type="title"/>
+          </p:nvPr>
+        </p:nvSpPr>
+        <p:spPr/>
+        <p:txBody>
+          <a:bodyPr/>
+          <a:lstStyle/>
+          <a:p>
+            <a:r>
+              <a:rPr lang="zh-CN" altLang="en-US" dirty="0"/>
+              <a:t>需求反模式</a:t>
+            </a:r>
+          </a:p>
+        </p:txBody>
+      </p:sp>
+      <p:sp>
+        <p:nvSpPr>
+          <p:cNvPr id="3" name="图片占位符 2">
+            <a:extLst>
+              <a:ext uri="{FF2B5EF4-FFF2-40B4-BE49-F238E27FC236}">
+                <a16:creationId xmlns:a16="http://schemas.microsoft.com/office/drawing/2014/main" id="{B483041A-FC67-4A43-B3AF-D0976EAA9F3D}"/>
+              </a:ext>
+            </a:extLst>
+          </p:cNvPr>
+          <p:cNvSpPr>
+            <a:spLocks noGrp="1"/>
+          </p:cNvSpPr>
+          <p:nvPr>
+            <p:ph type="pic" idx="1"/>
+          </p:nvPr>
+        </p:nvSpPr>
+        <p:spPr/>
+      </p:sp>
+      <p:sp>
+        <p:nvSpPr>
+          <p:cNvPr id="4" name="文本占位符 3">
+            <a:extLst>
+              <a:ext uri="{FF2B5EF4-FFF2-40B4-BE49-F238E27FC236}">
+                <a16:creationId xmlns:a16="http://schemas.microsoft.com/office/drawing/2014/main" id="{3D136BE4-AB4E-430F-B1E6-D20639ACC80D}"/>
+              </a:ext>
+            </a:extLst>
+          </p:cNvPr>
+          <p:cNvSpPr>
+            <a:spLocks noGrp="1"/>
+          </p:cNvSpPr>
+          <p:nvPr>
+            <p:ph type="body" sz="half" idx="2"/>
+          </p:nvPr>
+        </p:nvSpPr>
+        <p:spPr/>
+        <p:txBody>
+          <a:bodyPr anchor="ctr" anchorCtr="0"/>
+          <a:lstStyle/>
+          <a:p>
+            <a:pPr marL="285750" indent="-285750">
+              <a:buFont typeface="Wingdings" panose="05000000000000000000" pitchFamily="2" charset="2"/>
+              <a:buChar char="p"/>
+            </a:pPr>
+            <a:r>
+              <a:rPr lang="zh-CN" altLang="en-US" dirty="0"/>
+              <a:t>口头契约 </a:t>
+            </a:r>
+            <a:endParaRPr lang="en-US" altLang="zh-CN" dirty="0"/>
+          </a:p>
+          <a:p>
+            <a:pPr marL="285750" indent="-285750">
+              <a:buFont typeface="Wingdings" panose="05000000000000000000" pitchFamily="2" charset="2"/>
+              <a:buChar char="p"/>
+            </a:pPr>
+            <a:r>
+              <a:rPr lang="zh-CN" altLang="en-US" dirty="0"/>
+              <a:t>抛出方案 </a:t>
+            </a:r>
+            <a:endParaRPr lang="en-US" altLang="zh-CN" dirty="0"/>
+          </a:p>
+          <a:p>
+            <a:pPr marL="285750" indent="-285750">
+              <a:buFont typeface="Wingdings" panose="05000000000000000000" pitchFamily="2" charset="2"/>
+              <a:buChar char="p"/>
+            </a:pPr>
+            <a:r>
+              <a:rPr lang="zh-CN" altLang="en-US" dirty="0"/>
+              <a:t>暗盒操作 </a:t>
+            </a:r>
+            <a:endParaRPr lang="en-US" altLang="zh-CN" dirty="0"/>
+          </a:p>
+          <a:p>
+            <a:pPr marL="285750" indent="-285750">
+              <a:buFont typeface="Wingdings" panose="05000000000000000000" pitchFamily="2" charset="2"/>
+              <a:buChar char="p"/>
+            </a:pPr>
+            <a:r>
+              <a:rPr lang="zh-CN" altLang="en-US" dirty="0"/>
+              <a:t>遗漏细节 </a:t>
+            </a:r>
+            <a:endParaRPr lang="en-US" altLang="zh-CN" dirty="0"/>
+          </a:p>
+          <a:p>
+            <a:pPr marL="285750" indent="-285750">
+              <a:buFont typeface="Wingdings" panose="05000000000000000000" pitchFamily="2" charset="2"/>
+              <a:buChar char="p"/>
+            </a:pPr>
+            <a:r>
+              <a:rPr lang="zh-CN" altLang="en-US" dirty="0"/>
+              <a:t>懒于推敲</a:t>
+            </a:r>
+          </a:p>
+        </p:txBody>
+      </p:sp>
+    </p:spTree>
+    <p:extLst>
+      <p:ext uri="{BB962C8B-B14F-4D97-AF65-F5344CB8AC3E}">
+        <p14:creationId xmlns:p14="http://schemas.microsoft.com/office/powerpoint/2010/main" val="2554881250"/>
       </p:ext>
     </p:extLst>
   </p:cSld>
@@ -10673,7 +11689,7 @@
           <p:cNvPr id="4" name="标题 3">
             <a:extLst>
               <a:ext uri="{FF2B5EF4-FFF2-40B4-BE49-F238E27FC236}">
-                <a16:creationId xmlns:a16="http://schemas.microsoft.com/office/drawing/2014/main" xmlns="" id="{A48363A1-1181-4F39-AC63-0BB242B048CA}"/>
+                <a16:creationId xmlns:a16="http://schemas.microsoft.com/office/drawing/2014/main" id="{A48363A1-1181-4F39-AC63-0BB242B048CA}"/>
               </a:ext>
             </a:extLst>
           </p:cNvPr>
@@ -10731,7 +11747,7 @@
           <p:cNvPr id="4" name="标题 3">
             <a:extLst>
               <a:ext uri="{FF2B5EF4-FFF2-40B4-BE49-F238E27FC236}">
-                <a16:creationId xmlns:a16="http://schemas.microsoft.com/office/drawing/2014/main" xmlns="" id="{39A90F77-C65A-4BCA-BBCB-01128AB93FC9}"/>
+                <a16:creationId xmlns:a16="http://schemas.microsoft.com/office/drawing/2014/main" id="{39A90F77-C65A-4BCA-BBCB-01128AB93FC9}"/>
               </a:ext>
             </a:extLst>
           </p:cNvPr>
@@ -10764,7 +11780,7 @@
           <p:cNvPr id="5" name="文本占位符 4">
             <a:extLst>
               <a:ext uri="{FF2B5EF4-FFF2-40B4-BE49-F238E27FC236}">
-                <a16:creationId xmlns:a16="http://schemas.microsoft.com/office/drawing/2014/main" xmlns="" id="{DC866DC3-DD40-4057-BF88-5EED8435A112}"/>
+                <a16:creationId xmlns:a16="http://schemas.microsoft.com/office/drawing/2014/main" id="{DC866DC3-DD40-4057-BF88-5EED8435A112}"/>
               </a:ext>
             </a:extLst>
           </p:cNvPr>
@@ -10848,7 +11864,7 @@
           <p:cNvPr id="2" name="标题 1">
             <a:extLst>
               <a:ext uri="{FF2B5EF4-FFF2-40B4-BE49-F238E27FC236}">
-                <a16:creationId xmlns:a16="http://schemas.microsoft.com/office/drawing/2014/main" xmlns="" id="{315C1B9A-FDFD-47D0-8AAE-3127531E205B}"/>
+                <a16:creationId xmlns:a16="http://schemas.microsoft.com/office/drawing/2014/main" id="{315C1B9A-FDFD-47D0-8AAE-3127531E205B}"/>
               </a:ext>
             </a:extLst>
           </p:cNvPr>
@@ -10881,7 +11897,7 @@
           <p:cNvPr id="3" name="文本占位符 2">
             <a:extLst>
               <a:ext uri="{FF2B5EF4-FFF2-40B4-BE49-F238E27FC236}">
-                <a16:creationId xmlns:a16="http://schemas.microsoft.com/office/drawing/2014/main" xmlns="" id="{0C21F3BF-64A7-4322-B435-FD630389F9AE}"/>
+                <a16:creationId xmlns:a16="http://schemas.microsoft.com/office/drawing/2014/main" id="{0C21F3BF-64A7-4322-B435-FD630389F9AE}"/>
               </a:ext>
             </a:extLst>
           </p:cNvPr>
@@ -10981,7 +11997,7 @@
           <p:cNvPr id="4" name="标题 3">
             <a:extLst>
               <a:ext uri="{FF2B5EF4-FFF2-40B4-BE49-F238E27FC236}">
-                <a16:creationId xmlns:a16="http://schemas.microsoft.com/office/drawing/2014/main" xmlns="" id="{902E18F5-1916-4E11-BC81-985FCC1CE581}"/>
+                <a16:creationId xmlns:a16="http://schemas.microsoft.com/office/drawing/2014/main" id="{902E18F5-1916-4E11-BC81-985FCC1CE581}"/>
               </a:ext>
             </a:extLst>
           </p:cNvPr>
@@ -11009,7 +12025,7 @@
           <p:cNvPr id="6" name="文本占位符 5">
             <a:extLst>
               <a:ext uri="{FF2B5EF4-FFF2-40B4-BE49-F238E27FC236}">
-                <a16:creationId xmlns:a16="http://schemas.microsoft.com/office/drawing/2014/main" xmlns="" id="{9BA656FB-BF99-46CD-8CC5-3406529170D6}"/>
+                <a16:creationId xmlns:a16="http://schemas.microsoft.com/office/drawing/2014/main" id="{9BA656FB-BF99-46CD-8CC5-3406529170D6}"/>
               </a:ext>
             </a:extLst>
           </p:cNvPr>
@@ -11067,7 +12083,7 @@
           <p:cNvPr id="28" name="组合 27">
             <a:extLst>
               <a:ext uri="{FF2B5EF4-FFF2-40B4-BE49-F238E27FC236}">
-                <a16:creationId xmlns:a16="http://schemas.microsoft.com/office/drawing/2014/main" xmlns="" id="{EBE9CD1D-9362-4FD9-9212-5B69C9667FF8}"/>
+                <a16:creationId xmlns:a16="http://schemas.microsoft.com/office/drawing/2014/main" id="{EBE9CD1D-9362-4FD9-9212-5B69C9667FF8}"/>
               </a:ext>
             </a:extLst>
           </p:cNvPr>
@@ -11087,7 +12103,7 @@
             <p:cNvPr id="7" name="矩形: 圆角 6">
               <a:extLst>
                 <a:ext uri="{FF2B5EF4-FFF2-40B4-BE49-F238E27FC236}">
-                  <a16:creationId xmlns:a16="http://schemas.microsoft.com/office/drawing/2014/main" xmlns="" id="{FDE1D686-83C8-4A17-9316-94F74941124D}"/>
+                  <a16:creationId xmlns:a16="http://schemas.microsoft.com/office/drawing/2014/main" id="{FDE1D686-83C8-4A17-9316-94F74941124D}"/>
                 </a:ext>
               </a:extLst>
             </p:cNvPr>
@@ -11139,7 +12155,7 @@
             <p:cNvPr id="9" name="矩形: 圆角 8">
               <a:extLst>
                 <a:ext uri="{FF2B5EF4-FFF2-40B4-BE49-F238E27FC236}">
-                  <a16:creationId xmlns:a16="http://schemas.microsoft.com/office/drawing/2014/main" xmlns="" id="{A1EE7E5A-5627-47BB-B6E6-712FDCFF7B10}"/>
+                  <a16:creationId xmlns:a16="http://schemas.microsoft.com/office/drawing/2014/main" id="{A1EE7E5A-5627-47BB-B6E6-712FDCFF7B10}"/>
                 </a:ext>
               </a:extLst>
             </p:cNvPr>
@@ -11191,7 +12207,7 @@
             <p:cNvPr id="10" name="矩形: 圆角 9">
               <a:extLst>
                 <a:ext uri="{FF2B5EF4-FFF2-40B4-BE49-F238E27FC236}">
-                  <a16:creationId xmlns:a16="http://schemas.microsoft.com/office/drawing/2014/main" xmlns="" id="{33E5B558-870B-45DD-849A-B710F59C13B6}"/>
+                  <a16:creationId xmlns:a16="http://schemas.microsoft.com/office/drawing/2014/main" id="{33E5B558-870B-45DD-849A-B710F59C13B6}"/>
                 </a:ext>
               </a:extLst>
             </p:cNvPr>
@@ -11243,7 +12259,7 @@
             <p:cNvPr id="11" name="矩形: 圆角 10">
               <a:extLst>
                 <a:ext uri="{FF2B5EF4-FFF2-40B4-BE49-F238E27FC236}">
-                  <a16:creationId xmlns:a16="http://schemas.microsoft.com/office/drawing/2014/main" xmlns="" id="{22641E9A-13EE-461A-BE33-B5010E9B23B5}"/>
+                  <a16:creationId xmlns:a16="http://schemas.microsoft.com/office/drawing/2014/main" id="{22641E9A-13EE-461A-BE33-B5010E9B23B5}"/>
                 </a:ext>
               </a:extLst>
             </p:cNvPr>
@@ -11295,7 +12311,7 @@
             <p:cNvPr id="12" name="箭头: 下 11">
               <a:extLst>
                 <a:ext uri="{FF2B5EF4-FFF2-40B4-BE49-F238E27FC236}">
-                  <a16:creationId xmlns:a16="http://schemas.microsoft.com/office/drawing/2014/main" xmlns="" id="{58E04EB8-FE8B-4740-A7E8-973A4B8E0A24}"/>
+                  <a16:creationId xmlns:a16="http://schemas.microsoft.com/office/drawing/2014/main" id="{58E04EB8-FE8B-4740-A7E8-973A4B8E0A24}"/>
                 </a:ext>
               </a:extLst>
             </p:cNvPr>
@@ -11341,7 +12357,7 @@
             <p:cNvPr id="13" name="箭头: 下 12">
               <a:extLst>
                 <a:ext uri="{FF2B5EF4-FFF2-40B4-BE49-F238E27FC236}">
-                  <a16:creationId xmlns:a16="http://schemas.microsoft.com/office/drawing/2014/main" xmlns="" id="{B7F87402-0142-4792-886F-9B55ECCE6D3E}"/>
+                  <a16:creationId xmlns:a16="http://schemas.microsoft.com/office/drawing/2014/main" id="{B7F87402-0142-4792-886F-9B55ECCE6D3E}"/>
                 </a:ext>
               </a:extLst>
             </p:cNvPr>
@@ -11387,7 +12403,7 @@
             <p:cNvPr id="14" name="矩形: 圆角 13">
               <a:extLst>
                 <a:ext uri="{FF2B5EF4-FFF2-40B4-BE49-F238E27FC236}">
-                  <a16:creationId xmlns:a16="http://schemas.microsoft.com/office/drawing/2014/main" xmlns="" id="{57652741-C625-4E51-A4FB-209F87B4A689}"/>
+                  <a16:creationId xmlns:a16="http://schemas.microsoft.com/office/drawing/2014/main" id="{57652741-C625-4E51-A4FB-209F87B4A689}"/>
                 </a:ext>
               </a:extLst>
             </p:cNvPr>
@@ -11444,7 +12460,7 @@
             <p:cNvPr id="16" name="矩形: 圆角 15">
               <a:extLst>
                 <a:ext uri="{FF2B5EF4-FFF2-40B4-BE49-F238E27FC236}">
-                  <a16:creationId xmlns:a16="http://schemas.microsoft.com/office/drawing/2014/main" xmlns="" id="{9E898A56-6988-4598-B53A-B212ED507647}"/>
+                  <a16:creationId xmlns:a16="http://schemas.microsoft.com/office/drawing/2014/main" id="{9E898A56-6988-4598-B53A-B212ED507647}"/>
                 </a:ext>
               </a:extLst>
             </p:cNvPr>
@@ -11501,7 +12517,7 @@
             <p:cNvPr id="17" name="矩形: 圆角 16">
               <a:extLst>
                 <a:ext uri="{FF2B5EF4-FFF2-40B4-BE49-F238E27FC236}">
-                  <a16:creationId xmlns:a16="http://schemas.microsoft.com/office/drawing/2014/main" xmlns="" id="{E58A64E9-EBBE-4A1B-869E-5309D2A989B3}"/>
+                  <a16:creationId xmlns:a16="http://schemas.microsoft.com/office/drawing/2014/main" id="{E58A64E9-EBBE-4A1B-869E-5309D2A989B3}"/>
                 </a:ext>
               </a:extLst>
             </p:cNvPr>
@@ -11558,7 +12574,7 @@
             <p:cNvPr id="18" name="箭头: 右 17">
               <a:extLst>
                 <a:ext uri="{FF2B5EF4-FFF2-40B4-BE49-F238E27FC236}">
-                  <a16:creationId xmlns:a16="http://schemas.microsoft.com/office/drawing/2014/main" xmlns="" id="{4968FCB2-5BC1-497D-90A6-367C406151C6}"/>
+                  <a16:creationId xmlns:a16="http://schemas.microsoft.com/office/drawing/2014/main" id="{4968FCB2-5BC1-497D-90A6-367C406151C6}"/>
                 </a:ext>
               </a:extLst>
             </p:cNvPr>
@@ -11604,7 +12620,7 @@
             <p:cNvPr id="21" name="箭头: 右 20">
               <a:extLst>
                 <a:ext uri="{FF2B5EF4-FFF2-40B4-BE49-F238E27FC236}">
-                  <a16:creationId xmlns:a16="http://schemas.microsoft.com/office/drawing/2014/main" xmlns="" id="{CF62F88A-4000-440C-A726-D8091B7CF509}"/>
+                  <a16:creationId xmlns:a16="http://schemas.microsoft.com/office/drawing/2014/main" id="{CF62F88A-4000-440C-A726-D8091B7CF509}"/>
                 </a:ext>
               </a:extLst>
             </p:cNvPr>
@@ -11650,7 +12666,7 @@
             <p:cNvPr id="20" name="矩形: 圆角 19">
               <a:extLst>
                 <a:ext uri="{FF2B5EF4-FFF2-40B4-BE49-F238E27FC236}">
-                  <a16:creationId xmlns:a16="http://schemas.microsoft.com/office/drawing/2014/main" xmlns="" id="{927F1DBF-3CC8-4B61-80F2-4A46EEB29F8C}"/>
+                  <a16:creationId xmlns:a16="http://schemas.microsoft.com/office/drawing/2014/main" id="{927F1DBF-3CC8-4B61-80F2-4A46EEB29F8C}"/>
                 </a:ext>
               </a:extLst>
             </p:cNvPr>
@@ -11707,7 +12723,7 @@
             <p:cNvPr id="15" name="矩形: 圆角 14">
               <a:extLst>
                 <a:ext uri="{FF2B5EF4-FFF2-40B4-BE49-F238E27FC236}">
-                  <a16:creationId xmlns:a16="http://schemas.microsoft.com/office/drawing/2014/main" xmlns="" id="{1D2B58D0-933D-4E88-BD51-876B6AD100D9}"/>
+                  <a16:creationId xmlns:a16="http://schemas.microsoft.com/office/drawing/2014/main" id="{1D2B58D0-933D-4E88-BD51-876B6AD100D9}"/>
                 </a:ext>
               </a:extLst>
             </p:cNvPr>
@@ -11764,7 +12780,7 @@
             <p:cNvPr id="22" name="矩形: 圆角 21">
               <a:extLst>
                 <a:ext uri="{FF2B5EF4-FFF2-40B4-BE49-F238E27FC236}">
-                  <a16:creationId xmlns:a16="http://schemas.microsoft.com/office/drawing/2014/main" xmlns="" id="{6DAE76C4-FE17-456F-AC04-28E2AEA03A4B}"/>
+                  <a16:creationId xmlns:a16="http://schemas.microsoft.com/office/drawing/2014/main" id="{6DAE76C4-FE17-456F-AC04-28E2AEA03A4B}"/>
                 </a:ext>
               </a:extLst>
             </p:cNvPr>
@@ -11821,7 +12837,7 @@
             <p:cNvPr id="23" name="矩形: 圆角 22">
               <a:extLst>
                 <a:ext uri="{FF2B5EF4-FFF2-40B4-BE49-F238E27FC236}">
-                  <a16:creationId xmlns:a16="http://schemas.microsoft.com/office/drawing/2014/main" xmlns="" id="{912F02CD-FF2E-4A02-BF91-119F2B4A0032}"/>
+                  <a16:creationId xmlns:a16="http://schemas.microsoft.com/office/drawing/2014/main" id="{912F02CD-FF2E-4A02-BF91-119F2B4A0032}"/>
                 </a:ext>
               </a:extLst>
             </p:cNvPr>
@@ -11878,7 +12894,7 @@
             <p:cNvPr id="25" name="连接符: 肘形 24">
               <a:extLst>
                 <a:ext uri="{FF2B5EF4-FFF2-40B4-BE49-F238E27FC236}">
-                  <a16:creationId xmlns:a16="http://schemas.microsoft.com/office/drawing/2014/main" xmlns="" id="{D9669872-4007-4BAA-8720-A6E51D31D2C4}"/>
+                  <a16:creationId xmlns:a16="http://schemas.microsoft.com/office/drawing/2014/main" id="{D9669872-4007-4BAA-8720-A6E51D31D2C4}"/>
                 </a:ext>
               </a:extLst>
             </p:cNvPr>
@@ -11920,7 +12936,7 @@
             <p:cNvPr id="27" name="连接符: 肘形 26">
               <a:extLst>
                 <a:ext uri="{FF2B5EF4-FFF2-40B4-BE49-F238E27FC236}">
-                  <a16:creationId xmlns:a16="http://schemas.microsoft.com/office/drawing/2014/main" xmlns="" id="{FDC2B0FA-C41B-4B92-B3A8-1C54E3131D0A}"/>
+                  <a16:creationId xmlns:a16="http://schemas.microsoft.com/office/drawing/2014/main" id="{FDC2B0FA-C41B-4B92-B3A8-1C54E3131D0A}"/>
                 </a:ext>
               </a:extLst>
             </p:cNvPr>
@@ -12004,10 +13020,9 @@
           <a:lstStyle/>
           <a:p>
             <a:r>
-              <a:rPr lang="zh-CN" altLang="en-US" dirty="0" smtClean="0"/>
+              <a:rPr lang="zh-CN" altLang="en-US" dirty="0"/>
               <a:t>沟通的意义</a:t>
             </a:r>
-            <a:endParaRPr lang="zh-CN" altLang="en-US" dirty="0"/>
           </a:p>
         </p:txBody>
       </p:sp>
@@ -12041,16 +13056,12 @@
               <a:buNone/>
             </a:pPr>
             <a:r>
-              <a:rPr lang="en-US" altLang="zh-CN" dirty="0" smtClean="0"/>
+              <a:rPr lang="en-US" altLang="zh-CN" dirty="0"/>
               <a:t>•</a:t>
             </a:r>
             <a:r>
-              <a:rPr lang="zh-CN" altLang="en-US" dirty="0" smtClean="0"/>
-              <a:t>满足</a:t>
-            </a:r>
-            <a:r>
               <a:rPr lang="zh-CN" altLang="en-US" dirty="0"/>
-              <a:t>人们彼此交流的需要； </a:t>
+              <a:t>满足人们彼此交流的需要； </a:t>
             </a:r>
           </a:p>
           <a:p>
@@ -12058,16 +13069,12 @@
               <a:buNone/>
             </a:pPr>
             <a:r>
-              <a:rPr lang="en-US" altLang="zh-CN" dirty="0" smtClean="0"/>
+              <a:rPr lang="en-US" altLang="zh-CN" dirty="0"/>
               <a:t>•</a:t>
             </a:r>
             <a:r>
-              <a:rPr lang="zh-CN" altLang="en-US" dirty="0" smtClean="0"/>
-              <a:t>使</a:t>
-            </a:r>
-            <a:r>
               <a:rPr lang="zh-CN" altLang="en-US" dirty="0"/>
-              <a:t>人们达成共识、更多的合作； </a:t>
+              <a:t>使人们达成共识、更多的合作； </a:t>
             </a:r>
           </a:p>
           <a:p>
@@ -12075,16 +13082,12 @@
               <a:buNone/>
             </a:pPr>
             <a:r>
-              <a:rPr lang="en-US" altLang="zh-CN" dirty="0" smtClean="0"/>
+              <a:rPr lang="en-US" altLang="zh-CN" dirty="0"/>
               <a:t>•</a:t>
             </a:r>
             <a:r>
-              <a:rPr lang="zh-CN" altLang="en-US" dirty="0" smtClean="0"/>
-              <a:t>降低</a:t>
-            </a:r>
-            <a:r>
               <a:rPr lang="zh-CN" altLang="en-US" dirty="0"/>
-              <a:t>工作的代理成本，提高办事效率； </a:t>
+              <a:t>降低工作的代理成本，提高办事效率； </a:t>
             </a:r>
           </a:p>
           <a:p>
@@ -12092,16 +13095,12 @@
               <a:buNone/>
             </a:pPr>
             <a:r>
-              <a:rPr lang="en-US" altLang="zh-CN" dirty="0" smtClean="0"/>
+              <a:rPr lang="en-US" altLang="zh-CN" dirty="0"/>
               <a:t>•</a:t>
             </a:r>
             <a:r>
-              <a:rPr lang="zh-CN" altLang="en-US" dirty="0" smtClean="0"/>
-              <a:t>能</a:t>
-            </a:r>
-            <a:r>
               <a:rPr lang="zh-CN" altLang="en-US" dirty="0"/>
-              <a:t>获得有价值的信息，并使个人办事更加井井有条； </a:t>
+              <a:t>能获得有价值的信息，并使个人办事更加井井有条； </a:t>
             </a:r>
           </a:p>
           <a:p>
@@ -12109,16 +13108,12 @@
               <a:buNone/>
             </a:pPr>
             <a:r>
-              <a:rPr lang="en-US" altLang="zh-CN" dirty="0" smtClean="0"/>
+              <a:rPr lang="en-US" altLang="zh-CN" dirty="0"/>
               <a:t>•</a:t>
             </a:r>
             <a:r>
-              <a:rPr lang="zh-CN" altLang="en-US" dirty="0" smtClean="0"/>
-              <a:t>使</a:t>
-            </a:r>
-            <a:r>
               <a:rPr lang="zh-CN" altLang="en-US" dirty="0"/>
-              <a:t>人进行清晰的思考，有效把握所做的事。 </a:t>
+              <a:t>使人进行清晰的思考，有效把握所做的事。 </a:t>
             </a:r>
           </a:p>
           <a:p>
@@ -12172,68 +13167,67 @@
           <a:lstStyle/>
           <a:p>
             <a:r>
-              <a:rPr lang="zh-CN" altLang="en-US" dirty="0" smtClean="0"/>
+              <a:rPr lang="zh-CN" altLang="en-US" dirty="0"/>
               <a:t>沟通中的</a:t>
             </a:r>
             <a:r>
-              <a:rPr lang="en-US" altLang="zh-CN" dirty="0" smtClean="0"/>
+              <a:rPr lang="en-US" altLang="zh-CN" dirty="0"/>
               <a:t>“</a:t>
             </a:r>
             <a:r>
-              <a:rPr lang="zh-CN" altLang="en-US" dirty="0" smtClean="0"/>
+              <a:rPr lang="zh-CN" altLang="en-US" dirty="0"/>
               <a:t>囧</a:t>
             </a:r>
             <a:r>
-              <a:rPr lang="en-US" altLang="zh-CN" dirty="0" smtClean="0"/>
+              <a:rPr lang="en-US" altLang="zh-CN" dirty="0"/>
               <a:t>”</a:t>
             </a:r>
             <a:r>
-              <a:rPr lang="zh-CN" altLang="en-US" dirty="0" smtClean="0"/>
+              <a:rPr lang="zh-CN" altLang="en-US" dirty="0"/>
               <a:t>事</a:t>
             </a:r>
+          </a:p>
+        </p:txBody>
+      </p:sp>
+      <p:sp>
+        <p:nvSpPr>
+          <p:cNvPr id="4" name="内容占位符 3"/>
+          <p:cNvSpPr>
+            <a:spLocks noGrp="1"/>
+          </p:cNvSpPr>
+          <p:nvPr>
+            <p:ph sz="half" idx="1"/>
+          </p:nvPr>
+        </p:nvSpPr>
+        <p:spPr/>
+        <p:txBody>
+          <a:bodyPr/>
+          <a:lstStyle/>
+          <a:p>
+            <a:r>
+              <a:rPr lang="en-US" altLang="zh-CN" dirty="0"/>
+              <a:t>ACT</a:t>
+            </a:r>
+          </a:p>
+          <a:p>
+            <a:r>
+              <a:rPr lang="en-US" altLang="zh-CN" dirty="0"/>
+              <a:t>BMG</a:t>
+            </a:r>
+          </a:p>
+          <a:p>
+            <a:r>
+              <a:rPr lang="en-US" altLang="zh-CN" dirty="0"/>
+              <a:t>DLC</a:t>
+            </a:r>
+          </a:p>
+          <a:p>
             <a:endParaRPr lang="zh-CN" altLang="en-US" dirty="0"/>
           </a:p>
         </p:txBody>
       </p:sp>
       <p:sp>
         <p:nvSpPr>
-          <p:cNvPr id="4" name="内容占位符 3"/>
-          <p:cNvSpPr>
-            <a:spLocks noGrp="1"/>
-          </p:cNvSpPr>
-          <p:nvPr>
-            <p:ph sz="half" idx="1"/>
-          </p:nvPr>
-        </p:nvSpPr>
-        <p:spPr/>
-        <p:txBody>
-          <a:bodyPr/>
-          <a:lstStyle/>
-          <a:p>
-            <a:r>
-              <a:rPr lang="en-US" altLang="zh-CN" dirty="0" smtClean="0"/>
-              <a:t>ACT</a:t>
-            </a:r>
-          </a:p>
-          <a:p>
-            <a:r>
-              <a:rPr lang="en-US" altLang="zh-CN" dirty="0" smtClean="0"/>
-              <a:t>BMG</a:t>
-            </a:r>
-          </a:p>
-          <a:p>
-            <a:r>
-              <a:rPr lang="en-US" altLang="zh-CN" dirty="0" smtClean="0"/>
-              <a:t>DLC</a:t>
-            </a:r>
-          </a:p>
-          <a:p>
-            <a:endParaRPr lang="zh-CN" altLang="en-US" dirty="0"/>
-          </a:p>
-        </p:txBody>
-      </p:sp>
-      <p:sp>
-        <p:nvSpPr>
           <p:cNvPr id="5" name="内容占位符 4"/>
           <p:cNvSpPr>
             <a:spLocks noGrp="1"/>
@@ -12248,42 +13242,34 @@
           <a:lstStyle/>
           <a:p>
             <a:r>
-              <a:rPr lang="zh-CN" altLang="en-US" dirty="0" smtClean="0"/>
+              <a:rPr lang="zh-CN" altLang="en-US" dirty="0"/>
               <a:t>看板娘</a:t>
             </a:r>
-            <a:endParaRPr lang="en-US" altLang="zh-CN" dirty="0" smtClean="0"/>
+            <a:endParaRPr lang="en-US" altLang="zh-CN" dirty="0"/>
           </a:p>
           <a:p>
             <a:r>
               <a:rPr lang="zh-CN" altLang="en-US" dirty="0"/>
-              <a:t>鬼</a:t>
-            </a:r>
-            <a:r>
-              <a:rPr lang="zh-CN" altLang="en-US" dirty="0" smtClean="0"/>
-              <a:t>畜</a:t>
-            </a:r>
-            <a:endParaRPr lang="en-US" altLang="zh-CN" dirty="0" smtClean="0"/>
+              <a:t>鬼畜</a:t>
+            </a:r>
+            <a:endParaRPr lang="en-US" altLang="zh-CN" dirty="0"/>
           </a:p>
           <a:p>
             <a:r>
               <a:rPr lang="zh-CN" altLang="en-US" dirty="0"/>
-              <a:t>吃</a:t>
-            </a:r>
-            <a:r>
-              <a:rPr lang="zh-CN" altLang="en-US" dirty="0" smtClean="0"/>
-              <a:t>茶</a:t>
-            </a:r>
-            <a:endParaRPr lang="en-US" altLang="zh-CN" dirty="0" smtClean="0"/>
-          </a:p>
-          <a:p>
-            <a:r>
-              <a:rPr lang="zh-CN" altLang="en-US" dirty="0" smtClean="0"/>
+              <a:t>吃茶</a:t>
+            </a:r>
+            <a:endParaRPr lang="en-US" altLang="zh-CN" dirty="0"/>
+          </a:p>
+          <a:p>
+            <a:r>
+              <a:rPr lang="zh-CN" altLang="en-US" dirty="0"/>
               <a:t>郭嘉</a:t>
             </a:r>
-            <a:endParaRPr lang="en-US" altLang="zh-CN" dirty="0" smtClean="0"/>
-          </a:p>
-          <a:p>
-            <a:endParaRPr lang="en-US" altLang="zh-CN" dirty="0" smtClean="0"/>
+            <a:endParaRPr lang="en-US" altLang="zh-CN" dirty="0"/>
+          </a:p>
+          <a:p>
+            <a:endParaRPr lang="en-US" altLang="zh-CN" dirty="0"/>
           </a:p>
           <a:p>
             <a:endParaRPr lang="zh-CN" altLang="en-US" dirty="0"/>
@@ -12336,81 +13322,60 @@
           <a:lstStyle/>
           <a:p>
             <a:r>
-              <a:rPr lang="zh-CN" altLang="en-US" dirty="0" smtClean="0"/>
+              <a:rPr lang="zh-CN" altLang="en-US" dirty="0"/>
               <a:t>如何达成共识</a:t>
             </a:r>
+          </a:p>
+        </p:txBody>
+      </p:sp>
+      <p:sp>
+        <p:nvSpPr>
+          <p:cNvPr id="5" name="内容占位符 4"/>
+          <p:cNvSpPr>
+            <a:spLocks noGrp="1"/>
+          </p:cNvSpPr>
+          <p:nvPr>
+            <p:ph idx="1"/>
+          </p:nvPr>
+        </p:nvSpPr>
+        <p:spPr/>
+        <p:txBody>
+          <a:bodyPr/>
+          <a:lstStyle/>
+          <a:p>
             <a:endParaRPr lang="zh-CN" altLang="en-US" dirty="0"/>
           </a:p>
-        </p:txBody>
-      </p:sp>
-      <p:sp>
-        <p:nvSpPr>
-          <p:cNvPr id="5" name="内容占位符 4"/>
-          <p:cNvSpPr>
-            <a:spLocks noGrp="1"/>
-          </p:cNvSpPr>
-          <p:nvPr>
-            <p:ph idx="1"/>
-          </p:nvPr>
-        </p:nvSpPr>
-        <p:spPr/>
-        <p:txBody>
-          <a:bodyPr/>
-          <a:lstStyle/>
           <a:p>
             <a:endParaRPr lang="zh-CN" altLang="en-US" dirty="0"/>
           </a:p>
           <a:p>
-            <a:endParaRPr lang="zh-CN" altLang="en-US" dirty="0"/>
-          </a:p>
-          <a:p>
-            <a:r>
-              <a:rPr lang="zh-CN" altLang="en-US" dirty="0" smtClean="0"/>
-              <a:t>不要</a:t>
-            </a:r>
             <a:r>
               <a:rPr lang="zh-CN" altLang="en-US" dirty="0"/>
-              <a:t>忽略你没有理解的词 </a:t>
-            </a:r>
-          </a:p>
-          <a:p>
-            <a:r>
-              <a:rPr lang="zh-CN" altLang="en-US" dirty="0" smtClean="0"/>
-              <a:t>学会</a:t>
-            </a:r>
+              <a:t>不要忽略你没有理解的词 </a:t>
+            </a:r>
+          </a:p>
+          <a:p>
             <a:r>
               <a:rPr lang="zh-CN" altLang="en-US" dirty="0"/>
-              <a:t>说我没听懂 </a:t>
-            </a:r>
-          </a:p>
-          <a:p>
-            <a:r>
-              <a:rPr lang="zh-CN" altLang="en-US" dirty="0" smtClean="0"/>
-              <a:t>努力</a:t>
-            </a:r>
+              <a:t>学会说我没听懂 </a:t>
+            </a:r>
+          </a:p>
+          <a:p>
             <a:r>
               <a:rPr lang="zh-CN" altLang="en-US" dirty="0"/>
-              <a:t>学习新的语言环境 </a:t>
-            </a:r>
-          </a:p>
-          <a:p>
-            <a:r>
-              <a:rPr lang="zh-CN" altLang="en-US" dirty="0" smtClean="0"/>
-              <a:t>掌握</a:t>
-            </a:r>
+              <a:t>努力学习新的语言环境 </a:t>
+            </a:r>
+          </a:p>
+          <a:p>
             <a:r>
               <a:rPr lang="zh-CN" altLang="en-US" dirty="0"/>
-              <a:t>沟通目标领域中的词汇并灵活运用 </a:t>
-            </a:r>
-          </a:p>
-          <a:p>
-            <a:r>
-              <a:rPr lang="zh-CN" altLang="en-US" dirty="0" smtClean="0"/>
-              <a:t>耐心</a:t>
-            </a:r>
+              <a:t>掌握沟通目标领域中的词汇并灵活运用 </a:t>
+            </a:r>
+          </a:p>
+          <a:p>
             <a:r>
               <a:rPr lang="zh-CN" altLang="en-US" dirty="0"/>
-              <a:t>解释 </a:t>
+              <a:t>耐心解释 </a:t>
             </a:r>
           </a:p>
           <a:p>
@@ -12923,7 +13888,7 @@
   <a:extraClrSchemeLst/>
   <a:extLst>
     <a:ext uri="{05A4C25C-085E-4340-85A3-A5531E510DB2}">
-      <thm15:themeFamily xmlns:thm15="http://schemas.microsoft.com/office/thememl/2012/main" xmlns="" name="Slate" id="{C3F70B94-7CE9-428E-ADC1-3269CC2C3385}" vid="{3F2DE9A5-64E6-437C-A389-CC4477E817E8}"/>
+      <thm15:themeFamily xmlns:thm15="http://schemas.microsoft.com/office/thememl/2012/main" name="Slate" id="{C3F70B94-7CE9-428E-ADC1-3269CC2C3385}" vid="{3F2DE9A5-64E6-437C-A389-CC4477E817E8}"/>
     </a:ext>
   </a:extLst>
 </a:theme>
@@ -13218,7 +14183,7 @@
   <a:extraClrSchemeLst/>
   <a:extLst>
     <a:ext uri="{05A4C25C-085E-4340-85A3-A5531E510DB2}">
-      <thm15:themeFamily xmlns:thm15="http://schemas.microsoft.com/office/thememl/2012/main" xmlns="" name="Office Theme" id="{62F939B6-93AF-4DB8-9C6B-D6C7DFDC589F}" vid="{4A3C46E8-61CC-4603-A589-7422A47A8E4A}"/>
+      <thm15:themeFamily xmlns:thm15="http://schemas.microsoft.com/office/thememl/2012/main" name="Office Theme" id="{62F939B6-93AF-4DB8-9C6B-D6C7DFDC589F}" vid="{4A3C46E8-61CC-4603-A589-7422A47A8E4A}"/>
     </a:ext>
   </a:extLst>
 </a:theme>

--- a/communication/策划与程序沟通技巧.pptx
+++ b/communication/策划与程序沟通技巧.pptx
@@ -131,7 +131,7 @@
   </p:defaultTextStyle>
   <p:extLst>
     <p:ext uri="{EFAFB233-063F-42B5-8137-9DF3F51BA10A}">
-      <p15:sldGuideLst xmlns:p15="http://schemas.microsoft.com/office/powerpoint/2012/main">
+      <p15:sldGuideLst xmlns:p15="http://schemas.microsoft.com/office/powerpoint/2012/main" xmlns="">
         <p15:guide id="1" orient="horz" pos="2160">
           <p15:clr>
             <a:srgbClr val="A4A3A4"/>
@@ -230,7 +230,7 @@
           <a:p>
             <a:fld id="{98F61A85-A7BA-405E-98DD-B5BF1ADBF100}" type="datetimeFigureOut">
               <a:rPr lang="zh-CN" altLang="en-US" smtClean="0"/>
-              <a:t>2018/3/6</a:t>
+              <a:t>2018/3/28</a:t>
             </a:fld>
             <a:endParaRPr lang="zh-CN" altLang="en-US"/>
           </a:p>
@@ -541,6 +541,33 @@
           <a:bodyPr/>
           <a:lstStyle/>
           <a:p>
+            <a:r>
+              <a:rPr lang="zh-CN" altLang="en-US" dirty="0" smtClean="0"/>
+              <a:t>你有</a:t>
+            </a:r>
+            <a:r>
+              <a:rPr lang="en-US" altLang="zh-CN" dirty="0" smtClean="0"/>
+              <a:t>《</a:t>
+            </a:r>
+            <a:r>
+              <a:rPr lang="zh-CN" altLang="en-US" dirty="0" smtClean="0"/>
+              <a:t>时间简史</a:t>
+            </a:r>
+            <a:r>
+              <a:rPr lang="en-US" altLang="zh-CN" dirty="0" smtClean="0"/>
+              <a:t>》</a:t>
+            </a:r>
+            <a:r>
+              <a:rPr lang="zh-CN" altLang="en-US" dirty="0" smtClean="0"/>
+              <a:t>吗？</a:t>
+            </a:r>
+            <a:endParaRPr lang="en-US" altLang="zh-CN" dirty="0" smtClean="0"/>
+          </a:p>
+          <a:p>
+            <a:r>
+              <a:rPr lang="zh-CN" altLang="en-US" dirty="0" smtClean="0"/>
+              <a:t>我怎么会有时间捡屎呢？</a:t>
+            </a:r>
             <a:endParaRPr lang="zh-CN" altLang="en-US" dirty="0"/>
           </a:p>
         </p:txBody>
@@ -562,7 +589,7 @@
           <a:p>
             <a:fld id="{D7AFCA8C-653A-44A5-9E16-D6C2FB0350C5}" type="slidenum">
               <a:rPr lang="zh-CN" altLang="en-US" smtClean="0"/>
-              <a:t>10</a:t>
+              <a:t>6</a:t>
             </a:fld>
             <a:endParaRPr lang="zh-CN" altLang="en-US"/>
           </a:p>
@@ -571,7 +598,7 @@
     </p:spTree>
     <p:extLst>
       <p:ext uri="{BB962C8B-B14F-4D97-AF65-F5344CB8AC3E}">
-        <p14:creationId xmlns:p14="http://schemas.microsoft.com/office/powerpoint/2010/main" val="1956680942"/>
+        <p14:creationId xmlns:p14="http://schemas.microsoft.com/office/powerpoint/2010/main" val="315910951"/>
       </p:ext>
     </p:extLst>
   </p:cSld>
@@ -625,10 +652,7 @@
           <a:bodyPr/>
           <a:lstStyle/>
           <a:p>
-            <a:r>
-              <a:rPr lang="zh-CN" altLang="en-US" dirty="0"/>
-              <a:t>策划经常来找我改需求，后来我在桌上放了一把菜刀，他就很少来了。</a:t>
-            </a:r>
+            <a:endParaRPr lang="zh-CN" altLang="en-US" dirty="0"/>
           </a:p>
         </p:txBody>
       </p:sp>
@@ -649,7 +673,7 @@
           <a:p>
             <a:fld id="{D7AFCA8C-653A-44A5-9E16-D6C2FB0350C5}" type="slidenum">
               <a:rPr lang="zh-CN" altLang="en-US" smtClean="0"/>
-              <a:t>12</a:t>
+              <a:t>10</a:t>
             </a:fld>
             <a:endParaRPr lang="zh-CN" altLang="en-US"/>
           </a:p>
@@ -658,7 +682,7 @@
     </p:spTree>
     <p:extLst>
       <p:ext uri="{BB962C8B-B14F-4D97-AF65-F5344CB8AC3E}">
-        <p14:creationId xmlns:p14="http://schemas.microsoft.com/office/powerpoint/2010/main" val="4068564447"/>
+        <p14:creationId xmlns:p14="http://schemas.microsoft.com/office/powerpoint/2010/main" val="1956680942"/>
       </p:ext>
     </p:extLst>
   </p:cSld>
@@ -712,7 +736,10 @@
           <a:bodyPr/>
           <a:lstStyle/>
           <a:p>
-            <a:endParaRPr lang="zh-CN" altLang="en-US" dirty="0"/>
+            <a:r>
+              <a:rPr lang="zh-CN" altLang="en-US" dirty="0"/>
+              <a:t>策划经常来找我改需求，后来我在桌上放了一把菜刀，他就很少来了。</a:t>
+            </a:r>
           </a:p>
         </p:txBody>
       </p:sp>
@@ -733,7 +760,7 @@
           <a:p>
             <a:fld id="{D7AFCA8C-653A-44A5-9E16-D6C2FB0350C5}" type="slidenum">
               <a:rPr lang="zh-CN" altLang="en-US" smtClean="0"/>
-              <a:t>13</a:t>
+              <a:t>12</a:t>
             </a:fld>
             <a:endParaRPr lang="zh-CN" altLang="en-US"/>
           </a:p>
@@ -742,7 +769,7 @@
     </p:spTree>
     <p:extLst>
       <p:ext uri="{BB962C8B-B14F-4D97-AF65-F5344CB8AC3E}">
-        <p14:creationId xmlns:p14="http://schemas.microsoft.com/office/powerpoint/2010/main" val="12006944"/>
+        <p14:creationId xmlns:p14="http://schemas.microsoft.com/office/powerpoint/2010/main" val="4068564447"/>
       </p:ext>
     </p:extLst>
   </p:cSld>
@@ -796,6 +823,90 @@
           <a:bodyPr/>
           <a:lstStyle/>
           <a:p>
+            <a:endParaRPr lang="zh-CN" altLang="en-US" dirty="0"/>
+          </a:p>
+        </p:txBody>
+      </p:sp>
+      <p:sp>
+        <p:nvSpPr>
+          <p:cNvPr id="4" name="灯片编号占位符 3"/>
+          <p:cNvSpPr>
+            <a:spLocks noGrp="1"/>
+          </p:cNvSpPr>
+          <p:nvPr>
+            <p:ph type="sldNum" sz="quarter" idx="10"/>
+          </p:nvPr>
+        </p:nvSpPr>
+        <p:spPr/>
+        <p:txBody>
+          <a:bodyPr/>
+          <a:lstStyle/>
+          <a:p>
+            <a:fld id="{D7AFCA8C-653A-44A5-9E16-D6C2FB0350C5}" type="slidenum">
+              <a:rPr lang="zh-CN" altLang="en-US" smtClean="0"/>
+              <a:t>13</a:t>
+            </a:fld>
+            <a:endParaRPr lang="zh-CN" altLang="en-US"/>
+          </a:p>
+        </p:txBody>
+      </p:sp>
+    </p:spTree>
+    <p:extLst>
+      <p:ext uri="{BB962C8B-B14F-4D97-AF65-F5344CB8AC3E}">
+        <p14:creationId xmlns:p14="http://schemas.microsoft.com/office/powerpoint/2010/main" val="12006944"/>
+      </p:ext>
+    </p:extLst>
+  </p:cSld>
+  <p:clrMapOvr>
+    <a:masterClrMapping/>
+  </p:clrMapOvr>
+</p:notes>
+</file>
+
+<file path=ppt/notesSlides/notesSlide5.xml><?xml version="1.0" encoding="utf-8"?>
+<p:notes xmlns:a="http://schemas.openxmlformats.org/drawingml/2006/main" xmlns:r="http://schemas.openxmlformats.org/officeDocument/2006/relationships" xmlns:p="http://schemas.openxmlformats.org/presentationml/2006/main">
+  <p:cSld>
+    <p:spTree>
+      <p:nvGrpSpPr>
+        <p:cNvPr id="1" name=""/>
+        <p:cNvGrpSpPr/>
+        <p:nvPr/>
+      </p:nvGrpSpPr>
+      <p:grpSpPr>
+        <a:xfrm>
+          <a:off x="0" y="0"/>
+          <a:ext cx="0" cy="0"/>
+          <a:chOff x="0" y="0"/>
+          <a:chExt cx="0" cy="0"/>
+        </a:xfrm>
+      </p:grpSpPr>
+      <p:sp>
+        <p:nvSpPr>
+          <p:cNvPr id="2" name="幻灯片图像占位符 1"/>
+          <p:cNvSpPr>
+            <a:spLocks noGrp="1" noRot="1" noChangeAspect="1"/>
+          </p:cNvSpPr>
+          <p:nvPr>
+            <p:ph type="sldImg"/>
+          </p:nvPr>
+        </p:nvSpPr>
+        <p:spPr/>
+      </p:sp>
+      <p:sp>
+        <p:nvSpPr>
+          <p:cNvPr id="3" name="备注占位符 2"/>
+          <p:cNvSpPr>
+            <a:spLocks noGrp="1"/>
+          </p:cNvSpPr>
+          <p:nvPr>
+            <p:ph type="body" idx="1"/>
+          </p:nvPr>
+        </p:nvSpPr>
+        <p:spPr/>
+        <p:txBody>
+          <a:bodyPr/>
+          <a:lstStyle/>
+          <a:p>
             <a:r>
               <a:rPr lang="zh-CN" altLang="en-US" dirty="0"/>
               <a:t>职业决定了思维模式，但并非不能改变</a:t>
@@ -843,7 +954,7 @@
 </p:notes>
 </file>
 
-<file path=ppt/notesSlides/notesSlide5.xml><?xml version="1.0" encoding="utf-8"?>
+<file path=ppt/notesSlides/notesSlide6.xml><?xml version="1.0" encoding="utf-8"?>
 <p:notes xmlns:a="http://schemas.openxmlformats.org/drawingml/2006/main" xmlns:r="http://schemas.openxmlformats.org/officeDocument/2006/relationships" xmlns:p="http://schemas.openxmlformats.org/presentationml/2006/main">
   <p:cSld>
     <p:spTree>
@@ -1138,7 +1249,7 @@
           <a:p>
             <a:fld id="{60BDFD96-2392-4D47-9522-C1D6768F6D40}" type="datetimeFigureOut">
               <a:rPr lang="zh-CN" altLang="en-US" smtClean="0"/>
-              <a:t>2018/3/6</a:t>
+              <a:t>2018/3/28</a:t>
             </a:fld>
             <a:endParaRPr lang="zh-CN" altLang="en-US"/>
           </a:p>
@@ -1308,7 +1419,7 @@
           <a:p>
             <a:fld id="{60BDFD96-2392-4D47-9522-C1D6768F6D40}" type="datetimeFigureOut">
               <a:rPr lang="zh-CN" altLang="en-US" smtClean="0"/>
-              <a:t>2018/3/6</a:t>
+              <a:t>2018/3/28</a:t>
             </a:fld>
             <a:endParaRPr lang="zh-CN" altLang="en-US"/>
           </a:p>
@@ -1488,7 +1599,7 @@
           <a:p>
             <a:fld id="{60BDFD96-2392-4D47-9522-C1D6768F6D40}" type="datetimeFigureOut">
               <a:rPr lang="zh-CN" altLang="en-US" smtClean="0"/>
-              <a:t>2018/3/6</a:t>
+              <a:t>2018/3/28</a:t>
             </a:fld>
             <a:endParaRPr lang="zh-CN" altLang="en-US"/>
           </a:p>
@@ -1734,7 +1845,7 @@
           <a:p>
             <a:fld id="{60BDFD96-2392-4D47-9522-C1D6768F6D40}" type="datetimeFigureOut">
               <a:rPr lang="zh-CN" altLang="en-US" smtClean="0"/>
-              <a:t>2018/3/6</a:t>
+              <a:t>2018/3/28</a:t>
             </a:fld>
             <a:endParaRPr lang="zh-CN" altLang="en-US"/>
           </a:p>
@@ -1904,7 +2015,7 @@
           <a:p>
             <a:fld id="{60BDFD96-2392-4D47-9522-C1D6768F6D40}" type="datetimeFigureOut">
               <a:rPr lang="zh-CN" altLang="en-US" smtClean="0"/>
-              <a:t>2018/3/6</a:t>
+              <a:t>2018/3/28</a:t>
             </a:fld>
             <a:endParaRPr lang="zh-CN" altLang="en-US"/>
           </a:p>
@@ -2148,7 +2259,7 @@
           <a:p>
             <a:fld id="{60BDFD96-2392-4D47-9522-C1D6768F6D40}" type="datetimeFigureOut">
               <a:rPr lang="zh-CN" altLang="en-US" smtClean="0"/>
-              <a:t>2018/3/6</a:t>
+              <a:t>2018/3/28</a:t>
             </a:fld>
             <a:endParaRPr lang="zh-CN" altLang="en-US"/>
           </a:p>
@@ -2384,7 +2495,7 @@
           <a:p>
             <a:fld id="{60BDFD96-2392-4D47-9522-C1D6768F6D40}" type="datetimeFigureOut">
               <a:rPr lang="zh-CN" altLang="en-US" smtClean="0"/>
-              <a:t>2018/3/6</a:t>
+              <a:t>2018/3/28</a:t>
             </a:fld>
             <a:endParaRPr lang="zh-CN" altLang="en-US"/>
           </a:p>
@@ -2850,7 +2961,7 @@
           <a:p>
             <a:fld id="{60BDFD96-2392-4D47-9522-C1D6768F6D40}" type="datetimeFigureOut">
               <a:rPr lang="zh-CN" altLang="en-US" smtClean="0"/>
-              <a:t>2018/3/6</a:t>
+              <a:t>2018/3/28</a:t>
             </a:fld>
             <a:endParaRPr lang="zh-CN" altLang="en-US"/>
           </a:p>
@@ -2968,7 +3079,7 @@
           <a:p>
             <a:fld id="{60BDFD96-2392-4D47-9522-C1D6768F6D40}" type="datetimeFigureOut">
               <a:rPr lang="zh-CN" altLang="en-US" smtClean="0"/>
-              <a:t>2018/3/6</a:t>
+              <a:t>2018/3/28</a:t>
             </a:fld>
             <a:endParaRPr lang="zh-CN" altLang="en-US"/>
           </a:p>
@@ -3063,7 +3174,7 @@
           <a:p>
             <a:fld id="{60BDFD96-2392-4D47-9522-C1D6768F6D40}" type="datetimeFigureOut">
               <a:rPr lang="zh-CN" altLang="en-US" smtClean="0"/>
-              <a:t>2018/3/6</a:t>
+              <a:t>2018/3/28</a:t>
             </a:fld>
             <a:endParaRPr lang="zh-CN" altLang="en-US"/>
           </a:p>
@@ -3318,7 +3429,7 @@
           <a:p>
             <a:fld id="{60BDFD96-2392-4D47-9522-C1D6768F6D40}" type="datetimeFigureOut">
               <a:rPr lang="zh-CN" altLang="en-US" smtClean="0"/>
-              <a:t>2018/3/6</a:t>
+              <a:t>2018/3/28</a:t>
             </a:fld>
             <a:endParaRPr lang="zh-CN" altLang="en-US"/>
           </a:p>
@@ -3488,7 +3599,7 @@
           <a:p>
             <a:fld id="{60BDFD96-2392-4D47-9522-C1D6768F6D40}" type="datetimeFigureOut">
               <a:rPr lang="zh-CN" altLang="en-US" smtClean="0"/>
-              <a:t>2018/3/6</a:t>
+              <a:t>2018/3/28</a:t>
             </a:fld>
             <a:endParaRPr lang="zh-CN" altLang="en-US"/>
           </a:p>
@@ -3788,7 +3899,7 @@
           <a:p>
             <a:fld id="{60BDFD96-2392-4D47-9522-C1D6768F6D40}" type="datetimeFigureOut">
               <a:rPr lang="zh-CN" altLang="en-US" smtClean="0"/>
-              <a:t>2018/3/6</a:t>
+              <a:t>2018/3/28</a:t>
             </a:fld>
             <a:endParaRPr lang="zh-CN" altLang="en-US"/>
           </a:p>
@@ -4086,7 +4197,7 @@
           <a:p>
             <a:fld id="{60BDFD96-2392-4D47-9522-C1D6768F6D40}" type="datetimeFigureOut">
               <a:rPr lang="zh-CN" altLang="en-US" smtClean="0"/>
-              <a:t>2018/3/6</a:t>
+              <a:t>2018/3/28</a:t>
             </a:fld>
             <a:endParaRPr lang="zh-CN" altLang="en-US"/>
           </a:p>
@@ -4278,7 +4389,7 @@
           <a:p>
             <a:fld id="{60BDFD96-2392-4D47-9522-C1D6768F6D40}" type="datetimeFigureOut">
               <a:rPr lang="zh-CN" altLang="en-US" smtClean="0"/>
-              <a:t>2018/3/6</a:t>
+              <a:t>2018/3/28</a:t>
             </a:fld>
             <a:endParaRPr lang="zh-CN" altLang="en-US"/>
           </a:p>
@@ -4539,7 +4650,7 @@
           <a:p>
             <a:fld id="{60BDFD96-2392-4D47-9522-C1D6768F6D40}" type="datetimeFigureOut">
               <a:rPr lang="zh-CN" altLang="en-US" smtClean="0"/>
-              <a:t>2018/3/6</a:t>
+              <a:t>2018/3/28</a:t>
             </a:fld>
             <a:endParaRPr lang="zh-CN" altLang="en-US"/>
           </a:p>
@@ -4963,7 +5074,7 @@
           <a:p>
             <a:fld id="{60BDFD96-2392-4D47-9522-C1D6768F6D40}" type="datetimeFigureOut">
               <a:rPr lang="zh-CN" altLang="en-US" smtClean="0"/>
-              <a:t>2018/3/6</a:t>
+              <a:t>2018/3/28</a:t>
             </a:fld>
             <a:endParaRPr lang="zh-CN" altLang="en-US"/>
           </a:p>
@@ -5500,7 +5611,7 @@
           <a:p>
             <a:fld id="{60BDFD96-2392-4D47-9522-C1D6768F6D40}" type="datetimeFigureOut">
               <a:rPr lang="zh-CN" altLang="en-US" smtClean="0"/>
-              <a:t>2018/3/6</a:t>
+              <a:t>2018/3/28</a:t>
             </a:fld>
             <a:endParaRPr lang="zh-CN" altLang="en-US"/>
           </a:p>
@@ -6364,7 +6475,7 @@
           <a:p>
             <a:fld id="{60BDFD96-2392-4D47-9522-C1D6768F6D40}" type="datetimeFigureOut">
               <a:rPr lang="zh-CN" altLang="en-US" smtClean="0"/>
-              <a:t>2018/3/6</a:t>
+              <a:t>2018/3/28</a:t>
             </a:fld>
             <a:endParaRPr lang="zh-CN" altLang="en-US"/>
           </a:p>
@@ -6534,7 +6645,7 @@
           <a:p>
             <a:fld id="{60BDFD96-2392-4D47-9522-C1D6768F6D40}" type="datetimeFigureOut">
               <a:rPr lang="zh-CN" altLang="en-US" smtClean="0"/>
-              <a:t>2018/3/6</a:t>
+              <a:t>2018/3/28</a:t>
             </a:fld>
             <a:endParaRPr lang="zh-CN" altLang="en-US"/>
           </a:p>
@@ -6718,7 +6829,7 @@
           <a:p>
             <a:fld id="{60BDFD96-2392-4D47-9522-C1D6768F6D40}" type="datetimeFigureOut">
               <a:rPr lang="zh-CN" altLang="en-US" smtClean="0"/>
-              <a:t>2018/3/6</a:t>
+              <a:t>2018/3/28</a:t>
             </a:fld>
             <a:endParaRPr lang="zh-CN" altLang="en-US"/>
           </a:p>
@@ -6969,7 +7080,7 @@
           <a:p>
             <a:fld id="{60BDFD96-2392-4D47-9522-C1D6768F6D40}" type="datetimeFigureOut">
               <a:rPr lang="zh-CN" altLang="en-US" smtClean="0"/>
-              <a:t>2018/3/6</a:t>
+              <a:t>2018/3/28</a:t>
             </a:fld>
             <a:endParaRPr lang="zh-CN" altLang="en-US"/>
           </a:p>
@@ -7201,7 +7312,7 @@
           <a:p>
             <a:fld id="{60BDFD96-2392-4D47-9522-C1D6768F6D40}" type="datetimeFigureOut">
               <a:rPr lang="zh-CN" altLang="en-US" smtClean="0"/>
-              <a:t>2018/3/6</a:t>
+              <a:t>2018/3/28</a:t>
             </a:fld>
             <a:endParaRPr lang="zh-CN" altLang="en-US"/>
           </a:p>
@@ -7548,7 +7659,7 @@
           <a:p>
             <a:fld id="{60BDFD96-2392-4D47-9522-C1D6768F6D40}" type="datetimeFigureOut">
               <a:rPr lang="zh-CN" altLang="en-US" smtClean="0"/>
-              <a:t>2018/3/6</a:t>
+              <a:t>2018/3/28</a:t>
             </a:fld>
             <a:endParaRPr lang="zh-CN" altLang="en-US"/>
           </a:p>
@@ -7666,7 +7777,7 @@
           <a:p>
             <a:fld id="{60BDFD96-2392-4D47-9522-C1D6768F6D40}" type="datetimeFigureOut">
               <a:rPr lang="zh-CN" altLang="en-US" smtClean="0"/>
-              <a:t>2018/3/6</a:t>
+              <a:t>2018/3/28</a:t>
             </a:fld>
             <a:endParaRPr lang="zh-CN" altLang="en-US"/>
           </a:p>
@@ -7784,7 +7895,7 @@
           <a:p>
             <a:fld id="{60BDFD96-2392-4D47-9522-C1D6768F6D40}" type="datetimeFigureOut">
               <a:rPr lang="zh-CN" altLang="en-US" smtClean="0"/>
-              <a:t>2018/3/6</a:t>
+              <a:t>2018/3/28</a:t>
             </a:fld>
             <a:endParaRPr lang="zh-CN" altLang="en-US"/>
           </a:p>
@@ -8068,7 +8179,7 @@
           <a:p>
             <a:fld id="{60BDFD96-2392-4D47-9522-C1D6768F6D40}" type="datetimeFigureOut">
               <a:rPr lang="zh-CN" altLang="en-US" smtClean="0"/>
-              <a:t>2018/3/6</a:t>
+              <a:t>2018/3/28</a:t>
             </a:fld>
             <a:endParaRPr lang="zh-CN" altLang="en-US"/>
           </a:p>
@@ -8332,7 +8443,7 @@
           <a:p>
             <a:fld id="{60BDFD96-2392-4D47-9522-C1D6768F6D40}" type="datetimeFigureOut">
               <a:rPr lang="zh-CN" altLang="en-US" smtClean="0"/>
-              <a:t>2018/3/6</a:t>
+              <a:t>2018/3/28</a:t>
             </a:fld>
             <a:endParaRPr lang="zh-CN" altLang="en-US"/>
           </a:p>
@@ -8546,7 +8657,7 @@
           <a:p>
             <a:fld id="{60BDFD96-2392-4D47-9522-C1D6768F6D40}" type="datetimeFigureOut">
               <a:rPr lang="zh-CN" altLang="en-US" smtClean="0"/>
-              <a:t>2018/3/6</a:t>
+              <a:t>2018/3/28</a:t>
             </a:fld>
             <a:endParaRPr lang="zh-CN" altLang="en-US"/>
           </a:p>
@@ -9096,7 +9207,7 @@
           <a:p>
             <a:fld id="{60BDFD96-2392-4D47-9522-C1D6768F6D40}" type="datetimeFigureOut">
               <a:rPr lang="zh-CN" altLang="en-US" smtClean="0"/>
-              <a:t>2018/3/6</a:t>
+              <a:t>2018/3/28</a:t>
             </a:fld>
             <a:endParaRPr lang="zh-CN" altLang="en-US"/>
           </a:p>
@@ -9775,7 +9886,7 @@
           <p:cNvPr id="2" name="标题 1">
             <a:extLst>
               <a:ext uri="{FF2B5EF4-FFF2-40B4-BE49-F238E27FC236}">
-                <a16:creationId xmlns:a16="http://schemas.microsoft.com/office/drawing/2014/main" id="{DE192593-632E-47C1-A166-DCCB2A62409D}"/>
+                <a16:creationId xmlns:a16="http://schemas.microsoft.com/office/drawing/2014/main" xmlns="" id="{DE192593-632E-47C1-A166-DCCB2A62409D}"/>
               </a:ext>
             </a:extLst>
           </p:cNvPr>
@@ -9803,7 +9914,7 @@
           <p:cNvPr id="3" name="副标题 2">
             <a:extLst>
               <a:ext uri="{FF2B5EF4-FFF2-40B4-BE49-F238E27FC236}">
-                <a16:creationId xmlns:a16="http://schemas.microsoft.com/office/drawing/2014/main" id="{56945AB3-8932-435C-BE58-45169ED00641}"/>
+                <a16:creationId xmlns:a16="http://schemas.microsoft.com/office/drawing/2014/main" xmlns="" id="{56945AB3-8932-435C-BE58-45169ED00641}"/>
               </a:ext>
             </a:extLst>
           </p:cNvPr>
@@ -9861,7 +9972,7 @@
           <p:cNvPr id="5" name="文本框 4">
             <a:extLst>
               <a:ext uri="{FF2B5EF4-FFF2-40B4-BE49-F238E27FC236}">
-                <a16:creationId xmlns:a16="http://schemas.microsoft.com/office/drawing/2014/main" id="{3C0B4D1D-86DD-4391-89AE-BF62427E46BB}"/>
+                <a16:creationId xmlns:a16="http://schemas.microsoft.com/office/drawing/2014/main" xmlns="" id="{3C0B4D1D-86DD-4391-89AE-BF62427E46BB}"/>
               </a:ext>
             </a:extLst>
           </p:cNvPr>
@@ -10502,7 +10613,7 @@
           <p:cNvPr id="5" name="文本框 1">
             <a:extLst>
               <a:ext uri="{FF2B5EF4-FFF2-40B4-BE49-F238E27FC236}">
-                <a16:creationId xmlns:a16="http://schemas.microsoft.com/office/drawing/2014/main" id="{5261A141-7230-40E8-A699-D2D33BA51583}"/>
+                <a16:creationId xmlns:a16="http://schemas.microsoft.com/office/drawing/2014/main" xmlns="" id="{5261A141-7230-40E8-A699-D2D33BA51583}"/>
               </a:ext>
             </a:extLst>
           </p:cNvPr>
@@ -10567,7 +10678,7 @@
           <p:cNvPr id="2" name="标题 1">
             <a:extLst>
               <a:ext uri="{FF2B5EF4-FFF2-40B4-BE49-F238E27FC236}">
-                <a16:creationId xmlns:a16="http://schemas.microsoft.com/office/drawing/2014/main" id="{846D61D0-AFD6-4250-874E-918DD76C3EAB}"/>
+                <a16:creationId xmlns:a16="http://schemas.microsoft.com/office/drawing/2014/main" xmlns="" id="{846D61D0-AFD6-4250-874E-918DD76C3EAB}"/>
               </a:ext>
             </a:extLst>
           </p:cNvPr>
@@ -10595,7 +10706,7 @@
           <p:cNvPr id="3" name="内容占位符 2">
             <a:extLst>
               <a:ext uri="{FF2B5EF4-FFF2-40B4-BE49-F238E27FC236}">
-                <a16:creationId xmlns:a16="http://schemas.microsoft.com/office/drawing/2014/main" id="{FE8098ED-F60E-4B9A-B169-EFBFE07012F8}"/>
+                <a16:creationId xmlns:a16="http://schemas.microsoft.com/office/drawing/2014/main" xmlns="" id="{FE8098ED-F60E-4B9A-B169-EFBFE07012F8}"/>
               </a:ext>
             </a:extLst>
           </p:cNvPr>
@@ -10655,7 +10766,7 @@
           <p:cNvPr id="4" name="内容占位符 3">
             <a:extLst>
               <a:ext uri="{FF2B5EF4-FFF2-40B4-BE49-F238E27FC236}">
-                <a16:creationId xmlns:a16="http://schemas.microsoft.com/office/drawing/2014/main" id="{514426A8-828C-4F81-AAC5-E2BAB60F5E5B}"/>
+                <a16:creationId xmlns:a16="http://schemas.microsoft.com/office/drawing/2014/main" xmlns="" id="{514426A8-828C-4F81-AAC5-E2BAB60F5E5B}"/>
               </a:ext>
             </a:extLst>
           </p:cNvPr>
@@ -10753,7 +10864,7 @@
           <p:cNvPr id="5" name="标题 4">
             <a:extLst>
               <a:ext uri="{FF2B5EF4-FFF2-40B4-BE49-F238E27FC236}">
-                <a16:creationId xmlns:a16="http://schemas.microsoft.com/office/drawing/2014/main" id="{587FFA59-94C9-4D15-93BA-7ED0E7A88C7C}"/>
+                <a16:creationId xmlns:a16="http://schemas.microsoft.com/office/drawing/2014/main" xmlns="" id="{587FFA59-94C9-4D15-93BA-7ED0E7A88C7C}"/>
               </a:ext>
             </a:extLst>
           </p:cNvPr>
@@ -10781,7 +10892,7 @@
           <p:cNvPr id="6" name="内容占位符 5">
             <a:extLst>
               <a:ext uri="{FF2B5EF4-FFF2-40B4-BE49-F238E27FC236}">
-                <a16:creationId xmlns:a16="http://schemas.microsoft.com/office/drawing/2014/main" id="{1859B97A-0081-4060-BB81-EBE973B22717}"/>
+                <a16:creationId xmlns:a16="http://schemas.microsoft.com/office/drawing/2014/main" xmlns="" id="{1859B97A-0081-4060-BB81-EBE973B22717}"/>
               </a:ext>
             </a:extLst>
           </p:cNvPr>
@@ -10869,7 +10980,7 @@
           <p:cNvPr id="7" name="内容占位符 6">
             <a:extLst>
               <a:ext uri="{FF2B5EF4-FFF2-40B4-BE49-F238E27FC236}">
-                <a16:creationId xmlns:a16="http://schemas.microsoft.com/office/drawing/2014/main" id="{E235890A-0B77-406D-A8FE-DF3634EF22EE}"/>
+                <a16:creationId xmlns:a16="http://schemas.microsoft.com/office/drawing/2014/main" xmlns="" id="{E235890A-0B77-406D-A8FE-DF3634EF22EE}"/>
               </a:ext>
             </a:extLst>
           </p:cNvPr>
@@ -10955,7 +11066,7 @@
           <p:cNvPr id="2" name="文本框 1">
             <a:extLst>
               <a:ext uri="{FF2B5EF4-FFF2-40B4-BE49-F238E27FC236}">
-                <a16:creationId xmlns:a16="http://schemas.microsoft.com/office/drawing/2014/main" id="{5261A141-7230-40E8-A699-D2D33BA51583}"/>
+                <a16:creationId xmlns:a16="http://schemas.microsoft.com/office/drawing/2014/main" xmlns="" id="{5261A141-7230-40E8-A699-D2D33BA51583}"/>
               </a:ext>
             </a:extLst>
           </p:cNvPr>
@@ -11020,7 +11131,7 @@
           <p:cNvPr id="2" name="标题 1">
             <a:extLst>
               <a:ext uri="{FF2B5EF4-FFF2-40B4-BE49-F238E27FC236}">
-                <a16:creationId xmlns:a16="http://schemas.microsoft.com/office/drawing/2014/main" id="{E6E35436-3C11-480B-B4B1-8CDFFED54E14}"/>
+                <a16:creationId xmlns:a16="http://schemas.microsoft.com/office/drawing/2014/main" xmlns="" id="{E6E35436-3C11-480B-B4B1-8CDFFED54E14}"/>
               </a:ext>
             </a:extLst>
           </p:cNvPr>
@@ -11048,7 +11159,7 @@
           <p:cNvPr id="3" name="内容占位符 2">
             <a:extLst>
               <a:ext uri="{FF2B5EF4-FFF2-40B4-BE49-F238E27FC236}">
-                <a16:creationId xmlns:a16="http://schemas.microsoft.com/office/drawing/2014/main" id="{B1670B31-C035-463A-A30F-60DBAF8EE691}"/>
+                <a16:creationId xmlns:a16="http://schemas.microsoft.com/office/drawing/2014/main" xmlns="" id="{B1670B31-C035-463A-A30F-60DBAF8EE691}"/>
               </a:ext>
             </a:extLst>
           </p:cNvPr>
@@ -11105,7 +11216,7 @@
           <p:cNvPr id="4" name="文本占位符 3">
             <a:extLst>
               <a:ext uri="{FF2B5EF4-FFF2-40B4-BE49-F238E27FC236}">
-                <a16:creationId xmlns:a16="http://schemas.microsoft.com/office/drawing/2014/main" id="{ABD6375E-73AB-4AC6-8290-9FA7CC5189B5}"/>
+                <a16:creationId xmlns:a16="http://schemas.microsoft.com/office/drawing/2014/main" xmlns="" id="{ABD6375E-73AB-4AC6-8290-9FA7CC5189B5}"/>
               </a:ext>
             </a:extLst>
           </p:cNvPr>
@@ -11171,7 +11282,7 @@
           <p:cNvPr id="4" name="文本框 3">
             <a:extLst>
               <a:ext uri="{FF2B5EF4-FFF2-40B4-BE49-F238E27FC236}">
-                <a16:creationId xmlns:a16="http://schemas.microsoft.com/office/drawing/2014/main" id="{16D9F628-37B2-432F-810A-05BFFD0C84B8}"/>
+                <a16:creationId xmlns:a16="http://schemas.microsoft.com/office/drawing/2014/main" xmlns="" id="{16D9F628-37B2-432F-810A-05BFFD0C84B8}"/>
               </a:ext>
             </a:extLst>
           </p:cNvPr>
@@ -11236,7 +11347,7 @@
           <p:cNvPr id="2" name="标题 1">
             <a:extLst>
               <a:ext uri="{FF2B5EF4-FFF2-40B4-BE49-F238E27FC236}">
-                <a16:creationId xmlns:a16="http://schemas.microsoft.com/office/drawing/2014/main" id="{14F04749-3BB8-40CC-BA06-AC81A2356B1A}"/>
+                <a16:creationId xmlns:a16="http://schemas.microsoft.com/office/drawing/2014/main" xmlns="" id="{14F04749-3BB8-40CC-BA06-AC81A2356B1A}"/>
               </a:ext>
             </a:extLst>
           </p:cNvPr>
@@ -11264,7 +11375,7 @@
           <p:cNvPr id="3" name="图片占位符 2">
             <a:extLst>
               <a:ext uri="{FF2B5EF4-FFF2-40B4-BE49-F238E27FC236}">
-                <a16:creationId xmlns:a16="http://schemas.microsoft.com/office/drawing/2014/main" id="{523E5D28-E520-40A6-B0D3-0BC8644EE865}"/>
+                <a16:creationId xmlns:a16="http://schemas.microsoft.com/office/drawing/2014/main" xmlns="" id="{523E5D28-E520-40A6-B0D3-0BC8644EE865}"/>
               </a:ext>
             </a:extLst>
           </p:cNvPr>
@@ -11282,7 +11393,7 @@
           <p:cNvPr id="4" name="文本占位符 3">
             <a:extLst>
               <a:ext uri="{FF2B5EF4-FFF2-40B4-BE49-F238E27FC236}">
-                <a16:creationId xmlns:a16="http://schemas.microsoft.com/office/drawing/2014/main" id="{5D4C05CC-86D3-4D42-B71F-0AC6D6AD4A75}"/>
+                <a16:creationId xmlns:a16="http://schemas.microsoft.com/office/drawing/2014/main" xmlns="" id="{5D4C05CC-86D3-4D42-B71F-0AC6D6AD4A75}"/>
               </a:ext>
             </a:extLst>
           </p:cNvPr>
@@ -11366,7 +11477,7 @@
           <p:cNvPr id="2" name="标题 1">
             <a:extLst>
               <a:ext uri="{FF2B5EF4-FFF2-40B4-BE49-F238E27FC236}">
-                <a16:creationId xmlns:a16="http://schemas.microsoft.com/office/drawing/2014/main" id="{385B3852-EECB-4789-BEDA-C34CC6B09261}"/>
+                <a16:creationId xmlns:a16="http://schemas.microsoft.com/office/drawing/2014/main" xmlns="" id="{385B3852-EECB-4789-BEDA-C34CC6B09261}"/>
               </a:ext>
             </a:extLst>
           </p:cNvPr>
@@ -11394,7 +11505,7 @@
           <p:cNvPr id="3" name="图片占位符 2">
             <a:extLst>
               <a:ext uri="{FF2B5EF4-FFF2-40B4-BE49-F238E27FC236}">
-                <a16:creationId xmlns:a16="http://schemas.microsoft.com/office/drawing/2014/main" id="{5D6DFC47-0CDB-4C57-B7DB-380F93052D90}"/>
+                <a16:creationId xmlns:a16="http://schemas.microsoft.com/office/drawing/2014/main" xmlns="" id="{5D6DFC47-0CDB-4C57-B7DB-380F93052D90}"/>
               </a:ext>
             </a:extLst>
           </p:cNvPr>
@@ -11412,7 +11523,7 @@
           <p:cNvPr id="4" name="文本占位符 3">
             <a:extLst>
               <a:ext uri="{FF2B5EF4-FFF2-40B4-BE49-F238E27FC236}">
-                <a16:creationId xmlns:a16="http://schemas.microsoft.com/office/drawing/2014/main" id="{0C7E6FF7-A906-4D0B-8547-BD2906E9283B}"/>
+                <a16:creationId xmlns:a16="http://schemas.microsoft.com/office/drawing/2014/main" xmlns="" id="{0C7E6FF7-A906-4D0B-8547-BD2906E9283B}"/>
               </a:ext>
             </a:extLst>
           </p:cNvPr>
@@ -11537,7 +11648,7 @@
           <p:cNvPr id="2" name="标题 1">
             <a:extLst>
               <a:ext uri="{FF2B5EF4-FFF2-40B4-BE49-F238E27FC236}">
-                <a16:creationId xmlns:a16="http://schemas.microsoft.com/office/drawing/2014/main" id="{11F64D8F-4759-4B48-8007-A0DC0BA2A45F}"/>
+                <a16:creationId xmlns:a16="http://schemas.microsoft.com/office/drawing/2014/main" xmlns="" id="{11F64D8F-4759-4B48-8007-A0DC0BA2A45F}"/>
               </a:ext>
             </a:extLst>
           </p:cNvPr>
@@ -11565,7 +11676,7 @@
           <p:cNvPr id="3" name="图片占位符 2">
             <a:extLst>
               <a:ext uri="{FF2B5EF4-FFF2-40B4-BE49-F238E27FC236}">
-                <a16:creationId xmlns:a16="http://schemas.microsoft.com/office/drawing/2014/main" id="{B483041A-FC67-4A43-B3AF-D0976EAA9F3D}"/>
+                <a16:creationId xmlns:a16="http://schemas.microsoft.com/office/drawing/2014/main" xmlns="" id="{B483041A-FC67-4A43-B3AF-D0976EAA9F3D}"/>
               </a:ext>
             </a:extLst>
           </p:cNvPr>
@@ -11583,7 +11694,7 @@
           <p:cNvPr id="4" name="文本占位符 3">
             <a:extLst>
               <a:ext uri="{FF2B5EF4-FFF2-40B4-BE49-F238E27FC236}">
-                <a16:creationId xmlns:a16="http://schemas.microsoft.com/office/drawing/2014/main" id="{3D136BE4-AB4E-430F-B1E6-D20639ACC80D}"/>
+                <a16:creationId xmlns:a16="http://schemas.microsoft.com/office/drawing/2014/main" xmlns="" id="{3D136BE4-AB4E-430F-B1E6-D20639ACC80D}"/>
               </a:ext>
             </a:extLst>
           </p:cNvPr>
@@ -11689,7 +11800,7 @@
           <p:cNvPr id="4" name="标题 3">
             <a:extLst>
               <a:ext uri="{FF2B5EF4-FFF2-40B4-BE49-F238E27FC236}">
-                <a16:creationId xmlns:a16="http://schemas.microsoft.com/office/drawing/2014/main" id="{A48363A1-1181-4F39-AC63-0BB242B048CA}"/>
+                <a16:creationId xmlns:a16="http://schemas.microsoft.com/office/drawing/2014/main" xmlns="" id="{A48363A1-1181-4F39-AC63-0BB242B048CA}"/>
               </a:ext>
             </a:extLst>
           </p:cNvPr>
@@ -11747,7 +11858,7 @@
           <p:cNvPr id="4" name="标题 3">
             <a:extLst>
               <a:ext uri="{FF2B5EF4-FFF2-40B4-BE49-F238E27FC236}">
-                <a16:creationId xmlns:a16="http://schemas.microsoft.com/office/drawing/2014/main" id="{39A90F77-C65A-4BCA-BBCB-01128AB93FC9}"/>
+                <a16:creationId xmlns:a16="http://schemas.microsoft.com/office/drawing/2014/main" xmlns="" id="{39A90F77-C65A-4BCA-BBCB-01128AB93FC9}"/>
               </a:ext>
             </a:extLst>
           </p:cNvPr>
@@ -11780,7 +11891,7 @@
           <p:cNvPr id="5" name="文本占位符 4">
             <a:extLst>
               <a:ext uri="{FF2B5EF4-FFF2-40B4-BE49-F238E27FC236}">
-                <a16:creationId xmlns:a16="http://schemas.microsoft.com/office/drawing/2014/main" id="{DC866DC3-DD40-4057-BF88-5EED8435A112}"/>
+                <a16:creationId xmlns:a16="http://schemas.microsoft.com/office/drawing/2014/main" xmlns="" id="{DC866DC3-DD40-4057-BF88-5EED8435A112}"/>
               </a:ext>
             </a:extLst>
           </p:cNvPr>
@@ -11864,7 +11975,7 @@
           <p:cNvPr id="2" name="标题 1">
             <a:extLst>
               <a:ext uri="{FF2B5EF4-FFF2-40B4-BE49-F238E27FC236}">
-                <a16:creationId xmlns:a16="http://schemas.microsoft.com/office/drawing/2014/main" id="{315C1B9A-FDFD-47D0-8AAE-3127531E205B}"/>
+                <a16:creationId xmlns:a16="http://schemas.microsoft.com/office/drawing/2014/main" xmlns="" id="{315C1B9A-FDFD-47D0-8AAE-3127531E205B}"/>
               </a:ext>
             </a:extLst>
           </p:cNvPr>
@@ -11897,7 +12008,7 @@
           <p:cNvPr id="3" name="文本占位符 2">
             <a:extLst>
               <a:ext uri="{FF2B5EF4-FFF2-40B4-BE49-F238E27FC236}">
-                <a16:creationId xmlns:a16="http://schemas.microsoft.com/office/drawing/2014/main" id="{0C21F3BF-64A7-4322-B435-FD630389F9AE}"/>
+                <a16:creationId xmlns:a16="http://schemas.microsoft.com/office/drawing/2014/main" xmlns="" id="{0C21F3BF-64A7-4322-B435-FD630389F9AE}"/>
               </a:ext>
             </a:extLst>
           </p:cNvPr>
@@ -11925,6 +12036,28 @@
             <a:endParaRPr lang="en-US" altLang="zh-CN" dirty="0"/>
           </a:p>
           <a:p>
+            <a:endParaRPr lang="en-US" altLang="zh-CN" dirty="0">
+              <a:effectLst/>
+            </a:endParaRPr>
+          </a:p>
+          <a:p>
+            <a:r>
+              <a:rPr lang="en-US" altLang="zh-CN" dirty="0" smtClean="0">
+                <a:solidFill>
+                  <a:srgbClr val="FF0000"/>
+                </a:solidFill>
+              </a:rPr>
+              <a:t>2901141013063308093128230804</a:t>
+            </a:r>
+          </a:p>
+          <a:p>
+            <a:endParaRPr lang="en-US" altLang="zh-CN" dirty="0">
+              <a:solidFill>
+                <a:srgbClr val="FF0000"/>
+              </a:solidFill>
+            </a:endParaRPr>
+          </a:p>
+          <a:p>
             <a:r>
               <a:rPr lang="en-US" altLang="zh-CN" dirty="0"/>
               <a:t>Tips</a:t>
@@ -11942,23 +12075,10 @@
           </a:p>
           <a:p>
             <a:endParaRPr lang="en-US" altLang="zh-CN" dirty="0">
-              <a:effectLst/>
+              <a:solidFill>
+                <a:srgbClr val="FF0000"/>
+              </a:solidFill>
             </a:endParaRPr>
-          </a:p>
-          <a:p>
-            <a:endParaRPr lang="en-US" altLang="zh-CN" dirty="0">
-              <a:effectLst/>
-            </a:endParaRPr>
-          </a:p>
-          <a:p>
-            <a:r>
-              <a:rPr lang="en-US" altLang="zh-CN" dirty="0">
-                <a:solidFill>
-                  <a:srgbClr val="FF0000"/>
-                </a:solidFill>
-              </a:rPr>
-              <a:t>29011410013063308093128230804</a:t>
-            </a:r>
           </a:p>
         </p:txBody>
       </p:sp>
@@ -11997,7 +12117,7 @@
           <p:cNvPr id="4" name="标题 3">
             <a:extLst>
               <a:ext uri="{FF2B5EF4-FFF2-40B4-BE49-F238E27FC236}">
-                <a16:creationId xmlns:a16="http://schemas.microsoft.com/office/drawing/2014/main" id="{902E18F5-1916-4E11-BC81-985FCC1CE581}"/>
+                <a16:creationId xmlns:a16="http://schemas.microsoft.com/office/drawing/2014/main" xmlns="" id="{902E18F5-1916-4E11-BC81-985FCC1CE581}"/>
               </a:ext>
             </a:extLst>
           </p:cNvPr>
@@ -12025,7 +12145,7 @@
           <p:cNvPr id="6" name="文本占位符 5">
             <a:extLst>
               <a:ext uri="{FF2B5EF4-FFF2-40B4-BE49-F238E27FC236}">
-                <a16:creationId xmlns:a16="http://schemas.microsoft.com/office/drawing/2014/main" id="{9BA656FB-BF99-46CD-8CC5-3406529170D6}"/>
+                <a16:creationId xmlns:a16="http://schemas.microsoft.com/office/drawing/2014/main" xmlns="" id="{9BA656FB-BF99-46CD-8CC5-3406529170D6}"/>
               </a:ext>
             </a:extLst>
           </p:cNvPr>
@@ -12083,7 +12203,7 @@
           <p:cNvPr id="28" name="组合 27">
             <a:extLst>
               <a:ext uri="{FF2B5EF4-FFF2-40B4-BE49-F238E27FC236}">
-                <a16:creationId xmlns:a16="http://schemas.microsoft.com/office/drawing/2014/main" id="{EBE9CD1D-9362-4FD9-9212-5B69C9667FF8}"/>
+                <a16:creationId xmlns:a16="http://schemas.microsoft.com/office/drawing/2014/main" xmlns="" id="{EBE9CD1D-9362-4FD9-9212-5B69C9667FF8}"/>
               </a:ext>
             </a:extLst>
           </p:cNvPr>
@@ -12103,7 +12223,7 @@
             <p:cNvPr id="7" name="矩形: 圆角 6">
               <a:extLst>
                 <a:ext uri="{FF2B5EF4-FFF2-40B4-BE49-F238E27FC236}">
-                  <a16:creationId xmlns:a16="http://schemas.microsoft.com/office/drawing/2014/main" id="{FDE1D686-83C8-4A17-9316-94F74941124D}"/>
+                  <a16:creationId xmlns:a16="http://schemas.microsoft.com/office/drawing/2014/main" xmlns="" id="{FDE1D686-83C8-4A17-9316-94F74941124D}"/>
                 </a:ext>
               </a:extLst>
             </p:cNvPr>
@@ -12155,7 +12275,7 @@
             <p:cNvPr id="9" name="矩形: 圆角 8">
               <a:extLst>
                 <a:ext uri="{FF2B5EF4-FFF2-40B4-BE49-F238E27FC236}">
-                  <a16:creationId xmlns:a16="http://schemas.microsoft.com/office/drawing/2014/main" id="{A1EE7E5A-5627-47BB-B6E6-712FDCFF7B10}"/>
+                  <a16:creationId xmlns:a16="http://schemas.microsoft.com/office/drawing/2014/main" xmlns="" id="{A1EE7E5A-5627-47BB-B6E6-712FDCFF7B10}"/>
                 </a:ext>
               </a:extLst>
             </p:cNvPr>
@@ -12207,7 +12327,7 @@
             <p:cNvPr id="10" name="矩形: 圆角 9">
               <a:extLst>
                 <a:ext uri="{FF2B5EF4-FFF2-40B4-BE49-F238E27FC236}">
-                  <a16:creationId xmlns:a16="http://schemas.microsoft.com/office/drawing/2014/main" id="{33E5B558-870B-45DD-849A-B710F59C13B6}"/>
+                  <a16:creationId xmlns:a16="http://schemas.microsoft.com/office/drawing/2014/main" xmlns="" id="{33E5B558-870B-45DD-849A-B710F59C13B6}"/>
                 </a:ext>
               </a:extLst>
             </p:cNvPr>
@@ -12259,7 +12379,7 @@
             <p:cNvPr id="11" name="矩形: 圆角 10">
               <a:extLst>
                 <a:ext uri="{FF2B5EF4-FFF2-40B4-BE49-F238E27FC236}">
-                  <a16:creationId xmlns:a16="http://schemas.microsoft.com/office/drawing/2014/main" id="{22641E9A-13EE-461A-BE33-B5010E9B23B5}"/>
+                  <a16:creationId xmlns:a16="http://schemas.microsoft.com/office/drawing/2014/main" xmlns="" id="{22641E9A-13EE-461A-BE33-B5010E9B23B5}"/>
                 </a:ext>
               </a:extLst>
             </p:cNvPr>
@@ -12311,7 +12431,7 @@
             <p:cNvPr id="12" name="箭头: 下 11">
               <a:extLst>
                 <a:ext uri="{FF2B5EF4-FFF2-40B4-BE49-F238E27FC236}">
-                  <a16:creationId xmlns:a16="http://schemas.microsoft.com/office/drawing/2014/main" id="{58E04EB8-FE8B-4740-A7E8-973A4B8E0A24}"/>
+                  <a16:creationId xmlns:a16="http://schemas.microsoft.com/office/drawing/2014/main" xmlns="" id="{58E04EB8-FE8B-4740-A7E8-973A4B8E0A24}"/>
                 </a:ext>
               </a:extLst>
             </p:cNvPr>
@@ -12357,7 +12477,7 @@
             <p:cNvPr id="13" name="箭头: 下 12">
               <a:extLst>
                 <a:ext uri="{FF2B5EF4-FFF2-40B4-BE49-F238E27FC236}">
-                  <a16:creationId xmlns:a16="http://schemas.microsoft.com/office/drawing/2014/main" id="{B7F87402-0142-4792-886F-9B55ECCE6D3E}"/>
+                  <a16:creationId xmlns:a16="http://schemas.microsoft.com/office/drawing/2014/main" xmlns="" id="{B7F87402-0142-4792-886F-9B55ECCE6D3E}"/>
                 </a:ext>
               </a:extLst>
             </p:cNvPr>
@@ -12403,7 +12523,7 @@
             <p:cNvPr id="14" name="矩形: 圆角 13">
               <a:extLst>
                 <a:ext uri="{FF2B5EF4-FFF2-40B4-BE49-F238E27FC236}">
-                  <a16:creationId xmlns:a16="http://schemas.microsoft.com/office/drawing/2014/main" id="{57652741-C625-4E51-A4FB-209F87B4A689}"/>
+                  <a16:creationId xmlns:a16="http://schemas.microsoft.com/office/drawing/2014/main" xmlns="" id="{57652741-C625-4E51-A4FB-209F87B4A689}"/>
                 </a:ext>
               </a:extLst>
             </p:cNvPr>
@@ -12460,7 +12580,7 @@
             <p:cNvPr id="16" name="矩形: 圆角 15">
               <a:extLst>
                 <a:ext uri="{FF2B5EF4-FFF2-40B4-BE49-F238E27FC236}">
-                  <a16:creationId xmlns:a16="http://schemas.microsoft.com/office/drawing/2014/main" id="{9E898A56-6988-4598-B53A-B212ED507647}"/>
+                  <a16:creationId xmlns:a16="http://schemas.microsoft.com/office/drawing/2014/main" xmlns="" id="{9E898A56-6988-4598-B53A-B212ED507647}"/>
                 </a:ext>
               </a:extLst>
             </p:cNvPr>
@@ -12517,7 +12637,7 @@
             <p:cNvPr id="17" name="矩形: 圆角 16">
               <a:extLst>
                 <a:ext uri="{FF2B5EF4-FFF2-40B4-BE49-F238E27FC236}">
-                  <a16:creationId xmlns:a16="http://schemas.microsoft.com/office/drawing/2014/main" id="{E58A64E9-EBBE-4A1B-869E-5309D2A989B3}"/>
+                  <a16:creationId xmlns:a16="http://schemas.microsoft.com/office/drawing/2014/main" xmlns="" id="{E58A64E9-EBBE-4A1B-869E-5309D2A989B3}"/>
                 </a:ext>
               </a:extLst>
             </p:cNvPr>
@@ -12574,7 +12694,7 @@
             <p:cNvPr id="18" name="箭头: 右 17">
               <a:extLst>
                 <a:ext uri="{FF2B5EF4-FFF2-40B4-BE49-F238E27FC236}">
-                  <a16:creationId xmlns:a16="http://schemas.microsoft.com/office/drawing/2014/main" id="{4968FCB2-5BC1-497D-90A6-367C406151C6}"/>
+                  <a16:creationId xmlns:a16="http://schemas.microsoft.com/office/drawing/2014/main" xmlns="" id="{4968FCB2-5BC1-497D-90A6-367C406151C6}"/>
                 </a:ext>
               </a:extLst>
             </p:cNvPr>
@@ -12583,8 +12703,8 @@
           </p:nvSpPr>
           <p:spPr>
             <a:xfrm>
-              <a:off x="7078248" y="2111087"/>
-              <a:ext cx="652576" cy="640862"/>
+              <a:off x="7065105" y="2204710"/>
+              <a:ext cx="665720" cy="453615"/>
             </a:xfrm>
             <a:prstGeom prst="rightArrow">
               <a:avLst/>
@@ -12620,7 +12740,7 @@
             <p:cNvPr id="21" name="箭头: 右 20">
               <a:extLst>
                 <a:ext uri="{FF2B5EF4-FFF2-40B4-BE49-F238E27FC236}">
-                  <a16:creationId xmlns:a16="http://schemas.microsoft.com/office/drawing/2014/main" id="{CF62F88A-4000-440C-A726-D8091B7CF509}"/>
+                  <a16:creationId xmlns:a16="http://schemas.microsoft.com/office/drawing/2014/main" xmlns="" id="{CF62F88A-4000-440C-A726-D8091B7CF509}"/>
                 </a:ext>
               </a:extLst>
             </p:cNvPr>
@@ -12629,8 +12749,8 @@
           </p:nvSpPr>
           <p:spPr>
             <a:xfrm>
-              <a:off x="9348610" y="2111087"/>
-              <a:ext cx="734633" cy="640862"/>
+              <a:off x="9348612" y="2204710"/>
+              <a:ext cx="712272" cy="453615"/>
             </a:xfrm>
             <a:prstGeom prst="rightArrow">
               <a:avLst/>
@@ -12666,7 +12786,7 @@
             <p:cNvPr id="20" name="矩形: 圆角 19">
               <a:extLst>
                 <a:ext uri="{FF2B5EF4-FFF2-40B4-BE49-F238E27FC236}">
-                  <a16:creationId xmlns:a16="http://schemas.microsoft.com/office/drawing/2014/main" id="{927F1DBF-3CC8-4B61-80F2-4A46EEB29F8C}"/>
+                  <a16:creationId xmlns:a16="http://schemas.microsoft.com/office/drawing/2014/main" xmlns="" id="{927F1DBF-3CC8-4B61-80F2-4A46EEB29F8C}"/>
                 </a:ext>
               </a:extLst>
             </p:cNvPr>
@@ -12723,7 +12843,7 @@
             <p:cNvPr id="15" name="矩形: 圆角 14">
               <a:extLst>
                 <a:ext uri="{FF2B5EF4-FFF2-40B4-BE49-F238E27FC236}">
-                  <a16:creationId xmlns:a16="http://schemas.microsoft.com/office/drawing/2014/main" id="{1D2B58D0-933D-4E88-BD51-876B6AD100D9}"/>
+                  <a16:creationId xmlns:a16="http://schemas.microsoft.com/office/drawing/2014/main" xmlns="" id="{1D2B58D0-933D-4E88-BD51-876B6AD100D9}"/>
                 </a:ext>
               </a:extLst>
             </p:cNvPr>
@@ -12780,7 +12900,7 @@
             <p:cNvPr id="22" name="矩形: 圆角 21">
               <a:extLst>
                 <a:ext uri="{FF2B5EF4-FFF2-40B4-BE49-F238E27FC236}">
-                  <a16:creationId xmlns:a16="http://schemas.microsoft.com/office/drawing/2014/main" id="{6DAE76C4-FE17-456F-AC04-28E2AEA03A4B}"/>
+                  <a16:creationId xmlns:a16="http://schemas.microsoft.com/office/drawing/2014/main" xmlns="" id="{6DAE76C4-FE17-456F-AC04-28E2AEA03A4B}"/>
                 </a:ext>
               </a:extLst>
             </p:cNvPr>
@@ -12837,7 +12957,7 @@
             <p:cNvPr id="23" name="矩形: 圆角 22">
               <a:extLst>
                 <a:ext uri="{FF2B5EF4-FFF2-40B4-BE49-F238E27FC236}">
-                  <a16:creationId xmlns:a16="http://schemas.microsoft.com/office/drawing/2014/main" id="{912F02CD-FF2E-4A02-BF91-119F2B4A0032}"/>
+                  <a16:creationId xmlns:a16="http://schemas.microsoft.com/office/drawing/2014/main" xmlns="" id="{912F02CD-FF2E-4A02-BF91-119F2B4A0032}"/>
                 </a:ext>
               </a:extLst>
             </p:cNvPr>
@@ -12894,7 +13014,7 @@
             <p:cNvPr id="25" name="连接符: 肘形 24">
               <a:extLst>
                 <a:ext uri="{FF2B5EF4-FFF2-40B4-BE49-F238E27FC236}">
-                  <a16:creationId xmlns:a16="http://schemas.microsoft.com/office/drawing/2014/main" id="{D9669872-4007-4BAA-8720-A6E51D31D2C4}"/>
+                  <a16:creationId xmlns:a16="http://schemas.microsoft.com/office/drawing/2014/main" xmlns="" id="{D9669872-4007-4BAA-8720-A6E51D31D2C4}"/>
                 </a:ext>
               </a:extLst>
             </p:cNvPr>
@@ -12936,7 +13056,7 @@
             <p:cNvPr id="27" name="连接符: 肘形 26">
               <a:extLst>
                 <a:ext uri="{FF2B5EF4-FFF2-40B4-BE49-F238E27FC236}">
-                  <a16:creationId xmlns:a16="http://schemas.microsoft.com/office/drawing/2014/main" id="{FDC2B0FA-C41B-4B92-B3A8-1C54E3131D0A}"/>
+                  <a16:creationId xmlns:a16="http://schemas.microsoft.com/office/drawing/2014/main" xmlns="" id="{FDC2B0FA-C41B-4B92-B3A8-1C54E3131D0A}"/>
                 </a:ext>
               </a:extLst>
             </p:cNvPr>
@@ -13888,7 +14008,7 @@
   <a:extraClrSchemeLst/>
   <a:extLst>
     <a:ext uri="{05A4C25C-085E-4340-85A3-A5531E510DB2}">
-      <thm15:themeFamily xmlns:thm15="http://schemas.microsoft.com/office/thememl/2012/main" name="Slate" id="{C3F70B94-7CE9-428E-ADC1-3269CC2C3385}" vid="{3F2DE9A5-64E6-437C-A389-CC4477E817E8}"/>
+      <thm15:themeFamily xmlns:thm15="http://schemas.microsoft.com/office/thememl/2012/main" xmlns="" name="Slate" id="{C3F70B94-7CE9-428E-ADC1-3269CC2C3385}" vid="{3F2DE9A5-64E6-437C-A389-CC4477E817E8}"/>
     </a:ext>
   </a:extLst>
 </a:theme>
@@ -14183,7 +14303,7 @@
   <a:extraClrSchemeLst/>
   <a:extLst>
     <a:ext uri="{05A4C25C-085E-4340-85A3-A5531E510DB2}">
-      <thm15:themeFamily xmlns:thm15="http://schemas.microsoft.com/office/thememl/2012/main" name="Office Theme" id="{62F939B6-93AF-4DB8-9C6B-D6C7DFDC589F}" vid="{4A3C46E8-61CC-4603-A589-7422A47A8E4A}"/>
+      <thm15:themeFamily xmlns:thm15="http://schemas.microsoft.com/office/thememl/2012/main" xmlns="" name="Office Theme" id="{62F939B6-93AF-4DB8-9C6B-D6C7DFDC589F}" vid="{4A3C46E8-61CC-4603-A589-7422A47A8E4A}"/>
     </a:ext>
   </a:extLst>
 </a:theme>

--- a/communication/策划与程序沟通技巧.pptx
+++ b/communication/策划与程序沟通技巧.pptx
@@ -20,9 +20,9 @@
     <p:sldId id="268" r:id="rId11"/>
     <p:sldId id="262" r:id="rId12"/>
     <p:sldId id="269" r:id="rId13"/>
-    <p:sldId id="270" r:id="rId14"/>
-    <p:sldId id="271" r:id="rId15"/>
-    <p:sldId id="272" r:id="rId16"/>
+    <p:sldId id="278" r:id="rId14"/>
+    <p:sldId id="270" r:id="rId15"/>
+    <p:sldId id="271" r:id="rId16"/>
     <p:sldId id="273" r:id="rId17"/>
     <p:sldId id="274" r:id="rId18"/>
     <p:sldId id="275" r:id="rId19"/>
@@ -131,7 +131,7 @@
   </p:defaultTextStyle>
   <p:extLst>
     <p:ext uri="{EFAFB233-063F-42B5-8137-9DF3F51BA10A}">
-      <p15:sldGuideLst xmlns:p15="http://schemas.microsoft.com/office/powerpoint/2012/main" xmlns="">
+      <p15:sldGuideLst xmlns:p15="http://schemas.microsoft.com/office/powerpoint/2012/main">
         <p15:guide id="1" orient="horz" pos="2160">
           <p15:clr>
             <a:srgbClr val="A4A3A4"/>
@@ -542,33 +542,32 @@
           <a:lstStyle/>
           <a:p>
             <a:r>
-              <a:rPr lang="zh-CN" altLang="en-US" dirty="0" smtClean="0"/>
+              <a:rPr lang="zh-CN" altLang="en-US" dirty="0"/>
               <a:t>你有</a:t>
             </a:r>
             <a:r>
-              <a:rPr lang="en-US" altLang="zh-CN" dirty="0" smtClean="0"/>
+              <a:rPr lang="en-US" altLang="zh-CN" dirty="0"/>
               <a:t>《</a:t>
             </a:r>
             <a:r>
-              <a:rPr lang="zh-CN" altLang="en-US" dirty="0" smtClean="0"/>
+              <a:rPr lang="zh-CN" altLang="en-US" dirty="0"/>
               <a:t>时间简史</a:t>
             </a:r>
             <a:r>
-              <a:rPr lang="en-US" altLang="zh-CN" dirty="0" smtClean="0"/>
+              <a:rPr lang="en-US" altLang="zh-CN" dirty="0"/>
               <a:t>》</a:t>
             </a:r>
             <a:r>
-              <a:rPr lang="zh-CN" altLang="en-US" dirty="0" smtClean="0"/>
+              <a:rPr lang="zh-CN" altLang="en-US" dirty="0"/>
               <a:t>吗？</a:t>
             </a:r>
-            <a:endParaRPr lang="en-US" altLang="zh-CN" dirty="0" smtClean="0"/>
-          </a:p>
-          <a:p>
-            <a:r>
-              <a:rPr lang="zh-CN" altLang="en-US" dirty="0" smtClean="0"/>
+            <a:endParaRPr lang="en-US" altLang="zh-CN" dirty="0"/>
+          </a:p>
+          <a:p>
+            <a:r>
+              <a:rPr lang="zh-CN" altLang="en-US" dirty="0"/>
               <a:t>我怎么会有时间捡屎呢？</a:t>
             </a:r>
-            <a:endParaRPr lang="zh-CN" altLang="en-US" dirty="0"/>
           </a:p>
         </p:txBody>
       </p:sp>
@@ -673,7 +672,7 @@
           <a:p>
             <a:fld id="{D7AFCA8C-653A-44A5-9E16-D6C2FB0350C5}" type="slidenum">
               <a:rPr lang="zh-CN" altLang="en-US" smtClean="0"/>
-              <a:t>10</a:t>
+              <a:t>9</a:t>
             </a:fld>
             <a:endParaRPr lang="zh-CN" altLang="en-US"/>
           </a:p>
@@ -682,7 +681,7 @@
     </p:spTree>
     <p:extLst>
       <p:ext uri="{BB962C8B-B14F-4D97-AF65-F5344CB8AC3E}">
-        <p14:creationId xmlns:p14="http://schemas.microsoft.com/office/powerpoint/2010/main" val="1956680942"/>
+        <p14:creationId xmlns:p14="http://schemas.microsoft.com/office/powerpoint/2010/main" val="1650456572"/>
       </p:ext>
     </p:extLst>
   </p:cSld>
@@ -736,10 +735,7 @@
           <a:bodyPr/>
           <a:lstStyle/>
           <a:p>
-            <a:r>
-              <a:rPr lang="zh-CN" altLang="en-US" dirty="0"/>
-              <a:t>策划经常来找我改需求，后来我在桌上放了一把菜刀，他就很少来了。</a:t>
-            </a:r>
+            <a:endParaRPr lang="zh-CN" altLang="en-US" dirty="0"/>
           </a:p>
         </p:txBody>
       </p:sp>
@@ -760,7 +756,7 @@
           <a:p>
             <a:fld id="{D7AFCA8C-653A-44A5-9E16-D6C2FB0350C5}" type="slidenum">
               <a:rPr lang="zh-CN" altLang="en-US" smtClean="0"/>
-              <a:t>12</a:t>
+              <a:t>10</a:t>
             </a:fld>
             <a:endParaRPr lang="zh-CN" altLang="en-US"/>
           </a:p>
@@ -769,7 +765,7 @@
     </p:spTree>
     <p:extLst>
       <p:ext uri="{BB962C8B-B14F-4D97-AF65-F5344CB8AC3E}">
-        <p14:creationId xmlns:p14="http://schemas.microsoft.com/office/powerpoint/2010/main" val="4068564447"/>
+        <p14:creationId xmlns:p14="http://schemas.microsoft.com/office/powerpoint/2010/main" val="1956680942"/>
       </p:ext>
     </p:extLst>
   </p:cSld>
@@ -823,7 +819,30 @@
           <a:bodyPr/>
           <a:lstStyle/>
           <a:p>
-            <a:endParaRPr lang="zh-CN" altLang="en-US" dirty="0"/>
+            <a:r>
+              <a:rPr lang="zh-CN" altLang="en-US" dirty="0"/>
+              <a:t>策划经常来找我改需求，后来我在桌上放了一把菜刀，他就很少来了。</a:t>
+            </a:r>
+            <a:endParaRPr lang="en-US" altLang="zh-CN" dirty="0"/>
+          </a:p>
+          <a:p>
+            <a:endParaRPr lang="en-US" altLang="zh-CN" dirty="0"/>
+          </a:p>
+          <a:p>
+            <a:r>
+              <a:rPr lang="zh-CN" altLang="en-US" dirty="0"/>
+              <a:t>策划给程序立字据</a:t>
+            </a:r>
+            <a:endParaRPr lang="en-US" altLang="zh-CN" dirty="0"/>
+          </a:p>
+          <a:p>
+            <a:endParaRPr lang="en-US" altLang="zh-CN" dirty="0"/>
+          </a:p>
+          <a:p>
+            <a:r>
+              <a:rPr lang="zh-CN" altLang="en-US" dirty="0"/>
+              <a:t>需求包括 系统需求、功能需求、业务需求、用户需求。</a:t>
+            </a:r>
           </a:p>
         </p:txBody>
       </p:sp>
@@ -853,7 +872,7 @@
     </p:spTree>
     <p:extLst>
       <p:ext uri="{BB962C8B-B14F-4D97-AF65-F5344CB8AC3E}">
-        <p14:creationId xmlns:p14="http://schemas.microsoft.com/office/powerpoint/2010/main" val="12006944"/>
+        <p14:creationId xmlns:p14="http://schemas.microsoft.com/office/powerpoint/2010/main" val="4068564447"/>
       </p:ext>
     </p:extLst>
   </p:cSld>
@@ -907,13 +926,6 @@
           <a:bodyPr/>
           <a:lstStyle/>
           <a:p>
-            <a:r>
-              <a:rPr lang="zh-CN" altLang="en-US" dirty="0"/>
-              <a:t>职业决定了思维模式，但并非不能改变</a:t>
-            </a:r>
-            <a:endParaRPr lang="en-US" altLang="zh-CN" dirty="0"/>
-          </a:p>
-          <a:p>
             <a:endParaRPr lang="zh-CN" altLang="en-US" dirty="0"/>
           </a:p>
         </p:txBody>
@@ -935,7 +947,7 @@
           <a:p>
             <a:fld id="{D7AFCA8C-653A-44A5-9E16-D6C2FB0350C5}" type="slidenum">
               <a:rPr lang="zh-CN" altLang="en-US" smtClean="0"/>
-              <a:t>16</a:t>
+              <a:t>14</a:t>
             </a:fld>
             <a:endParaRPr lang="zh-CN" altLang="en-US"/>
           </a:p>
@@ -944,7 +956,7 @@
     </p:spTree>
     <p:extLst>
       <p:ext uri="{BB962C8B-B14F-4D97-AF65-F5344CB8AC3E}">
-        <p14:creationId xmlns:p14="http://schemas.microsoft.com/office/powerpoint/2010/main" val="938249377"/>
+        <p14:creationId xmlns:p14="http://schemas.microsoft.com/office/powerpoint/2010/main" val="12006944"/>
       </p:ext>
     </p:extLst>
   </p:cSld>
@@ -1000,6 +1012,97 @@
           <a:p>
             <a:r>
               <a:rPr lang="zh-CN" altLang="en-US" dirty="0"/>
+              <a:t>职业决定了思维模式，但并非不能改变</a:t>
+            </a:r>
+            <a:endParaRPr lang="en-US" altLang="zh-CN" dirty="0"/>
+          </a:p>
+          <a:p>
+            <a:endParaRPr lang="zh-CN" altLang="en-US" dirty="0"/>
+          </a:p>
+        </p:txBody>
+      </p:sp>
+      <p:sp>
+        <p:nvSpPr>
+          <p:cNvPr id="4" name="灯片编号占位符 3"/>
+          <p:cNvSpPr>
+            <a:spLocks noGrp="1"/>
+          </p:cNvSpPr>
+          <p:nvPr>
+            <p:ph type="sldNum" sz="quarter" idx="10"/>
+          </p:nvPr>
+        </p:nvSpPr>
+        <p:spPr/>
+        <p:txBody>
+          <a:bodyPr/>
+          <a:lstStyle/>
+          <a:p>
+            <a:fld id="{D7AFCA8C-653A-44A5-9E16-D6C2FB0350C5}" type="slidenum">
+              <a:rPr lang="zh-CN" altLang="en-US" smtClean="0"/>
+              <a:t>16</a:t>
+            </a:fld>
+            <a:endParaRPr lang="zh-CN" altLang="en-US"/>
+          </a:p>
+        </p:txBody>
+      </p:sp>
+    </p:spTree>
+    <p:extLst>
+      <p:ext uri="{BB962C8B-B14F-4D97-AF65-F5344CB8AC3E}">
+        <p14:creationId xmlns:p14="http://schemas.microsoft.com/office/powerpoint/2010/main" val="938249377"/>
+      </p:ext>
+    </p:extLst>
+  </p:cSld>
+  <p:clrMapOvr>
+    <a:masterClrMapping/>
+  </p:clrMapOvr>
+</p:notes>
+</file>
+
+<file path=ppt/notesSlides/notesSlide7.xml><?xml version="1.0" encoding="utf-8"?>
+<p:notes xmlns:a="http://schemas.openxmlformats.org/drawingml/2006/main" xmlns:r="http://schemas.openxmlformats.org/officeDocument/2006/relationships" xmlns:p="http://schemas.openxmlformats.org/presentationml/2006/main">
+  <p:cSld>
+    <p:spTree>
+      <p:nvGrpSpPr>
+        <p:cNvPr id="1" name=""/>
+        <p:cNvGrpSpPr/>
+        <p:nvPr/>
+      </p:nvGrpSpPr>
+      <p:grpSpPr>
+        <a:xfrm>
+          <a:off x="0" y="0"/>
+          <a:ext cx="0" cy="0"/>
+          <a:chOff x="0" y="0"/>
+          <a:chExt cx="0" cy="0"/>
+        </a:xfrm>
+      </p:grpSpPr>
+      <p:sp>
+        <p:nvSpPr>
+          <p:cNvPr id="2" name="幻灯片图像占位符 1"/>
+          <p:cNvSpPr>
+            <a:spLocks noGrp="1" noRot="1" noChangeAspect="1"/>
+          </p:cNvSpPr>
+          <p:nvPr>
+            <p:ph type="sldImg"/>
+          </p:nvPr>
+        </p:nvSpPr>
+        <p:spPr/>
+      </p:sp>
+      <p:sp>
+        <p:nvSpPr>
+          <p:cNvPr id="3" name="备注占位符 2"/>
+          <p:cNvSpPr>
+            <a:spLocks noGrp="1"/>
+          </p:cNvSpPr>
+          <p:nvPr>
+            <p:ph type="body" idx="1"/>
+          </p:nvPr>
+        </p:nvSpPr>
+        <p:spPr/>
+        <p:txBody>
+          <a:bodyPr/>
+          <a:lstStyle/>
+          <a:p>
+            <a:r>
+              <a:rPr lang="zh-CN" altLang="en-US" dirty="0"/>
               <a:t>阅读策划案会生成一个大体的印象，这个案子具体是干什么的，用户都有哪些操作，需要有哪些反馈。好的技术人员还会从案子的动机出发，找出案子中不合理或疏漏的地方。</a:t>
             </a:r>
             <a:endParaRPr lang="en-US" altLang="zh-CN" dirty="0"/>
@@ -1098,6 +1201,211 @@
     <p:extLst>
       <p:ext uri="{BB962C8B-B14F-4D97-AF65-F5344CB8AC3E}">
         <p14:creationId xmlns:p14="http://schemas.microsoft.com/office/powerpoint/2010/main" val="658109529"/>
+      </p:ext>
+    </p:extLst>
+  </p:cSld>
+  <p:clrMapOvr>
+    <a:masterClrMapping/>
+  </p:clrMapOvr>
+</p:notes>
+</file>
+
+<file path=ppt/notesSlides/notesSlide8.xml><?xml version="1.0" encoding="utf-8"?>
+<p:notes xmlns:a="http://schemas.openxmlformats.org/drawingml/2006/main" xmlns:r="http://schemas.openxmlformats.org/officeDocument/2006/relationships" xmlns:p="http://schemas.openxmlformats.org/presentationml/2006/main">
+  <p:cSld>
+    <p:spTree>
+      <p:nvGrpSpPr>
+        <p:cNvPr id="1" name=""/>
+        <p:cNvGrpSpPr/>
+        <p:nvPr/>
+      </p:nvGrpSpPr>
+      <p:grpSpPr>
+        <a:xfrm>
+          <a:off x="0" y="0"/>
+          <a:ext cx="0" cy="0"/>
+          <a:chOff x="0" y="0"/>
+          <a:chExt cx="0" cy="0"/>
+        </a:xfrm>
+      </p:grpSpPr>
+      <p:sp>
+        <p:nvSpPr>
+          <p:cNvPr id="2" name="幻灯片图像占位符 1"/>
+          <p:cNvSpPr>
+            <a:spLocks noGrp="1" noRot="1" noChangeAspect="1"/>
+          </p:cNvSpPr>
+          <p:nvPr>
+            <p:ph type="sldImg"/>
+          </p:nvPr>
+        </p:nvSpPr>
+        <p:spPr/>
+      </p:sp>
+      <p:sp>
+        <p:nvSpPr>
+          <p:cNvPr id="3" name="备注占位符 2"/>
+          <p:cNvSpPr>
+            <a:spLocks noGrp="1"/>
+          </p:cNvSpPr>
+          <p:nvPr>
+            <p:ph type="body" idx="1"/>
+          </p:nvPr>
+        </p:nvSpPr>
+        <p:spPr/>
+        <p:txBody>
+          <a:bodyPr/>
+          <a:lstStyle/>
+          <a:p>
+            <a:r>
+              <a:rPr lang="zh-CN" altLang="en-US" dirty="0"/>
+              <a:t>案例一</a:t>
+            </a:r>
+            <a:endParaRPr lang="en-US" altLang="zh-CN" dirty="0"/>
+          </a:p>
+          <a:p>
+            <a:endParaRPr lang="en-US" altLang="zh-CN" dirty="0"/>
+          </a:p>
+          <a:p>
+            <a:r>
+              <a:rPr lang="zh-CN" altLang="en-US" dirty="0"/>
+              <a:t>乐观估计：</a:t>
+            </a:r>
+            <a:endParaRPr lang="en-US" altLang="zh-CN" dirty="0"/>
+          </a:p>
+          <a:p>
+            <a:r>
+              <a:rPr lang="zh-CN" altLang="en-US" dirty="0"/>
+              <a:t>盲目乐观的估计而未能预置可能发生的技术风险，线上问题发生后发现没有相应的预案</a:t>
+            </a:r>
+            <a:endParaRPr lang="en-US" altLang="zh-CN" dirty="0"/>
+          </a:p>
+          <a:p>
+            <a:r>
+              <a:rPr lang="zh-CN" altLang="en-US" dirty="0"/>
+              <a:t>早期项目，开服时玩家同时登陆，导致玩家连接不上服务器。后通过排队系统处理。</a:t>
+            </a:r>
+            <a:endParaRPr lang="en-US" altLang="zh-CN" dirty="0"/>
+          </a:p>
+          <a:p>
+            <a:endParaRPr lang="en-US" altLang="zh-CN" dirty="0"/>
+          </a:p>
+          <a:p>
+            <a:r>
+              <a:rPr lang="zh-CN" altLang="en-US" dirty="0"/>
+              <a:t>案例二</a:t>
+            </a:r>
+            <a:endParaRPr lang="en-US" altLang="zh-CN" dirty="0"/>
+          </a:p>
+          <a:p>
+            <a:r>
+              <a:rPr lang="zh-CN" altLang="en-US" dirty="0"/>
+              <a:t>需求变更：</a:t>
+            </a:r>
+            <a:endParaRPr lang="en-US" altLang="zh-CN" dirty="0"/>
+          </a:p>
+          <a:p>
+            <a:r>
+              <a:rPr lang="zh-CN" altLang="en-US" dirty="0"/>
+              <a:t>在功能上线前盲目修改需求，导致之前的功能大幅修改。</a:t>
+            </a:r>
+            <a:endParaRPr lang="en-US" altLang="zh-CN" dirty="0"/>
+          </a:p>
+          <a:p>
+            <a:r>
+              <a:rPr lang="zh-CN" altLang="en-US" dirty="0"/>
+              <a:t>之前的测试作废</a:t>
+            </a:r>
+            <a:endParaRPr lang="en-US" altLang="zh-CN" dirty="0"/>
+          </a:p>
+          <a:p>
+            <a:r>
+              <a:rPr lang="zh-CN" altLang="en-US" dirty="0"/>
+              <a:t>新版本测试时间变少</a:t>
+            </a:r>
+            <a:endParaRPr lang="en-US" altLang="zh-CN" dirty="0"/>
+          </a:p>
+          <a:p>
+            <a:r>
+              <a:rPr lang="zh-CN" altLang="en-US" dirty="0"/>
+              <a:t>新需求漏洞较多</a:t>
+            </a:r>
+            <a:endParaRPr lang="en-US" altLang="zh-CN" dirty="0"/>
+          </a:p>
+          <a:p>
+            <a:r>
+              <a:rPr lang="zh-CN" altLang="en-US" dirty="0"/>
+              <a:t>导致上线后问题不断</a:t>
+            </a:r>
+            <a:endParaRPr lang="en-US" altLang="zh-CN" dirty="0"/>
+          </a:p>
+          <a:p>
+            <a:endParaRPr lang="en-US" altLang="zh-CN" dirty="0"/>
+          </a:p>
+          <a:p>
+            <a:r>
+              <a:rPr lang="zh-CN" altLang="en-US" dirty="0"/>
+              <a:t>案例三</a:t>
+            </a:r>
+            <a:endParaRPr lang="en-US" altLang="zh-CN" dirty="0"/>
+          </a:p>
+          <a:p>
+            <a:r>
+              <a:rPr lang="zh-CN" altLang="en-US" dirty="0"/>
+              <a:t>异常处理：</a:t>
+            </a:r>
+            <a:endParaRPr lang="en-US" altLang="zh-CN" dirty="0"/>
+          </a:p>
+          <a:p>
+            <a:r>
+              <a:rPr lang="zh-CN" altLang="en-US" dirty="0"/>
+              <a:t>在需求阶段，没有异常情况下的处理。导致玩家得不到反馈，以为是系统出现了问题，从而流失。</a:t>
+            </a:r>
+            <a:endParaRPr lang="en-US" altLang="zh-CN" dirty="0"/>
+          </a:p>
+          <a:p>
+            <a:endParaRPr lang="en-US" altLang="zh-CN" dirty="0"/>
+          </a:p>
+          <a:p>
+            <a:r>
+              <a:rPr lang="zh-CN" altLang="en-US" dirty="0"/>
+              <a:t>任务需要达到一定等级后才能继续，但未达到等级的玩家并未获得任何提示。</a:t>
+            </a:r>
+            <a:endParaRPr lang="en-US" altLang="zh-CN" dirty="0"/>
+          </a:p>
+          <a:p>
+            <a:r>
+              <a:rPr lang="zh-CN" altLang="en-US" dirty="0"/>
+              <a:t>玩家以为游戏有问题，进行不下去了。</a:t>
+            </a:r>
+            <a:endParaRPr lang="en-US" altLang="zh-CN" dirty="0"/>
+          </a:p>
+        </p:txBody>
+      </p:sp>
+      <p:sp>
+        <p:nvSpPr>
+          <p:cNvPr id="4" name="灯片编号占位符 3"/>
+          <p:cNvSpPr>
+            <a:spLocks noGrp="1"/>
+          </p:cNvSpPr>
+          <p:nvPr>
+            <p:ph type="sldNum" sz="quarter" idx="10"/>
+          </p:nvPr>
+        </p:nvSpPr>
+        <p:spPr/>
+        <p:txBody>
+          <a:bodyPr/>
+          <a:lstStyle/>
+          <a:p>
+            <a:fld id="{D7AFCA8C-653A-44A5-9E16-D6C2FB0350C5}" type="slidenum">
+              <a:rPr lang="zh-CN" altLang="en-US" smtClean="0"/>
+              <a:t>20</a:t>
+            </a:fld>
+            <a:endParaRPr lang="zh-CN" altLang="en-US"/>
+          </a:p>
+        </p:txBody>
+      </p:sp>
+    </p:spTree>
+    <p:extLst>
+      <p:ext uri="{BB962C8B-B14F-4D97-AF65-F5344CB8AC3E}">
+        <p14:creationId xmlns:p14="http://schemas.microsoft.com/office/powerpoint/2010/main" val="514194102"/>
       </p:ext>
     </p:extLst>
   </p:cSld>
@@ -9886,7 +10194,7 @@
           <p:cNvPr id="2" name="标题 1">
             <a:extLst>
               <a:ext uri="{FF2B5EF4-FFF2-40B4-BE49-F238E27FC236}">
-                <a16:creationId xmlns:a16="http://schemas.microsoft.com/office/drawing/2014/main" xmlns="" id="{DE192593-632E-47C1-A166-DCCB2A62409D}"/>
+                <a16:creationId xmlns:a16="http://schemas.microsoft.com/office/drawing/2014/main" id="{DE192593-632E-47C1-A166-DCCB2A62409D}"/>
               </a:ext>
             </a:extLst>
           </p:cNvPr>
@@ -9914,7 +10222,7 @@
           <p:cNvPr id="3" name="副标题 2">
             <a:extLst>
               <a:ext uri="{FF2B5EF4-FFF2-40B4-BE49-F238E27FC236}">
-                <a16:creationId xmlns:a16="http://schemas.microsoft.com/office/drawing/2014/main" xmlns="" id="{56945AB3-8932-435C-BE58-45169ED00641}"/>
+                <a16:creationId xmlns:a16="http://schemas.microsoft.com/office/drawing/2014/main" id="{56945AB3-8932-435C-BE58-45169ED00641}"/>
               </a:ext>
             </a:extLst>
           </p:cNvPr>
@@ -9972,7 +10280,7 @@
           <p:cNvPr id="5" name="文本框 4">
             <a:extLst>
               <a:ext uri="{FF2B5EF4-FFF2-40B4-BE49-F238E27FC236}">
-                <a16:creationId xmlns:a16="http://schemas.microsoft.com/office/drawing/2014/main" xmlns="" id="{3C0B4D1D-86DD-4391-89AE-BF62427E46BB}"/>
+                <a16:creationId xmlns:a16="http://schemas.microsoft.com/office/drawing/2014/main" id="{3C0B4D1D-86DD-4391-89AE-BF62427E46BB}"/>
               </a:ext>
             </a:extLst>
           </p:cNvPr>
@@ -10064,40 +10372,400 @@
             <p:ph idx="1"/>
           </p:nvPr>
         </p:nvSpPr>
-        <p:spPr/>
-        <p:txBody>
-          <a:bodyPr/>
+        <p:spPr>
+          <a:xfrm>
+            <a:off x="2136042" y="1732450"/>
+            <a:ext cx="3959958" cy="1962096"/>
+          </a:xfrm>
+        </p:spPr>
+        <p:txBody>
+          <a:bodyPr>
+            <a:normAutofit/>
+          </a:bodyPr>
           <a:lstStyle/>
           <a:p>
             <a:r>
               <a:rPr lang="zh-CN" altLang="en-US" dirty="0"/>
-              <a:t>目标用户是哪些人</a:t>
-            </a:r>
-            <a:r>
-              <a:rPr lang="en-US" altLang="zh-CN" dirty="0"/>
-              <a:t>?</a:t>
-            </a:r>
+              <a:t>谁来用这个系统</a:t>
+            </a:r>
+            <a:endParaRPr lang="en-US" altLang="zh-CN" dirty="0"/>
           </a:p>
           <a:p>
             <a:r>
               <a:rPr lang="zh-CN" altLang="en-US" dirty="0"/>
-              <a:t>我需要这个它做什么？</a:t>
+              <a:t>系统需要做什么</a:t>
             </a:r>
             <a:endParaRPr lang="en-US" altLang="zh-CN" dirty="0"/>
           </a:p>
           <a:p>
             <a:r>
               <a:rPr lang="zh-CN" altLang="en-US" dirty="0"/>
-              <a:t>我需要怎么使用它</a:t>
+              <a:t>用户怎么使用（操作）</a:t>
             </a:r>
             <a:endParaRPr lang="en-US" altLang="zh-CN" dirty="0"/>
           </a:p>
           <a:p>
             <a:r>
               <a:rPr lang="zh-CN" altLang="en-US" dirty="0"/>
-              <a:t>我需要它给我怎样的反馈</a:t>
+              <a:t>系统需要反馈给用户哪些信息</a:t>
             </a:r>
             <a:endParaRPr lang="en-US" altLang="zh-CN" dirty="0"/>
+          </a:p>
+        </p:txBody>
+      </p:sp>
+      <p:pic>
+        <p:nvPicPr>
+          <p:cNvPr id="1030" name="Picture 6" descr="xuqiu">
+            <a:extLst>
+              <a:ext uri="{FF2B5EF4-FFF2-40B4-BE49-F238E27FC236}">
+                <a16:creationId xmlns:a16="http://schemas.microsoft.com/office/drawing/2014/main" id="{A61F2D66-A2ED-4842-A873-918963BC37D6}"/>
+              </a:ext>
+            </a:extLst>
+          </p:cNvPr>
+          <p:cNvPicPr>
+            <a:picLocks noChangeAspect="1" noChangeArrowheads="1"/>
+          </p:cNvPicPr>
+          <p:nvPr/>
+        </p:nvPicPr>
+        <p:blipFill>
+          <a:blip r:embed="rId2">
+            <a:extLst>
+              <a:ext uri="{28A0092B-C50C-407E-A947-70E740481C1C}">
+                <a14:useLocalDpi xmlns:a14="http://schemas.microsoft.com/office/drawing/2010/main" val="0"/>
+              </a:ext>
+            </a:extLst>
+          </a:blip>
+          <a:srcRect/>
+          <a:stretch>
+            <a:fillRect/>
+          </a:stretch>
+        </p:blipFill>
+        <p:spPr bwMode="auto">
+          <a:xfrm>
+            <a:off x="6586841" y="1740214"/>
+            <a:ext cx="4962525" cy="2952750"/>
+          </a:xfrm>
+          <a:prstGeom prst="rect">
+            <a:avLst/>
+          </a:prstGeom>
+          <a:noFill/>
+          <a:extLst>
+            <a:ext uri="{909E8E84-426E-40DD-AFC4-6F175D3DCCD1}">
+              <a14:hiddenFill xmlns:a14="http://schemas.microsoft.com/office/drawing/2010/main">
+                <a:solidFill>
+                  <a:srgbClr val="FFFFFF"/>
+                </a:solidFill>
+              </a14:hiddenFill>
+            </a:ext>
+          </a:extLst>
+        </p:spPr>
+      </p:pic>
+      <p:sp>
+        <p:nvSpPr>
+          <p:cNvPr id="9" name="矩形: 圆角 8">
+            <a:extLst>
+              <a:ext uri="{FF2B5EF4-FFF2-40B4-BE49-F238E27FC236}">
+                <a16:creationId xmlns:a16="http://schemas.microsoft.com/office/drawing/2014/main" id="{2A4CDF97-86A6-4F6D-935C-22ED0A0B47B0}"/>
+              </a:ext>
+            </a:extLst>
+          </p:cNvPr>
+          <p:cNvSpPr/>
+          <p:nvPr/>
+        </p:nvSpPr>
+        <p:spPr>
+          <a:xfrm>
+            <a:off x="642634" y="4354973"/>
+            <a:ext cx="1560945" cy="581891"/>
+          </a:xfrm>
+          <a:prstGeom prst="roundRect">
+            <a:avLst/>
+          </a:prstGeom>
+          <a:solidFill>
+            <a:srgbClr val="92D050"/>
+          </a:solidFill>
+          <a:ln>
+            <a:solidFill>
+              <a:schemeClr val="tx1"/>
+            </a:solidFill>
+          </a:ln>
+        </p:spPr>
+        <p:style>
+          <a:lnRef idx="2">
+            <a:schemeClr val="accent1">
+              <a:shade val="50000"/>
+            </a:schemeClr>
+          </a:lnRef>
+          <a:fillRef idx="1">
+            <a:schemeClr val="accent1"/>
+          </a:fillRef>
+          <a:effectRef idx="0">
+            <a:schemeClr val="accent1"/>
+          </a:effectRef>
+          <a:fontRef idx="minor">
+            <a:schemeClr val="lt1"/>
+          </a:fontRef>
+        </p:style>
+        <p:txBody>
+          <a:bodyPr rtlCol="0" anchor="ctr"/>
+          <a:lstStyle/>
+          <a:p>
+            <a:pPr algn="ctr"/>
+            <a:r>
+              <a:rPr lang="zh-CN" altLang="en-US" dirty="0">
+                <a:solidFill>
+                  <a:schemeClr val="bg1"/>
+                </a:solidFill>
+              </a:rPr>
+              <a:t>用户</a:t>
+            </a:r>
+          </a:p>
+        </p:txBody>
+      </p:sp>
+      <p:sp>
+        <p:nvSpPr>
+          <p:cNvPr id="10" name="矩形: 圆角 9">
+            <a:extLst>
+              <a:ext uri="{FF2B5EF4-FFF2-40B4-BE49-F238E27FC236}">
+                <a16:creationId xmlns:a16="http://schemas.microsoft.com/office/drawing/2014/main" id="{FF2A7A88-DA8A-4F37-B3F6-33462CA0A144}"/>
+              </a:ext>
+            </a:extLst>
+          </p:cNvPr>
+          <p:cNvSpPr/>
+          <p:nvPr/>
+        </p:nvSpPr>
+        <p:spPr>
+          <a:xfrm>
+            <a:off x="4535055" y="4354973"/>
+            <a:ext cx="1560945" cy="581891"/>
+          </a:xfrm>
+          <a:prstGeom prst="roundRect">
+            <a:avLst/>
+          </a:prstGeom>
+          <a:solidFill>
+            <a:srgbClr val="92D050"/>
+          </a:solidFill>
+          <a:ln>
+            <a:solidFill>
+              <a:schemeClr val="tx1"/>
+            </a:solidFill>
+          </a:ln>
+        </p:spPr>
+        <p:style>
+          <a:lnRef idx="2">
+            <a:schemeClr val="accent1">
+              <a:shade val="50000"/>
+            </a:schemeClr>
+          </a:lnRef>
+          <a:fillRef idx="1">
+            <a:schemeClr val="accent1"/>
+          </a:fillRef>
+          <a:effectRef idx="0">
+            <a:schemeClr val="accent1"/>
+          </a:effectRef>
+          <a:fontRef idx="minor">
+            <a:schemeClr val="lt1"/>
+          </a:fontRef>
+        </p:style>
+        <p:txBody>
+          <a:bodyPr rtlCol="0" anchor="ctr"/>
+          <a:lstStyle/>
+          <a:p>
+            <a:pPr algn="ctr"/>
+            <a:r>
+              <a:rPr lang="zh-CN" altLang="en-US" dirty="0">
+                <a:solidFill>
+                  <a:schemeClr val="bg1"/>
+                </a:solidFill>
+              </a:rPr>
+              <a:t>系统</a:t>
+            </a:r>
+          </a:p>
+        </p:txBody>
+      </p:sp>
+      <p:cxnSp>
+        <p:nvCxnSpPr>
+          <p:cNvPr id="7" name="连接符: 肘形 6">
+            <a:extLst>
+              <a:ext uri="{FF2B5EF4-FFF2-40B4-BE49-F238E27FC236}">
+                <a16:creationId xmlns:a16="http://schemas.microsoft.com/office/drawing/2014/main" id="{122CF6CC-8069-45B3-9526-64E08733CADE}"/>
+              </a:ext>
+            </a:extLst>
+          </p:cNvPr>
+          <p:cNvCxnSpPr>
+            <a:stCxn id="10" idx="2"/>
+            <a:endCxn id="9" idx="2"/>
+          </p:cNvCxnSpPr>
+          <p:nvPr/>
+        </p:nvCxnSpPr>
+        <p:spPr>
+          <a:xfrm rot="5400000">
+            <a:off x="3369318" y="2990654"/>
+            <a:ext cx="12700" cy="3892421"/>
+          </a:xfrm>
+          <a:prstGeom prst="bentConnector3">
+            <a:avLst>
+              <a:gd name="adj1" fmla="val 5145472"/>
+            </a:avLst>
+          </a:prstGeom>
+          <a:ln>
+            <a:tailEnd type="triangle"/>
+          </a:ln>
+        </p:spPr>
+        <p:style>
+          <a:lnRef idx="1">
+            <a:schemeClr val="accent1"/>
+          </a:lnRef>
+          <a:fillRef idx="0">
+            <a:schemeClr val="accent1"/>
+          </a:fillRef>
+          <a:effectRef idx="0">
+            <a:schemeClr val="accent1"/>
+          </a:effectRef>
+          <a:fontRef idx="minor">
+            <a:schemeClr val="tx1"/>
+          </a:fontRef>
+        </p:style>
+      </p:cxnSp>
+      <p:cxnSp>
+        <p:nvCxnSpPr>
+          <p:cNvPr id="12" name="直接箭头连接符 11">
+            <a:extLst>
+              <a:ext uri="{FF2B5EF4-FFF2-40B4-BE49-F238E27FC236}">
+                <a16:creationId xmlns:a16="http://schemas.microsoft.com/office/drawing/2014/main" id="{6103CDA9-3D3C-4119-A7A2-3688FB0BDEB8}"/>
+              </a:ext>
+            </a:extLst>
+          </p:cNvPr>
+          <p:cNvCxnSpPr>
+            <a:stCxn id="9" idx="3"/>
+            <a:endCxn id="10" idx="1"/>
+          </p:cNvCxnSpPr>
+          <p:nvPr/>
+        </p:nvCxnSpPr>
+        <p:spPr>
+          <a:xfrm>
+            <a:off x="2203579" y="4645919"/>
+            <a:ext cx="2331476" cy="0"/>
+          </a:xfrm>
+          <a:prstGeom prst="straightConnector1">
+            <a:avLst/>
+          </a:prstGeom>
+          <a:ln>
+            <a:tailEnd type="triangle"/>
+          </a:ln>
+        </p:spPr>
+        <p:style>
+          <a:lnRef idx="1">
+            <a:schemeClr val="accent1"/>
+          </a:lnRef>
+          <a:fillRef idx="0">
+            <a:schemeClr val="accent1"/>
+          </a:fillRef>
+          <a:effectRef idx="0">
+            <a:schemeClr val="accent1"/>
+          </a:effectRef>
+          <a:fontRef idx="minor">
+            <a:schemeClr val="tx1"/>
+          </a:fontRef>
+        </p:style>
+      </p:cxnSp>
+      <p:sp>
+        <p:nvSpPr>
+          <p:cNvPr id="13" name="矩形 12">
+            <a:extLst>
+              <a:ext uri="{FF2B5EF4-FFF2-40B4-BE49-F238E27FC236}">
+                <a16:creationId xmlns:a16="http://schemas.microsoft.com/office/drawing/2014/main" id="{313CA860-FE0E-4ACE-9383-79DEABF4CA51}"/>
+              </a:ext>
+            </a:extLst>
+          </p:cNvPr>
+          <p:cNvSpPr/>
+          <p:nvPr/>
+        </p:nvSpPr>
+        <p:spPr>
+          <a:xfrm>
+            <a:off x="2572441" y="4500131"/>
+            <a:ext cx="1593752" cy="329016"/>
+          </a:xfrm>
+          <a:prstGeom prst="rect">
+            <a:avLst/>
+          </a:prstGeom>
+        </p:spPr>
+        <p:style>
+          <a:lnRef idx="2">
+            <a:schemeClr val="accent1">
+              <a:shade val="50000"/>
+            </a:schemeClr>
+          </a:lnRef>
+          <a:fillRef idx="1">
+            <a:schemeClr val="accent1"/>
+          </a:fillRef>
+          <a:effectRef idx="0">
+            <a:schemeClr val="accent1"/>
+          </a:effectRef>
+          <a:fontRef idx="minor">
+            <a:schemeClr val="lt1"/>
+          </a:fontRef>
+        </p:style>
+        <p:txBody>
+          <a:bodyPr rtlCol="0" anchor="ctr"/>
+          <a:lstStyle/>
+          <a:p>
+            <a:pPr algn="ctr"/>
+            <a:r>
+              <a:rPr lang="zh-CN" altLang="en-US" dirty="0"/>
+              <a:t>使用</a:t>
+            </a:r>
+          </a:p>
+        </p:txBody>
+      </p:sp>
+      <p:sp>
+        <p:nvSpPr>
+          <p:cNvPr id="17" name="矩形 16">
+            <a:extLst>
+              <a:ext uri="{FF2B5EF4-FFF2-40B4-BE49-F238E27FC236}">
+                <a16:creationId xmlns:a16="http://schemas.microsoft.com/office/drawing/2014/main" id="{B2D4462F-34C1-4DB7-A7AA-4F8176710C5B}"/>
+              </a:ext>
+            </a:extLst>
+          </p:cNvPr>
+          <p:cNvSpPr/>
+          <p:nvPr/>
+        </p:nvSpPr>
+        <p:spPr>
+          <a:xfrm>
+            <a:off x="2578792" y="5462184"/>
+            <a:ext cx="1593752" cy="329016"/>
+          </a:xfrm>
+          <a:prstGeom prst="rect">
+            <a:avLst/>
+          </a:prstGeom>
+          <a:solidFill>
+            <a:srgbClr val="00B0F0"/>
+          </a:solidFill>
+        </p:spPr>
+        <p:style>
+          <a:lnRef idx="2">
+            <a:schemeClr val="accent1">
+              <a:shade val="50000"/>
+            </a:schemeClr>
+          </a:lnRef>
+          <a:fillRef idx="1">
+            <a:schemeClr val="accent1"/>
+          </a:fillRef>
+          <a:effectRef idx="0">
+            <a:schemeClr val="accent1"/>
+          </a:effectRef>
+          <a:fontRef idx="minor">
+            <a:schemeClr val="lt1"/>
+          </a:fontRef>
+        </p:style>
+        <p:txBody>
+          <a:bodyPr rtlCol="0" anchor="ctr"/>
+          <a:lstStyle/>
+          <a:p>
+            <a:pPr algn="ctr"/>
+            <a:r>
+              <a:rPr lang="zh-CN" altLang="en-US" dirty="0"/>
+              <a:t>反馈</a:t>
+            </a:r>
           </a:p>
         </p:txBody>
       </p:sp>
@@ -10133,7 +10801,13 @@
       </p:grpSpPr>
       <p:sp>
         <p:nvSpPr>
-          <p:cNvPr id="2" name="标题 1"/>
+          <p:cNvPr id="2" name="标题 1">
+            <a:extLst>
+              <a:ext uri="{FF2B5EF4-FFF2-40B4-BE49-F238E27FC236}">
+                <a16:creationId xmlns:a16="http://schemas.microsoft.com/office/drawing/2014/main" id="{C70847FC-67D9-4625-B5BB-04349003B3CA}"/>
+              </a:ext>
+            </a:extLst>
+          </p:cNvPr>
           <p:cNvSpPr>
             <a:spLocks noGrp="1"/>
           </p:cNvSpPr>
@@ -10153,131 +10827,40 @@
           </a:p>
         </p:txBody>
       </p:sp>
-      <p:sp>
-        <p:nvSpPr>
-          <p:cNvPr id="3" name="内容占位符 2"/>
-          <p:cNvSpPr>
-            <a:spLocks noGrp="1"/>
-          </p:cNvSpPr>
-          <p:nvPr>
-            <p:ph sz="half" idx="1"/>
-          </p:nvPr>
-        </p:nvSpPr>
-        <p:spPr/>
-        <p:txBody>
-          <a:bodyPr/>
-          <a:lstStyle/>
-          <a:p>
-            <a:endParaRPr lang="zh-CN" altLang="en-US" dirty="0"/>
-          </a:p>
-          <a:p>
-            <a:r>
-              <a:rPr lang="zh-CN" altLang="en-US" dirty="0"/>
-              <a:t>描述动机 </a:t>
-            </a:r>
-            <a:endParaRPr lang="en-US" altLang="zh-CN" dirty="0"/>
-          </a:p>
-          <a:p>
-            <a:pPr lvl="1"/>
-            <a:r>
-              <a:rPr lang="zh-CN" altLang="en-US" dirty="0"/>
-              <a:t>让技术有参与感 </a:t>
-            </a:r>
-          </a:p>
-          <a:p>
-            <a:pPr lvl="1"/>
-            <a:r>
-              <a:rPr lang="zh-CN" altLang="en-US" dirty="0"/>
-              <a:t>更深刻的理解需求的目的 </a:t>
-            </a:r>
-          </a:p>
-          <a:p>
-            <a:pPr lvl="1"/>
-            <a:r>
-              <a:rPr lang="zh-CN" altLang="en-US" dirty="0"/>
-              <a:t>找出需求中未挖掘到的内容 </a:t>
-            </a:r>
-          </a:p>
-          <a:p>
-            <a:pPr lvl="1"/>
-            <a:r>
-              <a:rPr lang="zh-CN" altLang="en-US" dirty="0"/>
-              <a:t>找出更容易的实现方法 </a:t>
-            </a:r>
-          </a:p>
-          <a:p>
-            <a:pPr lvl="1"/>
-            <a:r>
-              <a:rPr lang="zh-CN" altLang="en-US" dirty="0"/>
-              <a:t>为之后的沟通做好铺垫 </a:t>
-            </a:r>
-          </a:p>
-          <a:p>
-            <a:endParaRPr lang="zh-CN" altLang="en-US" dirty="0"/>
-          </a:p>
-        </p:txBody>
-      </p:sp>
-      <p:sp>
-        <p:nvSpPr>
-          <p:cNvPr id="4" name="内容占位符 3"/>
-          <p:cNvSpPr>
-            <a:spLocks noGrp="1"/>
-          </p:cNvSpPr>
-          <p:nvPr>
-            <p:ph sz="half" idx="2"/>
-          </p:nvPr>
-        </p:nvSpPr>
-        <p:spPr/>
-        <p:txBody>
-          <a:bodyPr/>
-          <a:lstStyle/>
-          <a:p>
-            <a:endParaRPr lang="zh-CN" altLang="en-US" dirty="0"/>
-          </a:p>
-          <a:p>
-            <a:r>
-              <a:rPr lang="zh-CN" altLang="en-US" dirty="0"/>
-              <a:t>整理思路 </a:t>
-            </a:r>
-            <a:endParaRPr lang="en-US" altLang="zh-CN" dirty="0"/>
-          </a:p>
-          <a:p>
-            <a:pPr lvl="1"/>
-            <a:r>
-              <a:rPr lang="zh-CN" altLang="en-US" dirty="0"/>
-              <a:t>记录下混乱的思绪 </a:t>
-            </a:r>
-          </a:p>
-          <a:p>
-            <a:pPr lvl="1"/>
-            <a:r>
-              <a:rPr lang="zh-CN" altLang="en-US" dirty="0"/>
-              <a:t>整理和归纳 </a:t>
-            </a:r>
-          </a:p>
-          <a:p>
-            <a:pPr lvl="1"/>
-            <a:r>
-              <a:rPr lang="zh-CN" altLang="en-US" dirty="0"/>
-              <a:t>查漏补缺 </a:t>
-            </a:r>
-          </a:p>
-          <a:p>
-            <a:pPr lvl="1"/>
-            <a:r>
-              <a:rPr lang="zh-CN" altLang="en-US" dirty="0"/>
-              <a:t>跟原始的动机做比较 </a:t>
-            </a:r>
-          </a:p>
-          <a:p>
-            <a:endParaRPr lang="zh-CN" altLang="en-US" dirty="0"/>
-          </a:p>
-        </p:txBody>
-      </p:sp>
+      <p:pic>
+        <p:nvPicPr>
+          <p:cNvPr id="6" name="图片 5">
+            <a:extLst>
+              <a:ext uri="{FF2B5EF4-FFF2-40B4-BE49-F238E27FC236}">
+                <a16:creationId xmlns:a16="http://schemas.microsoft.com/office/drawing/2014/main" id="{82D5202C-EF55-47A3-998C-ECF412025F9C}"/>
+              </a:ext>
+            </a:extLst>
+          </p:cNvPr>
+          <p:cNvPicPr>
+            <a:picLocks noChangeAspect="1"/>
+          </p:cNvPicPr>
+          <p:nvPr/>
+        </p:nvPicPr>
+        <p:blipFill>
+          <a:blip r:embed="rId2"/>
+          <a:stretch>
+            <a:fillRect/>
+          </a:stretch>
+        </p:blipFill>
+        <p:spPr>
+          <a:xfrm>
+            <a:off x="-5324" y="1717343"/>
+            <a:ext cx="12192000" cy="5140657"/>
+          </a:xfrm>
+          <a:prstGeom prst="rect">
+            <a:avLst/>
+          </a:prstGeom>
+        </p:spPr>
+      </p:pic>
     </p:spTree>
     <p:extLst>
       <p:ext uri="{BB962C8B-B14F-4D97-AF65-F5344CB8AC3E}">
-        <p14:creationId xmlns:p14="http://schemas.microsoft.com/office/powerpoint/2010/main" val="3633838759"/>
+        <p14:creationId xmlns:p14="http://schemas.microsoft.com/office/powerpoint/2010/main" val="1252801229"/>
       </p:ext>
     </p:extLst>
   </p:cSld>
@@ -10321,7 +10904,7 @@
           <a:p>
             <a:r>
               <a:rPr lang="zh-CN" altLang="en-US" dirty="0"/>
-              <a:t>制作需求文档</a:t>
+              <a:t>如何向技术人员提需求</a:t>
             </a:r>
           </a:p>
         </p:txBody>
@@ -10336,156 +10919,628 @@
             <p:ph sz="half" idx="1"/>
           </p:nvPr>
         </p:nvSpPr>
-        <p:spPr/>
+        <p:spPr>
+          <a:xfrm>
+            <a:off x="2423235" y="1732447"/>
+            <a:ext cx="3667441" cy="4515951"/>
+          </a:xfrm>
+          <a:solidFill>
+            <a:schemeClr val="accent2">
+              <a:lumMod val="20000"/>
+              <a:lumOff val="80000"/>
+            </a:schemeClr>
+          </a:solidFill>
+          <a:effectLst>
+            <a:outerShdw blurRad="63500" sx="102000" sy="102000" algn="ctr" rotWithShape="0">
+              <a:prstClr val="black">
+                <a:alpha val="40000"/>
+              </a:prstClr>
+            </a:outerShdw>
+            <a:softEdge rad="63500"/>
+          </a:effectLst>
+        </p:spPr>
         <p:txBody>
           <a:bodyPr>
             <a:normAutofit/>
           </a:bodyPr>
           <a:lstStyle/>
           <a:p>
-            <a:r>
-              <a:rPr lang="zh-CN" altLang="en-US" dirty="0"/>
-              <a:t>文案 </a:t>
-            </a:r>
-            <a:endParaRPr lang="en-US" altLang="zh-CN" dirty="0"/>
-          </a:p>
-          <a:p>
-            <a:pPr lvl="1"/>
-            <a:r>
-              <a:rPr lang="zh-CN" altLang="en-US" dirty="0"/>
-              <a:t>词汇列表</a:t>
-            </a:r>
-            <a:endParaRPr lang="en-US" altLang="zh-CN" dirty="0"/>
-          </a:p>
-          <a:p>
-            <a:pPr lvl="1"/>
-            <a:r>
-              <a:rPr lang="zh-CN" altLang="en-US" dirty="0"/>
-              <a:t>功能描述</a:t>
-            </a:r>
-            <a:endParaRPr lang="en-US" altLang="zh-CN" dirty="0"/>
-          </a:p>
-          <a:p>
-            <a:pPr lvl="1"/>
-            <a:r>
-              <a:rPr lang="zh-CN" altLang="en-US" dirty="0"/>
-              <a:t>操作手册</a:t>
-            </a:r>
-            <a:endParaRPr lang="en-US" altLang="zh-CN" dirty="0"/>
-          </a:p>
-          <a:p>
-            <a:r>
-              <a:rPr lang="zh-CN" altLang="en-US" dirty="0"/>
-              <a:t>数据</a:t>
-            </a:r>
-          </a:p>
-          <a:p>
-            <a:pPr lvl="1"/>
-            <a:r>
-              <a:rPr lang="en-US" altLang="zh-CN" dirty="0"/>
-              <a:t>CSV</a:t>
-            </a:r>
-          </a:p>
-          <a:p>
-            <a:pPr lvl="1"/>
-            <a:r>
-              <a:rPr lang="en-US" altLang="zh-CN" dirty="0"/>
-              <a:t>XML</a:t>
-            </a:r>
-          </a:p>
-          <a:p>
-            <a:r>
-              <a:rPr lang="zh-CN" altLang="en-US" dirty="0"/>
-              <a:t>日志</a:t>
-            </a:r>
-            <a:endParaRPr lang="en-US" altLang="zh-CN" dirty="0"/>
-          </a:p>
-          <a:p>
-            <a:r>
-              <a:rPr lang="zh-CN" altLang="en-US" dirty="0"/>
-              <a:t>验收标准</a:t>
-            </a:r>
-          </a:p>
-        </p:txBody>
-      </p:sp>
-      <p:sp>
-        <p:nvSpPr>
-          <p:cNvPr id="4" name="内容占位符 3"/>
-          <p:cNvSpPr>
-            <a:spLocks noGrp="1"/>
-          </p:cNvSpPr>
-          <p:nvPr>
-            <p:ph sz="half" idx="2"/>
-          </p:nvPr>
-        </p:nvSpPr>
-        <p:spPr/>
-        <p:txBody>
-          <a:bodyPr>
+            <a:endParaRPr lang="zh-CN" altLang="en-US" dirty="0">
+              <a:solidFill>
+                <a:schemeClr val="bg1"/>
+              </a:solidFill>
+            </a:endParaRPr>
+          </a:p>
+          <a:p>
+            <a:pPr marL="36900" indent="0" algn="ctr">
+              <a:buNone/>
+            </a:pPr>
+            <a:r>
+              <a:rPr lang="zh-CN" altLang="en-US" sz="3000" dirty="0">
+                <a:solidFill>
+                  <a:schemeClr val="bg1"/>
+                </a:solidFill>
+              </a:rPr>
+              <a:t>描述动机 </a:t>
+            </a:r>
+            <a:endParaRPr lang="en-US" altLang="zh-CN" sz="3000" dirty="0">
+              <a:solidFill>
+                <a:schemeClr val="bg1"/>
+              </a:solidFill>
+            </a:endParaRPr>
+          </a:p>
+          <a:p>
+            <a:pPr marL="36900" indent="0" algn="ctr">
+              <a:buNone/>
+            </a:pPr>
+            <a:endParaRPr lang="en-US" altLang="zh-CN" dirty="0">
+              <a:solidFill>
+                <a:schemeClr val="bg1"/>
+              </a:solidFill>
+            </a:endParaRPr>
+          </a:p>
+          <a:p>
+            <a:pPr marL="36900" indent="0" algn="ctr">
+              <a:buNone/>
+            </a:pPr>
+            <a:r>
+              <a:rPr lang="zh-CN" altLang="en-US" dirty="0">
+                <a:solidFill>
+                  <a:srgbClr val="FF0000"/>
+                </a:solidFill>
+              </a:rPr>
+              <a:t>让技术有参与感 </a:t>
+            </a:r>
+          </a:p>
+          <a:p>
+            <a:pPr marL="36900" indent="0" algn="ctr">
+              <a:buNone/>
+            </a:pPr>
+            <a:r>
+              <a:rPr lang="zh-CN" altLang="en-US" dirty="0">
+                <a:solidFill>
+                  <a:srgbClr val="FF0000"/>
+                </a:solidFill>
+              </a:rPr>
+              <a:t>更深刻的理解需求的目的 </a:t>
+            </a:r>
+          </a:p>
+          <a:p>
+            <a:pPr marL="36900" indent="0" algn="ctr">
+              <a:buNone/>
+            </a:pPr>
+            <a:r>
+              <a:rPr lang="zh-CN" altLang="en-US" dirty="0">
+                <a:solidFill>
+                  <a:srgbClr val="FF0000"/>
+                </a:solidFill>
+              </a:rPr>
+              <a:t>找出需求中未挖掘到的内容 </a:t>
+            </a:r>
+          </a:p>
+          <a:p>
+            <a:pPr marL="36900" indent="0" algn="ctr">
+              <a:buNone/>
+            </a:pPr>
+            <a:r>
+              <a:rPr lang="zh-CN" altLang="en-US" dirty="0">
+                <a:solidFill>
+                  <a:srgbClr val="FF0000"/>
+                </a:solidFill>
+              </a:rPr>
+              <a:t>找出更容易的实现方法 </a:t>
+            </a:r>
+          </a:p>
+          <a:p>
+            <a:pPr marL="36900" indent="0" algn="ctr">
+              <a:buNone/>
+            </a:pPr>
+            <a:r>
+              <a:rPr lang="zh-CN" altLang="en-US" dirty="0">
+                <a:solidFill>
+                  <a:srgbClr val="FF0000"/>
+                </a:solidFill>
+              </a:rPr>
+              <a:t>为之后的沟通做好铺垫 </a:t>
+            </a:r>
+          </a:p>
+          <a:p>
+            <a:endParaRPr lang="zh-CN" altLang="en-US" dirty="0">
+              <a:solidFill>
+                <a:schemeClr val="bg1"/>
+              </a:solidFill>
+            </a:endParaRPr>
+          </a:p>
+        </p:txBody>
+      </p:sp>
+      <p:sp>
+        <p:nvSpPr>
+          <p:cNvPr id="7" name="内容占位符 2">
+            <a:extLst>
+              <a:ext uri="{FF2B5EF4-FFF2-40B4-BE49-F238E27FC236}">
+                <a16:creationId xmlns:a16="http://schemas.microsoft.com/office/drawing/2014/main" id="{08983D9C-DD3F-41EE-B7F8-B31249260137}"/>
+              </a:ext>
+            </a:extLst>
+          </p:cNvPr>
+          <p:cNvSpPr txBox="1">
+            <a:spLocks/>
+          </p:cNvSpPr>
+          <p:nvPr/>
+        </p:nvSpPr>
+        <p:spPr>
+          <a:xfrm>
+            <a:off x="6090676" y="1732447"/>
+            <a:ext cx="3667441" cy="4515951"/>
+          </a:xfrm>
+          <a:prstGeom prst="rect">
+            <a:avLst/>
+          </a:prstGeom>
+          <a:solidFill>
+            <a:schemeClr val="accent2">
+              <a:lumMod val="20000"/>
+              <a:lumOff val="80000"/>
+            </a:schemeClr>
+          </a:solidFill>
+          <a:effectLst>
+            <a:outerShdw blurRad="63500" sx="102000" sy="102000" algn="ctr" rotWithShape="0">
+              <a:prstClr val="black">
+                <a:alpha val="40000"/>
+              </a:prstClr>
+            </a:outerShdw>
+            <a:softEdge rad="63500"/>
+          </a:effectLst>
+        </p:spPr>
+        <p:txBody>
+          <a:bodyPr vert="horz" lIns="91440" tIns="45720" rIns="91440" bIns="45720" rtlCol="0" anchor="t">
             <a:normAutofit/>
           </a:bodyPr>
-          <a:lstStyle/>
-          <a:p>
-            <a:r>
-              <a:rPr lang="zh-CN" altLang="en-US" dirty="0"/>
-              <a:t>美术 </a:t>
-            </a:r>
-          </a:p>
-          <a:p>
-            <a:pPr lvl="1"/>
-            <a:r>
-              <a:rPr lang="zh-CN" altLang="en-US" dirty="0"/>
-              <a:t>图素 </a:t>
-            </a:r>
-            <a:endParaRPr lang="en-US" altLang="zh-CN" dirty="0"/>
-          </a:p>
-          <a:p>
-            <a:pPr lvl="1"/>
-            <a:r>
-              <a:rPr lang="zh-CN" altLang="en-US" dirty="0"/>
-              <a:t>图标</a:t>
-            </a:r>
-          </a:p>
-          <a:p>
-            <a:pPr lvl="1"/>
-            <a:r>
-              <a:rPr lang="zh-CN" altLang="en-US" dirty="0"/>
-              <a:t>特效 </a:t>
-            </a:r>
-            <a:endParaRPr lang="en-US" altLang="zh-CN" dirty="0"/>
-          </a:p>
-          <a:p>
-            <a:pPr lvl="1"/>
-            <a:r>
-              <a:rPr lang="zh-CN" altLang="en-US" dirty="0"/>
-              <a:t>动画</a:t>
-            </a:r>
-          </a:p>
-          <a:p>
-            <a:pPr lvl="1"/>
-            <a:r>
-              <a:rPr lang="zh-CN" altLang="en-US" dirty="0"/>
-              <a:t>场景 </a:t>
-            </a:r>
-          </a:p>
-          <a:p>
-            <a:pPr lvl="2"/>
-            <a:r>
-              <a:rPr lang="zh-CN" altLang="en-US" dirty="0"/>
-              <a:t>地图 </a:t>
-            </a:r>
-          </a:p>
-          <a:p>
-            <a:pPr lvl="2"/>
-            <a:r>
-              <a:rPr lang="zh-CN" altLang="en-US" dirty="0"/>
-              <a:t>模型 </a:t>
-            </a:r>
-          </a:p>
-          <a:p>
-            <a:pPr lvl="2"/>
-            <a:r>
-              <a:rPr lang="zh-CN" altLang="en-US" dirty="0"/>
-              <a:t>场景动画 </a:t>
+          <a:lstStyle>
+            <a:lvl1pPr marL="342900" indent="-306000" algn="l" defTabSz="457200" rtl="0" eaLnBrk="1" latinLnBrk="0" hangingPunct="1">
+              <a:spcBef>
+                <a:spcPct val="20000"/>
+              </a:spcBef>
+              <a:spcAft>
+                <a:spcPts val="600"/>
+              </a:spcAft>
+              <a:buClr>
+                <a:schemeClr val="tx2"/>
+              </a:buClr>
+              <a:buSzPct val="70000"/>
+              <a:buFont typeface="Wingdings 2" charset="2"/>
+              <a:buChar char=""/>
+              <a:defRPr sz="2000" kern="1200">
+                <a:ln>
+                  <a:solidFill>
+                    <a:schemeClr val="bg1">
+                      <a:lumMod val="75000"/>
+                      <a:lumOff val="25000"/>
+                      <a:alpha val="10000"/>
+                    </a:schemeClr>
+                  </a:solidFill>
+                </a:ln>
+                <a:solidFill>
+                  <a:schemeClr val="tx2"/>
+                </a:solidFill>
+                <a:effectLst>
+                  <a:outerShdw blurRad="9525" dist="25400" dir="14640000" algn="tl" rotWithShape="0">
+                    <a:schemeClr val="bg1">
+                      <a:alpha val="30000"/>
+                    </a:schemeClr>
+                  </a:outerShdw>
+                </a:effectLst>
+                <a:latin typeface="+mn-lt"/>
+                <a:ea typeface="+mn-ea"/>
+                <a:cs typeface="+mn-cs"/>
+              </a:defRPr>
+            </a:lvl1pPr>
+            <a:lvl2pPr marL="720000" indent="-270000" algn="l" defTabSz="457200" rtl="0" eaLnBrk="1" latinLnBrk="0" hangingPunct="1">
+              <a:spcBef>
+                <a:spcPct val="20000"/>
+              </a:spcBef>
+              <a:spcAft>
+                <a:spcPts val="600"/>
+              </a:spcAft>
+              <a:buClr>
+                <a:schemeClr val="tx2"/>
+              </a:buClr>
+              <a:buSzPct val="70000"/>
+              <a:buFont typeface="Wingdings 2" charset="2"/>
+              <a:buChar char=""/>
+              <a:defRPr sz="1800" kern="1200">
+                <a:ln>
+                  <a:solidFill>
+                    <a:schemeClr val="bg1">
+                      <a:lumMod val="75000"/>
+                      <a:lumOff val="25000"/>
+                      <a:alpha val="10000"/>
+                    </a:schemeClr>
+                  </a:solidFill>
+                </a:ln>
+                <a:solidFill>
+                  <a:schemeClr val="tx2"/>
+                </a:solidFill>
+                <a:effectLst>
+                  <a:outerShdw blurRad="9525" dist="25400" dir="14640000" algn="tl" rotWithShape="0">
+                    <a:schemeClr val="bg1">
+                      <a:alpha val="30000"/>
+                    </a:schemeClr>
+                  </a:outerShdw>
+                </a:effectLst>
+                <a:latin typeface="+mn-lt"/>
+                <a:ea typeface="+mn-ea"/>
+                <a:cs typeface="+mn-cs"/>
+              </a:defRPr>
+            </a:lvl2pPr>
+            <a:lvl3pPr marL="1026000" indent="-216000" algn="l" defTabSz="457200" rtl="0" eaLnBrk="1" latinLnBrk="0" hangingPunct="1">
+              <a:spcBef>
+                <a:spcPct val="20000"/>
+              </a:spcBef>
+              <a:spcAft>
+                <a:spcPts val="600"/>
+              </a:spcAft>
+              <a:buClr>
+                <a:schemeClr val="tx2"/>
+              </a:buClr>
+              <a:buSzPct val="70000"/>
+              <a:buFont typeface="Wingdings 2" charset="2"/>
+              <a:buChar char=""/>
+              <a:defRPr sz="1600" kern="1200">
+                <a:ln>
+                  <a:solidFill>
+                    <a:schemeClr val="bg1">
+                      <a:lumMod val="75000"/>
+                      <a:lumOff val="25000"/>
+                      <a:alpha val="10000"/>
+                    </a:schemeClr>
+                  </a:solidFill>
+                </a:ln>
+                <a:solidFill>
+                  <a:schemeClr val="tx2"/>
+                </a:solidFill>
+                <a:effectLst>
+                  <a:outerShdw blurRad="9525" dist="25400" dir="14640000" algn="tl" rotWithShape="0">
+                    <a:schemeClr val="bg1">
+                      <a:alpha val="30000"/>
+                    </a:schemeClr>
+                  </a:outerShdw>
+                </a:effectLst>
+                <a:latin typeface="+mn-lt"/>
+                <a:ea typeface="+mn-ea"/>
+                <a:cs typeface="+mn-cs"/>
+              </a:defRPr>
+            </a:lvl3pPr>
+            <a:lvl4pPr marL="1386000" indent="-216000" algn="l" defTabSz="457200" rtl="0" eaLnBrk="1" latinLnBrk="0" hangingPunct="1">
+              <a:spcBef>
+                <a:spcPct val="20000"/>
+              </a:spcBef>
+              <a:spcAft>
+                <a:spcPts val="600"/>
+              </a:spcAft>
+              <a:buClr>
+                <a:schemeClr val="tx2"/>
+              </a:buClr>
+              <a:buSzPct val="70000"/>
+              <a:buFont typeface="Wingdings 2" charset="2"/>
+              <a:buChar char=""/>
+              <a:defRPr sz="1400" kern="1200">
+                <a:ln>
+                  <a:solidFill>
+                    <a:schemeClr val="bg1">
+                      <a:lumMod val="75000"/>
+                      <a:lumOff val="25000"/>
+                      <a:alpha val="10000"/>
+                    </a:schemeClr>
+                  </a:solidFill>
+                </a:ln>
+                <a:solidFill>
+                  <a:schemeClr val="tx2"/>
+                </a:solidFill>
+                <a:effectLst>
+                  <a:outerShdw blurRad="9525" dist="25400" dir="14640000" algn="tl" rotWithShape="0">
+                    <a:schemeClr val="bg1">
+                      <a:alpha val="30000"/>
+                    </a:schemeClr>
+                  </a:outerShdw>
+                </a:effectLst>
+                <a:latin typeface="+mn-lt"/>
+                <a:ea typeface="+mn-ea"/>
+                <a:cs typeface="+mn-cs"/>
+              </a:defRPr>
+            </a:lvl4pPr>
+            <a:lvl5pPr marL="1674000" indent="-216000" algn="l" defTabSz="457200" rtl="0" eaLnBrk="1" latinLnBrk="0" hangingPunct="1">
+              <a:spcBef>
+                <a:spcPct val="20000"/>
+              </a:spcBef>
+              <a:spcAft>
+                <a:spcPts val="600"/>
+              </a:spcAft>
+              <a:buClr>
+                <a:schemeClr val="tx2"/>
+              </a:buClr>
+              <a:buSzPct val="70000"/>
+              <a:buFont typeface="Wingdings 2" charset="2"/>
+              <a:buChar char=""/>
+              <a:defRPr sz="1400" kern="1200">
+                <a:ln>
+                  <a:solidFill>
+                    <a:schemeClr val="bg1">
+                      <a:lumMod val="75000"/>
+                      <a:lumOff val="25000"/>
+                      <a:alpha val="10000"/>
+                    </a:schemeClr>
+                  </a:solidFill>
+                </a:ln>
+                <a:solidFill>
+                  <a:schemeClr val="tx2"/>
+                </a:solidFill>
+                <a:effectLst>
+                  <a:outerShdw blurRad="9525" dist="25400" dir="14640000" algn="tl" rotWithShape="0">
+                    <a:schemeClr val="bg1">
+                      <a:alpha val="30000"/>
+                    </a:schemeClr>
+                  </a:outerShdw>
+                </a:effectLst>
+                <a:latin typeface="+mn-lt"/>
+                <a:ea typeface="+mn-ea"/>
+                <a:cs typeface="+mn-cs"/>
+              </a:defRPr>
+            </a:lvl5pPr>
+            <a:lvl6pPr marL="2014600" indent="-228600" algn="l" defTabSz="457200" rtl="0" eaLnBrk="1" latinLnBrk="0" hangingPunct="1">
+              <a:spcBef>
+                <a:spcPct val="20000"/>
+              </a:spcBef>
+              <a:spcAft>
+                <a:spcPts val="600"/>
+              </a:spcAft>
+              <a:buClr>
+                <a:schemeClr val="tx2"/>
+              </a:buClr>
+              <a:buSzPct val="70000"/>
+              <a:buFont typeface="Wingdings 2" charset="2"/>
+              <a:buChar char=""/>
+              <a:defRPr sz="1400" kern="1200">
+                <a:ln>
+                  <a:solidFill>
+                    <a:schemeClr val="bg1">
+                      <a:lumMod val="75000"/>
+                      <a:lumOff val="25000"/>
+                      <a:alpha val="10000"/>
+                    </a:schemeClr>
+                  </a:solidFill>
+                </a:ln>
+                <a:solidFill>
+                  <a:schemeClr val="tx2"/>
+                </a:solidFill>
+                <a:effectLst>
+                  <a:outerShdw blurRad="9525" dist="25400" dir="14640000" algn="tl" rotWithShape="0">
+                    <a:schemeClr val="bg1">
+                      <a:alpha val="30000"/>
+                    </a:schemeClr>
+                  </a:outerShdw>
+                </a:effectLst>
+                <a:latin typeface="+mn-lt"/>
+                <a:ea typeface="+mn-ea"/>
+                <a:cs typeface="+mn-cs"/>
+              </a:defRPr>
+            </a:lvl6pPr>
+            <a:lvl7pPr marL="2401800" indent="-228600" algn="l" defTabSz="457200" rtl="0" eaLnBrk="1" latinLnBrk="0" hangingPunct="1">
+              <a:spcBef>
+                <a:spcPct val="20000"/>
+              </a:spcBef>
+              <a:spcAft>
+                <a:spcPts val="600"/>
+              </a:spcAft>
+              <a:buClr>
+                <a:schemeClr val="tx2"/>
+              </a:buClr>
+              <a:buSzPct val="70000"/>
+              <a:buFont typeface="Wingdings 2" charset="2"/>
+              <a:buChar char=""/>
+              <a:defRPr sz="1400" kern="1200">
+                <a:ln>
+                  <a:solidFill>
+                    <a:schemeClr val="bg1">
+                      <a:lumMod val="75000"/>
+                      <a:lumOff val="25000"/>
+                      <a:alpha val="10000"/>
+                    </a:schemeClr>
+                  </a:solidFill>
+                </a:ln>
+                <a:solidFill>
+                  <a:schemeClr val="tx2"/>
+                </a:solidFill>
+                <a:effectLst>
+                  <a:outerShdw blurRad="9525" dist="25400" dir="14640000" algn="tl" rotWithShape="0">
+                    <a:schemeClr val="bg1">
+                      <a:alpha val="30000"/>
+                    </a:schemeClr>
+                  </a:outerShdw>
+                </a:effectLst>
+                <a:latin typeface="+mn-lt"/>
+                <a:ea typeface="+mn-ea"/>
+                <a:cs typeface="+mn-cs"/>
+              </a:defRPr>
+            </a:lvl7pPr>
+            <a:lvl8pPr marL="2789000" indent="-228600" algn="l" defTabSz="457200" rtl="0" eaLnBrk="1" latinLnBrk="0" hangingPunct="1">
+              <a:spcBef>
+                <a:spcPct val="20000"/>
+              </a:spcBef>
+              <a:spcAft>
+                <a:spcPts val="600"/>
+              </a:spcAft>
+              <a:buClr>
+                <a:schemeClr val="tx2"/>
+              </a:buClr>
+              <a:buSzPct val="70000"/>
+              <a:buFont typeface="Wingdings 2" charset="2"/>
+              <a:buChar char=""/>
+              <a:defRPr sz="1400" kern="1200">
+                <a:ln>
+                  <a:solidFill>
+                    <a:schemeClr val="bg1">
+                      <a:lumMod val="75000"/>
+                      <a:lumOff val="25000"/>
+                      <a:alpha val="10000"/>
+                    </a:schemeClr>
+                  </a:solidFill>
+                </a:ln>
+                <a:solidFill>
+                  <a:schemeClr val="tx2"/>
+                </a:solidFill>
+                <a:effectLst>
+                  <a:outerShdw blurRad="9525" dist="25400" dir="14640000" algn="tl" rotWithShape="0">
+                    <a:schemeClr val="bg1">
+                      <a:alpha val="30000"/>
+                    </a:schemeClr>
+                  </a:outerShdw>
+                </a:effectLst>
+                <a:latin typeface="+mn-lt"/>
+                <a:ea typeface="+mn-ea"/>
+                <a:cs typeface="+mn-cs"/>
+              </a:defRPr>
+            </a:lvl8pPr>
+            <a:lvl9pPr marL="3106200" indent="-228600" algn="l" defTabSz="457200" rtl="0" eaLnBrk="1" latinLnBrk="0" hangingPunct="1">
+              <a:spcBef>
+                <a:spcPct val="20000"/>
+              </a:spcBef>
+              <a:spcAft>
+                <a:spcPts val="600"/>
+              </a:spcAft>
+              <a:buClr>
+                <a:schemeClr val="tx2"/>
+              </a:buClr>
+              <a:buSzPct val="70000"/>
+              <a:buFont typeface="Wingdings 2" charset="2"/>
+              <a:buChar char=""/>
+              <a:defRPr sz="1400" kern="1200">
+                <a:ln>
+                  <a:solidFill>
+                    <a:schemeClr val="bg1">
+                      <a:lumMod val="75000"/>
+                      <a:lumOff val="25000"/>
+                      <a:alpha val="10000"/>
+                    </a:schemeClr>
+                  </a:solidFill>
+                </a:ln>
+                <a:solidFill>
+                  <a:schemeClr val="tx2"/>
+                </a:solidFill>
+                <a:effectLst>
+                  <a:outerShdw blurRad="9525" dist="25400" dir="14640000" algn="tl" rotWithShape="0">
+                    <a:schemeClr val="bg1">
+                      <a:alpha val="30000"/>
+                    </a:schemeClr>
+                  </a:outerShdw>
+                </a:effectLst>
+                <a:latin typeface="+mn-lt"/>
+                <a:ea typeface="+mn-ea"/>
+                <a:cs typeface="+mn-cs"/>
+              </a:defRPr>
+            </a:lvl9pPr>
+          </a:lstStyle>
+          <a:p>
+            <a:endParaRPr lang="zh-CN" altLang="en-US" dirty="0">
+              <a:solidFill>
+                <a:schemeClr val="bg1"/>
+              </a:solidFill>
+            </a:endParaRPr>
+          </a:p>
+          <a:p>
+            <a:pPr marL="36900" indent="0" algn="ctr">
+              <a:buFont typeface="Wingdings 2" charset="2"/>
+              <a:buNone/>
+            </a:pPr>
+            <a:r>
+              <a:rPr lang="zh-CN" altLang="en-US" sz="3000" dirty="0">
+                <a:solidFill>
+                  <a:schemeClr val="bg1"/>
+                </a:solidFill>
+              </a:rPr>
+              <a:t>描述未来</a:t>
+            </a:r>
+            <a:endParaRPr lang="en-US" altLang="zh-CN" sz="3000" dirty="0">
+              <a:solidFill>
+                <a:schemeClr val="bg1"/>
+              </a:solidFill>
+            </a:endParaRPr>
+          </a:p>
+          <a:p>
+            <a:pPr marL="36900" indent="0" algn="ctr">
+              <a:buFont typeface="Wingdings 2" charset="2"/>
+              <a:buNone/>
+            </a:pPr>
+            <a:endParaRPr lang="en-US" altLang="zh-CN" dirty="0">
+              <a:solidFill>
+                <a:schemeClr val="bg1"/>
+              </a:solidFill>
+            </a:endParaRPr>
+          </a:p>
+          <a:p>
+            <a:pPr marL="36900" indent="0" algn="ctr">
+              <a:buNone/>
+            </a:pPr>
+            <a:r>
+              <a:rPr lang="zh-CN" altLang="en-US" dirty="0">
+                <a:solidFill>
+                  <a:srgbClr val="FF0000"/>
+                </a:solidFill>
+              </a:rPr>
+              <a:t>区分需求类型</a:t>
+            </a:r>
+            <a:endParaRPr lang="en-US" altLang="zh-CN" dirty="0">
+              <a:solidFill>
+                <a:srgbClr val="FF0000"/>
+              </a:solidFill>
+            </a:endParaRPr>
+          </a:p>
+          <a:p>
+            <a:pPr marL="36900" indent="0" algn="ctr">
+              <a:buFont typeface="Wingdings 2" charset="2"/>
+              <a:buNone/>
+            </a:pPr>
+            <a:r>
+              <a:rPr lang="zh-CN" altLang="en-US" dirty="0">
+                <a:solidFill>
+                  <a:srgbClr val="FF0000"/>
+                </a:solidFill>
+              </a:rPr>
+              <a:t>把控需求变更</a:t>
+            </a:r>
+            <a:endParaRPr lang="en-US" altLang="zh-CN" dirty="0">
+              <a:solidFill>
+                <a:srgbClr val="FF0000"/>
+              </a:solidFill>
+            </a:endParaRPr>
+          </a:p>
+          <a:p>
+            <a:pPr marL="36900" indent="0" algn="ctr">
+              <a:buNone/>
+            </a:pPr>
+            <a:r>
+              <a:rPr lang="zh-CN" altLang="en-US" dirty="0">
+                <a:solidFill>
+                  <a:srgbClr val="FF0000"/>
+                </a:solidFill>
+              </a:rPr>
+              <a:t>降低后续需求实施难度</a:t>
+            </a:r>
+            <a:endParaRPr lang="en-US" altLang="zh-CN" dirty="0">
+              <a:solidFill>
+                <a:srgbClr val="FF0000"/>
+              </a:solidFill>
+            </a:endParaRPr>
+          </a:p>
+          <a:p>
+            <a:pPr marL="36900" indent="0" algn="ctr">
+              <a:buNone/>
+            </a:pPr>
+            <a:r>
+              <a:rPr lang="zh-CN" altLang="en-US" dirty="0">
+                <a:solidFill>
+                  <a:srgbClr val="FF0000"/>
+                </a:solidFill>
+              </a:rPr>
+              <a:t>减少推倒重来的风险</a:t>
             </a:r>
           </a:p>
         </p:txBody>
@@ -10493,7 +11548,7 @@
     </p:spTree>
     <p:extLst>
       <p:ext uri="{BB962C8B-B14F-4D97-AF65-F5344CB8AC3E}">
-        <p14:creationId xmlns:p14="http://schemas.microsoft.com/office/powerpoint/2010/main" val="3773346283"/>
+        <p14:creationId xmlns:p14="http://schemas.microsoft.com/office/powerpoint/2010/main" val="3633838759"/>
       </p:ext>
     </p:extLst>
   </p:cSld>
@@ -10537,51 +11592,48 @@
           <a:p>
             <a:r>
               <a:rPr lang="zh-CN" altLang="en-US" dirty="0"/>
-              <a:t>与程序讨论</a:t>
-            </a:r>
-          </a:p>
-        </p:txBody>
-      </p:sp>
-      <p:sp>
-        <p:nvSpPr>
-          <p:cNvPr id="5" name="内容占位符 4"/>
-          <p:cNvSpPr>
-            <a:spLocks noGrp="1"/>
-          </p:cNvSpPr>
-          <p:nvPr>
-            <p:ph idx="1"/>
-          </p:nvPr>
-        </p:nvSpPr>
-        <p:spPr/>
-        <p:txBody>
-          <a:bodyPr/>
-          <a:lstStyle/>
-          <a:p>
-            <a:r>
-              <a:rPr lang="zh-CN" altLang="en-US" dirty="0"/>
-              <a:t>实现方法</a:t>
-            </a:r>
-            <a:endParaRPr lang="en-US" altLang="zh-CN" dirty="0"/>
-          </a:p>
-          <a:p>
-            <a:r>
-              <a:rPr lang="zh-CN" altLang="en-US" dirty="0"/>
-              <a:t>性能代价</a:t>
-            </a:r>
-            <a:endParaRPr lang="en-US" altLang="zh-CN" dirty="0"/>
-          </a:p>
-          <a:p>
-            <a:r>
-              <a:rPr lang="zh-CN" altLang="en-US" dirty="0"/>
-              <a:t>完成标准</a:t>
-            </a:r>
-          </a:p>
-        </p:txBody>
-      </p:sp>
+              <a:t>制作需求文档</a:t>
+            </a:r>
+          </a:p>
+        </p:txBody>
+      </p:sp>
+      <p:pic>
+        <p:nvPicPr>
+          <p:cNvPr id="10" name="图片 9">
+            <a:extLst>
+              <a:ext uri="{FF2B5EF4-FFF2-40B4-BE49-F238E27FC236}">
+                <a16:creationId xmlns:a16="http://schemas.microsoft.com/office/drawing/2014/main" id="{F4898A22-96B8-4C6D-BBFA-8F08D87025AD}"/>
+              </a:ext>
+            </a:extLst>
+          </p:cNvPr>
+          <p:cNvPicPr>
+            <a:picLocks noChangeAspect="1"/>
+          </p:cNvPicPr>
+          <p:nvPr/>
+        </p:nvPicPr>
+        <p:blipFill>
+          <a:blip r:embed="rId3"/>
+          <a:stretch>
+            <a:fillRect/>
+          </a:stretch>
+        </p:blipFill>
+        <p:spPr>
+          <a:xfrm>
+            <a:off x="2082368" y="1690544"/>
+            <a:ext cx="7661996" cy="4764244"/>
+          </a:xfrm>
+          <a:prstGeom prst="rect">
+            <a:avLst/>
+          </a:prstGeom>
+          <a:effectLst>
+            <a:softEdge rad="63500"/>
+          </a:effectLst>
+        </p:spPr>
+      </p:pic>
     </p:spTree>
     <p:extLst>
       <p:ext uri="{BB962C8B-B14F-4D97-AF65-F5344CB8AC3E}">
-        <p14:creationId xmlns:p14="http://schemas.microsoft.com/office/powerpoint/2010/main" val="889851483"/>
+        <p14:creationId xmlns:p14="http://schemas.microsoft.com/office/powerpoint/2010/main" val="3773346283"/>
       </p:ext>
     </p:extLst>
   </p:cSld>
@@ -10613,7 +11665,7 @@
           <p:cNvPr id="5" name="文本框 1">
             <a:extLst>
               <a:ext uri="{FF2B5EF4-FFF2-40B4-BE49-F238E27FC236}">
-                <a16:creationId xmlns:a16="http://schemas.microsoft.com/office/drawing/2014/main" xmlns="" id="{5261A141-7230-40E8-A699-D2D33BA51583}"/>
+                <a16:creationId xmlns:a16="http://schemas.microsoft.com/office/drawing/2014/main" id="{5261A141-7230-40E8-A699-D2D33BA51583}"/>
               </a:ext>
             </a:extLst>
           </p:cNvPr>
@@ -10678,7 +11730,7 @@
           <p:cNvPr id="2" name="标题 1">
             <a:extLst>
               <a:ext uri="{FF2B5EF4-FFF2-40B4-BE49-F238E27FC236}">
-                <a16:creationId xmlns:a16="http://schemas.microsoft.com/office/drawing/2014/main" xmlns="" id="{846D61D0-AFD6-4250-874E-918DD76C3EAB}"/>
+                <a16:creationId xmlns:a16="http://schemas.microsoft.com/office/drawing/2014/main" id="{846D61D0-AFD6-4250-874E-918DD76C3EAB}"/>
               </a:ext>
             </a:extLst>
           </p:cNvPr>
@@ -10696,135 +11748,836 @@
           <a:p>
             <a:r>
               <a:rPr lang="zh-CN" altLang="en-US" dirty="0"/>
-              <a:t>程序与策划的思维模式比较</a:t>
-            </a:r>
-          </a:p>
-        </p:txBody>
-      </p:sp>
-      <p:sp>
-        <p:nvSpPr>
-          <p:cNvPr id="3" name="内容占位符 2">
+              <a:t>程序与策划思维比较</a:t>
+            </a:r>
+          </a:p>
+        </p:txBody>
+      </p:sp>
+      <p:sp>
+        <p:nvSpPr>
+          <p:cNvPr id="5" name="矩形: 圆角 4">
             <a:extLst>
               <a:ext uri="{FF2B5EF4-FFF2-40B4-BE49-F238E27FC236}">
-                <a16:creationId xmlns:a16="http://schemas.microsoft.com/office/drawing/2014/main" xmlns="" id="{FE8098ED-F60E-4B9A-B169-EFBFE07012F8}"/>
+                <a16:creationId xmlns:a16="http://schemas.microsoft.com/office/drawing/2014/main" id="{F7A5CC55-06A1-4E08-B0A0-E2CC93A4CC9F}"/>
               </a:ext>
             </a:extLst>
           </p:cNvPr>
-          <p:cNvSpPr>
-            <a:spLocks noGrp="1"/>
-          </p:cNvSpPr>
-          <p:nvPr>
-            <p:ph sz="half" idx="1"/>
-          </p:nvPr>
-        </p:nvSpPr>
-        <p:spPr/>
-        <p:txBody>
-          <a:bodyPr/>
-          <a:lstStyle/>
-          <a:p>
-            <a:r>
-              <a:rPr lang="zh-CN" altLang="en-US" dirty="0"/>
-              <a:t>策划思维 </a:t>
-            </a:r>
-            <a:endParaRPr lang="en-US" altLang="zh-CN" dirty="0"/>
-          </a:p>
-          <a:p>
-            <a:pPr lvl="1"/>
-            <a:r>
-              <a:rPr lang="zh-CN" altLang="en-US" dirty="0"/>
-              <a:t>从使用者的角度出发</a:t>
-            </a:r>
-            <a:endParaRPr lang="en-US" altLang="zh-CN" dirty="0"/>
-          </a:p>
-          <a:p>
-            <a:pPr lvl="1"/>
-            <a:r>
-              <a:rPr lang="zh-CN" altLang="en-US" dirty="0"/>
-              <a:t>描述性的</a:t>
-            </a:r>
-            <a:endParaRPr lang="en-US" altLang="zh-CN" dirty="0"/>
-          </a:p>
-          <a:p>
-            <a:pPr lvl="1"/>
-            <a:r>
-              <a:rPr lang="zh-CN" altLang="en-US" dirty="0"/>
-              <a:t>主观的 </a:t>
-            </a:r>
-            <a:endParaRPr lang="en-US" altLang="zh-CN" dirty="0"/>
-          </a:p>
-          <a:p>
-            <a:pPr lvl="1"/>
-            <a:r>
-              <a:rPr lang="zh-CN" altLang="en-US" dirty="0"/>
-              <a:t>感性的</a:t>
-            </a:r>
-          </a:p>
-        </p:txBody>
-      </p:sp>
-      <p:sp>
-        <p:nvSpPr>
-          <p:cNvPr id="4" name="内容占位符 3">
+          <p:cNvSpPr/>
+          <p:nvPr/>
+        </p:nvSpPr>
+        <p:spPr>
+          <a:xfrm>
+            <a:off x="1521690" y="1927044"/>
+            <a:ext cx="3798456" cy="3823223"/>
+          </a:xfrm>
+          <a:prstGeom prst="roundRect">
+            <a:avLst>
+              <a:gd name="adj" fmla="val 3997"/>
+            </a:avLst>
+          </a:prstGeom>
+          <a:solidFill>
+            <a:schemeClr val="accent2">
+              <a:lumMod val="20000"/>
+              <a:lumOff val="80000"/>
+            </a:schemeClr>
+          </a:solidFill>
+        </p:spPr>
+        <p:style>
+          <a:lnRef idx="2">
+            <a:schemeClr val="accent1">
+              <a:shade val="50000"/>
+            </a:schemeClr>
+          </a:lnRef>
+          <a:fillRef idx="1">
+            <a:schemeClr val="accent1"/>
+          </a:fillRef>
+          <a:effectRef idx="0">
+            <a:schemeClr val="accent1"/>
+          </a:effectRef>
+          <a:fontRef idx="minor">
+            <a:schemeClr val="lt1"/>
+          </a:fontRef>
+        </p:style>
+        <p:txBody>
+          <a:bodyPr rtlCol="0" anchor="t"/>
+          <a:lstStyle/>
+          <a:p>
+            <a:pPr algn="ctr"/>
+            <a:r>
+              <a:rPr lang="zh-CN" altLang="en-US" dirty="0">
+                <a:solidFill>
+                  <a:srgbClr val="C00000"/>
+                </a:solidFill>
+                <a:effectLst>
+                  <a:outerShdw blurRad="38100" dist="38100" dir="2700000" algn="tl">
+                    <a:srgbClr val="000000">
+                      <a:alpha val="43137"/>
+                    </a:srgbClr>
+                  </a:outerShdw>
+                </a:effectLst>
+              </a:rPr>
+              <a:t>策划</a:t>
+            </a:r>
+          </a:p>
+        </p:txBody>
+      </p:sp>
+      <p:sp>
+        <p:nvSpPr>
+          <p:cNvPr id="7" name="矩形: 对角圆角 6">
             <a:extLst>
               <a:ext uri="{FF2B5EF4-FFF2-40B4-BE49-F238E27FC236}">
-                <a16:creationId xmlns:a16="http://schemas.microsoft.com/office/drawing/2014/main" xmlns="" id="{514426A8-828C-4F81-AAC5-E2BAB60F5E5B}"/>
+                <a16:creationId xmlns:a16="http://schemas.microsoft.com/office/drawing/2014/main" id="{DE0E0D71-7595-4A05-BA54-665F33550C24}"/>
               </a:ext>
             </a:extLst>
           </p:cNvPr>
-          <p:cNvSpPr>
-            <a:spLocks noGrp="1"/>
-          </p:cNvSpPr>
-          <p:nvPr>
-            <p:ph sz="half" idx="2"/>
-          </p:nvPr>
-        </p:nvSpPr>
-        <p:spPr/>
-        <p:txBody>
-          <a:bodyPr/>
-          <a:lstStyle/>
-          <a:p>
-            <a:r>
-              <a:rPr lang="zh-CN" altLang="en-US" dirty="0"/>
-              <a:t>程序思维 </a:t>
-            </a:r>
-            <a:endParaRPr lang="en-US" altLang="zh-CN" dirty="0"/>
-          </a:p>
-          <a:p>
-            <a:pPr lvl="1"/>
-            <a:r>
-              <a:rPr lang="zh-CN" altLang="en-US" dirty="0"/>
-              <a:t>从可行性出发</a:t>
-            </a:r>
-            <a:endParaRPr lang="en-US" altLang="zh-CN" dirty="0"/>
-          </a:p>
-          <a:p>
-            <a:pPr lvl="1"/>
-            <a:r>
-              <a:rPr lang="zh-CN" altLang="en-US" dirty="0"/>
-              <a:t>从性能出发</a:t>
-            </a:r>
-            <a:endParaRPr lang="en-US" altLang="zh-CN" dirty="0"/>
-          </a:p>
-          <a:p>
-            <a:pPr lvl="1"/>
-            <a:r>
-              <a:rPr lang="zh-CN" altLang="en-US" dirty="0"/>
-              <a:t>系统性的</a:t>
-            </a:r>
-            <a:endParaRPr lang="en-US" altLang="zh-CN" dirty="0"/>
-          </a:p>
-          <a:p>
-            <a:pPr lvl="1"/>
-            <a:r>
-              <a:rPr lang="zh-CN" altLang="en-US" dirty="0"/>
-              <a:t>结构性的</a:t>
-            </a:r>
-            <a:endParaRPr lang="en-US" altLang="zh-CN" dirty="0"/>
-          </a:p>
-          <a:p>
-            <a:pPr lvl="1"/>
-            <a:r>
-              <a:rPr lang="zh-CN" altLang="en-US" dirty="0"/>
-              <a:t>数学性的</a:t>
+          <p:cNvSpPr/>
+          <p:nvPr/>
+        </p:nvSpPr>
+        <p:spPr>
+          <a:xfrm>
+            <a:off x="1951472" y="2675189"/>
+            <a:ext cx="2438399" cy="480291"/>
+          </a:xfrm>
+          <a:prstGeom prst="round2DiagRect">
+            <a:avLst/>
+          </a:prstGeom>
+          <a:solidFill>
+            <a:srgbClr val="FFFF00"/>
+          </a:solidFill>
+        </p:spPr>
+        <p:style>
+          <a:lnRef idx="2">
+            <a:schemeClr val="accent1">
+              <a:shade val="50000"/>
+            </a:schemeClr>
+          </a:lnRef>
+          <a:fillRef idx="1">
+            <a:schemeClr val="accent1"/>
+          </a:fillRef>
+          <a:effectRef idx="0">
+            <a:schemeClr val="accent1"/>
+          </a:effectRef>
+          <a:fontRef idx="minor">
+            <a:schemeClr val="lt1"/>
+          </a:fontRef>
+        </p:style>
+        <p:txBody>
+          <a:bodyPr rtlCol="0" anchor="ctr"/>
+          <a:lstStyle/>
+          <a:p>
+            <a:pPr algn="ctr"/>
+            <a:r>
+              <a:rPr lang="zh-CN" altLang="en-US" dirty="0">
+                <a:solidFill>
+                  <a:schemeClr val="bg1"/>
+                </a:solidFill>
+                <a:effectLst>
+                  <a:outerShdw blurRad="38100" dist="38100" dir="2700000" algn="tl">
+                    <a:srgbClr val="000000">
+                      <a:alpha val="43137"/>
+                    </a:srgbClr>
+                  </a:outerShdw>
+                </a:effectLst>
+              </a:rPr>
+              <a:t>用户会不会买账</a:t>
+            </a:r>
+          </a:p>
+        </p:txBody>
+      </p:sp>
+      <p:sp>
+        <p:nvSpPr>
+          <p:cNvPr id="8" name="矩形: 对角圆角 7">
+            <a:extLst>
+              <a:ext uri="{FF2B5EF4-FFF2-40B4-BE49-F238E27FC236}">
+                <a16:creationId xmlns:a16="http://schemas.microsoft.com/office/drawing/2014/main" id="{5A0E533A-0BB5-4CBE-9D55-3E659D5CB1A0}"/>
+              </a:ext>
+            </a:extLst>
+          </p:cNvPr>
+          <p:cNvSpPr/>
+          <p:nvPr/>
+        </p:nvSpPr>
+        <p:spPr>
+          <a:xfrm>
+            <a:off x="2798618" y="3066580"/>
+            <a:ext cx="2109769" cy="480291"/>
+          </a:xfrm>
+          <a:prstGeom prst="round2DiagRect">
+            <a:avLst/>
+          </a:prstGeom>
+          <a:solidFill>
+            <a:srgbClr val="FFFF00"/>
+          </a:solidFill>
+        </p:spPr>
+        <p:style>
+          <a:lnRef idx="2">
+            <a:schemeClr val="accent1">
+              <a:shade val="50000"/>
+            </a:schemeClr>
+          </a:lnRef>
+          <a:fillRef idx="1">
+            <a:schemeClr val="accent1"/>
+          </a:fillRef>
+          <a:effectRef idx="0">
+            <a:schemeClr val="accent1"/>
+          </a:effectRef>
+          <a:fontRef idx="minor">
+            <a:schemeClr val="lt1"/>
+          </a:fontRef>
+        </p:style>
+        <p:txBody>
+          <a:bodyPr rtlCol="0" anchor="ctr"/>
+          <a:lstStyle/>
+          <a:p>
+            <a:pPr algn="ctr"/>
+            <a:r>
+              <a:rPr lang="zh-CN" altLang="en-US" dirty="0">
+                <a:solidFill>
+                  <a:schemeClr val="bg1"/>
+                </a:solidFill>
+                <a:effectLst>
+                  <a:outerShdw blurRad="38100" dist="38100" dir="2700000" algn="tl">
+                    <a:srgbClr val="000000">
+                      <a:alpha val="43137"/>
+                    </a:srgbClr>
+                  </a:outerShdw>
+                </a:effectLst>
+              </a:rPr>
+              <a:t>经济会不会崩盘</a:t>
+            </a:r>
+          </a:p>
+        </p:txBody>
+      </p:sp>
+      <p:sp>
+        <p:nvSpPr>
+          <p:cNvPr id="9" name="矩形: 对角圆角 8">
+            <a:extLst>
+              <a:ext uri="{FF2B5EF4-FFF2-40B4-BE49-F238E27FC236}">
+                <a16:creationId xmlns:a16="http://schemas.microsoft.com/office/drawing/2014/main" id="{4CC964FF-3EF3-481D-9986-280FABFA3C52}"/>
+              </a:ext>
+            </a:extLst>
+          </p:cNvPr>
+          <p:cNvSpPr/>
+          <p:nvPr/>
+        </p:nvSpPr>
+        <p:spPr>
+          <a:xfrm>
+            <a:off x="2175499" y="4603174"/>
+            <a:ext cx="1612418" cy="480291"/>
+          </a:xfrm>
+          <a:prstGeom prst="round2DiagRect">
+            <a:avLst/>
+          </a:prstGeom>
+          <a:solidFill>
+            <a:srgbClr val="FFFF00"/>
+          </a:solidFill>
+        </p:spPr>
+        <p:style>
+          <a:lnRef idx="2">
+            <a:schemeClr val="accent1">
+              <a:shade val="50000"/>
+            </a:schemeClr>
+          </a:lnRef>
+          <a:fillRef idx="1">
+            <a:schemeClr val="accent1"/>
+          </a:fillRef>
+          <a:effectRef idx="0">
+            <a:schemeClr val="accent1"/>
+          </a:effectRef>
+          <a:fontRef idx="minor">
+            <a:schemeClr val="lt1"/>
+          </a:fontRef>
+        </p:style>
+        <p:txBody>
+          <a:bodyPr rtlCol="0" anchor="ctr"/>
+          <a:lstStyle/>
+          <a:p>
+            <a:pPr algn="ctr"/>
+            <a:r>
+              <a:rPr lang="zh-CN" altLang="en-US" dirty="0">
+                <a:solidFill>
+                  <a:schemeClr val="bg1"/>
+                </a:solidFill>
+                <a:effectLst>
+                  <a:outerShdw blurRad="38100" dist="38100" dir="2700000" algn="tl">
+                    <a:srgbClr val="000000">
+                      <a:alpha val="43137"/>
+                    </a:srgbClr>
+                  </a:outerShdw>
+                </a:effectLst>
+              </a:rPr>
+              <a:t>节前一定要上</a:t>
+            </a:r>
+          </a:p>
+        </p:txBody>
+      </p:sp>
+      <p:sp>
+        <p:nvSpPr>
+          <p:cNvPr id="10" name="矩形: 对角圆角 9">
+            <a:extLst>
+              <a:ext uri="{FF2B5EF4-FFF2-40B4-BE49-F238E27FC236}">
+                <a16:creationId xmlns:a16="http://schemas.microsoft.com/office/drawing/2014/main" id="{3478D56E-3494-4345-B0DA-B851A8B7C3DF}"/>
+              </a:ext>
+            </a:extLst>
+          </p:cNvPr>
+          <p:cNvSpPr/>
+          <p:nvPr/>
+        </p:nvSpPr>
+        <p:spPr>
+          <a:xfrm>
+            <a:off x="1808500" y="3685523"/>
+            <a:ext cx="1612418" cy="480291"/>
+          </a:xfrm>
+          <a:prstGeom prst="round2DiagRect">
+            <a:avLst/>
+          </a:prstGeom>
+          <a:solidFill>
+            <a:srgbClr val="FFFF00"/>
+          </a:solidFill>
+        </p:spPr>
+        <p:style>
+          <a:lnRef idx="2">
+            <a:schemeClr val="accent1">
+              <a:shade val="50000"/>
+            </a:schemeClr>
+          </a:lnRef>
+          <a:fillRef idx="1">
+            <a:schemeClr val="accent1"/>
+          </a:fillRef>
+          <a:effectRef idx="0">
+            <a:schemeClr val="accent1"/>
+          </a:effectRef>
+          <a:fontRef idx="minor">
+            <a:schemeClr val="lt1"/>
+          </a:fontRef>
+        </p:style>
+        <p:txBody>
+          <a:bodyPr rtlCol="0" anchor="ctr"/>
+          <a:lstStyle/>
+          <a:p>
+            <a:pPr algn="ctr"/>
+            <a:r>
+              <a:rPr lang="zh-CN" altLang="en-US" dirty="0">
+                <a:solidFill>
+                  <a:schemeClr val="bg1"/>
+                </a:solidFill>
+                <a:effectLst>
+                  <a:outerShdw blurRad="38100" dist="38100" dir="2700000" algn="tl">
+                    <a:srgbClr val="000000">
+                      <a:alpha val="43137"/>
+                    </a:srgbClr>
+                  </a:outerShdw>
+                </a:effectLst>
+              </a:rPr>
+              <a:t>好不好玩</a:t>
+            </a:r>
+          </a:p>
+        </p:txBody>
+      </p:sp>
+      <p:sp>
+        <p:nvSpPr>
+          <p:cNvPr id="13" name="矩形: 圆角 12">
+            <a:extLst>
+              <a:ext uri="{FF2B5EF4-FFF2-40B4-BE49-F238E27FC236}">
+                <a16:creationId xmlns:a16="http://schemas.microsoft.com/office/drawing/2014/main" id="{2A1BFDDB-884C-4140-AA6E-384732F4DE1B}"/>
+              </a:ext>
+            </a:extLst>
+          </p:cNvPr>
+          <p:cNvSpPr/>
+          <p:nvPr/>
+        </p:nvSpPr>
+        <p:spPr>
+          <a:xfrm>
+            <a:off x="6442072" y="1927043"/>
+            <a:ext cx="3798456" cy="3823223"/>
+          </a:xfrm>
+          <a:prstGeom prst="roundRect">
+            <a:avLst>
+              <a:gd name="adj" fmla="val 3997"/>
+            </a:avLst>
+          </a:prstGeom>
+          <a:solidFill>
+            <a:schemeClr val="accent2">
+              <a:lumMod val="20000"/>
+              <a:lumOff val="80000"/>
+            </a:schemeClr>
+          </a:solidFill>
+        </p:spPr>
+        <p:style>
+          <a:lnRef idx="2">
+            <a:schemeClr val="accent1">
+              <a:shade val="50000"/>
+            </a:schemeClr>
+          </a:lnRef>
+          <a:fillRef idx="1">
+            <a:schemeClr val="accent1"/>
+          </a:fillRef>
+          <a:effectRef idx="0">
+            <a:schemeClr val="accent1"/>
+          </a:effectRef>
+          <a:fontRef idx="minor">
+            <a:schemeClr val="lt1"/>
+          </a:fontRef>
+        </p:style>
+        <p:txBody>
+          <a:bodyPr rtlCol="0" anchor="t"/>
+          <a:lstStyle/>
+          <a:p>
+            <a:pPr algn="ctr"/>
+            <a:r>
+              <a:rPr lang="zh-CN" altLang="en-US" dirty="0">
+                <a:solidFill>
+                  <a:srgbClr val="C00000"/>
+                </a:solidFill>
+                <a:effectLst>
+                  <a:outerShdw blurRad="38100" dist="38100" dir="2700000" algn="tl">
+                    <a:srgbClr val="000000">
+                      <a:alpha val="43137"/>
+                    </a:srgbClr>
+                  </a:outerShdw>
+                </a:effectLst>
+              </a:rPr>
+              <a:t>程序</a:t>
+            </a:r>
+          </a:p>
+        </p:txBody>
+      </p:sp>
+      <p:sp>
+        <p:nvSpPr>
+          <p:cNvPr id="14" name="矩形: 对角圆角 13">
+            <a:extLst>
+              <a:ext uri="{FF2B5EF4-FFF2-40B4-BE49-F238E27FC236}">
+                <a16:creationId xmlns:a16="http://schemas.microsoft.com/office/drawing/2014/main" id="{D87E3BCF-B96A-45B5-8C7A-762B531AEB58}"/>
+              </a:ext>
+            </a:extLst>
+          </p:cNvPr>
+          <p:cNvSpPr/>
+          <p:nvPr/>
+        </p:nvSpPr>
+        <p:spPr>
+          <a:xfrm>
+            <a:off x="3217544" y="3936373"/>
+            <a:ext cx="1612418" cy="480291"/>
+          </a:xfrm>
+          <a:prstGeom prst="round2DiagRect">
+            <a:avLst/>
+          </a:prstGeom>
+          <a:solidFill>
+            <a:srgbClr val="FFFF00"/>
+          </a:solidFill>
+        </p:spPr>
+        <p:style>
+          <a:lnRef idx="2">
+            <a:schemeClr val="accent1">
+              <a:shade val="50000"/>
+            </a:schemeClr>
+          </a:lnRef>
+          <a:fillRef idx="1">
+            <a:schemeClr val="accent1"/>
+          </a:fillRef>
+          <a:effectRef idx="0">
+            <a:schemeClr val="accent1"/>
+          </a:effectRef>
+          <a:fontRef idx="minor">
+            <a:schemeClr val="lt1"/>
+          </a:fontRef>
+        </p:style>
+        <p:txBody>
+          <a:bodyPr rtlCol="0" anchor="ctr"/>
+          <a:lstStyle/>
+          <a:p>
+            <a:pPr algn="ctr"/>
+            <a:r>
+              <a:rPr lang="zh-CN" altLang="en-US" dirty="0">
+                <a:solidFill>
+                  <a:schemeClr val="bg1"/>
+                </a:solidFill>
+                <a:effectLst>
+                  <a:outerShdw blurRad="38100" dist="38100" dir="2700000" algn="tl">
+                    <a:srgbClr val="000000">
+                      <a:alpha val="43137"/>
+                    </a:srgbClr>
+                  </a:outerShdw>
+                </a:effectLst>
+              </a:rPr>
+              <a:t>能不能拉收入</a:t>
+            </a:r>
+          </a:p>
+        </p:txBody>
+      </p:sp>
+      <p:sp>
+        <p:nvSpPr>
+          <p:cNvPr id="15" name="矩形: 对角圆角 14">
+            <a:extLst>
+              <a:ext uri="{FF2B5EF4-FFF2-40B4-BE49-F238E27FC236}">
+                <a16:creationId xmlns:a16="http://schemas.microsoft.com/office/drawing/2014/main" id="{6918B354-24F8-464F-9CB6-8FD2B4157B16}"/>
+              </a:ext>
+            </a:extLst>
+          </p:cNvPr>
+          <p:cNvSpPr/>
+          <p:nvPr/>
+        </p:nvSpPr>
+        <p:spPr>
+          <a:xfrm>
+            <a:off x="6806132" y="2598257"/>
+            <a:ext cx="1655328" cy="480291"/>
+          </a:xfrm>
+          <a:prstGeom prst="round2DiagRect">
+            <a:avLst/>
+          </a:prstGeom>
+          <a:solidFill>
+            <a:srgbClr val="FFFF00"/>
+          </a:solidFill>
+        </p:spPr>
+        <p:style>
+          <a:lnRef idx="2">
+            <a:schemeClr val="accent1">
+              <a:shade val="50000"/>
+            </a:schemeClr>
+          </a:lnRef>
+          <a:fillRef idx="1">
+            <a:schemeClr val="accent1"/>
+          </a:fillRef>
+          <a:effectRef idx="0">
+            <a:schemeClr val="accent1"/>
+          </a:effectRef>
+          <a:fontRef idx="minor">
+            <a:schemeClr val="lt1"/>
+          </a:fontRef>
+        </p:style>
+        <p:txBody>
+          <a:bodyPr rtlCol="0" anchor="ctr"/>
+          <a:lstStyle/>
+          <a:p>
+            <a:pPr algn="ctr"/>
+            <a:r>
+              <a:rPr lang="zh-CN" altLang="en-US" dirty="0">
+                <a:solidFill>
+                  <a:schemeClr val="bg1"/>
+                </a:solidFill>
+                <a:effectLst>
+                  <a:outerShdw blurRad="38100" dist="38100" dir="2700000" algn="tl">
+                    <a:srgbClr val="000000">
+                      <a:alpha val="43137"/>
+                    </a:srgbClr>
+                  </a:outerShdw>
+                </a:effectLst>
+              </a:rPr>
+              <a:t>是不是可行</a:t>
+            </a:r>
+          </a:p>
+        </p:txBody>
+      </p:sp>
+      <p:sp>
+        <p:nvSpPr>
+          <p:cNvPr id="16" name="矩形: 对角圆角 15">
+            <a:extLst>
+              <a:ext uri="{FF2B5EF4-FFF2-40B4-BE49-F238E27FC236}">
+                <a16:creationId xmlns:a16="http://schemas.microsoft.com/office/drawing/2014/main" id="{DAF40144-C3B0-4B99-BDF4-9E4E7CFFD169}"/>
+              </a:ext>
+            </a:extLst>
+          </p:cNvPr>
+          <p:cNvSpPr/>
+          <p:nvPr/>
+        </p:nvSpPr>
+        <p:spPr>
+          <a:xfrm>
+            <a:off x="7633797" y="3011899"/>
+            <a:ext cx="1655328" cy="480291"/>
+          </a:xfrm>
+          <a:prstGeom prst="round2DiagRect">
+            <a:avLst/>
+          </a:prstGeom>
+          <a:solidFill>
+            <a:srgbClr val="FFFF00"/>
+          </a:solidFill>
+        </p:spPr>
+        <p:style>
+          <a:lnRef idx="2">
+            <a:schemeClr val="accent1">
+              <a:shade val="50000"/>
+            </a:schemeClr>
+          </a:lnRef>
+          <a:fillRef idx="1">
+            <a:schemeClr val="accent1"/>
+          </a:fillRef>
+          <a:effectRef idx="0">
+            <a:schemeClr val="accent1"/>
+          </a:effectRef>
+          <a:fontRef idx="minor">
+            <a:schemeClr val="lt1"/>
+          </a:fontRef>
+        </p:style>
+        <p:txBody>
+          <a:bodyPr rtlCol="0" anchor="ctr"/>
+          <a:lstStyle/>
+          <a:p>
+            <a:pPr algn="ctr"/>
+            <a:r>
+              <a:rPr lang="zh-CN" altLang="en-US" dirty="0">
+                <a:solidFill>
+                  <a:schemeClr val="bg1"/>
+                </a:solidFill>
+                <a:effectLst>
+                  <a:outerShdw blurRad="38100" dist="38100" dir="2700000" algn="tl">
+                    <a:srgbClr val="000000">
+                      <a:alpha val="43137"/>
+                    </a:srgbClr>
+                  </a:outerShdw>
+                </a:effectLst>
+              </a:rPr>
+              <a:t>是否影响性能</a:t>
+            </a:r>
+          </a:p>
+        </p:txBody>
+      </p:sp>
+      <p:sp>
+        <p:nvSpPr>
+          <p:cNvPr id="17" name="矩形: 对角圆角 16">
+            <a:extLst>
+              <a:ext uri="{FF2B5EF4-FFF2-40B4-BE49-F238E27FC236}">
+                <a16:creationId xmlns:a16="http://schemas.microsoft.com/office/drawing/2014/main" id="{9FA080B9-149E-465C-9E20-FC878C8AD386}"/>
+              </a:ext>
+            </a:extLst>
+          </p:cNvPr>
+          <p:cNvSpPr/>
+          <p:nvPr/>
+        </p:nvSpPr>
+        <p:spPr>
+          <a:xfrm>
+            <a:off x="6705601" y="3563782"/>
+            <a:ext cx="3445163" cy="480291"/>
+          </a:xfrm>
+          <a:prstGeom prst="round2DiagRect">
+            <a:avLst/>
+          </a:prstGeom>
+          <a:solidFill>
+            <a:srgbClr val="FFFF00"/>
+          </a:solidFill>
+        </p:spPr>
+        <p:style>
+          <a:lnRef idx="2">
+            <a:schemeClr val="accent1">
+              <a:shade val="50000"/>
+            </a:schemeClr>
+          </a:lnRef>
+          <a:fillRef idx="1">
+            <a:schemeClr val="accent1"/>
+          </a:fillRef>
+          <a:effectRef idx="0">
+            <a:schemeClr val="accent1"/>
+          </a:effectRef>
+          <a:fontRef idx="minor">
+            <a:schemeClr val="lt1"/>
+          </a:fontRef>
+        </p:style>
+        <p:txBody>
+          <a:bodyPr rtlCol="0" anchor="ctr"/>
+          <a:lstStyle/>
+          <a:p>
+            <a:pPr algn="ctr"/>
+            <a:r>
+              <a:rPr lang="zh-CN" altLang="en-US" dirty="0">
+                <a:solidFill>
+                  <a:schemeClr val="bg1"/>
+                </a:solidFill>
+                <a:effectLst>
+                  <a:outerShdw blurRad="38100" dist="38100" dir="2700000" algn="tl">
+                    <a:srgbClr val="000000">
+                      <a:alpha val="43137"/>
+                    </a:srgbClr>
+                  </a:outerShdw>
+                </a:effectLst>
+              </a:rPr>
+              <a:t>几个类似的功能是否可以合并</a:t>
+            </a:r>
+          </a:p>
+        </p:txBody>
+      </p:sp>
+      <p:sp>
+        <p:nvSpPr>
+          <p:cNvPr id="18" name="矩形: 对角圆角 17">
+            <a:extLst>
+              <a:ext uri="{FF2B5EF4-FFF2-40B4-BE49-F238E27FC236}">
+                <a16:creationId xmlns:a16="http://schemas.microsoft.com/office/drawing/2014/main" id="{4880576D-AFD8-4433-AFF5-7CF35F18DAE8}"/>
+              </a:ext>
+            </a:extLst>
+          </p:cNvPr>
+          <p:cNvSpPr/>
+          <p:nvPr/>
+        </p:nvSpPr>
+        <p:spPr>
+          <a:xfrm>
+            <a:off x="6692382" y="4115666"/>
+            <a:ext cx="1882829" cy="480291"/>
+          </a:xfrm>
+          <a:prstGeom prst="round2DiagRect">
+            <a:avLst/>
+          </a:prstGeom>
+          <a:solidFill>
+            <a:srgbClr val="FFFF00"/>
+          </a:solidFill>
+        </p:spPr>
+        <p:style>
+          <a:lnRef idx="2">
+            <a:schemeClr val="accent1">
+              <a:shade val="50000"/>
+            </a:schemeClr>
+          </a:lnRef>
+          <a:fillRef idx="1">
+            <a:schemeClr val="accent1"/>
+          </a:fillRef>
+          <a:effectRef idx="0">
+            <a:schemeClr val="accent1"/>
+          </a:effectRef>
+          <a:fontRef idx="minor">
+            <a:schemeClr val="lt1"/>
+          </a:fontRef>
+        </p:style>
+        <p:txBody>
+          <a:bodyPr rtlCol="0" anchor="ctr"/>
+          <a:lstStyle/>
+          <a:p>
+            <a:pPr algn="ctr"/>
+            <a:r>
+              <a:rPr lang="zh-CN" altLang="en-US" dirty="0">
+                <a:solidFill>
+                  <a:schemeClr val="bg1"/>
+                </a:solidFill>
+                <a:effectLst>
+                  <a:outerShdw blurRad="38100" dist="38100" dir="2700000" algn="tl">
+                    <a:srgbClr val="000000">
+                      <a:alpha val="43137"/>
+                    </a:srgbClr>
+                  </a:outerShdw>
+                </a:effectLst>
+              </a:rPr>
+              <a:t>结构是不是自洽</a:t>
+            </a:r>
+          </a:p>
+        </p:txBody>
+      </p:sp>
+      <p:sp>
+        <p:nvSpPr>
+          <p:cNvPr id="21" name="矩形: 对角圆角 20">
+            <a:extLst>
+              <a:ext uri="{FF2B5EF4-FFF2-40B4-BE49-F238E27FC236}">
+                <a16:creationId xmlns:a16="http://schemas.microsoft.com/office/drawing/2014/main" id="{99EC8644-0B51-4EDA-848A-F71B1268622E}"/>
+              </a:ext>
+            </a:extLst>
+          </p:cNvPr>
+          <p:cNvSpPr/>
+          <p:nvPr/>
+        </p:nvSpPr>
+        <p:spPr>
+          <a:xfrm>
+            <a:off x="8045509" y="4553752"/>
+            <a:ext cx="2105255" cy="480291"/>
+          </a:xfrm>
+          <a:prstGeom prst="round2DiagRect">
+            <a:avLst/>
+          </a:prstGeom>
+          <a:solidFill>
+            <a:srgbClr val="FFFF00"/>
+          </a:solidFill>
+        </p:spPr>
+        <p:style>
+          <a:lnRef idx="2">
+            <a:schemeClr val="accent1">
+              <a:shade val="50000"/>
+            </a:schemeClr>
+          </a:lnRef>
+          <a:fillRef idx="1">
+            <a:schemeClr val="accent1"/>
+          </a:fillRef>
+          <a:effectRef idx="0">
+            <a:schemeClr val="accent1"/>
+          </a:effectRef>
+          <a:fontRef idx="minor">
+            <a:schemeClr val="lt1"/>
+          </a:fontRef>
+        </p:style>
+        <p:txBody>
+          <a:bodyPr rtlCol="0" anchor="ctr"/>
+          <a:lstStyle/>
+          <a:p>
+            <a:pPr algn="ctr"/>
+            <a:r>
+              <a:rPr lang="zh-CN" altLang="en-US" dirty="0">
+                <a:solidFill>
+                  <a:schemeClr val="bg1"/>
+                </a:solidFill>
+                <a:effectLst>
+                  <a:outerShdw blurRad="38100" dist="38100" dir="2700000" algn="tl">
+                    <a:srgbClr val="000000">
+                      <a:alpha val="43137"/>
+                    </a:srgbClr>
+                  </a:outerShdw>
+                </a:effectLst>
+              </a:rPr>
+              <a:t>策划改需求怎么办</a:t>
+            </a:r>
+          </a:p>
+        </p:txBody>
+      </p:sp>
+      <p:sp>
+        <p:nvSpPr>
+          <p:cNvPr id="22" name="矩形: 对角圆角 21">
+            <a:extLst>
+              <a:ext uri="{FF2B5EF4-FFF2-40B4-BE49-F238E27FC236}">
+                <a16:creationId xmlns:a16="http://schemas.microsoft.com/office/drawing/2014/main" id="{8512FB31-4FA5-4634-B173-586BB898F3C9}"/>
+              </a:ext>
+            </a:extLst>
+          </p:cNvPr>
+          <p:cNvSpPr/>
+          <p:nvPr/>
+        </p:nvSpPr>
+        <p:spPr>
+          <a:xfrm>
+            <a:off x="7127528" y="5001299"/>
+            <a:ext cx="2105255" cy="480291"/>
+          </a:xfrm>
+          <a:prstGeom prst="round2DiagRect">
+            <a:avLst/>
+          </a:prstGeom>
+          <a:solidFill>
+            <a:srgbClr val="FFFF00"/>
+          </a:solidFill>
+        </p:spPr>
+        <p:style>
+          <a:lnRef idx="2">
+            <a:schemeClr val="accent1">
+              <a:shade val="50000"/>
+            </a:schemeClr>
+          </a:lnRef>
+          <a:fillRef idx="1">
+            <a:schemeClr val="accent1"/>
+          </a:fillRef>
+          <a:effectRef idx="0">
+            <a:schemeClr val="accent1"/>
+          </a:effectRef>
+          <a:fontRef idx="minor">
+            <a:schemeClr val="lt1"/>
+          </a:fontRef>
+        </p:style>
+        <p:txBody>
+          <a:bodyPr rtlCol="0" anchor="ctr"/>
+          <a:lstStyle/>
+          <a:p>
+            <a:pPr algn="ctr"/>
+            <a:r>
+              <a:rPr lang="zh-CN" altLang="en-US" dirty="0">
+                <a:solidFill>
+                  <a:schemeClr val="bg1"/>
+                </a:solidFill>
+                <a:effectLst>
+                  <a:outerShdw blurRad="38100" dist="38100" dir="2700000" algn="tl">
+                    <a:srgbClr val="000000">
+                      <a:alpha val="43137"/>
+                    </a:srgbClr>
+                  </a:outerShdw>
+                </a:effectLst>
+              </a:rPr>
+              <a:t>节前做的完吗</a:t>
             </a:r>
           </a:p>
         </p:txBody>
@@ -10864,7 +12617,7 @@
           <p:cNvPr id="5" name="标题 4">
             <a:extLst>
               <a:ext uri="{FF2B5EF4-FFF2-40B4-BE49-F238E27FC236}">
-                <a16:creationId xmlns:a16="http://schemas.microsoft.com/office/drawing/2014/main" xmlns="" id="{587FFA59-94C9-4D15-93BA-7ED0E7A88C7C}"/>
+                <a16:creationId xmlns:a16="http://schemas.microsoft.com/office/drawing/2014/main" id="{587FFA59-94C9-4D15-93BA-7ED0E7A88C7C}"/>
               </a:ext>
             </a:extLst>
           </p:cNvPr>
@@ -10892,7 +12645,7 @@
           <p:cNvPr id="6" name="内容占位符 5">
             <a:extLst>
               <a:ext uri="{FF2B5EF4-FFF2-40B4-BE49-F238E27FC236}">
-                <a16:creationId xmlns:a16="http://schemas.microsoft.com/office/drawing/2014/main" xmlns="" id="{1859B97A-0081-4060-BB81-EBE973B22717}"/>
+                <a16:creationId xmlns:a16="http://schemas.microsoft.com/office/drawing/2014/main" id="{1859B97A-0081-4060-BB81-EBE973B22717}"/>
               </a:ext>
             </a:extLst>
           </p:cNvPr>
@@ -10980,7 +12733,7 @@
           <p:cNvPr id="7" name="内容占位符 6">
             <a:extLst>
               <a:ext uri="{FF2B5EF4-FFF2-40B4-BE49-F238E27FC236}">
-                <a16:creationId xmlns:a16="http://schemas.microsoft.com/office/drawing/2014/main" xmlns="" id="{E235890A-0B77-406D-A8FE-DF3634EF22EE}"/>
+                <a16:creationId xmlns:a16="http://schemas.microsoft.com/office/drawing/2014/main" id="{E235890A-0B77-406D-A8FE-DF3634EF22EE}"/>
               </a:ext>
             </a:extLst>
           </p:cNvPr>
@@ -11066,7 +12819,7 @@
           <p:cNvPr id="2" name="文本框 1">
             <a:extLst>
               <a:ext uri="{FF2B5EF4-FFF2-40B4-BE49-F238E27FC236}">
-                <a16:creationId xmlns:a16="http://schemas.microsoft.com/office/drawing/2014/main" xmlns="" id="{5261A141-7230-40E8-A699-D2D33BA51583}"/>
+                <a16:creationId xmlns:a16="http://schemas.microsoft.com/office/drawing/2014/main" id="{5261A141-7230-40E8-A699-D2D33BA51583}"/>
               </a:ext>
             </a:extLst>
           </p:cNvPr>
@@ -11131,7 +12884,7 @@
           <p:cNvPr id="2" name="标题 1">
             <a:extLst>
               <a:ext uri="{FF2B5EF4-FFF2-40B4-BE49-F238E27FC236}">
-                <a16:creationId xmlns:a16="http://schemas.microsoft.com/office/drawing/2014/main" xmlns="" id="{E6E35436-3C11-480B-B4B1-8CDFFED54E14}"/>
+                <a16:creationId xmlns:a16="http://schemas.microsoft.com/office/drawing/2014/main" id="{E6E35436-3C11-480B-B4B1-8CDFFED54E14}"/>
               </a:ext>
             </a:extLst>
           </p:cNvPr>
@@ -11159,7 +12912,7 @@
           <p:cNvPr id="3" name="内容占位符 2">
             <a:extLst>
               <a:ext uri="{FF2B5EF4-FFF2-40B4-BE49-F238E27FC236}">
-                <a16:creationId xmlns:a16="http://schemas.microsoft.com/office/drawing/2014/main" xmlns="" id="{B1670B31-C035-463A-A30F-60DBAF8EE691}"/>
+                <a16:creationId xmlns:a16="http://schemas.microsoft.com/office/drawing/2014/main" id="{B1670B31-C035-463A-A30F-60DBAF8EE691}"/>
               </a:ext>
             </a:extLst>
           </p:cNvPr>
@@ -11216,7 +12969,7 @@
           <p:cNvPr id="4" name="文本占位符 3">
             <a:extLst>
               <a:ext uri="{FF2B5EF4-FFF2-40B4-BE49-F238E27FC236}">
-                <a16:creationId xmlns:a16="http://schemas.microsoft.com/office/drawing/2014/main" xmlns="" id="{ABD6375E-73AB-4AC6-8290-9FA7CC5189B5}"/>
+                <a16:creationId xmlns:a16="http://schemas.microsoft.com/office/drawing/2014/main" id="{ABD6375E-73AB-4AC6-8290-9FA7CC5189B5}"/>
               </a:ext>
             </a:extLst>
           </p:cNvPr>
@@ -11229,9 +12982,20 @@
         </p:nvSpPr>
         <p:spPr>
           <a:xfrm>
-            <a:off x="6437746" y="1749425"/>
-            <a:ext cx="3706813" cy="3359150"/>
+            <a:off x="6437746" y="3611417"/>
+            <a:ext cx="3706813" cy="1497157"/>
           </a:xfrm>
+          <a:solidFill>
+            <a:srgbClr val="FFFF00"/>
+          </a:solidFill>
+          <a:effectLst>
+            <a:outerShdw blurRad="25400" dir="17880000">
+              <a:srgbClr val="000000">
+                <a:alpha val="46000"/>
+              </a:srgbClr>
+            </a:outerShdw>
+            <a:softEdge rad="63500"/>
+          </a:effectLst>
         </p:spPr>
         <p:txBody>
           <a:bodyPr anchor="ctr" anchorCtr="0"/>
@@ -11241,7 +13005,11 @@
               <a:buNone/>
             </a:pPr>
             <a:r>
-              <a:rPr lang="zh-CN" altLang="en-US" dirty="0"/>
+              <a:rPr lang="zh-CN" altLang="en-US" dirty="0">
+                <a:solidFill>
+                  <a:srgbClr val="C00000"/>
+                </a:solidFill>
+              </a:rPr>
               <a:t>        策划案写完了，为什么开发人员还要找你，问你策划案中的细节。</a:t>
             </a:r>
           </a:p>
@@ -11282,7 +13050,7 @@
           <p:cNvPr id="4" name="文本框 3">
             <a:extLst>
               <a:ext uri="{FF2B5EF4-FFF2-40B4-BE49-F238E27FC236}">
-                <a16:creationId xmlns:a16="http://schemas.microsoft.com/office/drawing/2014/main" xmlns="" id="{16D9F628-37B2-432F-810A-05BFFD0C84B8}"/>
+                <a16:creationId xmlns:a16="http://schemas.microsoft.com/office/drawing/2014/main" id="{16D9F628-37B2-432F-810A-05BFFD0C84B8}"/>
               </a:ext>
             </a:extLst>
           </p:cNvPr>
@@ -11347,7 +13115,7 @@
           <p:cNvPr id="2" name="标题 1">
             <a:extLst>
               <a:ext uri="{FF2B5EF4-FFF2-40B4-BE49-F238E27FC236}">
-                <a16:creationId xmlns:a16="http://schemas.microsoft.com/office/drawing/2014/main" xmlns="" id="{14F04749-3BB8-40CC-BA06-AC81A2356B1A}"/>
+                <a16:creationId xmlns:a16="http://schemas.microsoft.com/office/drawing/2014/main" id="{14F04749-3BB8-40CC-BA06-AC81A2356B1A}"/>
               </a:ext>
             </a:extLst>
           </p:cNvPr>
@@ -11372,28 +13140,10 @@
       </p:sp>
       <p:sp>
         <p:nvSpPr>
-          <p:cNvPr id="3" name="图片占位符 2">
-            <a:extLst>
-              <a:ext uri="{FF2B5EF4-FFF2-40B4-BE49-F238E27FC236}">
-                <a16:creationId xmlns:a16="http://schemas.microsoft.com/office/drawing/2014/main" xmlns="" id="{523E5D28-E520-40A6-B0D3-0BC8644EE865}"/>
-              </a:ext>
-            </a:extLst>
-          </p:cNvPr>
-          <p:cNvSpPr>
-            <a:spLocks noGrp="1"/>
-          </p:cNvSpPr>
-          <p:nvPr>
-            <p:ph type="pic" idx="1"/>
-          </p:nvPr>
-        </p:nvSpPr>
-        <p:spPr/>
-      </p:sp>
-      <p:sp>
-        <p:nvSpPr>
           <p:cNvPr id="4" name="文本占位符 3">
             <a:extLst>
               <a:ext uri="{FF2B5EF4-FFF2-40B4-BE49-F238E27FC236}">
-                <a16:creationId xmlns:a16="http://schemas.microsoft.com/office/drawing/2014/main" xmlns="" id="{5D4C05CC-86D3-4D42-B71F-0AC6D6AD4A75}"/>
+                <a16:creationId xmlns:a16="http://schemas.microsoft.com/office/drawing/2014/main" id="{5D4C05CC-86D3-4D42-B71F-0AC6D6AD4A75}"/>
               </a:ext>
             </a:extLst>
           </p:cNvPr>
@@ -11442,6 +13192,51 @@
           </a:p>
         </p:txBody>
       </p:sp>
+      <p:pic>
+        <p:nvPicPr>
+          <p:cNvPr id="2052" name="Picture 4" descr="âé¡¹ç®å»¶æâçå¾çæç´¢ç»æ">
+            <a:extLst>
+              <a:ext uri="{FF2B5EF4-FFF2-40B4-BE49-F238E27FC236}">
+                <a16:creationId xmlns:a16="http://schemas.microsoft.com/office/drawing/2014/main" id="{1124353E-3000-4DBE-A99F-5D357DC5A410}"/>
+              </a:ext>
+            </a:extLst>
+          </p:cNvPr>
+          <p:cNvPicPr>
+            <a:picLocks noGrp="1" noChangeAspect="1" noChangeArrowheads="1"/>
+          </p:cNvPicPr>
+          <p:nvPr>
+            <p:ph type="pic" idx="1"/>
+          </p:nvPr>
+        </p:nvPicPr>
+        <p:blipFill>
+          <a:blip r:embed="rId3">
+            <a:extLst>
+              <a:ext uri="{28A0092B-C50C-407E-A947-70E740481C1C}">
+                <a14:useLocalDpi xmlns:a14="http://schemas.microsoft.com/office/drawing/2010/main" val="0"/>
+              </a:ext>
+            </a:extLst>
+          </a:blip>
+          <a:srcRect l="24968" r="24968"/>
+          <a:stretch>
+            <a:fillRect/>
+          </a:stretch>
+        </p:blipFill>
+        <p:spPr bwMode="auto">
+          <a:prstGeom prst="rect">
+            <a:avLst/>
+          </a:prstGeom>
+          <a:noFill/>
+          <a:extLst>
+            <a:ext uri="{909E8E84-426E-40DD-AFC4-6F175D3DCCD1}">
+              <a14:hiddenFill xmlns:a14="http://schemas.microsoft.com/office/drawing/2010/main">
+                <a:solidFill>
+                  <a:srgbClr val="FFFFFF"/>
+                </a:solidFill>
+              </a14:hiddenFill>
+            </a:ext>
+          </a:extLst>
+        </p:spPr>
+      </p:pic>
     </p:spTree>
     <p:extLst>
       <p:ext uri="{BB962C8B-B14F-4D97-AF65-F5344CB8AC3E}">
@@ -11477,7 +13272,7 @@
           <p:cNvPr id="2" name="标题 1">
             <a:extLst>
               <a:ext uri="{FF2B5EF4-FFF2-40B4-BE49-F238E27FC236}">
-                <a16:creationId xmlns:a16="http://schemas.microsoft.com/office/drawing/2014/main" xmlns="" id="{385B3852-EECB-4789-BEDA-C34CC6B09261}"/>
+                <a16:creationId xmlns:a16="http://schemas.microsoft.com/office/drawing/2014/main" id="{385B3852-EECB-4789-BEDA-C34CC6B09261}"/>
               </a:ext>
             </a:extLst>
           </p:cNvPr>
@@ -11505,7 +13300,7 @@
           <p:cNvPr id="3" name="图片占位符 2">
             <a:extLst>
               <a:ext uri="{FF2B5EF4-FFF2-40B4-BE49-F238E27FC236}">
-                <a16:creationId xmlns:a16="http://schemas.microsoft.com/office/drawing/2014/main" xmlns="" id="{5D6DFC47-0CDB-4C57-B7DB-380F93052D90}"/>
+                <a16:creationId xmlns:a16="http://schemas.microsoft.com/office/drawing/2014/main" id="{5D6DFC47-0CDB-4C57-B7DB-380F93052D90}"/>
               </a:ext>
             </a:extLst>
           </p:cNvPr>
@@ -11523,7 +13318,7 @@
           <p:cNvPr id="4" name="文本占位符 3">
             <a:extLst>
               <a:ext uri="{FF2B5EF4-FFF2-40B4-BE49-F238E27FC236}">
-                <a16:creationId xmlns:a16="http://schemas.microsoft.com/office/drawing/2014/main" xmlns="" id="{0C7E6FF7-A906-4D0B-8547-BD2906E9283B}"/>
+                <a16:creationId xmlns:a16="http://schemas.microsoft.com/office/drawing/2014/main" id="{0C7E6FF7-A906-4D0B-8547-BD2906E9283B}"/>
               </a:ext>
             </a:extLst>
           </p:cNvPr>
@@ -11648,7 +13443,7 @@
           <p:cNvPr id="2" name="标题 1">
             <a:extLst>
               <a:ext uri="{FF2B5EF4-FFF2-40B4-BE49-F238E27FC236}">
-                <a16:creationId xmlns:a16="http://schemas.microsoft.com/office/drawing/2014/main" xmlns="" id="{11F64D8F-4759-4B48-8007-A0DC0BA2A45F}"/>
+                <a16:creationId xmlns:a16="http://schemas.microsoft.com/office/drawing/2014/main" id="{11F64D8F-4759-4B48-8007-A0DC0BA2A45F}"/>
               </a:ext>
             </a:extLst>
           </p:cNvPr>
@@ -11676,7 +13471,7 @@
           <p:cNvPr id="3" name="图片占位符 2">
             <a:extLst>
               <a:ext uri="{FF2B5EF4-FFF2-40B4-BE49-F238E27FC236}">
-                <a16:creationId xmlns:a16="http://schemas.microsoft.com/office/drawing/2014/main" xmlns="" id="{B483041A-FC67-4A43-B3AF-D0976EAA9F3D}"/>
+                <a16:creationId xmlns:a16="http://schemas.microsoft.com/office/drawing/2014/main" id="{B483041A-FC67-4A43-B3AF-D0976EAA9F3D}"/>
               </a:ext>
             </a:extLst>
           </p:cNvPr>
@@ -11694,7 +13489,7 @@
           <p:cNvPr id="4" name="文本占位符 3">
             <a:extLst>
               <a:ext uri="{FF2B5EF4-FFF2-40B4-BE49-F238E27FC236}">
-                <a16:creationId xmlns:a16="http://schemas.microsoft.com/office/drawing/2014/main" xmlns="" id="{3D136BE4-AB4E-430F-B1E6-D20639ACC80D}"/>
+                <a16:creationId xmlns:a16="http://schemas.microsoft.com/office/drawing/2014/main" id="{3D136BE4-AB4E-430F-B1E6-D20639ACC80D}"/>
               </a:ext>
             </a:extLst>
           </p:cNvPr>
@@ -11800,7 +13595,7 @@
           <p:cNvPr id="4" name="标题 3">
             <a:extLst>
               <a:ext uri="{FF2B5EF4-FFF2-40B4-BE49-F238E27FC236}">
-                <a16:creationId xmlns:a16="http://schemas.microsoft.com/office/drawing/2014/main" xmlns="" id="{A48363A1-1181-4F39-AC63-0BB242B048CA}"/>
+                <a16:creationId xmlns:a16="http://schemas.microsoft.com/office/drawing/2014/main" id="{A48363A1-1181-4F39-AC63-0BB242B048CA}"/>
               </a:ext>
             </a:extLst>
           </p:cNvPr>
@@ -11858,7 +13653,7 @@
           <p:cNvPr id="4" name="标题 3">
             <a:extLst>
               <a:ext uri="{FF2B5EF4-FFF2-40B4-BE49-F238E27FC236}">
-                <a16:creationId xmlns:a16="http://schemas.microsoft.com/office/drawing/2014/main" xmlns="" id="{39A90F77-C65A-4BCA-BBCB-01128AB93FC9}"/>
+                <a16:creationId xmlns:a16="http://schemas.microsoft.com/office/drawing/2014/main" id="{39A90F77-C65A-4BCA-BBCB-01128AB93FC9}"/>
               </a:ext>
             </a:extLst>
           </p:cNvPr>
@@ -11881,7 +13676,15 @@
           <a:p>
             <a:r>
               <a:rPr lang="zh-CN" altLang="en-US" dirty="0"/>
-              <a:t>游戏</a:t>
+              <a:t>游戏 </a:t>
+            </a:r>
+            <a:r>
+              <a:rPr lang="en-US" altLang="zh-CN" dirty="0"/>
+              <a:t>– </a:t>
+            </a:r>
+            <a:r>
+              <a:rPr lang="zh-CN" altLang="en-US" dirty="0"/>
+              <a:t>信息传递</a:t>
             </a:r>
           </a:p>
         </p:txBody>
@@ -11891,7 +13694,7 @@
           <p:cNvPr id="5" name="文本占位符 4">
             <a:extLst>
               <a:ext uri="{FF2B5EF4-FFF2-40B4-BE49-F238E27FC236}">
-                <a16:creationId xmlns:a16="http://schemas.microsoft.com/office/drawing/2014/main" xmlns="" id="{DC866DC3-DD40-4057-BF88-5EED8435A112}"/>
+                <a16:creationId xmlns:a16="http://schemas.microsoft.com/office/drawing/2014/main" id="{DC866DC3-DD40-4057-BF88-5EED8435A112}"/>
               </a:ext>
             </a:extLst>
           </p:cNvPr>
@@ -11914,29 +13717,83 @@
           <a:p>
             <a:r>
               <a:rPr lang="zh-CN" altLang="en-US" dirty="0"/>
-              <a:t>选两个人</a:t>
+              <a:t>分成两组，并站成两列</a:t>
             </a:r>
             <a:endParaRPr lang="en-US" altLang="zh-CN" dirty="0"/>
           </a:p>
           <a:p>
             <a:r>
               <a:rPr lang="zh-CN" altLang="en-US" dirty="0"/>
-              <a:t>其中一个人会看到我给出的教室中的一件物品，并通过肢体语言向另一个人转述。</a:t>
+              <a:t>每组的最后一个人会得到一个数字</a:t>
             </a:r>
             <a:endParaRPr lang="en-US" altLang="zh-CN" dirty="0"/>
           </a:p>
           <a:p>
             <a:r>
               <a:rPr lang="zh-CN" altLang="en-US" dirty="0"/>
-              <a:t>另一个人在教室里找到该物品则成功。</a:t>
+              <a:t>将数字传递给排在你前面的人</a:t>
             </a:r>
             <a:endParaRPr lang="en-US" altLang="zh-CN" dirty="0"/>
           </a:p>
           <a:p>
             <a:r>
-              <a:rPr lang="zh-CN" altLang="en-US" dirty="0"/>
-              <a:t>游戏过程中不能使用语言。</a:t>
-            </a:r>
+              <a:rPr lang="zh-CN" altLang="en-US" dirty="0">
+                <a:solidFill>
+                  <a:srgbClr val="FF0000"/>
+                </a:solidFill>
+              </a:rPr>
+              <a:t>传递过程中不能说话</a:t>
+            </a:r>
+            <a:endParaRPr lang="en-US" altLang="zh-CN" dirty="0">
+              <a:solidFill>
+                <a:srgbClr val="FF0000"/>
+              </a:solidFill>
+            </a:endParaRPr>
+          </a:p>
+          <a:p>
+            <a:r>
+              <a:rPr lang="zh-CN" altLang="en-US" dirty="0">
+                <a:solidFill>
+                  <a:srgbClr val="FF0000"/>
+                </a:solidFill>
+              </a:rPr>
+              <a:t>不能使用除身体以外的任何物品</a:t>
+            </a:r>
+            <a:endParaRPr lang="en-US" altLang="zh-CN" dirty="0">
+              <a:solidFill>
+                <a:srgbClr val="FF0000"/>
+              </a:solidFill>
+            </a:endParaRPr>
+          </a:p>
+          <a:p>
+            <a:r>
+              <a:rPr lang="zh-CN" altLang="en-US" dirty="0">
+                <a:solidFill>
+                  <a:srgbClr val="FF0000"/>
+                </a:solidFill>
+              </a:rPr>
+              <a:t>在开始之前每组有五分钟时间讨论你们传递信息的方案</a:t>
+            </a:r>
+            <a:endParaRPr lang="en-US" altLang="zh-CN" dirty="0">
+              <a:solidFill>
+                <a:srgbClr val="FF0000"/>
+              </a:solidFill>
+            </a:endParaRPr>
+          </a:p>
+          <a:p>
+            <a:r>
+              <a:rPr lang="zh-CN" altLang="en-US" dirty="0">
+                <a:solidFill>
+                  <a:schemeClr val="tx1"/>
+                </a:solidFill>
+              </a:rPr>
+              <a:t>传递速度最快且正确的一组获胜</a:t>
+            </a:r>
+            <a:endParaRPr lang="en-US" altLang="zh-CN" dirty="0">
+              <a:solidFill>
+                <a:schemeClr val="tx1"/>
+              </a:solidFill>
+            </a:endParaRPr>
           </a:p>
         </p:txBody>
       </p:sp>
@@ -11975,7 +13832,7 @@
           <p:cNvPr id="2" name="标题 1">
             <a:extLst>
               <a:ext uri="{FF2B5EF4-FFF2-40B4-BE49-F238E27FC236}">
-                <a16:creationId xmlns:a16="http://schemas.microsoft.com/office/drawing/2014/main" xmlns="" id="{315C1B9A-FDFD-47D0-8AAE-3127531E205B}"/>
+                <a16:creationId xmlns:a16="http://schemas.microsoft.com/office/drawing/2014/main" id="{315C1B9A-FDFD-47D0-8AAE-3127531E205B}"/>
               </a:ext>
             </a:extLst>
           </p:cNvPr>
@@ -12008,7 +13865,7 @@
           <p:cNvPr id="3" name="文本占位符 2">
             <a:extLst>
               <a:ext uri="{FF2B5EF4-FFF2-40B4-BE49-F238E27FC236}">
-                <a16:creationId xmlns:a16="http://schemas.microsoft.com/office/drawing/2014/main" xmlns="" id="{0C21F3BF-64A7-4322-B435-FD630389F9AE}"/>
+                <a16:creationId xmlns:a16="http://schemas.microsoft.com/office/drawing/2014/main" id="{0C21F3BF-64A7-4322-B435-FD630389F9AE}"/>
               </a:ext>
             </a:extLst>
           </p:cNvPr>
@@ -12042,7 +13899,7 @@
           </a:p>
           <a:p>
             <a:r>
-              <a:rPr lang="en-US" altLang="zh-CN" dirty="0" smtClean="0">
+              <a:rPr lang="en-US" altLang="zh-CN" dirty="0">
                 <a:solidFill>
                   <a:srgbClr val="FF0000"/>
                 </a:solidFill>
@@ -12117,7 +13974,7 @@
           <p:cNvPr id="4" name="标题 3">
             <a:extLst>
               <a:ext uri="{FF2B5EF4-FFF2-40B4-BE49-F238E27FC236}">
-                <a16:creationId xmlns:a16="http://schemas.microsoft.com/office/drawing/2014/main" xmlns="" id="{902E18F5-1916-4E11-BC81-985FCC1CE581}"/>
+                <a16:creationId xmlns:a16="http://schemas.microsoft.com/office/drawing/2014/main" id="{902E18F5-1916-4E11-BC81-985FCC1CE581}"/>
               </a:ext>
             </a:extLst>
           </p:cNvPr>
@@ -12145,7 +14002,7 @@
           <p:cNvPr id="6" name="文本占位符 5">
             <a:extLst>
               <a:ext uri="{FF2B5EF4-FFF2-40B4-BE49-F238E27FC236}">
-                <a16:creationId xmlns:a16="http://schemas.microsoft.com/office/drawing/2014/main" xmlns="" id="{9BA656FB-BF99-46CD-8CC5-3406529170D6}"/>
+                <a16:creationId xmlns:a16="http://schemas.microsoft.com/office/drawing/2014/main" id="{9BA656FB-BF99-46CD-8CC5-3406529170D6}"/>
               </a:ext>
             </a:extLst>
           </p:cNvPr>
@@ -12203,7 +14060,7 @@
           <p:cNvPr id="28" name="组合 27">
             <a:extLst>
               <a:ext uri="{FF2B5EF4-FFF2-40B4-BE49-F238E27FC236}">
-                <a16:creationId xmlns:a16="http://schemas.microsoft.com/office/drawing/2014/main" xmlns="" id="{EBE9CD1D-9362-4FD9-9212-5B69C9667FF8}"/>
+                <a16:creationId xmlns:a16="http://schemas.microsoft.com/office/drawing/2014/main" id="{EBE9CD1D-9362-4FD9-9212-5B69C9667FF8}"/>
               </a:ext>
             </a:extLst>
           </p:cNvPr>
@@ -12223,7 +14080,7 @@
             <p:cNvPr id="7" name="矩形: 圆角 6">
               <a:extLst>
                 <a:ext uri="{FF2B5EF4-FFF2-40B4-BE49-F238E27FC236}">
-                  <a16:creationId xmlns:a16="http://schemas.microsoft.com/office/drawing/2014/main" xmlns="" id="{FDE1D686-83C8-4A17-9316-94F74941124D}"/>
+                  <a16:creationId xmlns:a16="http://schemas.microsoft.com/office/drawing/2014/main" id="{FDE1D686-83C8-4A17-9316-94F74941124D}"/>
                 </a:ext>
               </a:extLst>
             </p:cNvPr>
@@ -12275,7 +14132,7 @@
             <p:cNvPr id="9" name="矩形: 圆角 8">
               <a:extLst>
                 <a:ext uri="{FF2B5EF4-FFF2-40B4-BE49-F238E27FC236}">
-                  <a16:creationId xmlns:a16="http://schemas.microsoft.com/office/drawing/2014/main" xmlns="" id="{A1EE7E5A-5627-47BB-B6E6-712FDCFF7B10}"/>
+                  <a16:creationId xmlns:a16="http://schemas.microsoft.com/office/drawing/2014/main" id="{A1EE7E5A-5627-47BB-B6E6-712FDCFF7B10}"/>
                 </a:ext>
               </a:extLst>
             </p:cNvPr>
@@ -12327,7 +14184,7 @@
             <p:cNvPr id="10" name="矩形: 圆角 9">
               <a:extLst>
                 <a:ext uri="{FF2B5EF4-FFF2-40B4-BE49-F238E27FC236}">
-                  <a16:creationId xmlns:a16="http://schemas.microsoft.com/office/drawing/2014/main" xmlns="" id="{33E5B558-870B-45DD-849A-B710F59C13B6}"/>
+                  <a16:creationId xmlns:a16="http://schemas.microsoft.com/office/drawing/2014/main" id="{33E5B558-870B-45DD-849A-B710F59C13B6}"/>
                 </a:ext>
               </a:extLst>
             </p:cNvPr>
@@ -12379,7 +14236,7 @@
             <p:cNvPr id="11" name="矩形: 圆角 10">
               <a:extLst>
                 <a:ext uri="{FF2B5EF4-FFF2-40B4-BE49-F238E27FC236}">
-                  <a16:creationId xmlns:a16="http://schemas.microsoft.com/office/drawing/2014/main" xmlns="" id="{22641E9A-13EE-461A-BE33-B5010E9B23B5}"/>
+                  <a16:creationId xmlns:a16="http://schemas.microsoft.com/office/drawing/2014/main" id="{22641E9A-13EE-461A-BE33-B5010E9B23B5}"/>
                 </a:ext>
               </a:extLst>
             </p:cNvPr>
@@ -12431,7 +14288,7 @@
             <p:cNvPr id="12" name="箭头: 下 11">
               <a:extLst>
                 <a:ext uri="{FF2B5EF4-FFF2-40B4-BE49-F238E27FC236}">
-                  <a16:creationId xmlns:a16="http://schemas.microsoft.com/office/drawing/2014/main" xmlns="" id="{58E04EB8-FE8B-4740-A7E8-973A4B8E0A24}"/>
+                  <a16:creationId xmlns:a16="http://schemas.microsoft.com/office/drawing/2014/main" id="{58E04EB8-FE8B-4740-A7E8-973A4B8E0A24}"/>
                 </a:ext>
               </a:extLst>
             </p:cNvPr>
@@ -12477,7 +14334,7 @@
             <p:cNvPr id="13" name="箭头: 下 12">
               <a:extLst>
                 <a:ext uri="{FF2B5EF4-FFF2-40B4-BE49-F238E27FC236}">
-                  <a16:creationId xmlns:a16="http://schemas.microsoft.com/office/drawing/2014/main" xmlns="" id="{B7F87402-0142-4792-886F-9B55ECCE6D3E}"/>
+                  <a16:creationId xmlns:a16="http://schemas.microsoft.com/office/drawing/2014/main" id="{B7F87402-0142-4792-886F-9B55ECCE6D3E}"/>
                 </a:ext>
               </a:extLst>
             </p:cNvPr>
@@ -12523,7 +14380,7 @@
             <p:cNvPr id="14" name="矩形: 圆角 13">
               <a:extLst>
                 <a:ext uri="{FF2B5EF4-FFF2-40B4-BE49-F238E27FC236}">
-                  <a16:creationId xmlns:a16="http://schemas.microsoft.com/office/drawing/2014/main" xmlns="" id="{57652741-C625-4E51-A4FB-209F87B4A689}"/>
+                  <a16:creationId xmlns:a16="http://schemas.microsoft.com/office/drawing/2014/main" id="{57652741-C625-4E51-A4FB-209F87B4A689}"/>
                 </a:ext>
               </a:extLst>
             </p:cNvPr>
@@ -12580,7 +14437,7 @@
             <p:cNvPr id="16" name="矩形: 圆角 15">
               <a:extLst>
                 <a:ext uri="{FF2B5EF4-FFF2-40B4-BE49-F238E27FC236}">
-                  <a16:creationId xmlns:a16="http://schemas.microsoft.com/office/drawing/2014/main" xmlns="" id="{9E898A56-6988-4598-B53A-B212ED507647}"/>
+                  <a16:creationId xmlns:a16="http://schemas.microsoft.com/office/drawing/2014/main" id="{9E898A56-6988-4598-B53A-B212ED507647}"/>
                 </a:ext>
               </a:extLst>
             </p:cNvPr>
@@ -12637,7 +14494,7 @@
             <p:cNvPr id="17" name="矩形: 圆角 16">
               <a:extLst>
                 <a:ext uri="{FF2B5EF4-FFF2-40B4-BE49-F238E27FC236}">
-                  <a16:creationId xmlns:a16="http://schemas.microsoft.com/office/drawing/2014/main" xmlns="" id="{E58A64E9-EBBE-4A1B-869E-5309D2A989B3}"/>
+                  <a16:creationId xmlns:a16="http://schemas.microsoft.com/office/drawing/2014/main" id="{E58A64E9-EBBE-4A1B-869E-5309D2A989B3}"/>
                 </a:ext>
               </a:extLst>
             </p:cNvPr>
@@ -12694,7 +14551,7 @@
             <p:cNvPr id="18" name="箭头: 右 17">
               <a:extLst>
                 <a:ext uri="{FF2B5EF4-FFF2-40B4-BE49-F238E27FC236}">
-                  <a16:creationId xmlns:a16="http://schemas.microsoft.com/office/drawing/2014/main" xmlns="" id="{4968FCB2-5BC1-497D-90A6-367C406151C6}"/>
+                  <a16:creationId xmlns:a16="http://schemas.microsoft.com/office/drawing/2014/main" id="{4968FCB2-5BC1-497D-90A6-367C406151C6}"/>
                 </a:ext>
               </a:extLst>
             </p:cNvPr>
@@ -12740,7 +14597,7 @@
             <p:cNvPr id="21" name="箭头: 右 20">
               <a:extLst>
                 <a:ext uri="{FF2B5EF4-FFF2-40B4-BE49-F238E27FC236}">
-                  <a16:creationId xmlns:a16="http://schemas.microsoft.com/office/drawing/2014/main" xmlns="" id="{CF62F88A-4000-440C-A726-D8091B7CF509}"/>
+                  <a16:creationId xmlns:a16="http://schemas.microsoft.com/office/drawing/2014/main" id="{CF62F88A-4000-440C-A726-D8091B7CF509}"/>
                 </a:ext>
               </a:extLst>
             </p:cNvPr>
@@ -12786,7 +14643,7 @@
             <p:cNvPr id="20" name="矩形: 圆角 19">
               <a:extLst>
                 <a:ext uri="{FF2B5EF4-FFF2-40B4-BE49-F238E27FC236}">
-                  <a16:creationId xmlns:a16="http://schemas.microsoft.com/office/drawing/2014/main" xmlns="" id="{927F1DBF-3CC8-4B61-80F2-4A46EEB29F8C}"/>
+                  <a16:creationId xmlns:a16="http://schemas.microsoft.com/office/drawing/2014/main" id="{927F1DBF-3CC8-4B61-80F2-4A46EEB29F8C}"/>
                 </a:ext>
               </a:extLst>
             </p:cNvPr>
@@ -12843,7 +14700,7 @@
             <p:cNvPr id="15" name="矩形: 圆角 14">
               <a:extLst>
                 <a:ext uri="{FF2B5EF4-FFF2-40B4-BE49-F238E27FC236}">
-                  <a16:creationId xmlns:a16="http://schemas.microsoft.com/office/drawing/2014/main" xmlns="" id="{1D2B58D0-933D-4E88-BD51-876B6AD100D9}"/>
+                  <a16:creationId xmlns:a16="http://schemas.microsoft.com/office/drawing/2014/main" id="{1D2B58D0-933D-4E88-BD51-876B6AD100D9}"/>
                 </a:ext>
               </a:extLst>
             </p:cNvPr>
@@ -12900,7 +14757,7 @@
             <p:cNvPr id="22" name="矩形: 圆角 21">
               <a:extLst>
                 <a:ext uri="{FF2B5EF4-FFF2-40B4-BE49-F238E27FC236}">
-                  <a16:creationId xmlns:a16="http://schemas.microsoft.com/office/drawing/2014/main" xmlns="" id="{6DAE76C4-FE17-456F-AC04-28E2AEA03A4B}"/>
+                  <a16:creationId xmlns:a16="http://schemas.microsoft.com/office/drawing/2014/main" id="{6DAE76C4-FE17-456F-AC04-28E2AEA03A4B}"/>
                 </a:ext>
               </a:extLst>
             </p:cNvPr>
@@ -12957,7 +14814,7 @@
             <p:cNvPr id="23" name="矩形: 圆角 22">
               <a:extLst>
                 <a:ext uri="{FF2B5EF4-FFF2-40B4-BE49-F238E27FC236}">
-                  <a16:creationId xmlns:a16="http://schemas.microsoft.com/office/drawing/2014/main" xmlns="" id="{912F02CD-FF2E-4A02-BF91-119F2B4A0032}"/>
+                  <a16:creationId xmlns:a16="http://schemas.microsoft.com/office/drawing/2014/main" id="{912F02CD-FF2E-4A02-BF91-119F2B4A0032}"/>
                 </a:ext>
               </a:extLst>
             </p:cNvPr>
@@ -13014,7 +14871,7 @@
             <p:cNvPr id="25" name="连接符: 肘形 24">
               <a:extLst>
                 <a:ext uri="{FF2B5EF4-FFF2-40B4-BE49-F238E27FC236}">
-                  <a16:creationId xmlns:a16="http://schemas.microsoft.com/office/drawing/2014/main" xmlns="" id="{D9669872-4007-4BAA-8720-A6E51D31D2C4}"/>
+                  <a16:creationId xmlns:a16="http://schemas.microsoft.com/office/drawing/2014/main" id="{D9669872-4007-4BAA-8720-A6E51D31D2C4}"/>
                 </a:ext>
               </a:extLst>
             </p:cNvPr>
@@ -13056,7 +14913,7 @@
             <p:cNvPr id="27" name="连接符: 肘形 26">
               <a:extLst>
                 <a:ext uri="{FF2B5EF4-FFF2-40B4-BE49-F238E27FC236}">
-                  <a16:creationId xmlns:a16="http://schemas.microsoft.com/office/drawing/2014/main" xmlns="" id="{FDC2B0FA-C41B-4B92-B3A8-1C54E3131D0A}"/>
+                  <a16:creationId xmlns:a16="http://schemas.microsoft.com/office/drawing/2014/main" id="{FDC2B0FA-C41B-4B92-B3A8-1C54E3131D0A}"/>
                 </a:ext>
               </a:extLst>
             </p:cNvPr>
@@ -13172,65 +15029,30 @@
             <a:endParaRPr lang="zh-CN" altLang="en-US" dirty="0"/>
           </a:p>
           <a:p>
-            <a:pPr marL="36900" indent="0">
-              <a:buNone/>
-            </a:pPr>
-            <a:r>
-              <a:rPr lang="en-US" altLang="zh-CN" dirty="0"/>
-              <a:t>•</a:t>
-            </a:r>
             <a:r>
               <a:rPr lang="zh-CN" altLang="en-US" dirty="0"/>
-              <a:t>满足人们彼此交流的需要； </a:t>
-            </a:r>
-          </a:p>
-          <a:p>
-            <a:pPr marL="36900" indent="0">
-              <a:buNone/>
-            </a:pPr>
-            <a:r>
-              <a:rPr lang="en-US" altLang="zh-CN" dirty="0"/>
-              <a:t>•</a:t>
-            </a:r>
+              <a:t>满足人们彼此交流的需要</a:t>
+            </a:r>
+          </a:p>
+          <a:p>
             <a:r>
               <a:rPr lang="zh-CN" altLang="en-US" dirty="0"/>
-              <a:t>使人们达成共识、更多的合作； </a:t>
-            </a:r>
-          </a:p>
-          <a:p>
-            <a:pPr marL="36900" indent="0">
-              <a:buNone/>
-            </a:pPr>
-            <a:r>
-              <a:rPr lang="en-US" altLang="zh-CN" dirty="0"/>
-              <a:t>•</a:t>
-            </a:r>
+              <a:t>使人们达成共识、更多的合作</a:t>
+            </a:r>
+          </a:p>
+          <a:p>
             <a:r>
               <a:rPr lang="zh-CN" altLang="en-US" dirty="0"/>
-              <a:t>降低工作的代理成本，提高办事效率； </a:t>
-            </a:r>
-          </a:p>
-          <a:p>
-            <a:pPr marL="36900" indent="0">
-              <a:buNone/>
-            </a:pPr>
-            <a:r>
-              <a:rPr lang="en-US" altLang="zh-CN" dirty="0"/>
-              <a:t>•</a:t>
-            </a:r>
+              <a:t>降低工作的代理成本，提高办事效率</a:t>
+            </a:r>
+          </a:p>
+          <a:p>
             <a:r>
               <a:rPr lang="zh-CN" altLang="en-US" dirty="0"/>
-              <a:t>能获得有价值的信息，并使个人办事更加井井有条； </a:t>
-            </a:r>
-          </a:p>
-          <a:p>
-            <a:pPr marL="36900" indent="0">
-              <a:buNone/>
-            </a:pPr>
-            <a:r>
-              <a:rPr lang="en-US" altLang="zh-CN" dirty="0"/>
-              <a:t>•</a:t>
-            </a:r>
+              <a:t>能获得有价值的信息，并使个人办事更加井井有条</a:t>
+            </a:r>
+          </a:p>
+          <a:p>
             <a:r>
               <a:rPr lang="zh-CN" altLang="en-US" dirty="0"/>
               <a:t>使人进行清晰的思考，有效把握所做的事。 </a:t>
@@ -13288,111 +15110,833 @@
           <a:p>
             <a:r>
               <a:rPr lang="zh-CN" altLang="en-US" dirty="0"/>
-              <a:t>沟通中的</a:t>
-            </a:r>
-            <a:r>
-              <a:rPr lang="en-US" altLang="zh-CN" dirty="0"/>
-              <a:t>“</a:t>
-            </a:r>
-            <a:r>
-              <a:rPr lang="zh-CN" altLang="en-US" dirty="0"/>
-              <a:t>囧</a:t>
-            </a:r>
-            <a:r>
-              <a:rPr lang="en-US" altLang="zh-CN" dirty="0"/>
-              <a:t>”</a:t>
-            </a:r>
-            <a:r>
-              <a:rPr lang="zh-CN" altLang="en-US" dirty="0"/>
-              <a:t>事</a:t>
-            </a:r>
-          </a:p>
-        </p:txBody>
-      </p:sp>
-      <p:sp>
-        <p:nvSpPr>
-          <p:cNvPr id="4" name="内容占位符 3"/>
-          <p:cNvSpPr>
-            <a:spLocks noGrp="1"/>
-          </p:cNvSpPr>
-          <p:nvPr>
-            <p:ph sz="half" idx="1"/>
-          </p:nvPr>
-        </p:nvSpPr>
-        <p:spPr/>
-        <p:txBody>
-          <a:bodyPr/>
-          <a:lstStyle/>
-          <a:p>
-            <a:r>
-              <a:rPr lang="en-US" altLang="zh-CN" dirty="0"/>
+              <a:t>词汇列表</a:t>
+            </a:r>
+          </a:p>
+        </p:txBody>
+      </p:sp>
+      <p:sp>
+        <p:nvSpPr>
+          <p:cNvPr id="6" name="矩形: 圆角 5">
+            <a:extLst>
+              <a:ext uri="{FF2B5EF4-FFF2-40B4-BE49-F238E27FC236}">
+                <a16:creationId xmlns:a16="http://schemas.microsoft.com/office/drawing/2014/main" id="{C3EAC91D-95A8-4629-BCE2-0D9A042A2182}"/>
+              </a:ext>
+            </a:extLst>
+          </p:cNvPr>
+          <p:cNvSpPr/>
+          <p:nvPr/>
+        </p:nvSpPr>
+        <p:spPr>
+          <a:xfrm>
+            <a:off x="3168073" y="2103477"/>
+            <a:ext cx="1560945" cy="581891"/>
+          </a:xfrm>
+          <a:prstGeom prst="roundRect">
+            <a:avLst/>
+          </a:prstGeom>
+          <a:solidFill>
+            <a:srgbClr val="92D050"/>
+          </a:solidFill>
+          <a:ln>
+            <a:solidFill>
+              <a:schemeClr val="tx1"/>
+            </a:solidFill>
+          </a:ln>
+        </p:spPr>
+        <p:style>
+          <a:lnRef idx="2">
+            <a:schemeClr val="accent1">
+              <a:shade val="50000"/>
+            </a:schemeClr>
+          </a:lnRef>
+          <a:fillRef idx="1">
+            <a:schemeClr val="accent1"/>
+          </a:fillRef>
+          <a:effectRef idx="0">
+            <a:schemeClr val="accent1"/>
+          </a:effectRef>
+          <a:fontRef idx="minor">
+            <a:schemeClr val="lt1"/>
+          </a:fontRef>
+        </p:style>
+        <p:txBody>
+          <a:bodyPr rtlCol="0" anchor="ctr"/>
+          <a:lstStyle/>
+          <a:p>
+            <a:pPr algn="ctr"/>
+            <a:r>
+              <a:rPr lang="en-US" altLang="zh-CN" dirty="0">
+                <a:solidFill>
+                  <a:schemeClr val="bg1"/>
+                </a:solidFill>
+              </a:rPr>
               <a:t>ACT</a:t>
             </a:r>
-          </a:p>
-          <a:p>
-            <a:r>
-              <a:rPr lang="en-US" altLang="zh-CN" dirty="0"/>
+            <a:endParaRPr lang="zh-CN" altLang="en-US" dirty="0">
+              <a:solidFill>
+                <a:schemeClr val="bg1"/>
+              </a:solidFill>
+            </a:endParaRPr>
+          </a:p>
+        </p:txBody>
+      </p:sp>
+      <p:sp>
+        <p:nvSpPr>
+          <p:cNvPr id="7" name="矩形: 圆角 6">
+            <a:extLst>
+              <a:ext uri="{FF2B5EF4-FFF2-40B4-BE49-F238E27FC236}">
+                <a16:creationId xmlns:a16="http://schemas.microsoft.com/office/drawing/2014/main" id="{AB595A02-BEDC-47E5-936F-07CE5D8F38D0}"/>
+              </a:ext>
+            </a:extLst>
+          </p:cNvPr>
+          <p:cNvSpPr/>
+          <p:nvPr/>
+        </p:nvSpPr>
+        <p:spPr>
+          <a:xfrm>
+            <a:off x="2663570" y="2955951"/>
+            <a:ext cx="1560945" cy="581891"/>
+          </a:xfrm>
+          <a:prstGeom prst="roundRect">
+            <a:avLst/>
+          </a:prstGeom>
+          <a:solidFill>
+            <a:srgbClr val="92D050"/>
+          </a:solidFill>
+          <a:ln>
+            <a:solidFill>
+              <a:schemeClr val="tx1"/>
+            </a:solidFill>
+          </a:ln>
+        </p:spPr>
+        <p:style>
+          <a:lnRef idx="2">
+            <a:schemeClr val="accent1">
+              <a:shade val="50000"/>
+            </a:schemeClr>
+          </a:lnRef>
+          <a:fillRef idx="1">
+            <a:schemeClr val="accent1"/>
+          </a:fillRef>
+          <a:effectRef idx="0">
+            <a:schemeClr val="accent1"/>
+          </a:effectRef>
+          <a:fontRef idx="minor">
+            <a:schemeClr val="lt1"/>
+          </a:fontRef>
+        </p:style>
+        <p:txBody>
+          <a:bodyPr rtlCol="0" anchor="ctr"/>
+          <a:lstStyle/>
+          <a:p>
+            <a:pPr algn="ctr"/>
+            <a:r>
+              <a:rPr lang="en-US" altLang="zh-CN" dirty="0">
+                <a:solidFill>
+                  <a:schemeClr val="bg1"/>
+                </a:solidFill>
+              </a:rPr>
+              <a:t>DLC</a:t>
+            </a:r>
+            <a:endParaRPr lang="zh-CN" altLang="en-US" dirty="0">
+              <a:solidFill>
+                <a:schemeClr val="bg1"/>
+              </a:solidFill>
+            </a:endParaRPr>
+          </a:p>
+        </p:txBody>
+      </p:sp>
+      <p:sp>
+        <p:nvSpPr>
+          <p:cNvPr id="8" name="矩形: 圆角 7">
+            <a:extLst>
+              <a:ext uri="{FF2B5EF4-FFF2-40B4-BE49-F238E27FC236}">
+                <a16:creationId xmlns:a16="http://schemas.microsoft.com/office/drawing/2014/main" id="{7BBBDC16-55B0-4521-AAF7-E1BAED0CEB79}"/>
+              </a:ext>
+            </a:extLst>
+          </p:cNvPr>
+          <p:cNvSpPr/>
+          <p:nvPr/>
+        </p:nvSpPr>
+        <p:spPr>
+          <a:xfrm>
+            <a:off x="4975034" y="2965186"/>
+            <a:ext cx="1560945" cy="581891"/>
+          </a:xfrm>
+          <a:prstGeom prst="roundRect">
+            <a:avLst/>
+          </a:prstGeom>
+          <a:solidFill>
+            <a:srgbClr val="92D050"/>
+          </a:solidFill>
+          <a:ln>
+            <a:solidFill>
+              <a:schemeClr val="tx1"/>
+            </a:solidFill>
+          </a:ln>
+        </p:spPr>
+        <p:style>
+          <a:lnRef idx="2">
+            <a:schemeClr val="accent1">
+              <a:shade val="50000"/>
+            </a:schemeClr>
+          </a:lnRef>
+          <a:fillRef idx="1">
+            <a:schemeClr val="accent1"/>
+          </a:fillRef>
+          <a:effectRef idx="0">
+            <a:schemeClr val="accent1"/>
+          </a:effectRef>
+          <a:fontRef idx="minor">
+            <a:schemeClr val="lt1"/>
+          </a:fontRef>
+        </p:style>
+        <p:txBody>
+          <a:bodyPr rtlCol="0" anchor="ctr"/>
+          <a:lstStyle/>
+          <a:p>
+            <a:pPr algn="ctr"/>
+            <a:r>
+              <a:rPr lang="en-US" altLang="zh-CN" dirty="0">
+                <a:solidFill>
+                  <a:schemeClr val="bg1"/>
+                </a:solidFill>
+              </a:rPr>
+              <a:t>SLG</a:t>
+            </a:r>
+            <a:endParaRPr lang="zh-CN" altLang="en-US" dirty="0">
+              <a:solidFill>
+                <a:schemeClr val="bg1"/>
+              </a:solidFill>
+            </a:endParaRPr>
+          </a:p>
+        </p:txBody>
+      </p:sp>
+      <p:sp>
+        <p:nvSpPr>
+          <p:cNvPr id="9" name="矩形: 圆角 8">
+            <a:extLst>
+              <a:ext uri="{FF2B5EF4-FFF2-40B4-BE49-F238E27FC236}">
+                <a16:creationId xmlns:a16="http://schemas.microsoft.com/office/drawing/2014/main" id="{B41BB172-0D6D-49EA-80A6-FC07FEBF9761}"/>
+              </a:ext>
+            </a:extLst>
+          </p:cNvPr>
+          <p:cNvSpPr/>
+          <p:nvPr/>
+        </p:nvSpPr>
+        <p:spPr>
+          <a:xfrm>
+            <a:off x="3747174" y="2626904"/>
+            <a:ext cx="1560945" cy="581891"/>
+          </a:xfrm>
+          <a:prstGeom prst="roundRect">
+            <a:avLst/>
+          </a:prstGeom>
+          <a:solidFill>
+            <a:srgbClr val="92D050"/>
+          </a:solidFill>
+          <a:ln>
+            <a:solidFill>
+              <a:schemeClr val="tx1"/>
+            </a:solidFill>
+          </a:ln>
+        </p:spPr>
+        <p:style>
+          <a:lnRef idx="2">
+            <a:schemeClr val="accent1">
+              <a:shade val="50000"/>
+            </a:schemeClr>
+          </a:lnRef>
+          <a:fillRef idx="1">
+            <a:schemeClr val="accent1"/>
+          </a:fillRef>
+          <a:effectRef idx="0">
+            <a:schemeClr val="accent1"/>
+          </a:effectRef>
+          <a:fontRef idx="minor">
+            <a:schemeClr val="lt1"/>
+          </a:fontRef>
+        </p:style>
+        <p:txBody>
+          <a:bodyPr rtlCol="0" anchor="ctr"/>
+          <a:lstStyle/>
+          <a:p>
+            <a:pPr algn="ctr"/>
+            <a:r>
+              <a:rPr lang="en-US" altLang="zh-CN" dirty="0">
+                <a:solidFill>
+                  <a:schemeClr val="bg1"/>
+                </a:solidFill>
+              </a:rPr>
               <a:t>BMG</a:t>
             </a:r>
-          </a:p>
-          <a:p>
-            <a:r>
-              <a:rPr lang="en-US" altLang="zh-CN" dirty="0"/>
-              <a:t>DLC</a:t>
-            </a:r>
-          </a:p>
-          <a:p>
-            <a:endParaRPr lang="zh-CN" altLang="en-US" dirty="0"/>
-          </a:p>
-        </p:txBody>
-      </p:sp>
-      <p:sp>
-        <p:nvSpPr>
-          <p:cNvPr id="5" name="内容占位符 4"/>
-          <p:cNvSpPr>
-            <a:spLocks noGrp="1"/>
-          </p:cNvSpPr>
-          <p:nvPr>
-            <p:ph sz="half" idx="2"/>
-          </p:nvPr>
-        </p:nvSpPr>
-        <p:spPr/>
-        <p:txBody>
-          <a:bodyPr/>
-          <a:lstStyle/>
-          <a:p>
-            <a:r>
-              <a:rPr lang="zh-CN" altLang="en-US" dirty="0"/>
+            <a:endParaRPr lang="zh-CN" altLang="en-US" dirty="0">
+              <a:solidFill>
+                <a:schemeClr val="bg1"/>
+              </a:solidFill>
+            </a:endParaRPr>
+          </a:p>
+        </p:txBody>
+      </p:sp>
+      <p:sp>
+        <p:nvSpPr>
+          <p:cNvPr id="10" name="矩形: 圆角 9">
+            <a:extLst>
+              <a:ext uri="{FF2B5EF4-FFF2-40B4-BE49-F238E27FC236}">
+                <a16:creationId xmlns:a16="http://schemas.microsoft.com/office/drawing/2014/main" id="{EA74F6AF-2DB0-4763-99F6-41D413AD8405}"/>
+              </a:ext>
+            </a:extLst>
+          </p:cNvPr>
+          <p:cNvSpPr/>
+          <p:nvPr/>
+        </p:nvSpPr>
+        <p:spPr>
+          <a:xfrm>
+            <a:off x="4367612" y="3911096"/>
+            <a:ext cx="1560945" cy="581891"/>
+          </a:xfrm>
+          <a:prstGeom prst="roundRect">
+            <a:avLst/>
+          </a:prstGeom>
+          <a:solidFill>
+            <a:srgbClr val="92D050"/>
+          </a:solidFill>
+          <a:ln>
+            <a:solidFill>
+              <a:schemeClr val="tx1"/>
+            </a:solidFill>
+          </a:ln>
+        </p:spPr>
+        <p:style>
+          <a:lnRef idx="2">
+            <a:schemeClr val="accent1">
+              <a:shade val="50000"/>
+            </a:schemeClr>
+          </a:lnRef>
+          <a:fillRef idx="1">
+            <a:schemeClr val="accent1"/>
+          </a:fillRef>
+          <a:effectRef idx="0">
+            <a:schemeClr val="accent1"/>
+          </a:effectRef>
+          <a:fontRef idx="minor">
+            <a:schemeClr val="lt1"/>
+          </a:fontRef>
+        </p:style>
+        <p:txBody>
+          <a:bodyPr rtlCol="0" anchor="ctr"/>
+          <a:lstStyle/>
+          <a:p>
+            <a:pPr algn="ctr"/>
+            <a:r>
+              <a:rPr lang="zh-CN" altLang="en-US" dirty="0">
+                <a:solidFill>
+                  <a:schemeClr val="bg1"/>
+                </a:solidFill>
+              </a:rPr>
+              <a:t>郭嘉</a:t>
+            </a:r>
+          </a:p>
+        </p:txBody>
+      </p:sp>
+      <p:sp>
+        <p:nvSpPr>
+          <p:cNvPr id="11" name="矩形: 圆角 10">
+            <a:extLst>
+              <a:ext uri="{FF2B5EF4-FFF2-40B4-BE49-F238E27FC236}">
+                <a16:creationId xmlns:a16="http://schemas.microsoft.com/office/drawing/2014/main" id="{0899E278-6AA1-4BDB-ACBA-7BC8706B9161}"/>
+              </a:ext>
+            </a:extLst>
+          </p:cNvPr>
+          <p:cNvSpPr/>
+          <p:nvPr/>
+        </p:nvSpPr>
+        <p:spPr>
+          <a:xfrm>
+            <a:off x="3747173" y="3458019"/>
+            <a:ext cx="1560945" cy="581891"/>
+          </a:xfrm>
+          <a:prstGeom prst="roundRect">
+            <a:avLst/>
+          </a:prstGeom>
+          <a:solidFill>
+            <a:srgbClr val="92D050"/>
+          </a:solidFill>
+          <a:ln>
+            <a:solidFill>
+              <a:schemeClr val="tx1"/>
+            </a:solidFill>
+          </a:ln>
+        </p:spPr>
+        <p:style>
+          <a:lnRef idx="2">
+            <a:schemeClr val="accent1">
+              <a:shade val="50000"/>
+            </a:schemeClr>
+          </a:lnRef>
+          <a:fillRef idx="1">
+            <a:schemeClr val="accent1"/>
+          </a:fillRef>
+          <a:effectRef idx="0">
+            <a:schemeClr val="accent1"/>
+          </a:effectRef>
+          <a:fontRef idx="minor">
+            <a:schemeClr val="lt1"/>
+          </a:fontRef>
+        </p:style>
+        <p:txBody>
+          <a:bodyPr rtlCol="0" anchor="ctr"/>
+          <a:lstStyle/>
+          <a:p>
+            <a:pPr algn="ctr"/>
+            <a:r>
+              <a:rPr lang="zh-CN" altLang="en-US" dirty="0">
+                <a:solidFill>
+                  <a:schemeClr val="bg1"/>
+                </a:solidFill>
+              </a:rPr>
+              <a:t>鬼畜</a:t>
+            </a:r>
+          </a:p>
+        </p:txBody>
+      </p:sp>
+      <p:sp>
+        <p:nvSpPr>
+          <p:cNvPr id="17" name="矩形: 圆角 16">
+            <a:extLst>
+              <a:ext uri="{FF2B5EF4-FFF2-40B4-BE49-F238E27FC236}">
+                <a16:creationId xmlns:a16="http://schemas.microsoft.com/office/drawing/2014/main" id="{45730E07-54DB-4BE5-9C77-EC91E41EC22E}"/>
+              </a:ext>
+            </a:extLst>
+          </p:cNvPr>
+          <p:cNvSpPr/>
+          <p:nvPr/>
+        </p:nvSpPr>
+        <p:spPr>
+          <a:xfrm>
+            <a:off x="6318793" y="3333407"/>
+            <a:ext cx="1560945" cy="581891"/>
+          </a:xfrm>
+          <a:prstGeom prst="roundRect">
+            <a:avLst/>
+          </a:prstGeom>
+          <a:solidFill>
+            <a:srgbClr val="92D050"/>
+          </a:solidFill>
+          <a:ln>
+            <a:solidFill>
+              <a:schemeClr val="tx1"/>
+            </a:solidFill>
+          </a:ln>
+        </p:spPr>
+        <p:style>
+          <a:lnRef idx="2">
+            <a:schemeClr val="accent1">
+              <a:shade val="50000"/>
+            </a:schemeClr>
+          </a:lnRef>
+          <a:fillRef idx="1">
+            <a:schemeClr val="accent1"/>
+          </a:fillRef>
+          <a:effectRef idx="0">
+            <a:schemeClr val="accent1"/>
+          </a:effectRef>
+          <a:fontRef idx="minor">
+            <a:schemeClr val="lt1"/>
+          </a:fontRef>
+        </p:style>
+        <p:txBody>
+          <a:bodyPr rtlCol="0" anchor="ctr"/>
+          <a:lstStyle/>
+          <a:p>
+            <a:pPr algn="ctr"/>
+            <a:r>
+              <a:rPr lang="zh-CN" altLang="en-US" dirty="0">
+                <a:solidFill>
+                  <a:schemeClr val="bg1"/>
+                </a:solidFill>
+                <a:latin typeface="+mn-ea"/>
+              </a:rPr>
+              <a:t>口嫌体正直</a:t>
+            </a:r>
+          </a:p>
+        </p:txBody>
+      </p:sp>
+      <p:sp>
+        <p:nvSpPr>
+          <p:cNvPr id="18" name="矩形: 圆角 17">
+            <a:extLst>
+              <a:ext uri="{FF2B5EF4-FFF2-40B4-BE49-F238E27FC236}">
+                <a16:creationId xmlns:a16="http://schemas.microsoft.com/office/drawing/2014/main" id="{AB4FA1AB-85A7-444F-B937-AD367273D7C7}"/>
+              </a:ext>
+            </a:extLst>
+          </p:cNvPr>
+          <p:cNvSpPr/>
+          <p:nvPr/>
+        </p:nvSpPr>
+        <p:spPr>
+          <a:xfrm>
+            <a:off x="5538321" y="3810152"/>
+            <a:ext cx="1560945" cy="581891"/>
+          </a:xfrm>
+          <a:prstGeom prst="roundRect">
+            <a:avLst/>
+          </a:prstGeom>
+          <a:solidFill>
+            <a:srgbClr val="92D050"/>
+          </a:solidFill>
+          <a:ln>
+            <a:solidFill>
+              <a:schemeClr val="tx1"/>
+            </a:solidFill>
+          </a:ln>
+        </p:spPr>
+        <p:style>
+          <a:lnRef idx="2">
+            <a:schemeClr val="accent1">
+              <a:shade val="50000"/>
+            </a:schemeClr>
+          </a:lnRef>
+          <a:fillRef idx="1">
+            <a:schemeClr val="accent1"/>
+          </a:fillRef>
+          <a:effectRef idx="0">
+            <a:schemeClr val="accent1"/>
+          </a:effectRef>
+          <a:fontRef idx="minor">
+            <a:schemeClr val="lt1"/>
+          </a:fontRef>
+        </p:style>
+        <p:txBody>
+          <a:bodyPr rtlCol="0" anchor="ctr"/>
+          <a:lstStyle/>
+          <a:p>
+            <a:pPr algn="ctr"/>
+            <a:r>
+              <a:rPr lang="zh-CN" altLang="en-US" dirty="0">
+                <a:solidFill>
+                  <a:schemeClr val="bg1"/>
+                </a:solidFill>
+                <a:latin typeface="+mn-ea"/>
+              </a:rPr>
+              <a:t>内存池</a:t>
+            </a:r>
+          </a:p>
+        </p:txBody>
+      </p:sp>
+      <p:sp>
+        <p:nvSpPr>
+          <p:cNvPr id="19" name="矩形: 圆角 18">
+            <a:extLst>
+              <a:ext uri="{FF2B5EF4-FFF2-40B4-BE49-F238E27FC236}">
+                <a16:creationId xmlns:a16="http://schemas.microsoft.com/office/drawing/2014/main" id="{21E4E585-A613-47AE-A494-B35948565E91}"/>
+              </a:ext>
+            </a:extLst>
+          </p:cNvPr>
+          <p:cNvSpPr/>
+          <p:nvPr/>
+        </p:nvSpPr>
+        <p:spPr>
+          <a:xfrm>
+            <a:off x="2515244" y="3915298"/>
+            <a:ext cx="1560945" cy="581891"/>
+          </a:xfrm>
+          <a:prstGeom prst="roundRect">
+            <a:avLst/>
+          </a:prstGeom>
+          <a:solidFill>
+            <a:srgbClr val="92D050"/>
+          </a:solidFill>
+          <a:ln>
+            <a:solidFill>
+              <a:schemeClr val="tx1"/>
+            </a:solidFill>
+          </a:ln>
+        </p:spPr>
+        <p:style>
+          <a:lnRef idx="2">
+            <a:schemeClr val="accent1">
+              <a:shade val="50000"/>
+            </a:schemeClr>
+          </a:lnRef>
+          <a:fillRef idx="1">
+            <a:schemeClr val="accent1"/>
+          </a:fillRef>
+          <a:effectRef idx="0">
+            <a:schemeClr val="accent1"/>
+          </a:effectRef>
+          <a:fontRef idx="minor">
+            <a:schemeClr val="lt1"/>
+          </a:fontRef>
+        </p:style>
+        <p:txBody>
+          <a:bodyPr rtlCol="0" anchor="ctr"/>
+          <a:lstStyle/>
+          <a:p>
+            <a:pPr algn="ctr"/>
+            <a:r>
+              <a:rPr lang="zh-CN" altLang="en-US" dirty="0">
+                <a:solidFill>
+                  <a:schemeClr val="bg1"/>
+                </a:solidFill>
+                <a:latin typeface="+mn-ea"/>
+              </a:rPr>
+              <a:t>对象池</a:t>
+            </a:r>
+          </a:p>
+        </p:txBody>
+      </p:sp>
+      <p:sp>
+        <p:nvSpPr>
+          <p:cNvPr id="20" name="矩形: 圆角 19">
+            <a:extLst>
+              <a:ext uri="{FF2B5EF4-FFF2-40B4-BE49-F238E27FC236}">
+                <a16:creationId xmlns:a16="http://schemas.microsoft.com/office/drawing/2014/main" id="{134BB578-E324-4FE9-8C42-7EC725FDD365}"/>
+              </a:ext>
+            </a:extLst>
+          </p:cNvPr>
+          <p:cNvSpPr/>
+          <p:nvPr/>
+        </p:nvSpPr>
+        <p:spPr>
+          <a:xfrm>
+            <a:off x="3414089" y="4441447"/>
+            <a:ext cx="1560945" cy="581891"/>
+          </a:xfrm>
+          <a:prstGeom prst="roundRect">
+            <a:avLst/>
+          </a:prstGeom>
+          <a:solidFill>
+            <a:srgbClr val="92D050"/>
+          </a:solidFill>
+          <a:ln>
+            <a:solidFill>
+              <a:schemeClr val="tx1"/>
+            </a:solidFill>
+          </a:ln>
+        </p:spPr>
+        <p:style>
+          <a:lnRef idx="2">
+            <a:schemeClr val="accent1">
+              <a:shade val="50000"/>
+            </a:schemeClr>
+          </a:lnRef>
+          <a:fillRef idx="1">
+            <a:schemeClr val="accent1"/>
+          </a:fillRef>
+          <a:effectRef idx="0">
+            <a:schemeClr val="accent1"/>
+          </a:effectRef>
+          <a:fontRef idx="minor">
+            <a:schemeClr val="lt1"/>
+          </a:fontRef>
+        </p:style>
+        <p:txBody>
+          <a:bodyPr rtlCol="0" anchor="ctr"/>
+          <a:lstStyle/>
+          <a:p>
+            <a:pPr algn="ctr"/>
+            <a:r>
+              <a:rPr lang="zh-CN" altLang="en-US" dirty="0">
+                <a:solidFill>
+                  <a:schemeClr val="bg1"/>
+                </a:solidFill>
+                <a:latin typeface="+mn-ea"/>
+              </a:rPr>
+              <a:t>娘化</a:t>
+            </a:r>
+          </a:p>
+        </p:txBody>
+      </p:sp>
+      <p:sp>
+        <p:nvSpPr>
+          <p:cNvPr id="21" name="矩形: 圆角 20">
+            <a:extLst>
+              <a:ext uri="{FF2B5EF4-FFF2-40B4-BE49-F238E27FC236}">
+                <a16:creationId xmlns:a16="http://schemas.microsoft.com/office/drawing/2014/main" id="{FCE7CFA3-AD1C-4A06-9BE7-23552CCB8B08}"/>
+              </a:ext>
+            </a:extLst>
+          </p:cNvPr>
+          <p:cNvSpPr/>
+          <p:nvPr/>
+        </p:nvSpPr>
+        <p:spPr>
+          <a:xfrm>
+            <a:off x="4916823" y="2144922"/>
+            <a:ext cx="1560945" cy="581891"/>
+          </a:xfrm>
+          <a:prstGeom prst="roundRect">
+            <a:avLst/>
+          </a:prstGeom>
+          <a:solidFill>
+            <a:srgbClr val="92D050"/>
+          </a:solidFill>
+          <a:ln>
+            <a:solidFill>
+              <a:schemeClr val="tx1"/>
+            </a:solidFill>
+          </a:ln>
+        </p:spPr>
+        <p:style>
+          <a:lnRef idx="2">
+            <a:schemeClr val="accent1">
+              <a:shade val="50000"/>
+            </a:schemeClr>
+          </a:lnRef>
+          <a:fillRef idx="1">
+            <a:schemeClr val="accent1"/>
+          </a:fillRef>
+          <a:effectRef idx="0">
+            <a:schemeClr val="accent1"/>
+          </a:effectRef>
+          <a:fontRef idx="minor">
+            <a:schemeClr val="lt1"/>
+          </a:fontRef>
+        </p:style>
+        <p:txBody>
+          <a:bodyPr rtlCol="0" anchor="ctr"/>
+          <a:lstStyle/>
+          <a:p>
+            <a:pPr algn="ctr"/>
+            <a:r>
+              <a:rPr lang="zh-CN" altLang="en-US" dirty="0">
+                <a:solidFill>
+                  <a:schemeClr val="bg1"/>
+                </a:solidFill>
+                <a:latin typeface="+mn-ea"/>
+              </a:rPr>
+              <a:t>发布版本</a:t>
+            </a:r>
+          </a:p>
+        </p:txBody>
+      </p:sp>
+      <p:sp>
+        <p:nvSpPr>
+          <p:cNvPr id="22" name="矩形: 圆角 21">
+            <a:extLst>
+              <a:ext uri="{FF2B5EF4-FFF2-40B4-BE49-F238E27FC236}">
+                <a16:creationId xmlns:a16="http://schemas.microsoft.com/office/drawing/2014/main" id="{987C2EC4-467A-48E5-81EA-BD287E1DC4AF}"/>
+              </a:ext>
+            </a:extLst>
+          </p:cNvPr>
+          <p:cNvSpPr/>
+          <p:nvPr/>
+        </p:nvSpPr>
+        <p:spPr>
+          <a:xfrm>
+            <a:off x="4709004" y="4732392"/>
+            <a:ext cx="1560945" cy="581891"/>
+          </a:xfrm>
+          <a:prstGeom prst="roundRect">
+            <a:avLst/>
+          </a:prstGeom>
+          <a:solidFill>
+            <a:srgbClr val="92D050"/>
+          </a:solidFill>
+          <a:ln>
+            <a:solidFill>
+              <a:schemeClr val="tx1"/>
+            </a:solidFill>
+          </a:ln>
+        </p:spPr>
+        <p:style>
+          <a:lnRef idx="2">
+            <a:schemeClr val="accent1">
+              <a:shade val="50000"/>
+            </a:schemeClr>
+          </a:lnRef>
+          <a:fillRef idx="1">
+            <a:schemeClr val="accent1"/>
+          </a:fillRef>
+          <a:effectRef idx="0">
+            <a:schemeClr val="accent1"/>
+          </a:effectRef>
+          <a:fontRef idx="minor">
+            <a:schemeClr val="lt1"/>
+          </a:fontRef>
+        </p:style>
+        <p:txBody>
+          <a:bodyPr rtlCol="0" anchor="ctr"/>
+          <a:lstStyle/>
+          <a:p>
+            <a:pPr algn="ctr"/>
+            <a:r>
+              <a:rPr lang="en-US" altLang="zh-CN" dirty="0">
+                <a:solidFill>
+                  <a:schemeClr val="bg1"/>
+                </a:solidFill>
+                <a:latin typeface="+mn-ea"/>
+              </a:rPr>
+              <a:t>BUG</a:t>
+            </a:r>
+            <a:endParaRPr lang="zh-CN" altLang="en-US" dirty="0">
+              <a:solidFill>
+                <a:schemeClr val="bg1"/>
+              </a:solidFill>
+              <a:latin typeface="+mn-ea"/>
+            </a:endParaRPr>
+          </a:p>
+        </p:txBody>
+      </p:sp>
+      <p:sp>
+        <p:nvSpPr>
+          <p:cNvPr id="12" name="矩形: 圆角 11">
+            <a:extLst>
+              <a:ext uri="{FF2B5EF4-FFF2-40B4-BE49-F238E27FC236}">
+                <a16:creationId xmlns:a16="http://schemas.microsoft.com/office/drawing/2014/main" id="{E2B50213-A215-4382-B9B3-C12ABE80C909}"/>
+              </a:ext>
+            </a:extLst>
+          </p:cNvPr>
+          <p:cNvSpPr/>
+          <p:nvPr/>
+        </p:nvSpPr>
+        <p:spPr>
+          <a:xfrm>
+            <a:off x="6058638" y="2505100"/>
+            <a:ext cx="1560945" cy="581891"/>
+          </a:xfrm>
+          <a:prstGeom prst="roundRect">
+            <a:avLst/>
+          </a:prstGeom>
+          <a:solidFill>
+            <a:srgbClr val="92D050"/>
+          </a:solidFill>
+          <a:ln>
+            <a:solidFill>
+              <a:schemeClr val="tx1"/>
+            </a:solidFill>
+          </a:ln>
+        </p:spPr>
+        <p:style>
+          <a:lnRef idx="2">
+            <a:schemeClr val="accent1">
+              <a:shade val="50000"/>
+            </a:schemeClr>
+          </a:lnRef>
+          <a:fillRef idx="1">
+            <a:schemeClr val="accent1"/>
+          </a:fillRef>
+          <a:effectRef idx="0">
+            <a:schemeClr val="accent1"/>
+          </a:effectRef>
+          <a:fontRef idx="minor">
+            <a:schemeClr val="lt1"/>
+          </a:fontRef>
+        </p:style>
+        <p:txBody>
+          <a:bodyPr rtlCol="0" anchor="ctr"/>
+          <a:lstStyle/>
+          <a:p>
+            <a:pPr algn="ctr"/>
+            <a:r>
+              <a:rPr lang="zh-CN" altLang="en-US" dirty="0">
+                <a:solidFill>
+                  <a:schemeClr val="bg1"/>
+                </a:solidFill>
+              </a:rPr>
               <a:t>看板娘</a:t>
             </a:r>
-            <a:endParaRPr lang="en-US" altLang="zh-CN" dirty="0"/>
-          </a:p>
-          <a:p>
-            <a:r>
-              <a:rPr lang="zh-CN" altLang="en-US" dirty="0"/>
-              <a:t>鬼畜</a:t>
-            </a:r>
-            <a:endParaRPr lang="en-US" altLang="zh-CN" dirty="0"/>
-          </a:p>
-          <a:p>
-            <a:r>
-              <a:rPr lang="zh-CN" altLang="en-US" dirty="0"/>
-              <a:t>吃茶</a:t>
-            </a:r>
-            <a:endParaRPr lang="en-US" altLang="zh-CN" dirty="0"/>
-          </a:p>
-          <a:p>
-            <a:r>
-              <a:rPr lang="zh-CN" altLang="en-US" dirty="0"/>
-              <a:t>郭嘉</a:t>
-            </a:r>
-            <a:endParaRPr lang="en-US" altLang="zh-CN" dirty="0"/>
-          </a:p>
-          <a:p>
-            <a:endParaRPr lang="en-US" altLang="zh-CN" dirty="0"/>
-          </a:p>
-          <a:p>
-            <a:endParaRPr lang="zh-CN" altLang="en-US" dirty="0"/>
           </a:p>
         </p:txBody>
       </p:sp>
@@ -13463,43 +16007,60 @@
           <a:bodyPr/>
           <a:lstStyle/>
           <a:p>
+            <a:pPr algn="ctr"/>
             <a:endParaRPr lang="zh-CN" altLang="en-US" dirty="0"/>
           </a:p>
           <a:p>
+            <a:pPr algn="ctr"/>
             <a:endParaRPr lang="zh-CN" altLang="en-US" dirty="0"/>
           </a:p>
           <a:p>
+            <a:pPr marL="36900" indent="0" algn="ctr">
+              <a:buNone/>
+            </a:pPr>
             <a:r>
               <a:rPr lang="zh-CN" altLang="en-US" dirty="0"/>
               <a:t>不要忽略你没有理解的词 </a:t>
             </a:r>
           </a:p>
           <a:p>
+            <a:pPr marL="36900" indent="0" algn="ctr">
+              <a:buNone/>
+            </a:pPr>
             <a:r>
               <a:rPr lang="zh-CN" altLang="en-US" dirty="0"/>
               <a:t>学会说我没听懂 </a:t>
             </a:r>
           </a:p>
           <a:p>
+            <a:pPr marL="36900" indent="0" algn="ctr">
+              <a:buNone/>
+            </a:pPr>
             <a:r>
               <a:rPr lang="zh-CN" altLang="en-US" dirty="0"/>
               <a:t>努力学习新的语言环境 </a:t>
             </a:r>
           </a:p>
           <a:p>
+            <a:pPr marL="36900" indent="0" algn="ctr">
+              <a:buNone/>
+            </a:pPr>
             <a:r>
               <a:rPr lang="zh-CN" altLang="en-US" dirty="0"/>
               <a:t>掌握沟通目标领域中的词汇并灵活运用 </a:t>
             </a:r>
           </a:p>
           <a:p>
+            <a:pPr marL="36900" indent="0" algn="ctr">
+              <a:buNone/>
+            </a:pPr>
             <a:r>
               <a:rPr lang="zh-CN" altLang="en-US" dirty="0"/>
               <a:t>耐心解释 </a:t>
             </a:r>
           </a:p>
           <a:p>
-            <a:pPr marL="36900" indent="0">
+            <a:pPr marL="36900" indent="0" algn="ctr">
               <a:buNone/>
             </a:pPr>
             <a:endParaRPr lang="zh-CN" altLang="en-US" dirty="0"/>
@@ -14008,7 +16569,7 @@
   <a:extraClrSchemeLst/>
   <a:extLst>
     <a:ext uri="{05A4C25C-085E-4340-85A3-A5531E510DB2}">
-      <thm15:themeFamily xmlns:thm15="http://schemas.microsoft.com/office/thememl/2012/main" xmlns="" name="Slate" id="{C3F70B94-7CE9-428E-ADC1-3269CC2C3385}" vid="{3F2DE9A5-64E6-437C-A389-CC4477E817E8}"/>
+      <thm15:themeFamily xmlns:thm15="http://schemas.microsoft.com/office/thememl/2012/main" name="Slate" id="{C3F70B94-7CE9-428E-ADC1-3269CC2C3385}" vid="{3F2DE9A5-64E6-437C-A389-CC4477E817E8}"/>
     </a:ext>
   </a:extLst>
 </a:theme>
@@ -14303,7 +16864,7 @@
   <a:extraClrSchemeLst/>
   <a:extLst>
     <a:ext uri="{05A4C25C-085E-4340-85A3-A5531E510DB2}">
-      <thm15:themeFamily xmlns:thm15="http://schemas.microsoft.com/office/thememl/2012/main" xmlns="" name="Office Theme" id="{62F939B6-93AF-4DB8-9C6B-D6C7DFDC589F}" vid="{4A3C46E8-61CC-4603-A589-7422A47A8E4A}"/>
+      <thm15:themeFamily xmlns:thm15="http://schemas.microsoft.com/office/thememl/2012/main" name="Office Theme" id="{62F939B6-93AF-4DB8-9C6B-D6C7DFDC589F}" vid="{4A3C46E8-61CC-4603-A589-7422A47A8E4A}"/>
     </a:ext>
   </a:extLst>
 </a:theme>
